--- a/Final Presentation.pptx
+++ b/Final Presentation.pptx
@@ -16,18 +16,18 @@
     <p:sldId id="269" r:id="rId7"/>
     <p:sldId id="266" r:id="rId8"/>
     <p:sldId id="270" r:id="rId9"/>
-    <p:sldId id="271" r:id="rId10"/>
-    <p:sldId id="267" r:id="rId11"/>
-    <p:sldId id="272" r:id="rId12"/>
-    <p:sldId id="273" r:id="rId13"/>
+    <p:sldId id="283" r:id="rId10"/>
+    <p:sldId id="271" r:id="rId11"/>
+    <p:sldId id="267" r:id="rId12"/>
+    <p:sldId id="272" r:id="rId13"/>
     <p:sldId id="274" r:id="rId14"/>
-    <p:sldId id="275" r:id="rId15"/>
-    <p:sldId id="276" r:id="rId16"/>
-    <p:sldId id="277" r:id="rId17"/>
-    <p:sldId id="278" r:id="rId18"/>
-    <p:sldId id="279" r:id="rId19"/>
-    <p:sldId id="263" r:id="rId20"/>
-    <p:sldId id="258" r:id="rId21"/>
+    <p:sldId id="284" r:id="rId15"/>
+    <p:sldId id="275" r:id="rId16"/>
+    <p:sldId id="276" r:id="rId17"/>
+    <p:sldId id="277" r:id="rId18"/>
+    <p:sldId id="278" r:id="rId19"/>
+    <p:sldId id="279" r:id="rId20"/>
+    <p:sldId id="263" r:id="rId21"/>
   </p:sldIdLst>
   <p:sldSz cx="12192000" cy="6858000"/>
   <p:notesSz cx="6858000" cy="9144000"/>
@@ -1977,7 +1977,7 @@
 </file>
 
 <file path=ppt/diagrams/colors3.xml><?xml version="1.0" encoding="utf-8"?>
-<dgm:colorsDef xmlns:dgm="http://schemas.openxmlformats.org/drawingml/2006/diagram" xmlns:a="http://schemas.openxmlformats.org/drawingml/2006/main" uniqueId="urn:microsoft.com/office/officeart/2018/5/colors/Iconchunking_neutralicon_colorful1">
+<dgm:colorsDef xmlns:dgm="http://schemas.openxmlformats.org/drawingml/2006/diagram" xmlns:a="http://schemas.openxmlformats.org/drawingml/2006/main" uniqueId="urn:microsoft.com/office/officeart/2005/8/colors/colorful1">
   <dgm:title val=""/>
   <dgm:desc val=""/>
   <dgm:catLst>
@@ -1997,18 +1997,18 @@
   </dgm:styleLbl>
   <dgm:styleLbl name="node1">
     <dgm:fillClrLst meth="repeat">
-      <a:schemeClr val="bg1"/>
+      <a:schemeClr val="accent2"/>
+      <a:schemeClr val="accent3"/>
+      <a:schemeClr val="accent4"/>
+      <a:schemeClr val="accent5"/>
+      <a:schemeClr val="accent6"/>
     </dgm:fillClrLst>
     <dgm:linClrLst meth="repeat">
-      <a:schemeClr val="lt1">
-        <a:alpha val="0"/>
-      </a:schemeClr>
+      <a:schemeClr val="lt1"/>
     </dgm:linClrLst>
     <dgm:effectClrLst/>
     <dgm:txLinClrLst/>
-    <dgm:txFillClrLst meth="repeat">
-      <a:schemeClr val="dk1"/>
-    </dgm:txFillClrLst>
+    <dgm:txFillClrLst/>
     <dgm:txEffectClrLst/>
   </dgm:styleLbl>
   <dgm:styleLbl name="alignNode1">
@@ -2811,20 +2811,18 @@
   </dgm:styleLbl>
   <dgm:styleLbl name="bgShp">
     <dgm:fillClrLst meth="repeat">
-      <a:schemeClr val="accent2"/>
-      <a:schemeClr val="accent3"/>
-      <a:schemeClr val="accent4"/>
-      <a:schemeClr val="accent5"/>
-      <a:schemeClr val="accent6"/>
+      <a:schemeClr val="accent2">
+        <a:tint val="40000"/>
+      </a:schemeClr>
     </dgm:fillClrLst>
     <dgm:linClrLst meth="repeat">
-      <a:schemeClr val="lt1">
-        <a:alpha val="0"/>
-      </a:schemeClr>
+      <a:schemeClr val="dk1"/>
     </dgm:linClrLst>
     <dgm:effectClrLst/>
     <dgm:txLinClrLst/>
-    <dgm:txFillClrLst/>
+    <dgm:txFillClrLst meth="repeat">
+      <a:schemeClr val="dk1"/>
+    </dgm:txFillClrLst>
     <dgm:txEffectClrLst/>
   </dgm:styleLbl>
   <dgm:styleLbl name="dkBgShp">
@@ -2898,11 +2896,793 @@
 </file>
 
 <file path=ppt/diagrams/colors4.xml><?xml version="1.0" encoding="utf-8"?>
-<dgm:colorsDef xmlns:dgm="http://schemas.openxmlformats.org/drawingml/2006/diagram" xmlns:a="http://schemas.openxmlformats.org/drawingml/2006/main" uniqueId="urn:microsoft.com/office/officeart/2005/8/colors/accent1_2">
+<dgm:colorsDef xmlns:dgm="http://schemas.openxmlformats.org/drawingml/2006/diagram" xmlns:a="http://schemas.openxmlformats.org/drawingml/2006/main" uniqueId="urn:microsoft.com/office/officeart/2005/8/colors/colorful5">
   <dgm:title val=""/>
   <dgm:desc val=""/>
   <dgm:catLst>
-    <dgm:cat type="accent1" pri="11200"/>
+    <dgm:cat type="colorful" pri="10500"/>
+  </dgm:catLst>
+  <dgm:styleLbl name="node0">
+    <dgm:fillClrLst meth="repeat">
+      <a:schemeClr val="accent4"/>
+    </dgm:fillClrLst>
+    <dgm:linClrLst meth="repeat">
+      <a:schemeClr val="lt1"/>
+    </dgm:linClrLst>
+    <dgm:effectClrLst/>
+    <dgm:txLinClrLst/>
+    <dgm:txFillClrLst/>
+    <dgm:txEffectClrLst/>
+  </dgm:styleLbl>
+  <dgm:styleLbl name="node1">
+    <dgm:fillClrLst>
+      <a:schemeClr val="accent5"/>
+      <a:schemeClr val="accent6"/>
+    </dgm:fillClrLst>
+    <dgm:linClrLst meth="repeat">
+      <a:schemeClr val="lt1"/>
+    </dgm:linClrLst>
+    <dgm:effectClrLst/>
+    <dgm:txLinClrLst/>
+    <dgm:txFillClrLst/>
+    <dgm:txEffectClrLst/>
+  </dgm:styleLbl>
+  <dgm:styleLbl name="alignNode1">
+    <dgm:fillClrLst>
+      <a:schemeClr val="accent5"/>
+      <a:schemeClr val="accent6"/>
+    </dgm:fillClrLst>
+    <dgm:linClrLst>
+      <a:schemeClr val="accent5"/>
+      <a:schemeClr val="accent6"/>
+    </dgm:linClrLst>
+    <dgm:effectClrLst/>
+    <dgm:txLinClrLst/>
+    <dgm:txFillClrLst/>
+    <dgm:txEffectClrLst/>
+  </dgm:styleLbl>
+  <dgm:styleLbl name="lnNode1">
+    <dgm:fillClrLst>
+      <a:schemeClr val="accent5"/>
+      <a:schemeClr val="accent6"/>
+    </dgm:fillClrLst>
+    <dgm:linClrLst meth="repeat">
+      <a:schemeClr val="lt1"/>
+    </dgm:linClrLst>
+    <dgm:effectClrLst/>
+    <dgm:txLinClrLst/>
+    <dgm:txFillClrLst/>
+    <dgm:txEffectClrLst/>
+  </dgm:styleLbl>
+  <dgm:styleLbl name="vennNode1">
+    <dgm:fillClrLst>
+      <a:schemeClr val="accent5">
+        <a:alpha val="50000"/>
+      </a:schemeClr>
+      <a:schemeClr val="accent6">
+        <a:alpha val="50000"/>
+      </a:schemeClr>
+    </dgm:fillClrLst>
+    <dgm:linClrLst meth="repeat">
+      <a:schemeClr val="lt1"/>
+    </dgm:linClrLst>
+    <dgm:effectClrLst/>
+    <dgm:txLinClrLst/>
+    <dgm:txFillClrLst/>
+    <dgm:txEffectClrLst/>
+  </dgm:styleLbl>
+  <dgm:styleLbl name="node2">
+    <dgm:fillClrLst>
+      <a:schemeClr val="accent6"/>
+    </dgm:fillClrLst>
+    <dgm:linClrLst meth="repeat">
+      <a:schemeClr val="lt1"/>
+    </dgm:linClrLst>
+    <dgm:effectClrLst/>
+    <dgm:txLinClrLst/>
+    <dgm:txFillClrLst/>
+    <dgm:txEffectClrLst/>
+  </dgm:styleLbl>
+  <dgm:styleLbl name="node3">
+    <dgm:fillClrLst>
+      <a:schemeClr val="accent1"/>
+    </dgm:fillClrLst>
+    <dgm:linClrLst meth="repeat">
+      <a:schemeClr val="lt1"/>
+    </dgm:linClrLst>
+    <dgm:effectClrLst/>
+    <dgm:txLinClrLst/>
+    <dgm:txFillClrLst/>
+    <dgm:txEffectClrLst/>
+  </dgm:styleLbl>
+  <dgm:styleLbl name="node4">
+    <dgm:fillClrLst>
+      <a:schemeClr val="accent2"/>
+    </dgm:fillClrLst>
+    <dgm:linClrLst meth="repeat">
+      <a:schemeClr val="lt1"/>
+    </dgm:linClrLst>
+    <dgm:effectClrLst/>
+    <dgm:txLinClrLst/>
+    <dgm:txFillClrLst/>
+    <dgm:txEffectClrLst/>
+  </dgm:styleLbl>
+  <dgm:styleLbl name="fgImgPlace1">
+    <dgm:fillClrLst>
+      <a:schemeClr val="accent5">
+        <a:tint val="50000"/>
+      </a:schemeClr>
+      <a:schemeClr val="accent6">
+        <a:tint val="50000"/>
+      </a:schemeClr>
+    </dgm:fillClrLst>
+    <dgm:linClrLst meth="repeat">
+      <a:schemeClr val="lt1"/>
+    </dgm:linClrLst>
+    <dgm:effectClrLst/>
+    <dgm:txLinClrLst/>
+    <dgm:txFillClrLst meth="repeat">
+      <a:schemeClr val="lt1"/>
+    </dgm:txFillClrLst>
+    <dgm:txEffectClrLst/>
+  </dgm:styleLbl>
+  <dgm:styleLbl name="alignImgPlace1">
+    <dgm:fillClrLst>
+      <a:schemeClr val="accent5">
+        <a:tint val="50000"/>
+      </a:schemeClr>
+      <a:schemeClr val="accent6">
+        <a:tint val="20000"/>
+      </a:schemeClr>
+    </dgm:fillClrLst>
+    <dgm:linClrLst meth="repeat">
+      <a:schemeClr val="lt1"/>
+    </dgm:linClrLst>
+    <dgm:effectClrLst/>
+    <dgm:txLinClrLst/>
+    <dgm:txFillClrLst meth="repeat">
+      <a:schemeClr val="lt1"/>
+    </dgm:txFillClrLst>
+    <dgm:txEffectClrLst/>
+  </dgm:styleLbl>
+  <dgm:styleLbl name="bgImgPlace1">
+    <dgm:fillClrLst>
+      <a:schemeClr val="accent5">
+        <a:tint val="50000"/>
+      </a:schemeClr>
+      <a:schemeClr val="accent6">
+        <a:tint val="20000"/>
+      </a:schemeClr>
+    </dgm:fillClrLst>
+    <dgm:linClrLst meth="repeat">
+      <a:schemeClr val="lt1"/>
+    </dgm:linClrLst>
+    <dgm:effectClrLst/>
+    <dgm:txLinClrLst/>
+    <dgm:txFillClrLst meth="repeat">
+      <a:schemeClr val="lt1"/>
+    </dgm:txFillClrLst>
+    <dgm:txEffectClrLst/>
+  </dgm:styleLbl>
+  <dgm:styleLbl name="sibTrans2D1">
+    <dgm:fillClrLst>
+      <a:schemeClr val="accent5"/>
+      <a:schemeClr val="accent6"/>
+    </dgm:fillClrLst>
+    <dgm:linClrLst meth="repeat">
+      <a:schemeClr val="lt1"/>
+    </dgm:linClrLst>
+    <dgm:effectClrLst/>
+    <dgm:txLinClrLst/>
+    <dgm:txFillClrLst/>
+    <dgm:txEffectClrLst/>
+  </dgm:styleLbl>
+  <dgm:styleLbl name="fgSibTrans2D1">
+    <dgm:fillClrLst>
+      <a:schemeClr val="accent5"/>
+      <a:schemeClr val="accent6"/>
+    </dgm:fillClrLst>
+    <dgm:linClrLst meth="repeat">
+      <a:schemeClr val="lt1"/>
+    </dgm:linClrLst>
+    <dgm:effectClrLst/>
+    <dgm:txLinClrLst/>
+    <dgm:txFillClrLst meth="repeat">
+      <a:schemeClr val="lt1"/>
+    </dgm:txFillClrLst>
+    <dgm:txEffectClrLst/>
+  </dgm:styleLbl>
+  <dgm:styleLbl name="bgSibTrans2D1">
+    <dgm:fillClrLst>
+      <a:schemeClr val="accent5"/>
+      <a:schemeClr val="accent6"/>
+    </dgm:fillClrLst>
+    <dgm:linClrLst meth="repeat">
+      <a:schemeClr val="lt1"/>
+    </dgm:linClrLst>
+    <dgm:effectClrLst/>
+    <dgm:txLinClrLst/>
+    <dgm:txFillClrLst meth="repeat">
+      <a:schemeClr val="lt1"/>
+    </dgm:txFillClrLst>
+    <dgm:txEffectClrLst/>
+  </dgm:styleLbl>
+  <dgm:styleLbl name="sibTrans1D1">
+    <dgm:fillClrLst/>
+    <dgm:linClrLst>
+      <a:schemeClr val="accent5"/>
+      <a:schemeClr val="accent6"/>
+    </dgm:linClrLst>
+    <dgm:effectClrLst/>
+    <dgm:txLinClrLst/>
+    <dgm:txFillClrLst meth="repeat">
+      <a:schemeClr val="tx1"/>
+    </dgm:txFillClrLst>
+    <dgm:txEffectClrLst/>
+  </dgm:styleLbl>
+  <dgm:styleLbl name="callout">
+    <dgm:fillClrLst meth="repeat">
+      <a:schemeClr val="accent5"/>
+    </dgm:fillClrLst>
+    <dgm:linClrLst meth="repeat">
+      <a:schemeClr val="accent5">
+        <a:tint val="50000"/>
+      </a:schemeClr>
+    </dgm:linClrLst>
+    <dgm:effectClrLst/>
+    <dgm:txLinClrLst/>
+    <dgm:txFillClrLst meth="repeat">
+      <a:schemeClr val="tx1"/>
+    </dgm:txFillClrLst>
+    <dgm:txEffectClrLst/>
+  </dgm:styleLbl>
+  <dgm:styleLbl name="asst0">
+    <dgm:fillClrLst meth="repeat">
+      <a:schemeClr val="accent5"/>
+    </dgm:fillClrLst>
+    <dgm:linClrLst meth="repeat">
+      <a:schemeClr val="lt1">
+        <a:shade val="80000"/>
+      </a:schemeClr>
+    </dgm:linClrLst>
+    <dgm:effectClrLst/>
+    <dgm:txLinClrLst/>
+    <dgm:txFillClrLst/>
+    <dgm:txEffectClrLst/>
+  </dgm:styleLbl>
+  <dgm:styleLbl name="asst1">
+    <dgm:fillClrLst meth="repeat">
+      <a:schemeClr val="accent6"/>
+    </dgm:fillClrLst>
+    <dgm:linClrLst meth="repeat">
+      <a:schemeClr val="lt1">
+        <a:shade val="80000"/>
+      </a:schemeClr>
+    </dgm:linClrLst>
+    <dgm:effectClrLst/>
+    <dgm:txLinClrLst/>
+    <dgm:txFillClrLst/>
+    <dgm:txEffectClrLst/>
+  </dgm:styleLbl>
+  <dgm:styleLbl name="asst2">
+    <dgm:fillClrLst>
+      <a:schemeClr val="accent1"/>
+    </dgm:fillClrLst>
+    <dgm:linClrLst meth="repeat">
+      <a:schemeClr val="lt1"/>
+    </dgm:linClrLst>
+    <dgm:effectClrLst/>
+    <dgm:txLinClrLst/>
+    <dgm:txFillClrLst/>
+    <dgm:txEffectClrLst/>
+  </dgm:styleLbl>
+  <dgm:styleLbl name="asst3">
+    <dgm:fillClrLst>
+      <a:schemeClr val="accent2"/>
+    </dgm:fillClrLst>
+    <dgm:linClrLst meth="repeat">
+      <a:schemeClr val="lt1"/>
+    </dgm:linClrLst>
+    <dgm:effectClrLst/>
+    <dgm:txLinClrLst/>
+    <dgm:txFillClrLst/>
+    <dgm:txEffectClrLst/>
+  </dgm:styleLbl>
+  <dgm:styleLbl name="asst4">
+    <dgm:fillClrLst>
+      <a:schemeClr val="accent3"/>
+    </dgm:fillClrLst>
+    <dgm:linClrLst meth="repeat">
+      <a:schemeClr val="lt1"/>
+    </dgm:linClrLst>
+    <dgm:effectClrLst/>
+    <dgm:txLinClrLst/>
+    <dgm:txFillClrLst/>
+    <dgm:txEffectClrLst/>
+  </dgm:styleLbl>
+  <dgm:styleLbl name="parChTrans2D1">
+    <dgm:fillClrLst meth="repeat">
+      <a:schemeClr val="accent5"/>
+    </dgm:fillClrLst>
+    <dgm:linClrLst meth="repeat">
+      <a:schemeClr val="lt1"/>
+    </dgm:linClrLst>
+    <dgm:effectClrLst/>
+    <dgm:txLinClrLst/>
+    <dgm:txFillClrLst meth="repeat">
+      <a:schemeClr val="lt1"/>
+    </dgm:txFillClrLst>
+    <dgm:txEffectClrLst/>
+  </dgm:styleLbl>
+  <dgm:styleLbl name="parChTrans2D2">
+    <dgm:fillClrLst meth="repeat">
+      <a:schemeClr val="accent6"/>
+    </dgm:fillClrLst>
+    <dgm:linClrLst meth="repeat">
+      <a:schemeClr val="lt1"/>
+    </dgm:linClrLst>
+    <dgm:effectClrLst/>
+    <dgm:txLinClrLst/>
+    <dgm:txFillClrLst/>
+    <dgm:txEffectClrLst/>
+  </dgm:styleLbl>
+  <dgm:styleLbl name="parChTrans2D3">
+    <dgm:fillClrLst meth="repeat">
+      <a:schemeClr val="accent6"/>
+    </dgm:fillClrLst>
+    <dgm:linClrLst meth="repeat">
+      <a:schemeClr val="lt1"/>
+    </dgm:linClrLst>
+    <dgm:effectClrLst/>
+    <dgm:txLinClrLst/>
+    <dgm:txFillClrLst/>
+    <dgm:txEffectClrLst/>
+  </dgm:styleLbl>
+  <dgm:styleLbl name="parChTrans2D4">
+    <dgm:fillClrLst meth="repeat">
+      <a:schemeClr val="accent1"/>
+    </dgm:fillClrLst>
+    <dgm:linClrLst meth="repeat">
+      <a:schemeClr val="lt1"/>
+    </dgm:linClrLst>
+    <dgm:effectClrLst/>
+    <dgm:txLinClrLst/>
+    <dgm:txFillClrLst meth="repeat">
+      <a:schemeClr val="lt1"/>
+    </dgm:txFillClrLst>
+    <dgm:txEffectClrLst/>
+  </dgm:styleLbl>
+  <dgm:styleLbl name="parChTrans1D1">
+    <dgm:fillClrLst meth="repeat">
+      <a:schemeClr val="accent5"/>
+    </dgm:fillClrLst>
+    <dgm:linClrLst meth="repeat">
+      <a:schemeClr val="accent5"/>
+    </dgm:linClrLst>
+    <dgm:effectClrLst/>
+    <dgm:txLinClrLst/>
+    <dgm:txFillClrLst meth="repeat">
+      <a:schemeClr val="tx1"/>
+    </dgm:txFillClrLst>
+    <dgm:txEffectClrLst/>
+  </dgm:styleLbl>
+  <dgm:styleLbl name="parChTrans1D2">
+    <dgm:fillClrLst meth="repeat">
+      <a:schemeClr val="accent6">
+        <a:tint val="90000"/>
+      </a:schemeClr>
+    </dgm:fillClrLst>
+    <dgm:linClrLst meth="repeat">
+      <a:schemeClr val="accent6"/>
+    </dgm:linClrLst>
+    <dgm:effectClrLst/>
+    <dgm:txLinClrLst/>
+    <dgm:txFillClrLst meth="repeat">
+      <a:schemeClr val="tx1"/>
+    </dgm:txFillClrLst>
+    <dgm:txEffectClrLst/>
+  </dgm:styleLbl>
+  <dgm:styleLbl name="parChTrans1D3">
+    <dgm:fillClrLst meth="repeat">
+      <a:schemeClr val="accent6">
+        <a:tint val="70000"/>
+      </a:schemeClr>
+    </dgm:fillClrLst>
+    <dgm:linClrLst meth="repeat">
+      <a:schemeClr val="accent1"/>
+    </dgm:linClrLst>
+    <dgm:effectClrLst/>
+    <dgm:txLinClrLst/>
+    <dgm:txFillClrLst meth="repeat">
+      <a:schemeClr val="tx1"/>
+    </dgm:txFillClrLst>
+    <dgm:txEffectClrLst/>
+  </dgm:styleLbl>
+  <dgm:styleLbl name="parChTrans1D4">
+    <dgm:fillClrLst meth="repeat">
+      <a:schemeClr val="accent6">
+        <a:tint val="50000"/>
+      </a:schemeClr>
+    </dgm:fillClrLst>
+    <dgm:linClrLst meth="repeat">
+      <a:schemeClr val="accent2"/>
+    </dgm:linClrLst>
+    <dgm:effectClrLst/>
+    <dgm:txLinClrLst/>
+    <dgm:txFillClrLst meth="repeat">
+      <a:schemeClr val="tx1"/>
+    </dgm:txFillClrLst>
+    <dgm:txEffectClrLst/>
+  </dgm:styleLbl>
+  <dgm:styleLbl name="fgAcc1">
+    <dgm:fillClrLst meth="repeat">
+      <a:schemeClr val="lt1">
+        <a:alpha val="90000"/>
+      </a:schemeClr>
+    </dgm:fillClrLst>
+    <dgm:linClrLst>
+      <a:schemeClr val="accent5"/>
+      <a:schemeClr val="accent6"/>
+    </dgm:linClrLst>
+    <dgm:effectClrLst/>
+    <dgm:txLinClrLst/>
+    <dgm:txFillClrLst meth="repeat">
+      <a:schemeClr val="dk1"/>
+    </dgm:txFillClrLst>
+    <dgm:txEffectClrLst/>
+  </dgm:styleLbl>
+  <dgm:styleLbl name="conFgAcc1">
+    <dgm:fillClrLst meth="repeat">
+      <a:schemeClr val="lt1">
+        <a:alpha val="90000"/>
+      </a:schemeClr>
+    </dgm:fillClrLst>
+    <dgm:linClrLst>
+      <a:schemeClr val="accent5"/>
+      <a:schemeClr val="accent6"/>
+    </dgm:linClrLst>
+    <dgm:effectClrLst/>
+    <dgm:txLinClrLst/>
+    <dgm:txFillClrLst meth="repeat">
+      <a:schemeClr val="dk1"/>
+    </dgm:txFillClrLst>
+    <dgm:txEffectClrLst/>
+  </dgm:styleLbl>
+  <dgm:styleLbl name="alignAcc1">
+    <dgm:fillClrLst meth="repeat">
+      <a:schemeClr val="lt1">
+        <a:alpha val="90000"/>
+      </a:schemeClr>
+    </dgm:fillClrLst>
+    <dgm:linClrLst>
+      <a:schemeClr val="accent5"/>
+      <a:schemeClr val="accent6"/>
+    </dgm:linClrLst>
+    <dgm:effectClrLst/>
+    <dgm:txLinClrLst/>
+    <dgm:txFillClrLst meth="repeat">
+      <a:schemeClr val="dk1"/>
+    </dgm:txFillClrLst>
+    <dgm:txEffectClrLst/>
+  </dgm:styleLbl>
+  <dgm:styleLbl name="trAlignAcc1">
+    <dgm:fillClrLst meth="repeat">
+      <a:schemeClr val="lt1">
+        <a:alpha val="40000"/>
+      </a:schemeClr>
+    </dgm:fillClrLst>
+    <dgm:linClrLst meth="repeat">
+      <a:schemeClr val="accent5"/>
+    </dgm:linClrLst>
+    <dgm:effectClrLst/>
+    <dgm:txLinClrLst/>
+    <dgm:txFillClrLst meth="repeat">
+      <a:schemeClr val="dk1"/>
+    </dgm:txFillClrLst>
+    <dgm:txEffectClrLst/>
+  </dgm:styleLbl>
+  <dgm:styleLbl name="bgAcc1">
+    <dgm:fillClrLst meth="repeat">
+      <a:schemeClr val="lt1">
+        <a:alpha val="90000"/>
+      </a:schemeClr>
+    </dgm:fillClrLst>
+    <dgm:linClrLst>
+      <a:schemeClr val="accent5"/>
+      <a:schemeClr val="accent6"/>
+    </dgm:linClrLst>
+    <dgm:effectClrLst/>
+    <dgm:txLinClrLst/>
+    <dgm:txFillClrLst meth="repeat">
+      <a:schemeClr val="dk1"/>
+    </dgm:txFillClrLst>
+    <dgm:txEffectClrLst/>
+  </dgm:styleLbl>
+  <dgm:styleLbl name="solidFgAcc1">
+    <dgm:fillClrLst meth="repeat">
+      <a:schemeClr val="lt1"/>
+    </dgm:fillClrLst>
+    <dgm:linClrLst>
+      <a:schemeClr val="accent5"/>
+      <a:schemeClr val="accent6"/>
+    </dgm:linClrLst>
+    <dgm:effectClrLst/>
+    <dgm:txLinClrLst/>
+    <dgm:txFillClrLst meth="repeat">
+      <a:schemeClr val="dk1"/>
+    </dgm:txFillClrLst>
+    <dgm:txEffectClrLst/>
+  </dgm:styleLbl>
+  <dgm:styleLbl name="solidAlignAcc1">
+    <dgm:fillClrLst meth="repeat">
+      <a:schemeClr val="lt1"/>
+    </dgm:fillClrLst>
+    <dgm:linClrLst>
+      <a:schemeClr val="accent5"/>
+      <a:schemeClr val="accent6"/>
+    </dgm:linClrLst>
+    <dgm:effectClrLst/>
+    <dgm:txLinClrLst/>
+    <dgm:txFillClrLst meth="repeat">
+      <a:schemeClr val="dk1"/>
+    </dgm:txFillClrLst>
+    <dgm:txEffectClrLst/>
+  </dgm:styleLbl>
+  <dgm:styleLbl name="solidBgAcc1">
+    <dgm:fillClrLst meth="repeat">
+      <a:schemeClr val="lt1"/>
+    </dgm:fillClrLst>
+    <dgm:linClrLst>
+      <a:schemeClr val="accent5"/>
+      <a:schemeClr val="accent6"/>
+    </dgm:linClrLst>
+    <dgm:effectClrLst/>
+    <dgm:txLinClrLst/>
+    <dgm:txFillClrLst meth="repeat">
+      <a:schemeClr val="dk1"/>
+    </dgm:txFillClrLst>
+    <dgm:txEffectClrLst/>
+  </dgm:styleLbl>
+  <dgm:styleLbl name="fgAccFollowNode1">
+    <dgm:fillClrLst>
+      <a:schemeClr val="accent5">
+        <a:tint val="40000"/>
+        <a:alpha val="90000"/>
+      </a:schemeClr>
+      <a:schemeClr val="accent6">
+        <a:tint val="40000"/>
+        <a:alpha val="90000"/>
+      </a:schemeClr>
+    </dgm:fillClrLst>
+    <dgm:linClrLst>
+      <a:schemeClr val="accent5">
+        <a:tint val="40000"/>
+        <a:alpha val="90000"/>
+      </a:schemeClr>
+      <a:schemeClr val="accent5">
+        <a:tint val="40000"/>
+        <a:alpha val="90000"/>
+      </a:schemeClr>
+    </dgm:linClrLst>
+    <dgm:effectClrLst/>
+    <dgm:txLinClrLst/>
+    <dgm:txFillClrLst meth="repeat">
+      <a:schemeClr val="dk1"/>
+    </dgm:txFillClrLst>
+    <dgm:txEffectClrLst/>
+  </dgm:styleLbl>
+  <dgm:styleLbl name="alignAccFollowNode1">
+    <dgm:fillClrLst>
+      <a:schemeClr val="accent5">
+        <a:tint val="40000"/>
+        <a:alpha val="90000"/>
+      </a:schemeClr>
+      <a:schemeClr val="accent6">
+        <a:tint val="40000"/>
+        <a:alpha val="90000"/>
+      </a:schemeClr>
+    </dgm:fillClrLst>
+    <dgm:linClrLst>
+      <a:schemeClr val="accent5">
+        <a:tint val="40000"/>
+        <a:alpha val="90000"/>
+      </a:schemeClr>
+      <a:schemeClr val="accent6">
+        <a:tint val="40000"/>
+        <a:alpha val="90000"/>
+      </a:schemeClr>
+    </dgm:linClrLst>
+    <dgm:effectClrLst/>
+    <dgm:txLinClrLst/>
+    <dgm:txFillClrLst meth="repeat">
+      <a:schemeClr val="dk1"/>
+    </dgm:txFillClrLst>
+    <dgm:txEffectClrLst/>
+  </dgm:styleLbl>
+  <dgm:styleLbl name="bgAccFollowNode1">
+    <dgm:fillClrLst>
+      <a:schemeClr val="accent5">
+        <a:tint val="40000"/>
+        <a:alpha val="90000"/>
+      </a:schemeClr>
+      <a:schemeClr val="accent6">
+        <a:tint val="40000"/>
+        <a:alpha val="90000"/>
+      </a:schemeClr>
+    </dgm:fillClrLst>
+    <dgm:linClrLst>
+      <a:schemeClr val="accent5">
+        <a:tint val="40000"/>
+        <a:alpha val="90000"/>
+      </a:schemeClr>
+      <a:schemeClr val="accent6">
+        <a:tint val="40000"/>
+        <a:alpha val="90000"/>
+      </a:schemeClr>
+    </dgm:linClrLst>
+    <dgm:effectClrLst/>
+    <dgm:txLinClrLst/>
+    <dgm:txFillClrLst meth="repeat">
+      <a:schemeClr val="dk1"/>
+    </dgm:txFillClrLst>
+    <dgm:txEffectClrLst/>
+  </dgm:styleLbl>
+  <dgm:styleLbl name="fgAcc0">
+    <dgm:fillClrLst meth="repeat">
+      <a:schemeClr val="lt1">
+        <a:alpha val="90000"/>
+      </a:schemeClr>
+    </dgm:fillClrLst>
+    <dgm:linClrLst>
+      <a:schemeClr val="accent4"/>
+    </dgm:linClrLst>
+    <dgm:effectClrLst/>
+    <dgm:txLinClrLst/>
+    <dgm:txFillClrLst meth="repeat">
+      <a:schemeClr val="dk1"/>
+    </dgm:txFillClrLst>
+    <dgm:txEffectClrLst/>
+  </dgm:styleLbl>
+  <dgm:styleLbl name="fgAcc2">
+    <dgm:fillClrLst meth="repeat">
+      <a:schemeClr val="lt1">
+        <a:alpha val="90000"/>
+      </a:schemeClr>
+    </dgm:fillClrLst>
+    <dgm:linClrLst>
+      <a:schemeClr val="accent6"/>
+    </dgm:linClrLst>
+    <dgm:effectClrLst/>
+    <dgm:txLinClrLst/>
+    <dgm:txFillClrLst meth="repeat">
+      <a:schemeClr val="dk1"/>
+    </dgm:txFillClrLst>
+    <dgm:txEffectClrLst/>
+  </dgm:styleLbl>
+  <dgm:styleLbl name="fgAcc3">
+    <dgm:fillClrLst meth="repeat">
+      <a:schemeClr val="lt1">
+        <a:alpha val="90000"/>
+      </a:schemeClr>
+    </dgm:fillClrLst>
+    <dgm:linClrLst>
+      <a:schemeClr val="accent1"/>
+    </dgm:linClrLst>
+    <dgm:effectClrLst/>
+    <dgm:txLinClrLst/>
+    <dgm:txFillClrLst meth="repeat">
+      <a:schemeClr val="dk1"/>
+    </dgm:txFillClrLst>
+    <dgm:txEffectClrLst/>
+  </dgm:styleLbl>
+  <dgm:styleLbl name="fgAcc4">
+    <dgm:fillClrLst meth="repeat">
+      <a:schemeClr val="lt1">
+        <a:alpha val="90000"/>
+      </a:schemeClr>
+    </dgm:fillClrLst>
+    <dgm:linClrLst>
+      <a:schemeClr val="accent2"/>
+    </dgm:linClrLst>
+    <dgm:effectClrLst/>
+    <dgm:txLinClrLst/>
+    <dgm:txFillClrLst meth="repeat">
+      <a:schemeClr val="dk1"/>
+    </dgm:txFillClrLst>
+    <dgm:txEffectClrLst/>
+  </dgm:styleLbl>
+  <dgm:styleLbl name="bgShp">
+    <dgm:fillClrLst meth="repeat">
+      <a:schemeClr val="accent5">
+        <a:tint val="40000"/>
+      </a:schemeClr>
+    </dgm:fillClrLst>
+    <dgm:linClrLst meth="repeat">
+      <a:schemeClr val="dk1"/>
+    </dgm:linClrLst>
+    <dgm:effectClrLst/>
+    <dgm:txLinClrLst/>
+    <dgm:txFillClrLst meth="repeat">
+      <a:schemeClr val="dk1"/>
+    </dgm:txFillClrLst>
+    <dgm:txEffectClrLst/>
+  </dgm:styleLbl>
+  <dgm:styleLbl name="dkBgShp">
+    <dgm:fillClrLst meth="repeat">
+      <a:schemeClr val="accent5">
+        <a:shade val="90000"/>
+      </a:schemeClr>
+    </dgm:fillClrLst>
+    <dgm:linClrLst meth="repeat">
+      <a:schemeClr val="dk1"/>
+    </dgm:linClrLst>
+    <dgm:effectClrLst/>
+    <dgm:txLinClrLst/>
+    <dgm:txFillClrLst meth="repeat">
+      <a:schemeClr val="lt1"/>
+    </dgm:txFillClrLst>
+    <dgm:txEffectClrLst/>
+  </dgm:styleLbl>
+  <dgm:styleLbl name="trBgShp">
+    <dgm:fillClrLst meth="repeat">
+      <a:schemeClr val="accent5">
+        <a:tint val="50000"/>
+        <a:alpha val="40000"/>
+      </a:schemeClr>
+    </dgm:fillClrLst>
+    <dgm:linClrLst meth="repeat">
+      <a:schemeClr val="accent5"/>
+    </dgm:linClrLst>
+    <dgm:effectClrLst/>
+    <dgm:txLinClrLst/>
+    <dgm:txFillClrLst meth="repeat">
+      <a:schemeClr val="lt1"/>
+    </dgm:txFillClrLst>
+    <dgm:txEffectClrLst/>
+  </dgm:styleLbl>
+  <dgm:styleLbl name="fgShp">
+    <dgm:fillClrLst meth="repeat">
+      <a:schemeClr val="accent5">
+        <a:tint val="40000"/>
+      </a:schemeClr>
+    </dgm:fillClrLst>
+    <dgm:linClrLst meth="repeat">
+      <a:schemeClr val="lt1"/>
+    </dgm:linClrLst>
+    <dgm:effectClrLst/>
+    <dgm:txLinClrLst/>
+    <dgm:txFillClrLst meth="repeat">
+      <a:schemeClr val="dk1"/>
+    </dgm:txFillClrLst>
+    <dgm:txEffectClrLst/>
+  </dgm:styleLbl>
+  <dgm:styleLbl name="revTx">
+    <dgm:fillClrLst meth="repeat">
+      <a:schemeClr val="lt1">
+        <a:alpha val="0"/>
+      </a:schemeClr>
+    </dgm:fillClrLst>
+    <dgm:linClrLst meth="repeat">
+      <a:schemeClr val="dk1">
+        <a:alpha val="0"/>
+      </a:schemeClr>
+    </dgm:linClrLst>
+    <dgm:effectClrLst/>
+    <dgm:txLinClrLst/>
+    <dgm:txFillClrLst meth="repeat">
+      <a:schemeClr val="tx1"/>
+    </dgm:txFillClrLst>
+    <dgm:txEffectClrLst/>
+  </dgm:styleLbl>
+</dgm:colorsDef>
+</file>
+
+<file path=ppt/diagrams/colors5.xml><?xml version="1.0" encoding="utf-8"?>
+<dgm:colorsDef xmlns:dgm="http://schemas.openxmlformats.org/drawingml/2006/diagram" xmlns:a="http://schemas.openxmlformats.org/drawingml/2006/main" uniqueId="urn:microsoft.com/office/officeart/2018/5/colors/Iconchunking_neutralicon_colorful1">
+  <dgm:title val=""/>
+  <dgm:desc val=""/>
+  <dgm:catLst>
+    <dgm:cat type="colorful" pri="10100"/>
   </dgm:catLst>
   <dgm:styleLbl name="node0">
     <dgm:fillClrLst meth="repeat">
@@ -2916,21 +3696,49 @@
     <dgm:txFillClrLst/>
     <dgm:txEffectClrLst/>
   </dgm:styleLbl>
+  <dgm:styleLbl name="node1">
+    <dgm:fillClrLst meth="repeat">
+      <a:schemeClr val="bg1"/>
+    </dgm:fillClrLst>
+    <dgm:linClrLst meth="repeat">
+      <a:schemeClr val="lt1">
+        <a:alpha val="0"/>
+      </a:schemeClr>
+    </dgm:linClrLst>
+    <dgm:effectClrLst/>
+    <dgm:txLinClrLst/>
+    <dgm:txFillClrLst meth="repeat">
+      <a:schemeClr val="dk1"/>
+    </dgm:txFillClrLst>
+    <dgm:txEffectClrLst/>
+  </dgm:styleLbl>
   <dgm:styleLbl name="alignNode1">
     <dgm:fillClrLst meth="repeat">
-      <a:schemeClr val="accent1"/>
+      <a:schemeClr val="accent2"/>
+      <a:schemeClr val="accent3"/>
+      <a:schemeClr val="accent4"/>
+      <a:schemeClr val="accent5"/>
+      <a:schemeClr val="accent6"/>
     </dgm:fillClrLst>
     <dgm:linClrLst meth="repeat">
-      <a:schemeClr val="accent1"/>
+      <a:schemeClr val="accent2"/>
+      <a:schemeClr val="accent3"/>
+      <a:schemeClr val="accent4"/>
+      <a:schemeClr val="accent5"/>
+      <a:schemeClr val="accent6"/>
     </dgm:linClrLst>
     <dgm:effectClrLst/>
     <dgm:txLinClrLst/>
     <dgm:txFillClrLst/>
     <dgm:txEffectClrLst/>
   </dgm:styleLbl>
-  <dgm:styleLbl name="node1">
+  <dgm:styleLbl name="lnNode1">
     <dgm:fillClrLst meth="repeat">
-      <a:schemeClr val="accent1"/>
+      <a:schemeClr val="accent2"/>
+      <a:schemeClr val="accent3"/>
+      <a:schemeClr val="accent4"/>
+      <a:schemeClr val="accent5"/>
+      <a:schemeClr val="accent6"/>
     </dgm:fillClrLst>
     <dgm:linClrLst meth="repeat">
       <a:schemeClr val="lt1"/>
@@ -2940,9 +3748,23 @@
     <dgm:txFillClrLst/>
     <dgm:txEffectClrLst/>
   </dgm:styleLbl>
-  <dgm:styleLbl name="lnNode1">
+  <dgm:styleLbl name="vennNode1">
     <dgm:fillClrLst meth="repeat">
-      <a:schemeClr val="accent1"/>
+      <a:schemeClr val="accent2">
+        <a:alpha val="50000"/>
+      </a:schemeClr>
+      <a:schemeClr val="accent3">
+        <a:alpha val="50000"/>
+      </a:schemeClr>
+      <a:schemeClr val="accent4">
+        <a:alpha val="50000"/>
+      </a:schemeClr>
+      <a:schemeClr val="accent5">
+        <a:alpha val="50000"/>
+      </a:schemeClr>
+      <a:schemeClr val="accent6">
+        <a:alpha val="50000"/>
+      </a:schemeClr>
     </dgm:fillClrLst>
     <dgm:linClrLst meth="repeat">
       <a:schemeClr val="lt1"/>
@@ -2952,11 +3774,9 @@
     <dgm:txFillClrLst/>
     <dgm:txEffectClrLst/>
   </dgm:styleLbl>
-  <dgm:styleLbl name="vennNode1">
-    <dgm:fillClrLst meth="repeat">
-      <a:schemeClr val="accent1">
-        <a:alpha val="50000"/>
-      </a:schemeClr>
+  <dgm:styleLbl name="node2">
+    <dgm:fillClrLst>
+      <a:schemeClr val="accent2"/>
     </dgm:fillClrLst>
     <dgm:linClrLst meth="repeat">
       <a:schemeClr val="lt1"/>
@@ -2966,9 +3786,9 @@
     <dgm:txFillClrLst/>
     <dgm:txEffectClrLst/>
   </dgm:styleLbl>
-  <dgm:styleLbl name="node2">
-    <dgm:fillClrLst meth="repeat">
-      <a:schemeClr val="accent1"/>
+  <dgm:styleLbl name="node3">
+    <dgm:fillClrLst>
+      <a:schemeClr val="accent3"/>
     </dgm:fillClrLst>
     <dgm:linClrLst meth="repeat">
       <a:schemeClr val="lt1"/>
@@ -2978,9 +3798,9 @@
     <dgm:txFillClrLst/>
     <dgm:txEffectClrLst/>
   </dgm:styleLbl>
-  <dgm:styleLbl name="node3">
-    <dgm:fillClrLst meth="repeat">
-      <a:schemeClr val="accent1"/>
+  <dgm:styleLbl name="node4">
+    <dgm:fillClrLst>
+      <a:schemeClr val="accent4"/>
     </dgm:fillClrLst>
     <dgm:linClrLst meth="repeat">
       <a:schemeClr val="lt1"/>
@@ -2990,21 +3810,21 @@
     <dgm:txFillClrLst/>
     <dgm:txEffectClrLst/>
   </dgm:styleLbl>
-  <dgm:styleLbl name="node4">
-    <dgm:fillClrLst meth="repeat">
-      <a:schemeClr val="accent1"/>
-    </dgm:fillClrLst>
-    <dgm:linClrLst meth="repeat">
-      <a:schemeClr val="lt1"/>
-    </dgm:linClrLst>
-    <dgm:effectClrLst/>
-    <dgm:txLinClrLst/>
-    <dgm:txFillClrLst/>
-    <dgm:txEffectClrLst/>
-  </dgm:styleLbl>
   <dgm:styleLbl name="fgImgPlace1">
     <dgm:fillClrLst meth="repeat">
-      <a:schemeClr val="accent1">
+      <a:schemeClr val="accent2">
+        <a:tint val="50000"/>
+      </a:schemeClr>
+      <a:schemeClr val="accent3">
+        <a:tint val="50000"/>
+      </a:schemeClr>
+      <a:schemeClr val="accent4">
+        <a:tint val="50000"/>
+      </a:schemeClr>
+      <a:schemeClr val="accent5">
+        <a:tint val="50000"/>
+      </a:schemeClr>
+      <a:schemeClr val="accent6">
         <a:tint val="50000"/>
       </a:schemeClr>
     </dgm:fillClrLst>
@@ -3019,9 +3839,12 @@
     <dgm:txEffectClrLst/>
   </dgm:styleLbl>
   <dgm:styleLbl name="alignImgPlace1">
-    <dgm:fillClrLst meth="repeat">
+    <dgm:fillClrLst>
       <a:schemeClr val="accent1">
         <a:tint val="50000"/>
+      </a:schemeClr>
+      <a:schemeClr val="accent2">
+        <a:tint val="20000"/>
       </a:schemeClr>
     </dgm:fillClrLst>
     <dgm:linClrLst meth="repeat">
@@ -3035,9 +3858,12 @@
     <dgm:txEffectClrLst/>
   </dgm:styleLbl>
   <dgm:styleLbl name="bgImgPlace1">
-    <dgm:fillClrLst meth="repeat">
+    <dgm:fillClrLst>
       <a:schemeClr val="accent1">
         <a:tint val="50000"/>
+      </a:schemeClr>
+      <a:schemeClr val="accent2">
+        <a:tint val="20000"/>
       </a:schemeClr>
     </dgm:fillClrLst>
     <dgm:linClrLst meth="repeat">
@@ -3052,14 +3878,14 @@
   </dgm:styleLbl>
   <dgm:styleLbl name="sibTrans2D1">
     <dgm:fillClrLst meth="repeat">
-      <a:schemeClr val="accent1">
-        <a:tint val="60000"/>
-      </a:schemeClr>
+      <a:schemeClr val="accent2"/>
+      <a:schemeClr val="accent3"/>
+      <a:schemeClr val="accent4"/>
+      <a:schemeClr val="accent5"/>
+      <a:schemeClr val="accent6"/>
     </dgm:fillClrLst>
-    <dgm:linClrLst meth="repeat">
-      <a:schemeClr val="accent1">
-        <a:tint val="60000"/>
-      </a:schemeClr>
+    <dgm:linClrLst meth="cycle">
+      <a:schemeClr val="lt1"/>
     </dgm:linClrLst>
     <dgm:effectClrLst/>
     <dgm:txLinClrLst/>
@@ -3068,42 +3894,54 @@
   </dgm:styleLbl>
   <dgm:styleLbl name="fgSibTrans2D1">
     <dgm:fillClrLst meth="repeat">
-      <a:schemeClr val="accent1">
-        <a:tint val="60000"/>
-      </a:schemeClr>
+      <a:schemeClr val="accent2"/>
+      <a:schemeClr val="accent3"/>
+      <a:schemeClr val="accent4"/>
+      <a:schemeClr val="accent5"/>
+      <a:schemeClr val="accent6"/>
     </dgm:fillClrLst>
-    <dgm:linClrLst meth="repeat">
-      <a:schemeClr val="accent1">
-        <a:tint val="60000"/>
-      </a:schemeClr>
+    <dgm:linClrLst meth="cycle">
+      <a:schemeClr val="lt1"/>
     </dgm:linClrLst>
     <dgm:effectClrLst/>
     <dgm:txLinClrLst/>
-    <dgm:txFillClrLst/>
+    <dgm:txFillClrLst meth="repeat">
+      <a:schemeClr val="lt1"/>
+    </dgm:txFillClrLst>
     <dgm:txEffectClrLst/>
   </dgm:styleLbl>
   <dgm:styleLbl name="bgSibTrans2D1">
     <dgm:fillClrLst meth="repeat">
-      <a:schemeClr val="accent1">
-        <a:tint val="60000"/>
-      </a:schemeClr>
+      <a:schemeClr val="accent2"/>
+      <a:schemeClr val="accent3"/>
+      <a:schemeClr val="accent4"/>
+      <a:schemeClr val="accent5"/>
+      <a:schemeClr val="accent6"/>
     </dgm:fillClrLst>
-    <dgm:linClrLst meth="repeat">
-      <a:schemeClr val="accent1">
-        <a:tint val="60000"/>
-      </a:schemeClr>
+    <dgm:linClrLst meth="cycle">
+      <a:schemeClr val="lt1"/>
     </dgm:linClrLst>
     <dgm:effectClrLst/>
     <dgm:txLinClrLst/>
-    <dgm:txFillClrLst/>
+    <dgm:txFillClrLst meth="repeat">
+      <a:schemeClr val="lt1"/>
+    </dgm:txFillClrLst>
     <dgm:txEffectClrLst/>
   </dgm:styleLbl>
   <dgm:styleLbl name="sibTrans1D1">
     <dgm:fillClrLst meth="repeat">
-      <a:schemeClr val="accent1"/>
+      <a:schemeClr val="accent2"/>
+      <a:schemeClr val="accent3"/>
+      <a:schemeClr val="accent4"/>
+      <a:schemeClr val="accent5"/>
+      <a:schemeClr val="accent6"/>
     </dgm:fillClrLst>
     <dgm:linClrLst meth="repeat">
-      <a:schemeClr val="accent1"/>
+      <a:schemeClr val="accent2"/>
+      <a:schemeClr val="accent3"/>
+      <a:schemeClr val="accent4"/>
+      <a:schemeClr val="accent5"/>
+      <a:schemeClr val="accent6"/>
     </dgm:linClrLst>
     <dgm:effectClrLst/>
     <dgm:txLinClrLst/>
@@ -3114,10 +3952,10 @@
   </dgm:styleLbl>
   <dgm:styleLbl name="callout">
     <dgm:fillClrLst meth="repeat">
-      <a:schemeClr val="accent1"/>
+      <a:schemeClr val="accent2"/>
     </dgm:fillClrLst>
     <dgm:linClrLst meth="repeat">
-      <a:schemeClr val="accent1">
+      <a:schemeClr val="accent2">
         <a:tint val="50000"/>
       </a:schemeClr>
     </dgm:linClrLst>
@@ -3142,7 +3980,7 @@
   </dgm:styleLbl>
   <dgm:styleLbl name="asst1">
     <dgm:fillClrLst meth="repeat">
-      <a:schemeClr val="accent1"/>
+      <a:schemeClr val="accent2"/>
     </dgm:fillClrLst>
     <dgm:linClrLst meth="repeat">
       <a:schemeClr val="lt1"/>
@@ -3153,8 +3991,8 @@
     <dgm:txEffectClrLst/>
   </dgm:styleLbl>
   <dgm:styleLbl name="asst2">
-    <dgm:fillClrLst meth="repeat">
-      <a:schemeClr val="accent1"/>
+    <dgm:fillClrLst>
+      <a:schemeClr val="accent3"/>
     </dgm:fillClrLst>
     <dgm:linClrLst meth="repeat">
       <a:schemeClr val="lt1"/>
@@ -3165,8 +4003,8 @@
     <dgm:txEffectClrLst/>
   </dgm:styleLbl>
   <dgm:styleLbl name="asst3">
-    <dgm:fillClrLst meth="repeat">
-      <a:schemeClr val="accent1"/>
+    <dgm:fillClrLst>
+      <a:schemeClr val="accent4"/>
     </dgm:fillClrLst>
     <dgm:linClrLst meth="repeat">
       <a:schemeClr val="lt1"/>
@@ -3177,8 +4015,8 @@
     <dgm:txEffectClrLst/>
   </dgm:styleLbl>
   <dgm:styleLbl name="asst4">
-    <dgm:fillClrLst meth="repeat">
-      <a:schemeClr val="accent1"/>
+    <dgm:fillClrLst>
+      <a:schemeClr val="accent5"/>
     </dgm:fillClrLst>
     <dgm:linClrLst meth="repeat">
       <a:schemeClr val="lt1"/>
@@ -3190,14 +4028,10 @@
   </dgm:styleLbl>
   <dgm:styleLbl name="parChTrans2D1">
     <dgm:fillClrLst meth="repeat">
-      <a:schemeClr val="accent1">
-        <a:tint val="60000"/>
-      </a:schemeClr>
+      <a:schemeClr val="accent2"/>
     </dgm:fillClrLst>
     <dgm:linClrLst meth="repeat">
-      <a:schemeClr val="accent1">
-        <a:tint val="60000"/>
-      </a:schemeClr>
+      <a:schemeClr val="lt1"/>
     </dgm:linClrLst>
     <dgm:effectClrLst/>
     <dgm:txLinClrLst/>
@@ -3208,7 +4042,45 @@
   </dgm:styleLbl>
   <dgm:styleLbl name="parChTrans2D2">
     <dgm:fillClrLst meth="repeat">
-      <a:schemeClr val="accent1"/>
+      <a:schemeClr val="accent3"/>
+    </dgm:fillClrLst>
+    <dgm:linClrLst meth="repeat">
+      <a:schemeClr val="lt1"/>
+    </dgm:linClrLst>
+    <dgm:effectClrLst/>
+    <dgm:txLinClrLst/>
+    <dgm:txFillClrLst/>
+    <dgm:txEffectClrLst/>
+  </dgm:styleLbl>
+  <dgm:styleLbl name="parChTrans2D3">
+    <dgm:fillClrLst meth="repeat">
+      <a:schemeClr val="accent4"/>
+    </dgm:fillClrLst>
+    <dgm:linClrLst meth="repeat">
+      <a:schemeClr val="lt1"/>
+    </dgm:linClrLst>
+    <dgm:effectClrLst/>
+    <dgm:txLinClrLst/>
+    <dgm:txFillClrLst/>
+    <dgm:txEffectClrLst/>
+  </dgm:styleLbl>
+  <dgm:styleLbl name="parChTrans2D4">
+    <dgm:fillClrLst meth="repeat">
+      <a:schemeClr val="accent5"/>
+    </dgm:fillClrLst>
+    <dgm:linClrLst meth="repeat">
+      <a:schemeClr val="lt1"/>
+    </dgm:linClrLst>
+    <dgm:effectClrLst/>
+    <dgm:txLinClrLst/>
+    <dgm:txFillClrLst meth="repeat">
+      <a:schemeClr val="lt1"/>
+    </dgm:txFillClrLst>
+    <dgm:txEffectClrLst/>
+  </dgm:styleLbl>
+  <dgm:styleLbl name="parChTrans1D1">
+    <dgm:fillClrLst meth="repeat">
+      <a:schemeClr val="accent2"/>
     </dgm:fillClrLst>
     <dgm:linClrLst meth="repeat">
       <a:schemeClr val="accent1"/>
@@ -3216,46 +4088,18 @@
     <dgm:effectClrLst/>
     <dgm:txLinClrLst/>
     <dgm:txFillClrLst meth="repeat">
-      <a:schemeClr val="lt1"/>
+      <a:schemeClr val="tx1"/>
     </dgm:txFillClrLst>
     <dgm:txEffectClrLst/>
   </dgm:styleLbl>
-  <dgm:styleLbl name="parChTrans2D3">
+  <dgm:styleLbl name="parChTrans1D2">
     <dgm:fillClrLst meth="repeat">
-      <a:schemeClr val="accent1"/>
+      <a:schemeClr val="accent3">
+        <a:tint val="90000"/>
+      </a:schemeClr>
     </dgm:fillClrLst>
     <dgm:linClrLst meth="repeat">
-      <a:schemeClr val="accent1"/>
-    </dgm:linClrLst>
-    <dgm:effectClrLst/>
-    <dgm:txLinClrLst/>
-    <dgm:txFillClrLst meth="repeat">
-      <a:schemeClr val="lt1"/>
-    </dgm:txFillClrLst>
-    <dgm:txEffectClrLst/>
-  </dgm:styleLbl>
-  <dgm:styleLbl name="parChTrans2D4">
-    <dgm:fillClrLst meth="repeat">
-      <a:schemeClr val="accent1"/>
-    </dgm:fillClrLst>
-    <dgm:linClrLst meth="repeat">
-      <a:schemeClr val="accent1"/>
-    </dgm:linClrLst>
-    <dgm:effectClrLst/>
-    <dgm:txLinClrLst/>
-    <dgm:txFillClrLst meth="repeat">
-      <a:schemeClr val="lt1"/>
-    </dgm:txFillClrLst>
-    <dgm:txEffectClrLst/>
-  </dgm:styleLbl>
-  <dgm:styleLbl name="parChTrans1D1">
-    <dgm:fillClrLst meth="repeat">
-      <a:schemeClr val="accent1"/>
-    </dgm:fillClrLst>
-    <dgm:linClrLst meth="repeat">
-      <a:schemeClr val="accent1">
-        <a:shade val="60000"/>
-      </a:schemeClr>
+      <a:schemeClr val="accent2"/>
     </dgm:linClrLst>
     <dgm:effectClrLst/>
     <dgm:txLinClrLst/>
@@ -3264,14 +4108,14 @@
     </dgm:txFillClrLst>
     <dgm:txEffectClrLst/>
   </dgm:styleLbl>
-  <dgm:styleLbl name="parChTrans1D2">
+  <dgm:styleLbl name="parChTrans1D3">
     <dgm:fillClrLst meth="repeat">
-      <a:schemeClr val="accent1"/>
+      <a:schemeClr val="accent4">
+        <a:tint val="70000"/>
+      </a:schemeClr>
     </dgm:fillClrLst>
     <dgm:linClrLst meth="repeat">
-      <a:schemeClr val="accent1">
-        <a:shade val="60000"/>
-      </a:schemeClr>
+      <a:schemeClr val="accent3"/>
     </dgm:linClrLst>
     <dgm:effectClrLst/>
     <dgm:txLinClrLst/>
@@ -3280,14 +4124,14 @@
     </dgm:txFillClrLst>
     <dgm:txEffectClrLst/>
   </dgm:styleLbl>
-  <dgm:styleLbl name="parChTrans1D3">
+  <dgm:styleLbl name="parChTrans1D4">
     <dgm:fillClrLst meth="repeat">
-      <a:schemeClr val="accent1"/>
+      <a:schemeClr val="accent5">
+        <a:tint val="50000"/>
+      </a:schemeClr>
     </dgm:fillClrLst>
     <dgm:linClrLst meth="repeat">
-      <a:schemeClr val="accent1">
-        <a:shade val="80000"/>
-      </a:schemeClr>
+      <a:schemeClr val="accent4"/>
     </dgm:linClrLst>
     <dgm:effectClrLst/>
     <dgm:txLinClrLst/>
@@ -3296,26 +4140,70 @@
     </dgm:txFillClrLst>
     <dgm:txEffectClrLst/>
   </dgm:styleLbl>
-  <dgm:styleLbl name="parChTrans1D4">
+  <dgm:styleLbl name="fgAcc1">
     <dgm:fillClrLst meth="repeat">
-      <a:schemeClr val="accent1"/>
+      <a:schemeClr val="lt1">
+        <a:alpha val="90000"/>
+      </a:schemeClr>
     </dgm:fillClrLst>
     <dgm:linClrLst meth="repeat">
-      <a:schemeClr val="accent1">
-        <a:shade val="80000"/>
-      </a:schemeClr>
+      <a:schemeClr val="accent2"/>
+      <a:schemeClr val="accent3"/>
+      <a:schemeClr val="accent4"/>
+      <a:schemeClr val="accent5"/>
+      <a:schemeClr val="accent6"/>
     </dgm:linClrLst>
     <dgm:effectClrLst/>
     <dgm:txLinClrLst/>
     <dgm:txFillClrLst meth="repeat">
-      <a:schemeClr val="tx1"/>
+      <a:schemeClr val="dk1"/>
     </dgm:txFillClrLst>
     <dgm:txEffectClrLst/>
   </dgm:styleLbl>
-  <dgm:styleLbl name="fgAcc1">
+  <dgm:styleLbl name="conFgAcc1">
     <dgm:fillClrLst meth="repeat">
       <a:schemeClr val="lt1">
         <a:alpha val="90000"/>
+      </a:schemeClr>
+    </dgm:fillClrLst>
+    <dgm:linClrLst meth="repeat">
+      <a:schemeClr val="accent2"/>
+      <a:schemeClr val="accent3"/>
+      <a:schemeClr val="accent4"/>
+      <a:schemeClr val="accent5"/>
+      <a:schemeClr val="accent6"/>
+    </dgm:linClrLst>
+    <dgm:effectClrLst/>
+    <dgm:txLinClrLst/>
+    <dgm:txFillClrLst meth="repeat">
+      <a:schemeClr val="dk1"/>
+    </dgm:txFillClrLst>
+    <dgm:txEffectClrLst/>
+  </dgm:styleLbl>
+  <dgm:styleLbl name="alignAcc1">
+    <dgm:fillClrLst meth="repeat">
+      <a:schemeClr val="lt1">
+        <a:alpha val="90000"/>
+      </a:schemeClr>
+    </dgm:fillClrLst>
+    <dgm:linClrLst meth="repeat">
+      <a:schemeClr val="accent2"/>
+      <a:schemeClr val="accent3"/>
+      <a:schemeClr val="accent4"/>
+      <a:schemeClr val="accent5"/>
+      <a:schemeClr val="accent6"/>
+    </dgm:linClrLst>
+    <dgm:effectClrLst/>
+    <dgm:txLinClrLst/>
+    <dgm:txFillClrLst meth="repeat">
+      <a:schemeClr val="dk1"/>
+    </dgm:txFillClrLst>
+    <dgm:txEffectClrLst/>
+  </dgm:styleLbl>
+  <dgm:styleLbl name="trAlignAcc1">
+    <dgm:fillClrLst meth="repeat">
+      <a:schemeClr val="lt1">
+        <a:alpha val="40000"/>
       </a:schemeClr>
     </dgm:fillClrLst>
     <dgm:linClrLst meth="repeat">
@@ -3328,13 +4216,243 @@
     </dgm:txFillClrLst>
     <dgm:txEffectClrLst/>
   </dgm:styleLbl>
-  <dgm:styleLbl name="conFgAcc1">
+  <dgm:styleLbl name="bgAcc1">
     <dgm:fillClrLst meth="repeat">
       <a:schemeClr val="lt1">
         <a:alpha val="90000"/>
       </a:schemeClr>
     </dgm:fillClrLst>
     <dgm:linClrLst meth="repeat">
+      <a:schemeClr val="accent2"/>
+      <a:schemeClr val="accent3"/>
+      <a:schemeClr val="accent4"/>
+      <a:schemeClr val="accent5"/>
+      <a:schemeClr val="accent6"/>
+    </dgm:linClrLst>
+    <dgm:effectClrLst/>
+    <dgm:txLinClrLst/>
+    <dgm:txFillClrLst meth="repeat">
+      <a:schemeClr val="dk1"/>
+    </dgm:txFillClrLst>
+    <dgm:txEffectClrLst/>
+  </dgm:styleLbl>
+  <dgm:styleLbl name="solidFgAcc1">
+    <dgm:fillClrLst meth="repeat">
+      <a:schemeClr val="lt1"/>
+    </dgm:fillClrLst>
+    <dgm:linClrLst meth="repeat">
+      <a:schemeClr val="accent2"/>
+      <a:schemeClr val="accent3"/>
+      <a:schemeClr val="accent4"/>
+      <a:schemeClr val="accent5"/>
+      <a:schemeClr val="accent6"/>
+    </dgm:linClrLst>
+    <dgm:effectClrLst/>
+    <dgm:txLinClrLst/>
+    <dgm:txFillClrLst meth="repeat">
+      <a:schemeClr val="dk1"/>
+    </dgm:txFillClrLst>
+    <dgm:txEffectClrLst/>
+  </dgm:styleLbl>
+  <dgm:styleLbl name="solidAlignAcc1">
+    <dgm:fillClrLst meth="repeat">
+      <a:schemeClr val="lt1"/>
+    </dgm:fillClrLst>
+    <dgm:linClrLst meth="repeat">
+      <a:schemeClr val="accent2"/>
+      <a:schemeClr val="accent3"/>
+      <a:schemeClr val="accent4"/>
+      <a:schemeClr val="accent5"/>
+      <a:schemeClr val="accent6"/>
+    </dgm:linClrLst>
+    <dgm:effectClrLst/>
+    <dgm:txLinClrLst/>
+    <dgm:txFillClrLst meth="repeat">
+      <a:schemeClr val="dk1"/>
+    </dgm:txFillClrLst>
+    <dgm:txEffectClrLst/>
+  </dgm:styleLbl>
+  <dgm:styleLbl name="solidBgAcc1">
+    <dgm:fillClrLst meth="repeat">
+      <a:schemeClr val="lt1"/>
+    </dgm:fillClrLst>
+    <dgm:linClrLst meth="repeat">
+      <a:schemeClr val="accent2"/>
+      <a:schemeClr val="accent3"/>
+      <a:schemeClr val="accent4"/>
+      <a:schemeClr val="accent5"/>
+      <a:schemeClr val="accent6"/>
+    </dgm:linClrLst>
+    <dgm:effectClrLst/>
+    <dgm:txLinClrLst/>
+    <dgm:txFillClrLst meth="repeat">
+      <a:schemeClr val="dk1"/>
+    </dgm:txFillClrLst>
+    <dgm:txEffectClrLst/>
+  </dgm:styleLbl>
+  <dgm:styleLbl name="fgAccFollowNode1">
+    <dgm:fillClrLst meth="repeat">
+      <a:schemeClr val="accent2">
+        <a:tint val="40000"/>
+        <a:alpha val="90000"/>
+      </a:schemeClr>
+      <a:schemeClr val="accent3">
+        <a:tint val="40000"/>
+        <a:alpha val="90000"/>
+      </a:schemeClr>
+      <a:schemeClr val="accent4">
+        <a:tint val="40000"/>
+        <a:alpha val="90000"/>
+      </a:schemeClr>
+      <a:schemeClr val="accent5">
+        <a:tint val="40000"/>
+        <a:alpha val="90000"/>
+      </a:schemeClr>
+      <a:schemeClr val="accent6">
+        <a:tint val="40000"/>
+        <a:alpha val="90000"/>
+      </a:schemeClr>
+    </dgm:fillClrLst>
+    <dgm:linClrLst meth="repeat">
+      <a:schemeClr val="accent2">
+        <a:tint val="40000"/>
+        <a:alpha val="90000"/>
+      </a:schemeClr>
+      <a:schemeClr val="accent3">
+        <a:tint val="40000"/>
+        <a:alpha val="90000"/>
+      </a:schemeClr>
+      <a:schemeClr val="accent4">
+        <a:tint val="40000"/>
+        <a:alpha val="90000"/>
+      </a:schemeClr>
+      <a:schemeClr val="accent5">
+        <a:tint val="40000"/>
+        <a:alpha val="90000"/>
+      </a:schemeClr>
+      <a:schemeClr val="accent6">
+        <a:tint val="40000"/>
+        <a:alpha val="90000"/>
+      </a:schemeClr>
+    </dgm:linClrLst>
+    <dgm:effectClrLst/>
+    <dgm:txLinClrLst/>
+    <dgm:txFillClrLst meth="repeat">
+      <a:schemeClr val="dk1"/>
+    </dgm:txFillClrLst>
+    <dgm:txEffectClrLst/>
+  </dgm:styleLbl>
+  <dgm:styleLbl name="alignAccFollowNode1">
+    <dgm:fillClrLst meth="repeat">
+      <a:schemeClr val="accent2">
+        <a:tint val="40000"/>
+        <a:alpha val="90000"/>
+      </a:schemeClr>
+      <a:schemeClr val="accent3">
+        <a:tint val="40000"/>
+        <a:alpha val="90000"/>
+      </a:schemeClr>
+      <a:schemeClr val="accent4">
+        <a:tint val="40000"/>
+        <a:alpha val="90000"/>
+      </a:schemeClr>
+      <a:schemeClr val="accent5">
+        <a:tint val="40000"/>
+        <a:alpha val="90000"/>
+      </a:schemeClr>
+      <a:schemeClr val="accent6">
+        <a:tint val="40000"/>
+        <a:alpha val="90000"/>
+      </a:schemeClr>
+    </dgm:fillClrLst>
+    <dgm:linClrLst meth="repeat">
+      <a:schemeClr val="accent2">
+        <a:tint val="40000"/>
+        <a:alpha val="90000"/>
+      </a:schemeClr>
+      <a:schemeClr val="accent3">
+        <a:tint val="40000"/>
+        <a:alpha val="90000"/>
+      </a:schemeClr>
+      <a:schemeClr val="accent4">
+        <a:tint val="40000"/>
+        <a:alpha val="90000"/>
+      </a:schemeClr>
+      <a:schemeClr val="accent5">
+        <a:tint val="40000"/>
+        <a:alpha val="90000"/>
+      </a:schemeClr>
+      <a:schemeClr val="accent6">
+        <a:tint val="40000"/>
+        <a:alpha val="90000"/>
+      </a:schemeClr>
+    </dgm:linClrLst>
+    <dgm:effectClrLst/>
+    <dgm:txLinClrLst/>
+    <dgm:txFillClrLst meth="repeat">
+      <a:schemeClr val="dk1"/>
+    </dgm:txFillClrLst>
+    <dgm:txEffectClrLst/>
+  </dgm:styleLbl>
+  <dgm:styleLbl name="bgAccFollowNode1">
+    <dgm:fillClrLst meth="repeat">
+      <a:schemeClr val="accent2">
+        <a:tint val="40000"/>
+        <a:alpha val="90000"/>
+      </a:schemeClr>
+      <a:schemeClr val="accent3">
+        <a:tint val="40000"/>
+        <a:alpha val="90000"/>
+      </a:schemeClr>
+      <a:schemeClr val="accent4">
+        <a:tint val="40000"/>
+        <a:alpha val="90000"/>
+      </a:schemeClr>
+      <a:schemeClr val="accent5">
+        <a:tint val="40000"/>
+        <a:alpha val="90000"/>
+      </a:schemeClr>
+      <a:schemeClr val="accent6">
+        <a:tint val="40000"/>
+        <a:alpha val="90000"/>
+      </a:schemeClr>
+    </dgm:fillClrLst>
+    <dgm:linClrLst meth="repeat">
+      <a:schemeClr val="accent2">
+        <a:tint val="40000"/>
+        <a:alpha val="90000"/>
+      </a:schemeClr>
+      <a:schemeClr val="accent3">
+        <a:tint val="40000"/>
+        <a:alpha val="90000"/>
+      </a:schemeClr>
+      <a:schemeClr val="accent4">
+        <a:tint val="40000"/>
+        <a:alpha val="90000"/>
+      </a:schemeClr>
+      <a:schemeClr val="accent5">
+        <a:tint val="40000"/>
+        <a:alpha val="90000"/>
+      </a:schemeClr>
+      <a:schemeClr val="accent6">
+        <a:tint val="40000"/>
+        <a:alpha val="90000"/>
+      </a:schemeClr>
+    </dgm:linClrLst>
+    <dgm:effectClrLst/>
+    <dgm:txLinClrLst/>
+    <dgm:txFillClrLst meth="repeat">
+      <a:schemeClr val="dk1"/>
+    </dgm:txFillClrLst>
+    <dgm:txEffectClrLst/>
+  </dgm:styleLbl>
+  <dgm:styleLbl name="fgAcc0">
+    <dgm:fillClrLst meth="repeat">
+      <a:schemeClr val="lt1">
+        <a:alpha val="90000"/>
+      </a:schemeClr>
+    </dgm:fillClrLst>
+    <dgm:linClrLst>
       <a:schemeClr val="accent1"/>
     </dgm:linClrLst>
     <dgm:effectClrLst/>
@@ -3344,14 +4462,14 @@
     </dgm:txFillClrLst>
     <dgm:txEffectClrLst/>
   </dgm:styleLbl>
-  <dgm:styleLbl name="alignAcc1">
+  <dgm:styleLbl name="fgAcc2">
     <dgm:fillClrLst meth="repeat">
       <a:schemeClr val="lt1">
         <a:alpha val="90000"/>
       </a:schemeClr>
     </dgm:fillClrLst>
-    <dgm:linClrLst meth="repeat">
-      <a:schemeClr val="accent1"/>
+    <dgm:linClrLst>
+      <a:schemeClr val="accent2"/>
     </dgm:linClrLst>
     <dgm:effectClrLst/>
     <dgm:txLinClrLst/>
@@ -3360,14 +4478,14 @@
     </dgm:txFillClrLst>
     <dgm:txEffectClrLst/>
   </dgm:styleLbl>
-  <dgm:styleLbl name="trAlignAcc1">
+  <dgm:styleLbl name="fgAcc3">
     <dgm:fillClrLst meth="repeat">
       <a:schemeClr val="lt1">
-        <a:alpha val="40000"/>
+        <a:alpha val="90000"/>
       </a:schemeClr>
     </dgm:fillClrLst>
-    <dgm:linClrLst meth="repeat">
-      <a:schemeClr val="accent1"/>
+    <dgm:linClrLst>
+      <a:schemeClr val="accent3"/>
     </dgm:linClrLst>
     <dgm:effectClrLst/>
     <dgm:txLinClrLst/>
@@ -3376,14 +4494,14 @@
     </dgm:txFillClrLst>
     <dgm:txEffectClrLst/>
   </dgm:styleLbl>
-  <dgm:styleLbl name="bgAcc1">
+  <dgm:styleLbl name="fgAcc4">
     <dgm:fillClrLst meth="repeat">
       <a:schemeClr val="lt1">
         <a:alpha val="90000"/>
       </a:schemeClr>
     </dgm:fillClrLst>
-    <dgm:linClrLst meth="repeat">
-      <a:schemeClr val="accent1"/>
+    <dgm:linClrLst>
+      <a:schemeClr val="accent4"/>
     </dgm:linClrLst>
     <dgm:effectClrLst/>
     <dgm:txLinClrLst/>
@@ -3392,196 +4510,32 @@
     </dgm:txFillClrLst>
     <dgm:txEffectClrLst/>
   </dgm:styleLbl>
-  <dgm:styleLbl name="solidFgAcc1">
+  <dgm:styleLbl name="bgShp">
     <dgm:fillClrLst meth="repeat">
-      <a:schemeClr val="lt1"/>
+      <a:schemeClr val="accent2"/>
+      <a:schemeClr val="accent3"/>
+      <a:schemeClr val="accent4"/>
+      <a:schemeClr val="accent5"/>
+      <a:schemeClr val="accent6"/>
     </dgm:fillClrLst>
     <dgm:linClrLst meth="repeat">
-      <a:schemeClr val="accent1"/>
+      <a:schemeClr val="lt1">
+        <a:alpha val="0"/>
+      </a:schemeClr>
     </dgm:linClrLst>
     <dgm:effectClrLst/>
     <dgm:txLinClrLst/>
-    <dgm:txFillClrLst meth="repeat">
-      <a:schemeClr val="dk1"/>
-    </dgm:txFillClrLst>
+    <dgm:txFillClrLst/>
     <dgm:txEffectClrLst/>
   </dgm:styleLbl>
-  <dgm:styleLbl name="solidAlignAcc1">
+  <dgm:styleLbl name="dkBgShp">
     <dgm:fillClrLst meth="repeat">
-      <a:schemeClr val="lt1"/>
+      <a:schemeClr val="accent2">
+        <a:shade val="90000"/>
+      </a:schemeClr>
     </dgm:fillClrLst>
     <dgm:linClrLst meth="repeat">
-      <a:schemeClr val="accent1"/>
-    </dgm:linClrLst>
-    <dgm:effectClrLst/>
-    <dgm:txLinClrLst/>
-    <dgm:txFillClrLst meth="repeat">
       <a:schemeClr val="dk1"/>
-    </dgm:txFillClrLst>
-    <dgm:txEffectClrLst/>
-  </dgm:styleLbl>
-  <dgm:styleLbl name="solidBgAcc1">
-    <dgm:fillClrLst meth="repeat">
-      <a:schemeClr val="lt1"/>
-    </dgm:fillClrLst>
-    <dgm:linClrLst meth="repeat">
-      <a:schemeClr val="accent1"/>
-    </dgm:linClrLst>
-    <dgm:effectClrLst/>
-    <dgm:txLinClrLst/>
-    <dgm:txFillClrLst meth="repeat">
-      <a:schemeClr val="dk1"/>
-    </dgm:txFillClrLst>
-    <dgm:txEffectClrLst/>
-  </dgm:styleLbl>
-  <dgm:styleLbl name="fgAccFollowNode1">
-    <dgm:fillClrLst meth="repeat">
-      <a:schemeClr val="accent1">
-        <a:alpha val="90000"/>
-        <a:tint val="40000"/>
-      </a:schemeClr>
-    </dgm:fillClrLst>
-    <dgm:linClrLst meth="repeat">
-      <a:schemeClr val="accent1">
-        <a:alpha val="90000"/>
-        <a:tint val="40000"/>
-      </a:schemeClr>
-    </dgm:linClrLst>
-    <dgm:effectClrLst/>
-    <dgm:txLinClrLst/>
-    <dgm:txFillClrLst meth="repeat">
-      <a:schemeClr val="dk1"/>
-    </dgm:txFillClrLst>
-    <dgm:txEffectClrLst/>
-  </dgm:styleLbl>
-  <dgm:styleLbl name="alignAccFollowNode1">
-    <dgm:fillClrLst meth="repeat">
-      <a:schemeClr val="accent1">
-        <a:alpha val="90000"/>
-        <a:tint val="40000"/>
-      </a:schemeClr>
-    </dgm:fillClrLst>
-    <dgm:linClrLst meth="repeat">
-      <a:schemeClr val="accent1">
-        <a:alpha val="90000"/>
-        <a:tint val="40000"/>
-      </a:schemeClr>
-    </dgm:linClrLst>
-    <dgm:effectClrLst/>
-    <dgm:txLinClrLst/>
-    <dgm:txFillClrLst meth="repeat">
-      <a:schemeClr val="dk1"/>
-    </dgm:txFillClrLst>
-    <dgm:txEffectClrLst/>
-  </dgm:styleLbl>
-  <dgm:styleLbl name="bgAccFollowNode1">
-    <dgm:fillClrLst meth="repeat">
-      <a:schemeClr val="accent1">
-        <a:alpha val="90000"/>
-        <a:tint val="40000"/>
-      </a:schemeClr>
-    </dgm:fillClrLst>
-    <dgm:linClrLst meth="repeat">
-      <a:schemeClr val="accent1">
-        <a:alpha val="90000"/>
-        <a:tint val="40000"/>
-      </a:schemeClr>
-    </dgm:linClrLst>
-    <dgm:effectClrLst/>
-    <dgm:txLinClrLst/>
-    <dgm:txFillClrLst meth="repeat">
-      <a:schemeClr val="dk1"/>
-    </dgm:txFillClrLst>
-    <dgm:txEffectClrLst/>
-  </dgm:styleLbl>
-  <dgm:styleLbl name="fgAcc0">
-    <dgm:fillClrLst meth="repeat">
-      <a:schemeClr val="lt1">
-        <a:alpha val="90000"/>
-      </a:schemeClr>
-    </dgm:fillClrLst>
-    <dgm:linClrLst meth="repeat">
-      <a:schemeClr val="accent1"/>
-    </dgm:linClrLst>
-    <dgm:effectClrLst/>
-    <dgm:txLinClrLst/>
-    <dgm:txFillClrLst meth="repeat">
-      <a:schemeClr val="dk1"/>
-    </dgm:txFillClrLst>
-    <dgm:txEffectClrLst/>
-  </dgm:styleLbl>
-  <dgm:styleLbl name="fgAcc2">
-    <dgm:fillClrLst meth="repeat">
-      <a:schemeClr val="lt1">
-        <a:alpha val="90000"/>
-      </a:schemeClr>
-    </dgm:fillClrLst>
-    <dgm:linClrLst meth="repeat">
-      <a:schemeClr val="accent1"/>
-    </dgm:linClrLst>
-    <dgm:effectClrLst/>
-    <dgm:txLinClrLst/>
-    <dgm:txFillClrLst meth="repeat">
-      <a:schemeClr val="dk1"/>
-    </dgm:txFillClrLst>
-    <dgm:txEffectClrLst/>
-  </dgm:styleLbl>
-  <dgm:styleLbl name="fgAcc3">
-    <dgm:fillClrLst meth="repeat">
-      <a:schemeClr val="lt1">
-        <a:alpha val="90000"/>
-      </a:schemeClr>
-    </dgm:fillClrLst>
-    <dgm:linClrLst meth="repeat">
-      <a:schemeClr val="accent1"/>
-    </dgm:linClrLst>
-    <dgm:effectClrLst/>
-    <dgm:txLinClrLst/>
-    <dgm:txFillClrLst meth="repeat">
-      <a:schemeClr val="dk1"/>
-    </dgm:txFillClrLst>
-    <dgm:txEffectClrLst/>
-  </dgm:styleLbl>
-  <dgm:styleLbl name="fgAcc4">
-    <dgm:fillClrLst meth="repeat">
-      <a:schemeClr val="lt1">
-        <a:alpha val="90000"/>
-      </a:schemeClr>
-    </dgm:fillClrLst>
-    <dgm:linClrLst meth="repeat">
-      <a:schemeClr val="accent1"/>
-    </dgm:linClrLst>
-    <dgm:effectClrLst/>
-    <dgm:txLinClrLst/>
-    <dgm:txFillClrLst meth="repeat">
-      <a:schemeClr val="dk1"/>
-    </dgm:txFillClrLst>
-    <dgm:txEffectClrLst/>
-  </dgm:styleLbl>
-  <dgm:styleLbl name="bgShp">
-    <dgm:fillClrLst meth="repeat">
-      <a:schemeClr val="accent1">
-        <a:tint val="40000"/>
-      </a:schemeClr>
-    </dgm:fillClrLst>
-    <dgm:linClrLst meth="repeat">
-      <a:schemeClr val="accent1"/>
-    </dgm:linClrLst>
-    <dgm:effectClrLst/>
-    <dgm:txLinClrLst/>
-    <dgm:txFillClrLst meth="repeat">
-      <a:schemeClr val="dk1"/>
-    </dgm:txFillClrLst>
-    <dgm:txEffectClrLst/>
-  </dgm:styleLbl>
-  <dgm:styleLbl name="dkBgShp">
-    <dgm:fillClrLst meth="repeat">
-      <a:schemeClr val="accent1">
-        <a:shade val="80000"/>
-      </a:schemeClr>
-    </dgm:fillClrLst>
-    <dgm:linClrLst meth="repeat">
-      <a:schemeClr val="accent1"/>
     </dgm:linClrLst>
     <dgm:effectClrLst/>
     <dgm:txLinClrLst/>
@@ -3598,7 +4552,7 @@
       </a:schemeClr>
     </dgm:fillClrLst>
     <dgm:linClrLst meth="repeat">
-      <a:schemeClr val="accent1"/>
+      <a:schemeClr val="accent2"/>
     </dgm:linClrLst>
     <dgm:effectClrLst/>
     <dgm:txLinClrLst/>
@@ -3609,8 +4563,8 @@
   </dgm:styleLbl>
   <dgm:styleLbl name="fgShp">
     <dgm:fillClrLst meth="repeat">
-      <a:schemeClr val="accent1">
-        <a:tint val="60000"/>
+      <a:schemeClr val="accent2">
+        <a:tint val="40000"/>
       </a:schemeClr>
     </dgm:fillClrLst>
     <dgm:linClrLst meth="repeat">
@@ -4628,6 +5582,582 @@
 <file path=ppt/diagrams/data3.xml><?xml version="1.0" encoding="utf-8"?>
 <dgm:dataModel xmlns:dgm="http://schemas.openxmlformats.org/drawingml/2006/diagram" xmlns:a="http://schemas.openxmlformats.org/drawingml/2006/main">
   <dgm:ptLst>
+    <dgm:pt modelId="{AED9847A-521A-46D6-8887-91CD75022F28}" type="doc">
+      <dgm:prSet loTypeId="urn:microsoft.com/office/officeart/2005/8/layout/default" loCatId="list" qsTypeId="urn:microsoft.com/office/officeart/2005/8/quickstyle/simple1" qsCatId="simple" csTypeId="urn:microsoft.com/office/officeart/2005/8/colors/colorful1" csCatId="colorful" phldr="1"/>
+      <dgm:spPr/>
+      <dgm:t>
+        <a:bodyPr/>
+        <a:lstStyle/>
+        <a:p>
+          <a:endParaRPr lang="en-US"/>
+        </a:p>
+      </dgm:t>
+    </dgm:pt>
+    <dgm:pt modelId="{D25082EC-F3B1-4BF4-A799-689D88C5B32A}">
+      <dgm:prSet/>
+      <dgm:spPr/>
+      <dgm:t>
+        <a:bodyPr/>
+        <a:lstStyle/>
+        <a:p>
+          <a:pPr>
+            <a:lnSpc>
+              <a:spcPct val="100000"/>
+            </a:lnSpc>
+          </a:pPr>
+          <a:r>
+            <a:rPr lang="en-US"/>
+            <a:t>Only looked at one vote</a:t>
+          </a:r>
+        </a:p>
+      </dgm:t>
+    </dgm:pt>
+    <dgm:pt modelId="{75F26006-795C-4DE9-BA89-C99044D54970}" type="parTrans" cxnId="{8DAFF3BE-50B2-4357-81C9-B2F2E8A3BC34}">
+      <dgm:prSet/>
+      <dgm:spPr/>
+      <dgm:t>
+        <a:bodyPr/>
+        <a:lstStyle/>
+        <a:p>
+          <a:endParaRPr lang="en-US"/>
+        </a:p>
+      </dgm:t>
+    </dgm:pt>
+    <dgm:pt modelId="{6D2C4F3D-A0D1-4B5F-AC5C-7F7A655D850D}" type="sibTrans" cxnId="{8DAFF3BE-50B2-4357-81C9-B2F2E8A3BC34}">
+      <dgm:prSet/>
+      <dgm:spPr/>
+      <dgm:t>
+        <a:bodyPr/>
+        <a:lstStyle/>
+        <a:p>
+          <a:pPr>
+            <a:lnSpc>
+              <a:spcPct val="100000"/>
+            </a:lnSpc>
+          </a:pPr>
+          <a:endParaRPr lang="en-US"/>
+        </a:p>
+      </dgm:t>
+    </dgm:pt>
+    <dgm:pt modelId="{0A14AE67-4902-4DAB-98B0-1D9ED5746619}">
+      <dgm:prSet/>
+      <dgm:spPr/>
+      <dgm:t>
+        <a:bodyPr/>
+        <a:lstStyle/>
+        <a:p>
+          <a:pPr>
+            <a:lnSpc>
+              <a:spcPct val="100000"/>
+            </a:lnSpc>
+          </a:pPr>
+          <a:r>
+            <a:rPr lang="en-US"/>
+            <a:t>The classifier had a less than ideal accuracy score</a:t>
+          </a:r>
+        </a:p>
+      </dgm:t>
+    </dgm:pt>
+    <dgm:pt modelId="{9CBF5E55-A9D4-4EFD-9936-DA475BF2BC18}" type="parTrans" cxnId="{6069BED4-A635-468E-964B-097FB02AFED4}">
+      <dgm:prSet/>
+      <dgm:spPr/>
+      <dgm:t>
+        <a:bodyPr/>
+        <a:lstStyle/>
+        <a:p>
+          <a:endParaRPr lang="en-US"/>
+        </a:p>
+      </dgm:t>
+    </dgm:pt>
+    <dgm:pt modelId="{7AA63F17-C6B0-42E5-AE79-76C028F1204F}" type="sibTrans" cxnId="{6069BED4-A635-468E-964B-097FB02AFED4}">
+      <dgm:prSet/>
+      <dgm:spPr/>
+      <dgm:t>
+        <a:bodyPr/>
+        <a:lstStyle/>
+        <a:p>
+          <a:pPr>
+            <a:lnSpc>
+              <a:spcPct val="100000"/>
+            </a:lnSpc>
+          </a:pPr>
+          <a:endParaRPr lang="en-US"/>
+        </a:p>
+      </dgm:t>
+    </dgm:pt>
+    <dgm:pt modelId="{D170A604-82B9-459F-9D9C-6BA2672535C7}">
+      <dgm:prSet/>
+      <dgm:spPr/>
+      <dgm:t>
+        <a:bodyPr/>
+        <a:lstStyle/>
+        <a:p>
+          <a:pPr>
+            <a:lnSpc>
+              <a:spcPct val="100000"/>
+            </a:lnSpc>
+          </a:pPr>
+          <a:r>
+            <a:rPr lang="en-US"/>
+            <a:t>Manually classifying tweets</a:t>
+          </a:r>
+        </a:p>
+      </dgm:t>
+    </dgm:pt>
+    <dgm:pt modelId="{E726BA00-BD98-476E-9370-5C068AC6CC35}" type="parTrans" cxnId="{02B153D4-0EED-49A0-83A4-AD35A86CD798}">
+      <dgm:prSet/>
+      <dgm:spPr/>
+      <dgm:t>
+        <a:bodyPr/>
+        <a:lstStyle/>
+        <a:p>
+          <a:endParaRPr lang="en-US"/>
+        </a:p>
+      </dgm:t>
+    </dgm:pt>
+    <dgm:pt modelId="{1DB36124-A413-4163-9852-C4696D8F5755}" type="sibTrans" cxnId="{02B153D4-0EED-49A0-83A4-AD35A86CD798}">
+      <dgm:prSet/>
+      <dgm:spPr/>
+      <dgm:t>
+        <a:bodyPr/>
+        <a:lstStyle/>
+        <a:p>
+          <a:pPr>
+            <a:lnSpc>
+              <a:spcPct val="100000"/>
+            </a:lnSpc>
+          </a:pPr>
+          <a:endParaRPr lang="en-US"/>
+        </a:p>
+      </dgm:t>
+    </dgm:pt>
+    <dgm:pt modelId="{FB3FA585-8C00-43F4-9408-11F9A73FFCE1}">
+      <dgm:prSet/>
+      <dgm:spPr/>
+      <dgm:t>
+        <a:bodyPr/>
+        <a:lstStyle/>
+        <a:p>
+          <a:pPr>
+            <a:lnSpc>
+              <a:spcPct val="100000"/>
+            </a:lnSpc>
+          </a:pPr>
+          <a:r>
+            <a:rPr lang="en-US" dirty="0"/>
+            <a:t>Eliminated non-English tweets</a:t>
+          </a:r>
+        </a:p>
+      </dgm:t>
+    </dgm:pt>
+    <dgm:pt modelId="{D6A57584-B47F-4215-A169-A73049E7DB9E}" type="parTrans" cxnId="{CBEAD44E-5E04-4C35-B010-07B60EAB1ED3}">
+      <dgm:prSet/>
+      <dgm:spPr/>
+      <dgm:t>
+        <a:bodyPr/>
+        <a:lstStyle/>
+        <a:p>
+          <a:endParaRPr lang="en-US"/>
+        </a:p>
+      </dgm:t>
+    </dgm:pt>
+    <dgm:pt modelId="{8EA7352D-D8DD-46F6-B44F-13459B97050D}" type="sibTrans" cxnId="{CBEAD44E-5E04-4C35-B010-07B60EAB1ED3}">
+      <dgm:prSet/>
+      <dgm:spPr/>
+      <dgm:t>
+        <a:bodyPr/>
+        <a:lstStyle/>
+        <a:p>
+          <a:pPr>
+            <a:lnSpc>
+              <a:spcPct val="100000"/>
+            </a:lnSpc>
+          </a:pPr>
+          <a:endParaRPr lang="en-US"/>
+        </a:p>
+      </dgm:t>
+    </dgm:pt>
+    <dgm:pt modelId="{228F2419-697A-4766-AE55-94323E76EED7}">
+      <dgm:prSet/>
+      <dgm:spPr/>
+      <dgm:t>
+        <a:bodyPr/>
+        <a:lstStyle/>
+        <a:p>
+          <a:pPr>
+            <a:lnSpc>
+              <a:spcPct val="100000"/>
+            </a:lnSpc>
+          </a:pPr>
+          <a:r>
+            <a:rPr lang="en-US"/>
+            <a:t>Scope of keywords could have taken in non-Obamacare tweets</a:t>
+          </a:r>
+        </a:p>
+      </dgm:t>
+    </dgm:pt>
+    <dgm:pt modelId="{02D3D6AB-6340-4227-97F6-57A9C936B843}" type="parTrans" cxnId="{C933858C-5DB5-46F5-A971-5FF51504E2B6}">
+      <dgm:prSet/>
+      <dgm:spPr/>
+      <dgm:t>
+        <a:bodyPr/>
+        <a:lstStyle/>
+        <a:p>
+          <a:endParaRPr lang="en-US"/>
+        </a:p>
+      </dgm:t>
+    </dgm:pt>
+    <dgm:pt modelId="{9741F7C5-7C64-42B9-B6A4-4DE788CEA10C}" type="sibTrans" cxnId="{C933858C-5DB5-46F5-A971-5FF51504E2B6}">
+      <dgm:prSet/>
+      <dgm:spPr/>
+      <dgm:t>
+        <a:bodyPr/>
+        <a:lstStyle/>
+        <a:p>
+          <a:endParaRPr lang="en-US"/>
+        </a:p>
+      </dgm:t>
+    </dgm:pt>
+    <dgm:pt modelId="{4D93E6F9-CA8D-495A-8DD5-CF1482899DED}" type="pres">
+      <dgm:prSet presAssocID="{AED9847A-521A-46D6-8887-91CD75022F28}" presName="diagram" presStyleCnt="0">
+        <dgm:presLayoutVars>
+          <dgm:dir/>
+          <dgm:resizeHandles val="exact"/>
+        </dgm:presLayoutVars>
+      </dgm:prSet>
+      <dgm:spPr/>
+    </dgm:pt>
+    <dgm:pt modelId="{30D177A0-52BA-44C5-9A66-EAEED3B568A9}" type="pres">
+      <dgm:prSet presAssocID="{D25082EC-F3B1-4BF4-A799-689D88C5B32A}" presName="node" presStyleLbl="node1" presStyleIdx="0" presStyleCnt="5">
+        <dgm:presLayoutVars>
+          <dgm:bulletEnabled val="1"/>
+        </dgm:presLayoutVars>
+      </dgm:prSet>
+      <dgm:spPr/>
+    </dgm:pt>
+    <dgm:pt modelId="{2C08AF46-B765-4E07-ABEA-FEC55837E0CF}" type="pres">
+      <dgm:prSet presAssocID="{6D2C4F3D-A0D1-4B5F-AC5C-7F7A655D850D}" presName="sibTrans" presStyleCnt="0"/>
+      <dgm:spPr/>
+    </dgm:pt>
+    <dgm:pt modelId="{2D861BC8-60C6-4FD8-A5D5-E72F8454872C}" type="pres">
+      <dgm:prSet presAssocID="{0A14AE67-4902-4DAB-98B0-1D9ED5746619}" presName="node" presStyleLbl="node1" presStyleIdx="1" presStyleCnt="5">
+        <dgm:presLayoutVars>
+          <dgm:bulletEnabled val="1"/>
+        </dgm:presLayoutVars>
+      </dgm:prSet>
+      <dgm:spPr/>
+    </dgm:pt>
+    <dgm:pt modelId="{52186A76-656C-495E-8341-C84C1345E4CA}" type="pres">
+      <dgm:prSet presAssocID="{7AA63F17-C6B0-42E5-AE79-76C028F1204F}" presName="sibTrans" presStyleCnt="0"/>
+      <dgm:spPr/>
+    </dgm:pt>
+    <dgm:pt modelId="{72AF3E06-A4E1-4A66-A5EF-EA929815A3CE}" type="pres">
+      <dgm:prSet presAssocID="{D170A604-82B9-459F-9D9C-6BA2672535C7}" presName="node" presStyleLbl="node1" presStyleIdx="2" presStyleCnt="5">
+        <dgm:presLayoutVars>
+          <dgm:bulletEnabled val="1"/>
+        </dgm:presLayoutVars>
+      </dgm:prSet>
+      <dgm:spPr/>
+    </dgm:pt>
+    <dgm:pt modelId="{EEF18C85-E4AD-45A5-AB25-3A446839B7CC}" type="pres">
+      <dgm:prSet presAssocID="{1DB36124-A413-4163-9852-C4696D8F5755}" presName="sibTrans" presStyleCnt="0"/>
+      <dgm:spPr/>
+    </dgm:pt>
+    <dgm:pt modelId="{FA0F594B-F881-47D0-914A-ECE6D434C30B}" type="pres">
+      <dgm:prSet presAssocID="{FB3FA585-8C00-43F4-9408-11F9A73FFCE1}" presName="node" presStyleLbl="node1" presStyleIdx="3" presStyleCnt="5">
+        <dgm:presLayoutVars>
+          <dgm:bulletEnabled val="1"/>
+        </dgm:presLayoutVars>
+      </dgm:prSet>
+      <dgm:spPr/>
+    </dgm:pt>
+    <dgm:pt modelId="{B0DFE261-6BAD-4E73-8AB6-9A1C18B51A9C}" type="pres">
+      <dgm:prSet presAssocID="{8EA7352D-D8DD-46F6-B44F-13459B97050D}" presName="sibTrans" presStyleCnt="0"/>
+      <dgm:spPr/>
+    </dgm:pt>
+    <dgm:pt modelId="{53AF7352-401E-4E82-BDEC-7AE15D505FE8}" type="pres">
+      <dgm:prSet presAssocID="{228F2419-697A-4766-AE55-94323E76EED7}" presName="node" presStyleLbl="node1" presStyleIdx="4" presStyleCnt="5">
+        <dgm:presLayoutVars>
+          <dgm:bulletEnabled val="1"/>
+        </dgm:presLayoutVars>
+      </dgm:prSet>
+      <dgm:spPr/>
+    </dgm:pt>
+  </dgm:ptLst>
+  <dgm:cxnLst>
+    <dgm:cxn modelId="{FE84A40A-7A28-4ACB-9C07-5624D65C9676}" type="presOf" srcId="{228F2419-697A-4766-AE55-94323E76EED7}" destId="{53AF7352-401E-4E82-BDEC-7AE15D505FE8}" srcOrd="0" destOrd="0" presId="urn:microsoft.com/office/officeart/2005/8/layout/default"/>
+    <dgm:cxn modelId="{6171FE1E-D575-4B0F-A993-0AFBFAC6CA99}" type="presOf" srcId="{AED9847A-521A-46D6-8887-91CD75022F28}" destId="{4D93E6F9-CA8D-495A-8DD5-CF1482899DED}" srcOrd="0" destOrd="0" presId="urn:microsoft.com/office/officeart/2005/8/layout/default"/>
+    <dgm:cxn modelId="{B47CD42A-3B05-4FC8-8AC4-75ED45456A42}" type="presOf" srcId="{FB3FA585-8C00-43F4-9408-11F9A73FFCE1}" destId="{FA0F594B-F881-47D0-914A-ECE6D434C30B}" srcOrd="0" destOrd="0" presId="urn:microsoft.com/office/officeart/2005/8/layout/default"/>
+    <dgm:cxn modelId="{04741864-73DE-4F8D-B235-CA05231DB29E}" type="presOf" srcId="{D170A604-82B9-459F-9D9C-6BA2672535C7}" destId="{72AF3E06-A4E1-4A66-A5EF-EA929815A3CE}" srcOrd="0" destOrd="0" presId="urn:microsoft.com/office/officeart/2005/8/layout/default"/>
+    <dgm:cxn modelId="{15D2194A-C002-4212-93F8-D5B885694FC9}" type="presOf" srcId="{D25082EC-F3B1-4BF4-A799-689D88C5B32A}" destId="{30D177A0-52BA-44C5-9A66-EAEED3B568A9}" srcOrd="0" destOrd="0" presId="urn:microsoft.com/office/officeart/2005/8/layout/default"/>
+    <dgm:cxn modelId="{CBEAD44E-5E04-4C35-B010-07B60EAB1ED3}" srcId="{AED9847A-521A-46D6-8887-91CD75022F28}" destId="{FB3FA585-8C00-43F4-9408-11F9A73FFCE1}" srcOrd="3" destOrd="0" parTransId="{D6A57584-B47F-4215-A169-A73049E7DB9E}" sibTransId="{8EA7352D-D8DD-46F6-B44F-13459B97050D}"/>
+    <dgm:cxn modelId="{C933858C-5DB5-46F5-A971-5FF51504E2B6}" srcId="{AED9847A-521A-46D6-8887-91CD75022F28}" destId="{228F2419-697A-4766-AE55-94323E76EED7}" srcOrd="4" destOrd="0" parTransId="{02D3D6AB-6340-4227-97F6-57A9C936B843}" sibTransId="{9741F7C5-7C64-42B9-B6A4-4DE788CEA10C}"/>
+    <dgm:cxn modelId="{8DAFF3BE-50B2-4357-81C9-B2F2E8A3BC34}" srcId="{AED9847A-521A-46D6-8887-91CD75022F28}" destId="{D25082EC-F3B1-4BF4-A799-689D88C5B32A}" srcOrd="0" destOrd="0" parTransId="{75F26006-795C-4DE9-BA89-C99044D54970}" sibTransId="{6D2C4F3D-A0D1-4B5F-AC5C-7F7A655D850D}"/>
+    <dgm:cxn modelId="{02B153D4-0EED-49A0-83A4-AD35A86CD798}" srcId="{AED9847A-521A-46D6-8887-91CD75022F28}" destId="{D170A604-82B9-459F-9D9C-6BA2672535C7}" srcOrd="2" destOrd="0" parTransId="{E726BA00-BD98-476E-9370-5C068AC6CC35}" sibTransId="{1DB36124-A413-4163-9852-C4696D8F5755}"/>
+    <dgm:cxn modelId="{6069BED4-A635-468E-964B-097FB02AFED4}" srcId="{AED9847A-521A-46D6-8887-91CD75022F28}" destId="{0A14AE67-4902-4DAB-98B0-1D9ED5746619}" srcOrd="1" destOrd="0" parTransId="{9CBF5E55-A9D4-4EFD-9936-DA475BF2BC18}" sibTransId="{7AA63F17-C6B0-42E5-AE79-76C028F1204F}"/>
+    <dgm:cxn modelId="{52BEC3FF-4E36-4884-A35F-AEB9354CC7C4}" type="presOf" srcId="{0A14AE67-4902-4DAB-98B0-1D9ED5746619}" destId="{2D861BC8-60C6-4FD8-A5D5-E72F8454872C}" srcOrd="0" destOrd="0" presId="urn:microsoft.com/office/officeart/2005/8/layout/default"/>
+    <dgm:cxn modelId="{C24A7CED-5BF0-4B64-B962-B1CAD826FE1C}" type="presParOf" srcId="{4D93E6F9-CA8D-495A-8DD5-CF1482899DED}" destId="{30D177A0-52BA-44C5-9A66-EAEED3B568A9}" srcOrd="0" destOrd="0" presId="urn:microsoft.com/office/officeart/2005/8/layout/default"/>
+    <dgm:cxn modelId="{4F952517-8FAC-48FA-8DA9-ECDA26F5DD31}" type="presParOf" srcId="{4D93E6F9-CA8D-495A-8DD5-CF1482899DED}" destId="{2C08AF46-B765-4E07-ABEA-FEC55837E0CF}" srcOrd="1" destOrd="0" presId="urn:microsoft.com/office/officeart/2005/8/layout/default"/>
+    <dgm:cxn modelId="{C6A8713B-1DDA-4442-9A11-2A6A94E28DC4}" type="presParOf" srcId="{4D93E6F9-CA8D-495A-8DD5-CF1482899DED}" destId="{2D861BC8-60C6-4FD8-A5D5-E72F8454872C}" srcOrd="2" destOrd="0" presId="urn:microsoft.com/office/officeart/2005/8/layout/default"/>
+    <dgm:cxn modelId="{1E71309C-18B2-492D-ACEE-CAF81326F486}" type="presParOf" srcId="{4D93E6F9-CA8D-495A-8DD5-CF1482899DED}" destId="{52186A76-656C-495E-8341-C84C1345E4CA}" srcOrd="3" destOrd="0" presId="urn:microsoft.com/office/officeart/2005/8/layout/default"/>
+    <dgm:cxn modelId="{A1BA6B2D-9BF9-4F85-BF18-AE17FE52291B}" type="presParOf" srcId="{4D93E6F9-CA8D-495A-8DD5-CF1482899DED}" destId="{72AF3E06-A4E1-4A66-A5EF-EA929815A3CE}" srcOrd="4" destOrd="0" presId="urn:microsoft.com/office/officeart/2005/8/layout/default"/>
+    <dgm:cxn modelId="{72D3B4A0-1FD2-41BB-9D51-C1CBA476F30F}" type="presParOf" srcId="{4D93E6F9-CA8D-495A-8DD5-CF1482899DED}" destId="{EEF18C85-E4AD-45A5-AB25-3A446839B7CC}" srcOrd="5" destOrd="0" presId="urn:microsoft.com/office/officeart/2005/8/layout/default"/>
+    <dgm:cxn modelId="{0DB77F2C-E7EE-4F8E-ACCA-9BE8AC552D8B}" type="presParOf" srcId="{4D93E6F9-CA8D-495A-8DD5-CF1482899DED}" destId="{FA0F594B-F881-47D0-914A-ECE6D434C30B}" srcOrd="6" destOrd="0" presId="urn:microsoft.com/office/officeart/2005/8/layout/default"/>
+    <dgm:cxn modelId="{E7FB780C-052F-4C13-8B90-63E24D5651CB}" type="presParOf" srcId="{4D93E6F9-CA8D-495A-8DD5-CF1482899DED}" destId="{B0DFE261-6BAD-4E73-8AB6-9A1C18B51A9C}" srcOrd="7" destOrd="0" presId="urn:microsoft.com/office/officeart/2005/8/layout/default"/>
+    <dgm:cxn modelId="{1B1F3133-0EC4-4821-A299-E54C19132429}" type="presParOf" srcId="{4D93E6F9-CA8D-495A-8DD5-CF1482899DED}" destId="{53AF7352-401E-4E82-BDEC-7AE15D505FE8}" srcOrd="8" destOrd="0" presId="urn:microsoft.com/office/officeart/2005/8/layout/default"/>
+  </dgm:cxnLst>
+  <dgm:bg/>
+  <dgm:whole/>
+  <dgm:extLst>
+    <a:ext uri="http://schemas.microsoft.com/office/drawing/2008/diagram">
+      <dsp:dataModelExt xmlns:dsp="http://schemas.microsoft.com/office/drawing/2008/diagram" relId="rId6" minVer="http://schemas.openxmlformats.org/drawingml/2006/diagram"/>
+    </a:ext>
+  </dgm:extLst>
+</dgm:dataModel>
+</file>
+
+<file path=ppt/diagrams/data4.xml><?xml version="1.0" encoding="utf-8"?>
+<dgm:dataModel xmlns:dgm="http://schemas.openxmlformats.org/drawingml/2006/diagram" xmlns:a="http://schemas.openxmlformats.org/drawingml/2006/main">
+  <dgm:ptLst>
+    <dgm:pt modelId="{2B3DFEE1-DD8A-4D36-B0FB-9A52AF24C735}" type="doc">
+      <dgm:prSet loTypeId="urn:microsoft.com/office/officeart/2005/8/layout/matrix3" loCatId="matrix" qsTypeId="urn:microsoft.com/office/officeart/2005/8/quickstyle/simple4" qsCatId="simple" csTypeId="urn:microsoft.com/office/officeart/2005/8/colors/colorful5" csCatId="colorful"/>
+      <dgm:spPr/>
+      <dgm:t>
+        <a:bodyPr/>
+        <a:lstStyle/>
+        <a:p>
+          <a:endParaRPr lang="en-US"/>
+        </a:p>
+      </dgm:t>
+    </dgm:pt>
+    <dgm:pt modelId="{6D4877F8-A6CC-4200-B826-883C37749CF9}">
+      <dgm:prSet/>
+      <dgm:spPr/>
+      <dgm:t>
+        <a:bodyPr/>
+        <a:lstStyle/>
+        <a:p>
+          <a:r>
+            <a:rPr lang="en-US"/>
+            <a:t>Big data</a:t>
+          </a:r>
+        </a:p>
+      </dgm:t>
+    </dgm:pt>
+    <dgm:pt modelId="{6947BD22-DF9B-4C3C-BBB4-C2790248A654}" type="parTrans" cxnId="{9BA5A388-72B5-4EFC-A045-F5FAE75AB573}">
+      <dgm:prSet/>
+      <dgm:spPr/>
+      <dgm:t>
+        <a:bodyPr/>
+        <a:lstStyle/>
+        <a:p>
+          <a:endParaRPr lang="en-US"/>
+        </a:p>
+      </dgm:t>
+    </dgm:pt>
+    <dgm:pt modelId="{845D4BD2-407C-4CD6-BCA1-C7F1E3072491}" type="sibTrans" cxnId="{9BA5A388-72B5-4EFC-A045-F5FAE75AB573}">
+      <dgm:prSet/>
+      <dgm:spPr/>
+      <dgm:t>
+        <a:bodyPr/>
+        <a:lstStyle/>
+        <a:p>
+          <a:endParaRPr lang="en-US"/>
+        </a:p>
+      </dgm:t>
+    </dgm:pt>
+    <dgm:pt modelId="{C156F975-73E9-4F66-8E09-562438D093CD}">
+      <dgm:prSet/>
+      <dgm:spPr/>
+      <dgm:t>
+        <a:bodyPr/>
+        <a:lstStyle/>
+        <a:p>
+          <a:r>
+            <a:rPr lang="en-US"/>
+            <a:t>Finding geo-location tweets and justifying the twitter population</a:t>
+          </a:r>
+        </a:p>
+      </dgm:t>
+    </dgm:pt>
+    <dgm:pt modelId="{D6CB0B0D-989E-48F3-8D3A-60A5DCE7813A}" type="parTrans" cxnId="{679941B7-1443-4F4C-A448-557B3F74F430}">
+      <dgm:prSet/>
+      <dgm:spPr/>
+      <dgm:t>
+        <a:bodyPr/>
+        <a:lstStyle/>
+        <a:p>
+          <a:endParaRPr lang="en-US"/>
+        </a:p>
+      </dgm:t>
+    </dgm:pt>
+    <dgm:pt modelId="{FBBAEB1A-B532-4405-AD36-D537282671A1}" type="sibTrans" cxnId="{679941B7-1443-4F4C-A448-557B3F74F430}">
+      <dgm:prSet/>
+      <dgm:spPr/>
+      <dgm:t>
+        <a:bodyPr/>
+        <a:lstStyle/>
+        <a:p>
+          <a:endParaRPr lang="en-US"/>
+        </a:p>
+      </dgm:t>
+    </dgm:pt>
+    <dgm:pt modelId="{EF3FA99F-285E-44AF-8203-B4D38E21421D}">
+      <dgm:prSet/>
+      <dgm:spPr/>
+      <dgm:t>
+        <a:bodyPr/>
+        <a:lstStyle/>
+        <a:p>
+          <a:r>
+            <a:rPr lang="en-US"/>
+            <a:t>Finding the best way to process data</a:t>
+          </a:r>
+        </a:p>
+      </dgm:t>
+    </dgm:pt>
+    <dgm:pt modelId="{19EDC157-41B2-4533-AE94-E89D62D44F10}" type="parTrans" cxnId="{4675D427-A0EC-414F-AE0F-39DE8A6F3604}">
+      <dgm:prSet/>
+      <dgm:spPr/>
+      <dgm:t>
+        <a:bodyPr/>
+        <a:lstStyle/>
+        <a:p>
+          <a:endParaRPr lang="en-US"/>
+        </a:p>
+      </dgm:t>
+    </dgm:pt>
+    <dgm:pt modelId="{7EE6D599-13C9-43EB-B768-7922D8718DCB}" type="sibTrans" cxnId="{4675D427-A0EC-414F-AE0F-39DE8A6F3604}">
+      <dgm:prSet/>
+      <dgm:spPr/>
+      <dgm:t>
+        <a:bodyPr/>
+        <a:lstStyle/>
+        <a:p>
+          <a:endParaRPr lang="en-US"/>
+        </a:p>
+      </dgm:t>
+    </dgm:pt>
+    <dgm:pt modelId="{2CF4D18A-73D1-4152-85CE-4A11F983F51D}">
+      <dgm:prSet/>
+      <dgm:spPr/>
+      <dgm:t>
+        <a:bodyPr/>
+        <a:lstStyle/>
+        <a:p>
+          <a:r>
+            <a:rPr lang="en-US"/>
+            <a:t>Analyzing all the information</a:t>
+          </a:r>
+        </a:p>
+      </dgm:t>
+    </dgm:pt>
+    <dgm:pt modelId="{B808D38F-41D3-468A-A639-AA7462F9445A}" type="parTrans" cxnId="{DF4FA461-3BF5-4216-9B83-992ED695ED01}">
+      <dgm:prSet/>
+      <dgm:spPr/>
+      <dgm:t>
+        <a:bodyPr/>
+        <a:lstStyle/>
+        <a:p>
+          <a:endParaRPr lang="en-US"/>
+        </a:p>
+      </dgm:t>
+    </dgm:pt>
+    <dgm:pt modelId="{CA1C335B-A3EF-4EBF-B3D0-982CB7F2C385}" type="sibTrans" cxnId="{DF4FA461-3BF5-4216-9B83-992ED695ED01}">
+      <dgm:prSet/>
+      <dgm:spPr/>
+      <dgm:t>
+        <a:bodyPr/>
+        <a:lstStyle/>
+        <a:p>
+          <a:endParaRPr lang="en-US"/>
+        </a:p>
+      </dgm:t>
+    </dgm:pt>
+    <dgm:pt modelId="{B7399553-8971-4DCB-9F80-8334027A20E6}" type="pres">
+      <dgm:prSet presAssocID="{2B3DFEE1-DD8A-4D36-B0FB-9A52AF24C735}" presName="matrix" presStyleCnt="0">
+        <dgm:presLayoutVars>
+          <dgm:chMax val="1"/>
+          <dgm:dir/>
+          <dgm:resizeHandles val="exact"/>
+        </dgm:presLayoutVars>
+      </dgm:prSet>
+      <dgm:spPr/>
+    </dgm:pt>
+    <dgm:pt modelId="{A3F6FDE8-1838-4092-BB9F-8AA6B2AD2F45}" type="pres">
+      <dgm:prSet presAssocID="{2B3DFEE1-DD8A-4D36-B0FB-9A52AF24C735}" presName="diamond" presStyleLbl="bgShp" presStyleIdx="0" presStyleCnt="1"/>
+      <dgm:spPr/>
+    </dgm:pt>
+    <dgm:pt modelId="{DA478B62-F768-4912-86F3-53B35D38689E}" type="pres">
+      <dgm:prSet presAssocID="{2B3DFEE1-DD8A-4D36-B0FB-9A52AF24C735}" presName="quad1" presStyleLbl="node1" presStyleIdx="0" presStyleCnt="4">
+        <dgm:presLayoutVars>
+          <dgm:chMax val="0"/>
+          <dgm:chPref val="0"/>
+          <dgm:bulletEnabled val="1"/>
+        </dgm:presLayoutVars>
+      </dgm:prSet>
+      <dgm:spPr/>
+    </dgm:pt>
+    <dgm:pt modelId="{53E2FAE8-86AA-4669-BB9D-FB47F81CE854}" type="pres">
+      <dgm:prSet presAssocID="{2B3DFEE1-DD8A-4D36-B0FB-9A52AF24C735}" presName="quad2" presStyleLbl="node1" presStyleIdx="1" presStyleCnt="4">
+        <dgm:presLayoutVars>
+          <dgm:chMax val="0"/>
+          <dgm:chPref val="0"/>
+          <dgm:bulletEnabled val="1"/>
+        </dgm:presLayoutVars>
+      </dgm:prSet>
+      <dgm:spPr/>
+    </dgm:pt>
+    <dgm:pt modelId="{2CB9CBF8-2E33-4179-94CB-5484A22B3334}" type="pres">
+      <dgm:prSet presAssocID="{2B3DFEE1-DD8A-4D36-B0FB-9A52AF24C735}" presName="quad3" presStyleLbl="node1" presStyleIdx="2" presStyleCnt="4">
+        <dgm:presLayoutVars>
+          <dgm:chMax val="0"/>
+          <dgm:chPref val="0"/>
+          <dgm:bulletEnabled val="1"/>
+        </dgm:presLayoutVars>
+      </dgm:prSet>
+      <dgm:spPr/>
+    </dgm:pt>
+    <dgm:pt modelId="{392BD2CA-76AB-450C-B205-0CE19D4B62D6}" type="pres">
+      <dgm:prSet presAssocID="{2B3DFEE1-DD8A-4D36-B0FB-9A52AF24C735}" presName="quad4" presStyleLbl="node1" presStyleIdx="3" presStyleCnt="4">
+        <dgm:presLayoutVars>
+          <dgm:chMax val="0"/>
+          <dgm:chPref val="0"/>
+          <dgm:bulletEnabled val="1"/>
+        </dgm:presLayoutVars>
+      </dgm:prSet>
+      <dgm:spPr/>
+    </dgm:pt>
+  </dgm:ptLst>
+  <dgm:cxnLst>
+    <dgm:cxn modelId="{B8E4CA0B-02F1-4D5A-A938-BECEE610807D}" type="presOf" srcId="{6D4877F8-A6CC-4200-B826-883C37749CF9}" destId="{DA478B62-F768-4912-86F3-53B35D38689E}" srcOrd="0" destOrd="0" presId="urn:microsoft.com/office/officeart/2005/8/layout/matrix3"/>
+    <dgm:cxn modelId="{4675D427-A0EC-414F-AE0F-39DE8A6F3604}" srcId="{2B3DFEE1-DD8A-4D36-B0FB-9A52AF24C735}" destId="{EF3FA99F-285E-44AF-8203-B4D38E21421D}" srcOrd="2" destOrd="0" parTransId="{19EDC157-41B2-4533-AE94-E89D62D44F10}" sibTransId="{7EE6D599-13C9-43EB-B768-7922D8718DCB}"/>
+    <dgm:cxn modelId="{DF4FA461-3BF5-4216-9B83-992ED695ED01}" srcId="{2B3DFEE1-DD8A-4D36-B0FB-9A52AF24C735}" destId="{2CF4D18A-73D1-4152-85CE-4A11F983F51D}" srcOrd="3" destOrd="0" parTransId="{B808D38F-41D3-468A-A639-AA7462F9445A}" sibTransId="{CA1C335B-A3EF-4EBF-B3D0-982CB7F2C385}"/>
+    <dgm:cxn modelId="{8BCC3E49-BFD6-4627-A21B-EBED1891A345}" type="presOf" srcId="{C156F975-73E9-4F66-8E09-562438D093CD}" destId="{53E2FAE8-86AA-4669-BB9D-FB47F81CE854}" srcOrd="0" destOrd="0" presId="urn:microsoft.com/office/officeart/2005/8/layout/matrix3"/>
+    <dgm:cxn modelId="{9BA5A388-72B5-4EFC-A045-F5FAE75AB573}" srcId="{2B3DFEE1-DD8A-4D36-B0FB-9A52AF24C735}" destId="{6D4877F8-A6CC-4200-B826-883C37749CF9}" srcOrd="0" destOrd="0" parTransId="{6947BD22-DF9B-4C3C-BBB4-C2790248A654}" sibTransId="{845D4BD2-407C-4CD6-BCA1-C7F1E3072491}"/>
+    <dgm:cxn modelId="{A4CC5EA0-FDF9-42CF-A63D-3830622CBFA8}" type="presOf" srcId="{EF3FA99F-285E-44AF-8203-B4D38E21421D}" destId="{2CB9CBF8-2E33-4179-94CB-5484A22B3334}" srcOrd="0" destOrd="0" presId="urn:microsoft.com/office/officeart/2005/8/layout/matrix3"/>
+    <dgm:cxn modelId="{679941B7-1443-4F4C-A448-557B3F74F430}" srcId="{2B3DFEE1-DD8A-4D36-B0FB-9A52AF24C735}" destId="{C156F975-73E9-4F66-8E09-562438D093CD}" srcOrd="1" destOrd="0" parTransId="{D6CB0B0D-989E-48F3-8D3A-60A5DCE7813A}" sibTransId="{FBBAEB1A-B532-4405-AD36-D537282671A1}"/>
+    <dgm:cxn modelId="{5320DDCF-A950-450E-8A26-93E54011552F}" type="presOf" srcId="{2B3DFEE1-DD8A-4D36-B0FB-9A52AF24C735}" destId="{B7399553-8971-4DCB-9F80-8334027A20E6}" srcOrd="0" destOrd="0" presId="urn:microsoft.com/office/officeart/2005/8/layout/matrix3"/>
+    <dgm:cxn modelId="{747FF6E6-E42B-4B23-BB62-459A7B27F956}" type="presOf" srcId="{2CF4D18A-73D1-4152-85CE-4A11F983F51D}" destId="{392BD2CA-76AB-450C-B205-0CE19D4B62D6}" srcOrd="0" destOrd="0" presId="urn:microsoft.com/office/officeart/2005/8/layout/matrix3"/>
+    <dgm:cxn modelId="{B16F9B32-754B-41F7-9135-CCEB532095E7}" type="presParOf" srcId="{B7399553-8971-4DCB-9F80-8334027A20E6}" destId="{A3F6FDE8-1838-4092-BB9F-8AA6B2AD2F45}" srcOrd="0" destOrd="0" presId="urn:microsoft.com/office/officeart/2005/8/layout/matrix3"/>
+    <dgm:cxn modelId="{3B7C47BB-91B7-4EA9-8A95-7EE4D218F12C}" type="presParOf" srcId="{B7399553-8971-4DCB-9F80-8334027A20E6}" destId="{DA478B62-F768-4912-86F3-53B35D38689E}" srcOrd="1" destOrd="0" presId="urn:microsoft.com/office/officeart/2005/8/layout/matrix3"/>
+    <dgm:cxn modelId="{AF03D22D-C597-4990-94B6-0F555A34D832}" type="presParOf" srcId="{B7399553-8971-4DCB-9F80-8334027A20E6}" destId="{53E2FAE8-86AA-4669-BB9D-FB47F81CE854}" srcOrd="2" destOrd="0" presId="urn:microsoft.com/office/officeart/2005/8/layout/matrix3"/>
+    <dgm:cxn modelId="{6C74B7A1-E61C-48D3-A20E-71E037D4DD5B}" type="presParOf" srcId="{B7399553-8971-4DCB-9F80-8334027A20E6}" destId="{2CB9CBF8-2E33-4179-94CB-5484A22B3334}" srcOrd="3" destOrd="0" presId="urn:microsoft.com/office/officeart/2005/8/layout/matrix3"/>
+    <dgm:cxn modelId="{C248505D-1B5E-4EFD-AC49-45B1CA09B25C}" type="presParOf" srcId="{B7399553-8971-4DCB-9F80-8334027A20E6}" destId="{392BD2CA-76AB-450C-B205-0CE19D4B62D6}" srcOrd="4" destOrd="0" presId="urn:microsoft.com/office/officeart/2005/8/layout/matrix3"/>
+  </dgm:cxnLst>
+  <dgm:bg/>
+  <dgm:whole/>
+  <dgm:extLst>
+    <a:ext uri="http://schemas.microsoft.com/office/drawing/2008/diagram">
+      <dsp:dataModelExt xmlns:dsp="http://schemas.microsoft.com/office/drawing/2008/diagram" relId="rId6" minVer="http://schemas.openxmlformats.org/drawingml/2006/diagram"/>
+    </a:ext>
+  </dgm:extLst>
+</dgm:dataModel>
+</file>
+
+<file path=ppt/diagrams/data5.xml><?xml version="1.0" encoding="utf-8"?>
+<dgm:dataModel xmlns:dgm="http://schemas.openxmlformats.org/drawingml/2006/diagram" xmlns:a="http://schemas.openxmlformats.org/drawingml/2006/main">
+  <dgm:ptLst>
     <dgm:pt modelId="{AE118B91-D5B3-42AD-9EF2-80943349259D}" type="doc">
       <dgm:prSet loTypeId="urn:microsoft.com/office/officeart/2018/2/layout/IconCircleList" loCatId="icon" qsTypeId="urn:microsoft.com/office/officeart/2005/8/quickstyle/simple1" qsCatId="simple" csTypeId="urn:microsoft.com/office/officeart/2018/5/colors/Iconchunking_neutralicon_colorful1" csCatId="colorful" phldr="1"/>
       <dgm:spPr/>
@@ -5082,437 +6612,6 @@
     <dgm:cxn modelId="{3C8431A2-7BD5-4CE3-8726-D8B594D7B485}" type="presParOf" srcId="{C85E7223-3812-462C-B2B3-80EC0DF14ABF}" destId="{D011C4A0-96D7-4631-B50A-011DD852B116}" srcOrd="1" destOrd="0" presId="urn:microsoft.com/office/officeart/2018/2/layout/IconCircleList"/>
     <dgm:cxn modelId="{7ACFE02E-0E0B-414E-876A-A01D1A58D0F8}" type="presParOf" srcId="{C85E7223-3812-462C-B2B3-80EC0DF14ABF}" destId="{B8A1D8F1-00C4-4849-A7BE-884A7DFFD4DF}" srcOrd="2" destOrd="0" presId="urn:microsoft.com/office/officeart/2018/2/layout/IconCircleList"/>
     <dgm:cxn modelId="{7F468490-5095-487B-9420-E4A8D0C12964}" type="presParOf" srcId="{C85E7223-3812-462C-B2B3-80EC0DF14ABF}" destId="{9EDBF29C-A849-4196-8881-2BC552A99C5C}" srcOrd="3" destOrd="0" presId="urn:microsoft.com/office/officeart/2018/2/layout/IconCircleList"/>
-  </dgm:cxnLst>
-  <dgm:bg/>
-  <dgm:whole/>
-  <dgm:extLst>
-    <a:ext uri="http://schemas.microsoft.com/office/drawing/2008/diagram">
-      <dsp:dataModelExt xmlns:dsp="http://schemas.microsoft.com/office/drawing/2008/diagram" relId="rId6" minVer="http://schemas.openxmlformats.org/drawingml/2006/diagram"/>
-    </a:ext>
-  </dgm:extLst>
-</dgm:dataModel>
-</file>
-
-<file path=ppt/diagrams/data4.xml><?xml version="1.0" encoding="utf-8"?>
-<dgm:dataModel xmlns:dgm="http://schemas.openxmlformats.org/drawingml/2006/diagram" xmlns:a="http://schemas.openxmlformats.org/drawingml/2006/main">
-  <dgm:ptLst>
-    <dgm:pt modelId="{B84946AC-7571-6649-8E03-C4D25CE2C995}" type="doc">
-      <dgm:prSet loTypeId="urn:microsoft.com/office/officeart/2005/8/layout/hList1" loCatId="list" qsTypeId="urn:microsoft.com/office/officeart/2005/8/quickstyle/simple1" qsCatId="simple" csTypeId="urn:microsoft.com/office/officeart/2005/8/colors/accent1_2" csCatId="accent1" phldr="1"/>
-      <dgm:spPr/>
-      <dgm:t>
-        <a:bodyPr/>
-        <a:lstStyle/>
-        <a:p>
-          <a:endParaRPr lang="en-US"/>
-        </a:p>
-      </dgm:t>
-    </dgm:pt>
-    <dgm:pt modelId="{BEBBAE9C-EF85-A243-8797-9A970BBDD180}">
-      <dgm:prSet/>
-      <dgm:spPr/>
-      <dgm:t>
-        <a:bodyPr/>
-        <a:lstStyle/>
-        <a:p>
-          <a:r>
-            <a:rPr lang="en-US" dirty="0"/>
-            <a:t>Lack of geo-location</a:t>
-          </a:r>
-        </a:p>
-      </dgm:t>
-    </dgm:pt>
-    <dgm:pt modelId="{7A6D9657-AAAA-A24D-8F44-FB7AF75C4353}" type="parTrans" cxnId="{71CFD440-B649-1346-A30A-B49D79A47F32}">
-      <dgm:prSet/>
-      <dgm:spPr/>
-      <dgm:t>
-        <a:bodyPr/>
-        <a:lstStyle/>
-        <a:p>
-          <a:endParaRPr lang="en-US"/>
-        </a:p>
-      </dgm:t>
-    </dgm:pt>
-    <dgm:pt modelId="{FFE99C76-675F-8F4E-A078-7645943CCC7D}" type="sibTrans" cxnId="{71CFD440-B649-1346-A30A-B49D79A47F32}">
-      <dgm:prSet/>
-      <dgm:spPr/>
-      <dgm:t>
-        <a:bodyPr/>
-        <a:lstStyle/>
-        <a:p>
-          <a:endParaRPr lang="en-US"/>
-        </a:p>
-      </dgm:t>
-    </dgm:pt>
-    <dgm:pt modelId="{9DED8200-BF2D-B74A-872D-13C331B39A01}">
-      <dgm:prSet/>
-      <dgm:spPr/>
-      <dgm:t>
-        <a:bodyPr/>
-        <a:lstStyle/>
-        <a:p>
-          <a:r>
-            <a:rPr lang="en-US" dirty="0"/>
-            <a:t>Voting on party lines</a:t>
-          </a:r>
-        </a:p>
-      </dgm:t>
-    </dgm:pt>
-    <dgm:pt modelId="{2DA981E9-76F7-184C-AFD1-004CC3FFBB1E}" type="parTrans" cxnId="{E80E1E5A-5C68-554A-876C-B49AC0FE2D67}">
-      <dgm:prSet/>
-      <dgm:spPr/>
-      <dgm:t>
-        <a:bodyPr/>
-        <a:lstStyle/>
-        <a:p>
-          <a:endParaRPr lang="en-US"/>
-        </a:p>
-      </dgm:t>
-    </dgm:pt>
-    <dgm:pt modelId="{D6115442-99CC-A64B-A9F1-3CE226CBCC89}" type="sibTrans" cxnId="{E80E1E5A-5C68-554A-876C-B49AC0FE2D67}">
-      <dgm:prSet/>
-      <dgm:spPr/>
-      <dgm:t>
-        <a:bodyPr/>
-        <a:lstStyle/>
-        <a:p>
-          <a:endParaRPr lang="en-US"/>
-        </a:p>
-      </dgm:t>
-    </dgm:pt>
-    <dgm:pt modelId="{68D445DE-062D-9340-97F3-0DD02DC3AE92}">
-      <dgm:prSet/>
-      <dgm:spPr/>
-      <dgm:t>
-        <a:bodyPr/>
-        <a:lstStyle/>
-        <a:p>
-          <a:r>
-            <a:rPr lang="en-US" dirty="0" err="1"/>
-            <a:t>Amdt</a:t>
-          </a:r>
-          <a:r>
-            <a:rPr lang="en-US" dirty="0"/>
-            <a:t>. 270 – Vote to repeal Obamacare  </a:t>
-          </a:r>
-        </a:p>
-      </dgm:t>
-    </dgm:pt>
-    <dgm:pt modelId="{6758FDDF-B8BE-A848-BE7C-CCA88D5AB3DA}" type="parTrans" cxnId="{C01CC112-EE6F-6740-B802-A5CD8405451D}">
-      <dgm:prSet/>
-      <dgm:spPr/>
-      <dgm:t>
-        <a:bodyPr/>
-        <a:lstStyle/>
-        <a:p>
-          <a:endParaRPr lang="en-US"/>
-        </a:p>
-      </dgm:t>
-    </dgm:pt>
-    <dgm:pt modelId="{4B5DB6DA-C68D-9F41-A1E0-624CAD08967C}" type="sibTrans" cxnId="{C01CC112-EE6F-6740-B802-A5CD8405451D}">
-      <dgm:prSet/>
-      <dgm:spPr/>
-      <dgm:t>
-        <a:bodyPr/>
-        <a:lstStyle/>
-        <a:p>
-          <a:endParaRPr lang="en-US"/>
-        </a:p>
-      </dgm:t>
-    </dgm:pt>
-    <dgm:pt modelId="{A248D470-B415-3041-8D4E-38AFF0490841}">
-      <dgm:prSet/>
-      <dgm:spPr/>
-      <dgm:t>
-        <a:bodyPr/>
-        <a:lstStyle/>
-        <a:p>
-          <a:r>
-            <a:rPr lang="en-US" dirty="0"/>
-            <a:t>July 25, 2017</a:t>
-          </a:r>
-        </a:p>
-      </dgm:t>
-    </dgm:pt>
-    <dgm:pt modelId="{C033F716-64E5-E744-9B26-1F94DE5A9105}" type="parTrans" cxnId="{8750C96A-E964-444A-9AF1-D5E513009256}">
-      <dgm:prSet/>
-      <dgm:spPr/>
-      <dgm:t>
-        <a:bodyPr/>
-        <a:lstStyle/>
-        <a:p>
-          <a:endParaRPr lang="en-US"/>
-        </a:p>
-      </dgm:t>
-    </dgm:pt>
-    <dgm:pt modelId="{05A9E52F-3DE9-C347-AC7D-5217A8DBF14A}" type="sibTrans" cxnId="{8750C96A-E964-444A-9AF1-D5E513009256}">
-      <dgm:prSet/>
-      <dgm:spPr/>
-      <dgm:t>
-        <a:bodyPr/>
-        <a:lstStyle/>
-        <a:p>
-          <a:endParaRPr lang="en-US"/>
-        </a:p>
-      </dgm:t>
-    </dgm:pt>
-    <dgm:pt modelId="{D25A1A7A-4DCA-0144-A877-67770C4CC2A3}">
-      <dgm:prSet/>
-      <dgm:spPr/>
-      <dgm:t>
-        <a:bodyPr/>
-        <a:lstStyle/>
-        <a:p>
-          <a:r>
-            <a:rPr lang="en-US"/>
-            <a:t>Sentiment analysis</a:t>
-          </a:r>
-        </a:p>
-      </dgm:t>
-    </dgm:pt>
-    <dgm:pt modelId="{C768C231-02C7-8048-B0F2-DC618405C270}" type="parTrans" cxnId="{23C3C63E-0FEA-EB47-B9A4-185E43DEC40F}">
-      <dgm:prSet/>
-      <dgm:spPr/>
-      <dgm:t>
-        <a:bodyPr/>
-        <a:lstStyle/>
-        <a:p>
-          <a:endParaRPr lang="en-US"/>
-        </a:p>
-      </dgm:t>
-    </dgm:pt>
-    <dgm:pt modelId="{7E7D65A5-CF56-E04D-B4D0-15F6A361F942}" type="sibTrans" cxnId="{23C3C63E-0FEA-EB47-B9A4-185E43DEC40F}">
-      <dgm:prSet/>
-      <dgm:spPr/>
-      <dgm:t>
-        <a:bodyPr/>
-        <a:lstStyle/>
-        <a:p>
-          <a:endParaRPr lang="en-US"/>
-        </a:p>
-      </dgm:t>
-    </dgm:pt>
-    <dgm:pt modelId="{CBCF1947-3FD1-3D4D-9286-C336F80E26CD}">
-      <dgm:prSet/>
-      <dgm:spPr/>
-      <dgm:t>
-        <a:bodyPr/>
-        <a:lstStyle/>
-        <a:p>
-          <a:r>
-            <a:rPr lang="en-US"/>
-            <a:t>“Obamacare is death”</a:t>
-          </a:r>
-        </a:p>
-      </dgm:t>
-    </dgm:pt>
-    <dgm:pt modelId="{5C49159A-0B4F-3543-9F9B-40918589988F}" type="parTrans" cxnId="{54B70365-F2C7-2A4E-8F77-DE6DF32F9DA3}">
-      <dgm:prSet/>
-      <dgm:spPr/>
-      <dgm:t>
-        <a:bodyPr/>
-        <a:lstStyle/>
-        <a:p>
-          <a:endParaRPr lang="en-US"/>
-        </a:p>
-      </dgm:t>
-    </dgm:pt>
-    <dgm:pt modelId="{224967FC-6E30-BB47-81A8-9792DF026C15}" type="sibTrans" cxnId="{54B70365-F2C7-2A4E-8F77-DE6DF32F9DA3}">
-      <dgm:prSet/>
-      <dgm:spPr/>
-      <dgm:t>
-        <a:bodyPr/>
-        <a:lstStyle/>
-        <a:p>
-          <a:endParaRPr lang="en-US"/>
-        </a:p>
-      </dgm:t>
-    </dgm:pt>
-    <dgm:pt modelId="{0DE9EC1A-877A-D446-8F70-C02CAEBD4CBB}">
-      <dgm:prSet/>
-      <dgm:spPr/>
-      <dgm:t>
-        <a:bodyPr/>
-        <a:lstStyle/>
-        <a:p>
-          <a:r>
-            <a:rPr lang="en-US"/>
-            <a:t>"We can do better than Obamacare”</a:t>
-          </a:r>
-        </a:p>
-      </dgm:t>
-    </dgm:pt>
-    <dgm:pt modelId="{144351A2-DD2B-2446-9E8C-294CB376292A}" type="parTrans" cxnId="{581E1F9C-D2B2-1B4D-B4BC-3D9DC5F222C5}">
-      <dgm:prSet/>
-      <dgm:spPr/>
-      <dgm:t>
-        <a:bodyPr/>
-        <a:lstStyle/>
-        <a:p>
-          <a:endParaRPr lang="en-US"/>
-        </a:p>
-      </dgm:t>
-    </dgm:pt>
-    <dgm:pt modelId="{DE11D93D-E13B-0E44-B48E-78E2644ADF77}" type="sibTrans" cxnId="{581E1F9C-D2B2-1B4D-B4BC-3D9DC5F222C5}">
-      <dgm:prSet/>
-      <dgm:spPr/>
-      <dgm:t>
-        <a:bodyPr/>
-        <a:lstStyle/>
-        <a:p>
-          <a:endParaRPr lang="en-US"/>
-        </a:p>
-      </dgm:t>
-    </dgm:pt>
-    <dgm:pt modelId="{A0010986-11C9-8047-ABC4-D9CFA2F3719D}">
-      <dgm:prSet/>
-      <dgm:spPr/>
-      <dgm:t>
-        <a:bodyPr/>
-        <a:lstStyle/>
-        <a:p>
-          <a:r>
-            <a:rPr lang="en-US" dirty="0"/>
-            <a:t>Mapping Twitter user to corresponding Senator </a:t>
-          </a:r>
-        </a:p>
-      </dgm:t>
-    </dgm:pt>
-    <dgm:pt modelId="{8568B15F-EF86-F141-A651-BC56FF48AD33}" type="parTrans" cxnId="{148CB80F-E917-8F4B-8ADF-ED4C7BB90283}">
-      <dgm:prSet/>
-      <dgm:spPr/>
-      <dgm:t>
-        <a:bodyPr/>
-        <a:lstStyle/>
-        <a:p>
-          <a:endParaRPr lang="en-US"/>
-        </a:p>
-      </dgm:t>
-    </dgm:pt>
-    <dgm:pt modelId="{689915A1-9A92-2F49-87CF-9764A0B263FB}" type="sibTrans" cxnId="{148CB80F-E917-8F4B-8ADF-ED4C7BB90283}">
-      <dgm:prSet/>
-      <dgm:spPr/>
-      <dgm:t>
-        <a:bodyPr/>
-        <a:lstStyle/>
-        <a:p>
-          <a:endParaRPr lang="en-US"/>
-        </a:p>
-      </dgm:t>
-    </dgm:pt>
-    <dgm:pt modelId="{3BE25C23-0859-4A46-B35C-F75BF487149A}" type="pres">
-      <dgm:prSet presAssocID="{B84946AC-7571-6649-8E03-C4D25CE2C995}" presName="Name0" presStyleCnt="0">
-        <dgm:presLayoutVars>
-          <dgm:dir/>
-          <dgm:animLvl val="lvl"/>
-          <dgm:resizeHandles val="exact"/>
-        </dgm:presLayoutVars>
-      </dgm:prSet>
-      <dgm:spPr/>
-    </dgm:pt>
-    <dgm:pt modelId="{146E238E-8A56-DA47-91E2-31D91ECA579F}" type="pres">
-      <dgm:prSet presAssocID="{BEBBAE9C-EF85-A243-8797-9A970BBDD180}" presName="composite" presStyleCnt="0"/>
-      <dgm:spPr/>
-    </dgm:pt>
-    <dgm:pt modelId="{AFB41298-295A-8047-BFFF-6A81B37692A1}" type="pres">
-      <dgm:prSet presAssocID="{BEBBAE9C-EF85-A243-8797-9A970BBDD180}" presName="parTx" presStyleLbl="alignNode1" presStyleIdx="0" presStyleCnt="3">
-        <dgm:presLayoutVars>
-          <dgm:chMax val="0"/>
-          <dgm:chPref val="0"/>
-          <dgm:bulletEnabled val="1"/>
-        </dgm:presLayoutVars>
-      </dgm:prSet>
-      <dgm:spPr/>
-    </dgm:pt>
-    <dgm:pt modelId="{C87A1EED-A925-DE45-BCF3-E3EB439063DD}" type="pres">
-      <dgm:prSet presAssocID="{BEBBAE9C-EF85-A243-8797-9A970BBDD180}" presName="desTx" presStyleLbl="alignAccFollowNode1" presStyleIdx="0" presStyleCnt="3">
-        <dgm:presLayoutVars>
-          <dgm:bulletEnabled val="1"/>
-        </dgm:presLayoutVars>
-      </dgm:prSet>
-      <dgm:spPr/>
-    </dgm:pt>
-    <dgm:pt modelId="{A6D331B0-C644-6E46-8735-17E18F3391DB}" type="pres">
-      <dgm:prSet presAssocID="{FFE99C76-675F-8F4E-A078-7645943CCC7D}" presName="space" presStyleCnt="0"/>
-      <dgm:spPr/>
-    </dgm:pt>
-    <dgm:pt modelId="{11F17C42-B69B-7F46-BA62-50377F14CDCD}" type="pres">
-      <dgm:prSet presAssocID="{9DED8200-BF2D-B74A-872D-13C331B39A01}" presName="composite" presStyleCnt="0"/>
-      <dgm:spPr/>
-    </dgm:pt>
-    <dgm:pt modelId="{9DF4B634-54D4-3044-B111-A5B858EBB1BB}" type="pres">
-      <dgm:prSet presAssocID="{9DED8200-BF2D-B74A-872D-13C331B39A01}" presName="parTx" presStyleLbl="alignNode1" presStyleIdx="1" presStyleCnt="3">
-        <dgm:presLayoutVars>
-          <dgm:chMax val="0"/>
-          <dgm:chPref val="0"/>
-          <dgm:bulletEnabled val="1"/>
-        </dgm:presLayoutVars>
-      </dgm:prSet>
-      <dgm:spPr/>
-    </dgm:pt>
-    <dgm:pt modelId="{A2E83172-6276-7D4F-93D7-4F61596AD8E8}" type="pres">
-      <dgm:prSet presAssocID="{9DED8200-BF2D-B74A-872D-13C331B39A01}" presName="desTx" presStyleLbl="alignAccFollowNode1" presStyleIdx="1" presStyleCnt="3">
-        <dgm:presLayoutVars>
-          <dgm:bulletEnabled val="1"/>
-        </dgm:presLayoutVars>
-      </dgm:prSet>
-      <dgm:spPr/>
-    </dgm:pt>
-    <dgm:pt modelId="{462869F4-6581-E040-A71E-9C25C3B8EA57}" type="pres">
-      <dgm:prSet presAssocID="{D6115442-99CC-A64B-A9F1-3CE226CBCC89}" presName="space" presStyleCnt="0"/>
-      <dgm:spPr/>
-    </dgm:pt>
-    <dgm:pt modelId="{A90C135A-95C5-0C4B-B88C-D55D4A8C3C91}" type="pres">
-      <dgm:prSet presAssocID="{D25A1A7A-4DCA-0144-A877-67770C4CC2A3}" presName="composite" presStyleCnt="0"/>
-      <dgm:spPr/>
-    </dgm:pt>
-    <dgm:pt modelId="{5DB0B61A-785A-7E40-8702-B69FB2B89AB8}" type="pres">
-      <dgm:prSet presAssocID="{D25A1A7A-4DCA-0144-A877-67770C4CC2A3}" presName="parTx" presStyleLbl="alignNode1" presStyleIdx="2" presStyleCnt="3">
-        <dgm:presLayoutVars>
-          <dgm:chMax val="0"/>
-          <dgm:chPref val="0"/>
-          <dgm:bulletEnabled val="1"/>
-        </dgm:presLayoutVars>
-      </dgm:prSet>
-      <dgm:spPr/>
-    </dgm:pt>
-    <dgm:pt modelId="{2CDDB0F4-F47E-AE41-BC12-20AD8122FF33}" type="pres">
-      <dgm:prSet presAssocID="{D25A1A7A-4DCA-0144-A877-67770C4CC2A3}" presName="desTx" presStyleLbl="alignAccFollowNode1" presStyleIdx="2" presStyleCnt="3">
-        <dgm:presLayoutVars>
-          <dgm:bulletEnabled val="1"/>
-        </dgm:presLayoutVars>
-      </dgm:prSet>
-      <dgm:spPr/>
-    </dgm:pt>
-  </dgm:ptLst>
-  <dgm:cxnLst>
-    <dgm:cxn modelId="{148CB80F-E917-8F4B-8ADF-ED4C7BB90283}" srcId="{BEBBAE9C-EF85-A243-8797-9A970BBDD180}" destId="{A0010986-11C9-8047-ABC4-D9CFA2F3719D}" srcOrd="0" destOrd="0" parTransId="{8568B15F-EF86-F141-A651-BC56FF48AD33}" sibTransId="{689915A1-9A92-2F49-87CF-9764A0B263FB}"/>
-    <dgm:cxn modelId="{C01CC112-EE6F-6740-B802-A5CD8405451D}" srcId="{9DED8200-BF2D-B74A-872D-13C331B39A01}" destId="{68D445DE-062D-9340-97F3-0DD02DC3AE92}" srcOrd="0" destOrd="0" parTransId="{6758FDDF-B8BE-A848-BE7C-CCA88D5AB3DA}" sibTransId="{4B5DB6DA-C68D-9F41-A1E0-624CAD08967C}"/>
-    <dgm:cxn modelId="{526A7730-0B30-AF44-880D-3029885213E7}" type="presOf" srcId="{68D445DE-062D-9340-97F3-0DD02DC3AE92}" destId="{A2E83172-6276-7D4F-93D7-4F61596AD8E8}" srcOrd="0" destOrd="0" presId="urn:microsoft.com/office/officeart/2005/8/layout/hList1"/>
-    <dgm:cxn modelId="{22E06C35-3D05-744A-A614-7CAC3F5558B2}" type="presOf" srcId="{A0010986-11C9-8047-ABC4-D9CFA2F3719D}" destId="{C87A1EED-A925-DE45-BCF3-E3EB439063DD}" srcOrd="0" destOrd="0" presId="urn:microsoft.com/office/officeart/2005/8/layout/hList1"/>
-    <dgm:cxn modelId="{23C3C63E-0FEA-EB47-B9A4-185E43DEC40F}" srcId="{B84946AC-7571-6649-8E03-C4D25CE2C995}" destId="{D25A1A7A-4DCA-0144-A877-67770C4CC2A3}" srcOrd="2" destOrd="0" parTransId="{C768C231-02C7-8048-B0F2-DC618405C270}" sibTransId="{7E7D65A5-CF56-E04D-B4D0-15F6A361F942}"/>
-    <dgm:cxn modelId="{71CFD440-B649-1346-A30A-B49D79A47F32}" srcId="{B84946AC-7571-6649-8E03-C4D25CE2C995}" destId="{BEBBAE9C-EF85-A243-8797-9A970BBDD180}" srcOrd="0" destOrd="0" parTransId="{7A6D9657-AAAA-A24D-8F44-FB7AF75C4353}" sibTransId="{FFE99C76-675F-8F4E-A078-7645943CCC7D}"/>
-    <dgm:cxn modelId="{54B70365-F2C7-2A4E-8F77-DE6DF32F9DA3}" srcId="{D25A1A7A-4DCA-0144-A877-67770C4CC2A3}" destId="{CBCF1947-3FD1-3D4D-9286-C336F80E26CD}" srcOrd="0" destOrd="0" parTransId="{5C49159A-0B4F-3543-9F9B-40918589988F}" sibTransId="{224967FC-6E30-BB47-81A8-9792DF026C15}"/>
-    <dgm:cxn modelId="{89521545-1C14-0B4D-B07D-D291D046F66A}" type="presOf" srcId="{B84946AC-7571-6649-8E03-C4D25CE2C995}" destId="{3BE25C23-0859-4A46-B35C-F75BF487149A}" srcOrd="0" destOrd="0" presId="urn:microsoft.com/office/officeart/2005/8/layout/hList1"/>
-    <dgm:cxn modelId="{0C236A4A-ED8C-1845-8D66-6A5A423F4DAC}" type="presOf" srcId="{CBCF1947-3FD1-3D4D-9286-C336F80E26CD}" destId="{2CDDB0F4-F47E-AE41-BC12-20AD8122FF33}" srcOrd="0" destOrd="0" presId="urn:microsoft.com/office/officeart/2005/8/layout/hList1"/>
-    <dgm:cxn modelId="{8750C96A-E964-444A-9AF1-D5E513009256}" srcId="{9DED8200-BF2D-B74A-872D-13C331B39A01}" destId="{A248D470-B415-3041-8D4E-38AFF0490841}" srcOrd="1" destOrd="0" parTransId="{C033F716-64E5-E744-9B26-1F94DE5A9105}" sibTransId="{05A9E52F-3DE9-C347-AC7D-5217A8DBF14A}"/>
-    <dgm:cxn modelId="{257A7C50-F998-CE4C-BBCA-33CC29C6451C}" type="presOf" srcId="{9DED8200-BF2D-B74A-872D-13C331B39A01}" destId="{9DF4B634-54D4-3044-B111-A5B858EBB1BB}" srcOrd="0" destOrd="0" presId="urn:microsoft.com/office/officeart/2005/8/layout/hList1"/>
-    <dgm:cxn modelId="{E80E1E5A-5C68-554A-876C-B49AC0FE2D67}" srcId="{B84946AC-7571-6649-8E03-C4D25CE2C995}" destId="{9DED8200-BF2D-B74A-872D-13C331B39A01}" srcOrd="1" destOrd="0" parTransId="{2DA981E9-76F7-184C-AFD1-004CC3FFBB1E}" sibTransId="{D6115442-99CC-A64B-A9F1-3CE226CBCC89}"/>
-    <dgm:cxn modelId="{9F3BEF99-C5FD-C841-BA91-0BCCB7E91464}" type="presOf" srcId="{D25A1A7A-4DCA-0144-A877-67770C4CC2A3}" destId="{5DB0B61A-785A-7E40-8702-B69FB2B89AB8}" srcOrd="0" destOrd="0" presId="urn:microsoft.com/office/officeart/2005/8/layout/hList1"/>
-    <dgm:cxn modelId="{581E1F9C-D2B2-1B4D-B4BC-3D9DC5F222C5}" srcId="{D25A1A7A-4DCA-0144-A877-67770C4CC2A3}" destId="{0DE9EC1A-877A-D446-8F70-C02CAEBD4CBB}" srcOrd="1" destOrd="0" parTransId="{144351A2-DD2B-2446-9E8C-294CB376292A}" sibTransId="{DE11D93D-E13B-0E44-B48E-78E2644ADF77}"/>
-    <dgm:cxn modelId="{9B91D79C-30BF-8B41-BCD1-9ABBFF2FF937}" type="presOf" srcId="{0DE9EC1A-877A-D446-8F70-C02CAEBD4CBB}" destId="{2CDDB0F4-F47E-AE41-BC12-20AD8122FF33}" srcOrd="0" destOrd="1" presId="urn:microsoft.com/office/officeart/2005/8/layout/hList1"/>
-    <dgm:cxn modelId="{9B7907BE-3CA1-3E4A-A642-45D56B56C63B}" type="presOf" srcId="{BEBBAE9C-EF85-A243-8797-9A970BBDD180}" destId="{AFB41298-295A-8047-BFFF-6A81B37692A1}" srcOrd="0" destOrd="0" presId="urn:microsoft.com/office/officeart/2005/8/layout/hList1"/>
-    <dgm:cxn modelId="{269441DE-74F9-8E43-962D-EA568E85EF30}" type="presOf" srcId="{A248D470-B415-3041-8D4E-38AFF0490841}" destId="{A2E83172-6276-7D4F-93D7-4F61596AD8E8}" srcOrd="0" destOrd="1" presId="urn:microsoft.com/office/officeart/2005/8/layout/hList1"/>
-    <dgm:cxn modelId="{AF38E72E-A170-AC48-A5C2-5D11397674D9}" type="presParOf" srcId="{3BE25C23-0859-4A46-B35C-F75BF487149A}" destId="{146E238E-8A56-DA47-91E2-31D91ECA579F}" srcOrd="0" destOrd="0" presId="urn:microsoft.com/office/officeart/2005/8/layout/hList1"/>
-    <dgm:cxn modelId="{B2C5C7FC-1206-B647-B101-DD4C7AC93703}" type="presParOf" srcId="{146E238E-8A56-DA47-91E2-31D91ECA579F}" destId="{AFB41298-295A-8047-BFFF-6A81B37692A1}" srcOrd="0" destOrd="0" presId="urn:microsoft.com/office/officeart/2005/8/layout/hList1"/>
-    <dgm:cxn modelId="{E6B63A0A-FA85-3743-9C38-C0D7D3D8ECD1}" type="presParOf" srcId="{146E238E-8A56-DA47-91E2-31D91ECA579F}" destId="{C87A1EED-A925-DE45-BCF3-E3EB439063DD}" srcOrd="1" destOrd="0" presId="urn:microsoft.com/office/officeart/2005/8/layout/hList1"/>
-    <dgm:cxn modelId="{A2603C96-B9A9-0E44-B40A-DD88CEAF02B5}" type="presParOf" srcId="{3BE25C23-0859-4A46-B35C-F75BF487149A}" destId="{A6D331B0-C644-6E46-8735-17E18F3391DB}" srcOrd="1" destOrd="0" presId="urn:microsoft.com/office/officeart/2005/8/layout/hList1"/>
-    <dgm:cxn modelId="{1DE664EF-756E-5042-BA5D-E353679BB5CA}" type="presParOf" srcId="{3BE25C23-0859-4A46-B35C-F75BF487149A}" destId="{11F17C42-B69B-7F46-BA62-50377F14CDCD}" srcOrd="2" destOrd="0" presId="urn:microsoft.com/office/officeart/2005/8/layout/hList1"/>
-    <dgm:cxn modelId="{48CF55E9-CFF6-5A4A-B505-1D538EC4DE9B}" type="presParOf" srcId="{11F17C42-B69B-7F46-BA62-50377F14CDCD}" destId="{9DF4B634-54D4-3044-B111-A5B858EBB1BB}" srcOrd="0" destOrd="0" presId="urn:microsoft.com/office/officeart/2005/8/layout/hList1"/>
-    <dgm:cxn modelId="{4B93F345-128A-6A48-8963-9F3964B66042}" type="presParOf" srcId="{11F17C42-B69B-7F46-BA62-50377F14CDCD}" destId="{A2E83172-6276-7D4F-93D7-4F61596AD8E8}" srcOrd="1" destOrd="0" presId="urn:microsoft.com/office/officeart/2005/8/layout/hList1"/>
-    <dgm:cxn modelId="{0E483C41-BDD1-AD41-A2D0-B830F999E729}" type="presParOf" srcId="{3BE25C23-0859-4A46-B35C-F75BF487149A}" destId="{462869F4-6581-E040-A71E-9C25C3B8EA57}" srcOrd="3" destOrd="0" presId="urn:microsoft.com/office/officeart/2005/8/layout/hList1"/>
-    <dgm:cxn modelId="{03BF92EB-9A6F-A542-B750-216DE686C92B}" type="presParOf" srcId="{3BE25C23-0859-4A46-B35C-F75BF487149A}" destId="{A90C135A-95C5-0C4B-B88C-D55D4A8C3C91}" srcOrd="4" destOrd="0" presId="urn:microsoft.com/office/officeart/2005/8/layout/hList1"/>
-    <dgm:cxn modelId="{1A103CCE-0850-A747-8B64-7D9D3F3D5CE4}" type="presParOf" srcId="{A90C135A-95C5-0C4B-B88C-D55D4A8C3C91}" destId="{5DB0B61A-785A-7E40-8702-B69FB2B89AB8}" srcOrd="0" destOrd="0" presId="urn:microsoft.com/office/officeart/2005/8/layout/hList1"/>
-    <dgm:cxn modelId="{260854A4-4593-B940-9C37-6EE46D1E145A}" type="presParOf" srcId="{A90C135A-95C5-0C4B-B88C-D55D4A8C3C91}" destId="{2CDDB0F4-F47E-AE41-BC12-20AD8122FF33}" srcOrd="1" destOrd="0" presId="urn:microsoft.com/office/officeart/2005/8/layout/hList1"/>
   </dgm:cxnLst>
   <dgm:bg/>
   <dgm:whole/>
@@ -6987,6 +8086,851 @@
       <dsp:cNvGrpSpPr/>
     </dsp:nvGrpSpPr>
     <dsp:grpSpPr/>
+    <dsp:sp modelId="{30D177A0-52BA-44C5-9A66-EAEED3B568A9}">
+      <dsp:nvSpPr>
+        <dsp:cNvPr id="0" name=""/>
+        <dsp:cNvSpPr/>
+      </dsp:nvSpPr>
+      <dsp:spPr>
+        <a:xfrm>
+          <a:off x="1306750" y="353"/>
+          <a:ext cx="2390030" cy="1434018"/>
+        </a:xfrm>
+        <a:prstGeom prst="rect">
+          <a:avLst/>
+        </a:prstGeom>
+        <a:solidFill>
+          <a:schemeClr val="accent2">
+            <a:hueOff val="0"/>
+            <a:satOff val="0"/>
+            <a:lumOff val="0"/>
+            <a:alphaOff val="0"/>
+          </a:schemeClr>
+        </a:solidFill>
+        <a:ln w="12700" cap="flat" cmpd="sng" algn="ctr">
+          <a:solidFill>
+            <a:schemeClr val="lt1">
+              <a:hueOff val="0"/>
+              <a:satOff val="0"/>
+              <a:lumOff val="0"/>
+              <a:alphaOff val="0"/>
+            </a:schemeClr>
+          </a:solidFill>
+          <a:prstDash val="solid"/>
+        </a:ln>
+        <a:effectLst/>
+      </dsp:spPr>
+      <dsp:style>
+        <a:lnRef idx="2">
+          <a:scrgbClr r="0" g="0" b="0"/>
+        </a:lnRef>
+        <a:fillRef idx="1">
+          <a:scrgbClr r="0" g="0" b="0"/>
+        </a:fillRef>
+        <a:effectRef idx="0">
+          <a:scrgbClr r="0" g="0" b="0"/>
+        </a:effectRef>
+        <a:fontRef idx="minor">
+          <a:schemeClr val="lt1"/>
+        </a:fontRef>
+      </dsp:style>
+      <dsp:txBody>
+        <a:bodyPr spcFirstLastPara="0" vert="horz" wrap="square" lIns="80010" tIns="80010" rIns="80010" bIns="80010" numCol="1" spcCol="1270" anchor="ctr" anchorCtr="0">
+          <a:noAutofit/>
+        </a:bodyPr>
+        <a:lstStyle/>
+        <a:p>
+          <a:pPr marL="0" lvl="0" indent="0" algn="ctr" defTabSz="933450">
+            <a:lnSpc>
+              <a:spcPct val="100000"/>
+            </a:lnSpc>
+            <a:spcBef>
+              <a:spcPct val="0"/>
+            </a:spcBef>
+            <a:spcAft>
+              <a:spcPct val="35000"/>
+            </a:spcAft>
+            <a:buNone/>
+          </a:pPr>
+          <a:r>
+            <a:rPr lang="en-US" sz="2100" kern="1200"/>
+            <a:t>Only looked at one vote</a:t>
+          </a:r>
+        </a:p>
+      </dsp:txBody>
+      <dsp:txXfrm>
+        <a:off x="1306750" y="353"/>
+        <a:ext cx="2390030" cy="1434018"/>
+      </dsp:txXfrm>
+    </dsp:sp>
+    <dsp:sp modelId="{2D861BC8-60C6-4FD8-A5D5-E72F8454872C}">
+      <dsp:nvSpPr>
+        <dsp:cNvPr id="0" name=""/>
+        <dsp:cNvSpPr/>
+      </dsp:nvSpPr>
+      <dsp:spPr>
+        <a:xfrm>
+          <a:off x="3935784" y="353"/>
+          <a:ext cx="2390030" cy="1434018"/>
+        </a:xfrm>
+        <a:prstGeom prst="rect">
+          <a:avLst/>
+        </a:prstGeom>
+        <a:solidFill>
+          <a:schemeClr val="accent3">
+            <a:hueOff val="0"/>
+            <a:satOff val="0"/>
+            <a:lumOff val="0"/>
+            <a:alphaOff val="0"/>
+          </a:schemeClr>
+        </a:solidFill>
+        <a:ln w="12700" cap="flat" cmpd="sng" algn="ctr">
+          <a:solidFill>
+            <a:schemeClr val="lt1">
+              <a:hueOff val="0"/>
+              <a:satOff val="0"/>
+              <a:lumOff val="0"/>
+              <a:alphaOff val="0"/>
+            </a:schemeClr>
+          </a:solidFill>
+          <a:prstDash val="solid"/>
+        </a:ln>
+        <a:effectLst/>
+      </dsp:spPr>
+      <dsp:style>
+        <a:lnRef idx="2">
+          <a:scrgbClr r="0" g="0" b="0"/>
+        </a:lnRef>
+        <a:fillRef idx="1">
+          <a:scrgbClr r="0" g="0" b="0"/>
+        </a:fillRef>
+        <a:effectRef idx="0">
+          <a:scrgbClr r="0" g="0" b="0"/>
+        </a:effectRef>
+        <a:fontRef idx="minor">
+          <a:schemeClr val="lt1"/>
+        </a:fontRef>
+      </dsp:style>
+      <dsp:txBody>
+        <a:bodyPr spcFirstLastPara="0" vert="horz" wrap="square" lIns="80010" tIns="80010" rIns="80010" bIns="80010" numCol="1" spcCol="1270" anchor="ctr" anchorCtr="0">
+          <a:noAutofit/>
+        </a:bodyPr>
+        <a:lstStyle/>
+        <a:p>
+          <a:pPr marL="0" lvl="0" indent="0" algn="ctr" defTabSz="933450">
+            <a:lnSpc>
+              <a:spcPct val="100000"/>
+            </a:lnSpc>
+            <a:spcBef>
+              <a:spcPct val="0"/>
+            </a:spcBef>
+            <a:spcAft>
+              <a:spcPct val="35000"/>
+            </a:spcAft>
+            <a:buNone/>
+          </a:pPr>
+          <a:r>
+            <a:rPr lang="en-US" sz="2100" kern="1200"/>
+            <a:t>The classifier had a less than ideal accuracy score</a:t>
+          </a:r>
+        </a:p>
+      </dsp:txBody>
+      <dsp:txXfrm>
+        <a:off x="3935784" y="353"/>
+        <a:ext cx="2390030" cy="1434018"/>
+      </dsp:txXfrm>
+    </dsp:sp>
+    <dsp:sp modelId="{72AF3E06-A4E1-4A66-A5EF-EA929815A3CE}">
+      <dsp:nvSpPr>
+        <dsp:cNvPr id="0" name=""/>
+        <dsp:cNvSpPr/>
+      </dsp:nvSpPr>
+      <dsp:spPr>
+        <a:xfrm>
+          <a:off x="6564818" y="353"/>
+          <a:ext cx="2390030" cy="1434018"/>
+        </a:xfrm>
+        <a:prstGeom prst="rect">
+          <a:avLst/>
+        </a:prstGeom>
+        <a:solidFill>
+          <a:schemeClr val="accent4">
+            <a:hueOff val="0"/>
+            <a:satOff val="0"/>
+            <a:lumOff val="0"/>
+            <a:alphaOff val="0"/>
+          </a:schemeClr>
+        </a:solidFill>
+        <a:ln w="12700" cap="flat" cmpd="sng" algn="ctr">
+          <a:solidFill>
+            <a:schemeClr val="lt1">
+              <a:hueOff val="0"/>
+              <a:satOff val="0"/>
+              <a:lumOff val="0"/>
+              <a:alphaOff val="0"/>
+            </a:schemeClr>
+          </a:solidFill>
+          <a:prstDash val="solid"/>
+        </a:ln>
+        <a:effectLst/>
+      </dsp:spPr>
+      <dsp:style>
+        <a:lnRef idx="2">
+          <a:scrgbClr r="0" g="0" b="0"/>
+        </a:lnRef>
+        <a:fillRef idx="1">
+          <a:scrgbClr r="0" g="0" b="0"/>
+        </a:fillRef>
+        <a:effectRef idx="0">
+          <a:scrgbClr r="0" g="0" b="0"/>
+        </a:effectRef>
+        <a:fontRef idx="minor">
+          <a:schemeClr val="lt1"/>
+        </a:fontRef>
+      </dsp:style>
+      <dsp:txBody>
+        <a:bodyPr spcFirstLastPara="0" vert="horz" wrap="square" lIns="80010" tIns="80010" rIns="80010" bIns="80010" numCol="1" spcCol="1270" anchor="ctr" anchorCtr="0">
+          <a:noAutofit/>
+        </a:bodyPr>
+        <a:lstStyle/>
+        <a:p>
+          <a:pPr marL="0" lvl="0" indent="0" algn="ctr" defTabSz="933450">
+            <a:lnSpc>
+              <a:spcPct val="100000"/>
+            </a:lnSpc>
+            <a:spcBef>
+              <a:spcPct val="0"/>
+            </a:spcBef>
+            <a:spcAft>
+              <a:spcPct val="35000"/>
+            </a:spcAft>
+            <a:buNone/>
+          </a:pPr>
+          <a:r>
+            <a:rPr lang="en-US" sz="2100" kern="1200"/>
+            <a:t>Manually classifying tweets</a:t>
+          </a:r>
+        </a:p>
+      </dsp:txBody>
+      <dsp:txXfrm>
+        <a:off x="6564818" y="353"/>
+        <a:ext cx="2390030" cy="1434018"/>
+      </dsp:txXfrm>
+    </dsp:sp>
+    <dsp:sp modelId="{FA0F594B-F881-47D0-914A-ECE6D434C30B}">
+      <dsp:nvSpPr>
+        <dsp:cNvPr id="0" name=""/>
+        <dsp:cNvSpPr/>
+      </dsp:nvSpPr>
+      <dsp:spPr>
+        <a:xfrm>
+          <a:off x="2621267" y="1673375"/>
+          <a:ext cx="2390030" cy="1434018"/>
+        </a:xfrm>
+        <a:prstGeom prst="rect">
+          <a:avLst/>
+        </a:prstGeom>
+        <a:solidFill>
+          <a:schemeClr val="accent5">
+            <a:hueOff val="0"/>
+            <a:satOff val="0"/>
+            <a:lumOff val="0"/>
+            <a:alphaOff val="0"/>
+          </a:schemeClr>
+        </a:solidFill>
+        <a:ln w="12700" cap="flat" cmpd="sng" algn="ctr">
+          <a:solidFill>
+            <a:schemeClr val="lt1">
+              <a:hueOff val="0"/>
+              <a:satOff val="0"/>
+              <a:lumOff val="0"/>
+              <a:alphaOff val="0"/>
+            </a:schemeClr>
+          </a:solidFill>
+          <a:prstDash val="solid"/>
+        </a:ln>
+        <a:effectLst/>
+      </dsp:spPr>
+      <dsp:style>
+        <a:lnRef idx="2">
+          <a:scrgbClr r="0" g="0" b="0"/>
+        </a:lnRef>
+        <a:fillRef idx="1">
+          <a:scrgbClr r="0" g="0" b="0"/>
+        </a:fillRef>
+        <a:effectRef idx="0">
+          <a:scrgbClr r="0" g="0" b="0"/>
+        </a:effectRef>
+        <a:fontRef idx="minor">
+          <a:schemeClr val="lt1"/>
+        </a:fontRef>
+      </dsp:style>
+      <dsp:txBody>
+        <a:bodyPr spcFirstLastPara="0" vert="horz" wrap="square" lIns="80010" tIns="80010" rIns="80010" bIns="80010" numCol="1" spcCol="1270" anchor="ctr" anchorCtr="0">
+          <a:noAutofit/>
+        </a:bodyPr>
+        <a:lstStyle/>
+        <a:p>
+          <a:pPr marL="0" lvl="0" indent="0" algn="ctr" defTabSz="933450">
+            <a:lnSpc>
+              <a:spcPct val="100000"/>
+            </a:lnSpc>
+            <a:spcBef>
+              <a:spcPct val="0"/>
+            </a:spcBef>
+            <a:spcAft>
+              <a:spcPct val="35000"/>
+            </a:spcAft>
+            <a:buNone/>
+          </a:pPr>
+          <a:r>
+            <a:rPr lang="en-US" sz="2100" kern="1200" dirty="0"/>
+            <a:t>Eliminated non-English tweets</a:t>
+          </a:r>
+        </a:p>
+      </dsp:txBody>
+      <dsp:txXfrm>
+        <a:off x="2621267" y="1673375"/>
+        <a:ext cx="2390030" cy="1434018"/>
+      </dsp:txXfrm>
+    </dsp:sp>
+    <dsp:sp modelId="{53AF7352-401E-4E82-BDEC-7AE15D505FE8}">
+      <dsp:nvSpPr>
+        <dsp:cNvPr id="0" name=""/>
+        <dsp:cNvSpPr/>
+      </dsp:nvSpPr>
+      <dsp:spPr>
+        <a:xfrm>
+          <a:off x="5250301" y="1673375"/>
+          <a:ext cx="2390030" cy="1434018"/>
+        </a:xfrm>
+        <a:prstGeom prst="rect">
+          <a:avLst/>
+        </a:prstGeom>
+        <a:solidFill>
+          <a:schemeClr val="accent6">
+            <a:hueOff val="0"/>
+            <a:satOff val="0"/>
+            <a:lumOff val="0"/>
+            <a:alphaOff val="0"/>
+          </a:schemeClr>
+        </a:solidFill>
+        <a:ln w="12700" cap="flat" cmpd="sng" algn="ctr">
+          <a:solidFill>
+            <a:schemeClr val="lt1">
+              <a:hueOff val="0"/>
+              <a:satOff val="0"/>
+              <a:lumOff val="0"/>
+              <a:alphaOff val="0"/>
+            </a:schemeClr>
+          </a:solidFill>
+          <a:prstDash val="solid"/>
+        </a:ln>
+        <a:effectLst/>
+      </dsp:spPr>
+      <dsp:style>
+        <a:lnRef idx="2">
+          <a:scrgbClr r="0" g="0" b="0"/>
+        </a:lnRef>
+        <a:fillRef idx="1">
+          <a:scrgbClr r="0" g="0" b="0"/>
+        </a:fillRef>
+        <a:effectRef idx="0">
+          <a:scrgbClr r="0" g="0" b="0"/>
+        </a:effectRef>
+        <a:fontRef idx="minor">
+          <a:schemeClr val="lt1"/>
+        </a:fontRef>
+      </dsp:style>
+      <dsp:txBody>
+        <a:bodyPr spcFirstLastPara="0" vert="horz" wrap="square" lIns="80010" tIns="80010" rIns="80010" bIns="80010" numCol="1" spcCol="1270" anchor="ctr" anchorCtr="0">
+          <a:noAutofit/>
+        </a:bodyPr>
+        <a:lstStyle/>
+        <a:p>
+          <a:pPr marL="0" lvl="0" indent="0" algn="ctr" defTabSz="933450">
+            <a:lnSpc>
+              <a:spcPct val="100000"/>
+            </a:lnSpc>
+            <a:spcBef>
+              <a:spcPct val="0"/>
+            </a:spcBef>
+            <a:spcAft>
+              <a:spcPct val="35000"/>
+            </a:spcAft>
+            <a:buNone/>
+          </a:pPr>
+          <a:r>
+            <a:rPr lang="en-US" sz="2100" kern="1200"/>
+            <a:t>Scope of keywords could have taken in non-Obamacare tweets</a:t>
+          </a:r>
+        </a:p>
+      </dsp:txBody>
+      <dsp:txXfrm>
+        <a:off x="5250301" y="1673375"/>
+        <a:ext cx="2390030" cy="1434018"/>
+      </dsp:txXfrm>
+    </dsp:sp>
+  </dsp:spTree>
+</dsp:drawing>
+</file>
+
+<file path=ppt/diagrams/drawing4.xml><?xml version="1.0" encoding="utf-8"?>
+<dsp:drawing xmlns:dgm="http://schemas.openxmlformats.org/drawingml/2006/diagram" xmlns:dsp="http://schemas.microsoft.com/office/drawing/2008/diagram" xmlns:a="http://schemas.openxmlformats.org/drawingml/2006/main">
+  <dsp:spTree>
+    <dsp:nvGrpSpPr>
+      <dsp:cNvPr id="0" name=""/>
+      <dsp:cNvGrpSpPr/>
+    </dsp:nvGrpSpPr>
+    <dsp:grpSpPr/>
+    <dsp:sp modelId="{A3F6FDE8-1838-4092-BB9F-8AA6B2AD2F45}">
+      <dsp:nvSpPr>
+        <dsp:cNvPr id="0" name=""/>
+        <dsp:cNvSpPr/>
+      </dsp:nvSpPr>
+      <dsp:spPr>
+        <a:xfrm>
+          <a:off x="341312" y="0"/>
+          <a:ext cx="4968874" cy="4968874"/>
+        </a:xfrm>
+        <a:prstGeom prst="diamond">
+          <a:avLst/>
+        </a:prstGeom>
+        <a:solidFill>
+          <a:schemeClr val="accent5">
+            <a:tint val="40000"/>
+            <a:hueOff val="0"/>
+            <a:satOff val="0"/>
+            <a:lumOff val="0"/>
+            <a:alphaOff val="0"/>
+          </a:schemeClr>
+        </a:solidFill>
+        <a:ln>
+          <a:noFill/>
+        </a:ln>
+        <a:effectLst/>
+      </dsp:spPr>
+      <dsp:style>
+        <a:lnRef idx="0">
+          <a:scrgbClr r="0" g="0" b="0"/>
+        </a:lnRef>
+        <a:fillRef idx="1">
+          <a:scrgbClr r="0" g="0" b="0"/>
+        </a:fillRef>
+        <a:effectRef idx="2">
+          <a:scrgbClr r="0" g="0" b="0"/>
+        </a:effectRef>
+        <a:fontRef idx="minor"/>
+      </dsp:style>
+    </dsp:sp>
+    <dsp:sp modelId="{DA478B62-F768-4912-86F3-53B35D38689E}">
+      <dsp:nvSpPr>
+        <dsp:cNvPr id="0" name=""/>
+        <dsp:cNvSpPr/>
+      </dsp:nvSpPr>
+      <dsp:spPr>
+        <a:xfrm>
+          <a:off x="813355" y="472043"/>
+          <a:ext cx="1937861" cy="1937861"/>
+        </a:xfrm>
+        <a:prstGeom prst="roundRect">
+          <a:avLst/>
+        </a:prstGeom>
+        <a:gradFill rotWithShape="0">
+          <a:gsLst>
+            <a:gs pos="0">
+              <a:schemeClr val="accent5">
+                <a:hueOff val="0"/>
+                <a:satOff val="0"/>
+                <a:lumOff val="0"/>
+                <a:alphaOff val="0"/>
+                <a:tint val="97000"/>
+                <a:satMod val="100000"/>
+                <a:lumMod val="102000"/>
+              </a:schemeClr>
+            </a:gs>
+            <a:gs pos="50000">
+              <a:schemeClr val="accent5">
+                <a:hueOff val="0"/>
+                <a:satOff val="0"/>
+                <a:lumOff val="0"/>
+                <a:alphaOff val="0"/>
+                <a:shade val="100000"/>
+                <a:satMod val="103000"/>
+                <a:lumMod val="100000"/>
+              </a:schemeClr>
+            </a:gs>
+            <a:gs pos="100000">
+              <a:schemeClr val="accent5">
+                <a:hueOff val="0"/>
+                <a:satOff val="0"/>
+                <a:lumOff val="0"/>
+                <a:alphaOff val="0"/>
+                <a:shade val="93000"/>
+                <a:satMod val="110000"/>
+                <a:lumMod val="99000"/>
+              </a:schemeClr>
+            </a:gs>
+          </a:gsLst>
+          <a:lin ang="5400000" scaled="0"/>
+        </a:gradFill>
+        <a:ln>
+          <a:noFill/>
+        </a:ln>
+        <a:effectLst/>
+      </dsp:spPr>
+      <dsp:style>
+        <a:lnRef idx="0">
+          <a:scrgbClr r="0" g="0" b="0"/>
+        </a:lnRef>
+        <a:fillRef idx="3">
+          <a:scrgbClr r="0" g="0" b="0"/>
+        </a:fillRef>
+        <a:effectRef idx="2">
+          <a:scrgbClr r="0" g="0" b="0"/>
+        </a:effectRef>
+        <a:fontRef idx="minor">
+          <a:schemeClr val="lt1"/>
+        </a:fontRef>
+      </dsp:style>
+      <dsp:txBody>
+        <a:bodyPr spcFirstLastPara="0" vert="horz" wrap="square" lIns="76200" tIns="76200" rIns="76200" bIns="76200" numCol="1" spcCol="1270" anchor="ctr" anchorCtr="0">
+          <a:noAutofit/>
+        </a:bodyPr>
+        <a:lstStyle/>
+        <a:p>
+          <a:pPr marL="0" lvl="0" indent="0" algn="ctr" defTabSz="889000">
+            <a:lnSpc>
+              <a:spcPct val="90000"/>
+            </a:lnSpc>
+            <a:spcBef>
+              <a:spcPct val="0"/>
+            </a:spcBef>
+            <a:spcAft>
+              <a:spcPct val="35000"/>
+            </a:spcAft>
+            <a:buNone/>
+          </a:pPr>
+          <a:r>
+            <a:rPr lang="en-US" sz="2000" kern="1200"/>
+            <a:t>Big data</a:t>
+          </a:r>
+        </a:p>
+      </dsp:txBody>
+      <dsp:txXfrm>
+        <a:off x="907954" y="566642"/>
+        <a:ext cx="1748663" cy="1748663"/>
+      </dsp:txXfrm>
+    </dsp:sp>
+    <dsp:sp modelId="{53E2FAE8-86AA-4669-BB9D-FB47F81CE854}">
+      <dsp:nvSpPr>
+        <dsp:cNvPr id="0" name=""/>
+        <dsp:cNvSpPr/>
+      </dsp:nvSpPr>
+      <dsp:spPr>
+        <a:xfrm>
+          <a:off x="2900283" y="472043"/>
+          <a:ext cx="1937861" cy="1937861"/>
+        </a:xfrm>
+        <a:prstGeom prst="roundRect">
+          <a:avLst/>
+        </a:prstGeom>
+        <a:gradFill rotWithShape="0">
+          <a:gsLst>
+            <a:gs pos="0">
+              <a:schemeClr val="accent5">
+                <a:hueOff val="2003568"/>
+                <a:satOff val="-8793"/>
+                <a:lumOff val="2614"/>
+                <a:alphaOff val="0"/>
+                <a:tint val="97000"/>
+                <a:satMod val="100000"/>
+                <a:lumMod val="102000"/>
+              </a:schemeClr>
+            </a:gs>
+            <a:gs pos="50000">
+              <a:schemeClr val="accent5">
+                <a:hueOff val="2003568"/>
+                <a:satOff val="-8793"/>
+                <a:lumOff val="2614"/>
+                <a:alphaOff val="0"/>
+                <a:shade val="100000"/>
+                <a:satMod val="103000"/>
+                <a:lumMod val="100000"/>
+              </a:schemeClr>
+            </a:gs>
+            <a:gs pos="100000">
+              <a:schemeClr val="accent5">
+                <a:hueOff val="2003568"/>
+                <a:satOff val="-8793"/>
+                <a:lumOff val="2614"/>
+                <a:alphaOff val="0"/>
+                <a:shade val="93000"/>
+                <a:satMod val="110000"/>
+                <a:lumMod val="99000"/>
+              </a:schemeClr>
+            </a:gs>
+          </a:gsLst>
+          <a:lin ang="5400000" scaled="0"/>
+        </a:gradFill>
+        <a:ln>
+          <a:noFill/>
+        </a:ln>
+        <a:effectLst/>
+      </dsp:spPr>
+      <dsp:style>
+        <a:lnRef idx="0">
+          <a:scrgbClr r="0" g="0" b="0"/>
+        </a:lnRef>
+        <a:fillRef idx="3">
+          <a:scrgbClr r="0" g="0" b="0"/>
+        </a:fillRef>
+        <a:effectRef idx="2">
+          <a:scrgbClr r="0" g="0" b="0"/>
+        </a:effectRef>
+        <a:fontRef idx="minor">
+          <a:schemeClr val="lt1"/>
+        </a:fontRef>
+      </dsp:style>
+      <dsp:txBody>
+        <a:bodyPr spcFirstLastPara="0" vert="horz" wrap="square" lIns="76200" tIns="76200" rIns="76200" bIns="76200" numCol="1" spcCol="1270" anchor="ctr" anchorCtr="0">
+          <a:noAutofit/>
+        </a:bodyPr>
+        <a:lstStyle/>
+        <a:p>
+          <a:pPr marL="0" lvl="0" indent="0" algn="ctr" defTabSz="889000">
+            <a:lnSpc>
+              <a:spcPct val="90000"/>
+            </a:lnSpc>
+            <a:spcBef>
+              <a:spcPct val="0"/>
+            </a:spcBef>
+            <a:spcAft>
+              <a:spcPct val="35000"/>
+            </a:spcAft>
+            <a:buNone/>
+          </a:pPr>
+          <a:r>
+            <a:rPr lang="en-US" sz="2000" kern="1200"/>
+            <a:t>Finding geo-location tweets and justifying the twitter population</a:t>
+          </a:r>
+        </a:p>
+      </dsp:txBody>
+      <dsp:txXfrm>
+        <a:off x="2994882" y="566642"/>
+        <a:ext cx="1748663" cy="1748663"/>
+      </dsp:txXfrm>
+    </dsp:sp>
+    <dsp:sp modelId="{2CB9CBF8-2E33-4179-94CB-5484A22B3334}">
+      <dsp:nvSpPr>
+        <dsp:cNvPr id="0" name=""/>
+        <dsp:cNvSpPr/>
+      </dsp:nvSpPr>
+      <dsp:spPr>
+        <a:xfrm>
+          <a:off x="813355" y="2558970"/>
+          <a:ext cx="1937861" cy="1937861"/>
+        </a:xfrm>
+        <a:prstGeom prst="roundRect">
+          <a:avLst/>
+        </a:prstGeom>
+        <a:gradFill rotWithShape="0">
+          <a:gsLst>
+            <a:gs pos="0">
+              <a:schemeClr val="accent5">
+                <a:hueOff val="4007135"/>
+                <a:satOff val="-17587"/>
+                <a:lumOff val="5229"/>
+                <a:alphaOff val="0"/>
+                <a:tint val="97000"/>
+                <a:satMod val="100000"/>
+                <a:lumMod val="102000"/>
+              </a:schemeClr>
+            </a:gs>
+            <a:gs pos="50000">
+              <a:schemeClr val="accent5">
+                <a:hueOff val="4007135"/>
+                <a:satOff val="-17587"/>
+                <a:lumOff val="5229"/>
+                <a:alphaOff val="0"/>
+                <a:shade val="100000"/>
+                <a:satMod val="103000"/>
+                <a:lumMod val="100000"/>
+              </a:schemeClr>
+            </a:gs>
+            <a:gs pos="100000">
+              <a:schemeClr val="accent5">
+                <a:hueOff val="4007135"/>
+                <a:satOff val="-17587"/>
+                <a:lumOff val="5229"/>
+                <a:alphaOff val="0"/>
+                <a:shade val="93000"/>
+                <a:satMod val="110000"/>
+                <a:lumMod val="99000"/>
+              </a:schemeClr>
+            </a:gs>
+          </a:gsLst>
+          <a:lin ang="5400000" scaled="0"/>
+        </a:gradFill>
+        <a:ln>
+          <a:noFill/>
+        </a:ln>
+        <a:effectLst/>
+      </dsp:spPr>
+      <dsp:style>
+        <a:lnRef idx="0">
+          <a:scrgbClr r="0" g="0" b="0"/>
+        </a:lnRef>
+        <a:fillRef idx="3">
+          <a:scrgbClr r="0" g="0" b="0"/>
+        </a:fillRef>
+        <a:effectRef idx="2">
+          <a:scrgbClr r="0" g="0" b="0"/>
+        </a:effectRef>
+        <a:fontRef idx="minor">
+          <a:schemeClr val="lt1"/>
+        </a:fontRef>
+      </dsp:style>
+      <dsp:txBody>
+        <a:bodyPr spcFirstLastPara="0" vert="horz" wrap="square" lIns="76200" tIns="76200" rIns="76200" bIns="76200" numCol="1" spcCol="1270" anchor="ctr" anchorCtr="0">
+          <a:noAutofit/>
+        </a:bodyPr>
+        <a:lstStyle/>
+        <a:p>
+          <a:pPr marL="0" lvl="0" indent="0" algn="ctr" defTabSz="889000">
+            <a:lnSpc>
+              <a:spcPct val="90000"/>
+            </a:lnSpc>
+            <a:spcBef>
+              <a:spcPct val="0"/>
+            </a:spcBef>
+            <a:spcAft>
+              <a:spcPct val="35000"/>
+            </a:spcAft>
+            <a:buNone/>
+          </a:pPr>
+          <a:r>
+            <a:rPr lang="en-US" sz="2000" kern="1200"/>
+            <a:t>Finding the best way to process data</a:t>
+          </a:r>
+        </a:p>
+      </dsp:txBody>
+      <dsp:txXfrm>
+        <a:off x="907954" y="2653569"/>
+        <a:ext cx="1748663" cy="1748663"/>
+      </dsp:txXfrm>
+    </dsp:sp>
+    <dsp:sp modelId="{392BD2CA-76AB-450C-B205-0CE19D4B62D6}">
+      <dsp:nvSpPr>
+        <dsp:cNvPr id="0" name=""/>
+        <dsp:cNvSpPr/>
+      </dsp:nvSpPr>
+      <dsp:spPr>
+        <a:xfrm>
+          <a:off x="2900283" y="2558970"/>
+          <a:ext cx="1937861" cy="1937861"/>
+        </a:xfrm>
+        <a:prstGeom prst="roundRect">
+          <a:avLst/>
+        </a:prstGeom>
+        <a:gradFill rotWithShape="0">
+          <a:gsLst>
+            <a:gs pos="0">
+              <a:schemeClr val="accent5">
+                <a:hueOff val="6010703"/>
+                <a:satOff val="-26380"/>
+                <a:lumOff val="7843"/>
+                <a:alphaOff val="0"/>
+                <a:tint val="97000"/>
+                <a:satMod val="100000"/>
+                <a:lumMod val="102000"/>
+              </a:schemeClr>
+            </a:gs>
+            <a:gs pos="50000">
+              <a:schemeClr val="accent5">
+                <a:hueOff val="6010703"/>
+                <a:satOff val="-26380"/>
+                <a:lumOff val="7843"/>
+                <a:alphaOff val="0"/>
+                <a:shade val="100000"/>
+                <a:satMod val="103000"/>
+                <a:lumMod val="100000"/>
+              </a:schemeClr>
+            </a:gs>
+            <a:gs pos="100000">
+              <a:schemeClr val="accent5">
+                <a:hueOff val="6010703"/>
+                <a:satOff val="-26380"/>
+                <a:lumOff val="7843"/>
+                <a:alphaOff val="0"/>
+                <a:shade val="93000"/>
+                <a:satMod val="110000"/>
+                <a:lumMod val="99000"/>
+              </a:schemeClr>
+            </a:gs>
+          </a:gsLst>
+          <a:lin ang="5400000" scaled="0"/>
+        </a:gradFill>
+        <a:ln>
+          <a:noFill/>
+        </a:ln>
+        <a:effectLst/>
+      </dsp:spPr>
+      <dsp:style>
+        <a:lnRef idx="0">
+          <a:scrgbClr r="0" g="0" b="0"/>
+        </a:lnRef>
+        <a:fillRef idx="3">
+          <a:scrgbClr r="0" g="0" b="0"/>
+        </a:fillRef>
+        <a:effectRef idx="2">
+          <a:scrgbClr r="0" g="0" b="0"/>
+        </a:effectRef>
+        <a:fontRef idx="minor">
+          <a:schemeClr val="lt1"/>
+        </a:fontRef>
+      </dsp:style>
+      <dsp:txBody>
+        <a:bodyPr spcFirstLastPara="0" vert="horz" wrap="square" lIns="76200" tIns="76200" rIns="76200" bIns="76200" numCol="1" spcCol="1270" anchor="ctr" anchorCtr="0">
+          <a:noAutofit/>
+        </a:bodyPr>
+        <a:lstStyle/>
+        <a:p>
+          <a:pPr marL="0" lvl="0" indent="0" algn="ctr" defTabSz="889000">
+            <a:lnSpc>
+              <a:spcPct val="90000"/>
+            </a:lnSpc>
+            <a:spcBef>
+              <a:spcPct val="0"/>
+            </a:spcBef>
+            <a:spcAft>
+              <a:spcPct val="35000"/>
+            </a:spcAft>
+            <a:buNone/>
+          </a:pPr>
+          <a:r>
+            <a:rPr lang="en-US" sz="2000" kern="1200"/>
+            <a:t>Analyzing all the information</a:t>
+          </a:r>
+        </a:p>
+      </dsp:txBody>
+      <dsp:txXfrm>
+        <a:off x="2994882" y="2653569"/>
+        <a:ext cx="1748663" cy="1748663"/>
+      </dsp:txXfrm>
+    </dsp:sp>
+  </dsp:spTree>
+</dsp:drawing>
+</file>
+
+<file path=ppt/diagrams/drawing5.xml><?xml version="1.0" encoding="utf-8"?>
+<dsp:drawing xmlns:dgm="http://schemas.openxmlformats.org/drawingml/2006/diagram" xmlns:dsp="http://schemas.microsoft.com/office/drawing/2008/diagram" xmlns:a="http://schemas.openxmlformats.org/drawingml/2006/main">
+  <dsp:spTree>
+    <dsp:nvGrpSpPr>
+      <dsp:cNvPr id="0" name=""/>
+      <dsp:cNvGrpSpPr/>
+    </dsp:nvGrpSpPr>
+    <dsp:grpSpPr/>
     <dsp:sp modelId="{5624111C-3650-4BDF-ABC4-F15EB7F30C9D}">
       <dsp:nvSpPr>
         <dsp:cNvPr id="0" name=""/>
@@ -7583,526 +9527,6 @@
 </dsp:drawing>
 </file>
 
-<file path=ppt/diagrams/drawing4.xml><?xml version="1.0" encoding="utf-8"?>
-<dsp:drawing xmlns:dgm="http://schemas.openxmlformats.org/drawingml/2006/diagram" xmlns:dsp="http://schemas.microsoft.com/office/drawing/2008/diagram" xmlns:a="http://schemas.openxmlformats.org/drawingml/2006/main">
-  <dsp:spTree>
-    <dsp:nvGrpSpPr>
-      <dsp:cNvPr id="0" name=""/>
-      <dsp:cNvGrpSpPr/>
-    </dsp:nvGrpSpPr>
-    <dsp:grpSpPr/>
-    <dsp:sp modelId="{AFB41298-295A-8047-BFFF-6A81B37692A1}">
-      <dsp:nvSpPr>
-        <dsp:cNvPr id="0" name=""/>
-        <dsp:cNvSpPr/>
-      </dsp:nvSpPr>
-      <dsp:spPr>
-        <a:xfrm>
-          <a:off x="2415" y="149725"/>
-          <a:ext cx="2355151" cy="832309"/>
-        </a:xfrm>
-        <a:prstGeom prst="rect">
-          <a:avLst/>
-        </a:prstGeom>
-        <a:solidFill>
-          <a:schemeClr val="accent1">
-            <a:hueOff val="0"/>
-            <a:satOff val="0"/>
-            <a:lumOff val="0"/>
-            <a:alphaOff val="0"/>
-          </a:schemeClr>
-        </a:solidFill>
-        <a:ln w="12700" cap="flat" cmpd="sng" algn="ctr">
-          <a:solidFill>
-            <a:schemeClr val="accent1">
-              <a:hueOff val="0"/>
-              <a:satOff val="0"/>
-              <a:lumOff val="0"/>
-              <a:alphaOff val="0"/>
-            </a:schemeClr>
-          </a:solidFill>
-          <a:prstDash val="solid"/>
-        </a:ln>
-        <a:effectLst/>
-      </dsp:spPr>
-      <dsp:style>
-        <a:lnRef idx="2">
-          <a:scrgbClr r="0" g="0" b="0"/>
-        </a:lnRef>
-        <a:fillRef idx="1">
-          <a:scrgbClr r="0" g="0" b="0"/>
-        </a:fillRef>
-        <a:effectRef idx="0">
-          <a:scrgbClr r="0" g="0" b="0"/>
-        </a:effectRef>
-        <a:fontRef idx="minor">
-          <a:schemeClr val="lt1"/>
-        </a:fontRef>
-      </dsp:style>
-      <dsp:txBody>
-        <a:bodyPr spcFirstLastPara="0" vert="horz" wrap="square" lIns="170688" tIns="97536" rIns="170688" bIns="97536" numCol="1" spcCol="1270" anchor="ctr" anchorCtr="0">
-          <a:noAutofit/>
-        </a:bodyPr>
-        <a:lstStyle/>
-        <a:p>
-          <a:pPr marL="0" lvl="0" indent="0" algn="ctr" defTabSz="1066800">
-            <a:lnSpc>
-              <a:spcPct val="90000"/>
-            </a:lnSpc>
-            <a:spcBef>
-              <a:spcPct val="0"/>
-            </a:spcBef>
-            <a:spcAft>
-              <a:spcPct val="35000"/>
-            </a:spcAft>
-            <a:buNone/>
-          </a:pPr>
-          <a:r>
-            <a:rPr lang="en-US" sz="2400" kern="1200" dirty="0"/>
-            <a:t>Lack of geo-location</a:t>
-          </a:r>
-        </a:p>
-      </dsp:txBody>
-      <dsp:txXfrm>
-        <a:off x="2415" y="149725"/>
-        <a:ext cx="2355151" cy="832309"/>
-      </dsp:txXfrm>
-    </dsp:sp>
-    <dsp:sp modelId="{C87A1EED-A925-DE45-BCF3-E3EB439063DD}">
-      <dsp:nvSpPr>
-        <dsp:cNvPr id="0" name=""/>
-        <dsp:cNvSpPr/>
-      </dsp:nvSpPr>
-      <dsp:spPr>
-        <a:xfrm>
-          <a:off x="2415" y="982034"/>
-          <a:ext cx="2355151" cy="1970223"/>
-        </a:xfrm>
-        <a:prstGeom prst="rect">
-          <a:avLst/>
-        </a:prstGeom>
-        <a:solidFill>
-          <a:schemeClr val="accent1">
-            <a:alpha val="90000"/>
-            <a:tint val="40000"/>
-            <a:hueOff val="0"/>
-            <a:satOff val="0"/>
-            <a:lumOff val="0"/>
-            <a:alphaOff val="0"/>
-          </a:schemeClr>
-        </a:solidFill>
-        <a:ln w="12700" cap="flat" cmpd="sng" algn="ctr">
-          <a:solidFill>
-            <a:schemeClr val="accent1">
-              <a:alpha val="90000"/>
-              <a:tint val="40000"/>
-              <a:hueOff val="0"/>
-              <a:satOff val="0"/>
-              <a:lumOff val="0"/>
-              <a:alphaOff val="0"/>
-            </a:schemeClr>
-          </a:solidFill>
-          <a:prstDash val="solid"/>
-        </a:ln>
-        <a:effectLst/>
-      </dsp:spPr>
-      <dsp:style>
-        <a:lnRef idx="2">
-          <a:scrgbClr r="0" g="0" b="0"/>
-        </a:lnRef>
-        <a:fillRef idx="1">
-          <a:scrgbClr r="0" g="0" b="0"/>
-        </a:fillRef>
-        <a:effectRef idx="0">
-          <a:scrgbClr r="0" g="0" b="0"/>
-        </a:effectRef>
-        <a:fontRef idx="minor"/>
-      </dsp:style>
-      <dsp:txBody>
-        <a:bodyPr spcFirstLastPara="0" vert="horz" wrap="square" lIns="128016" tIns="128016" rIns="170688" bIns="192024" numCol="1" spcCol="1270" anchor="t" anchorCtr="0">
-          <a:noAutofit/>
-        </a:bodyPr>
-        <a:lstStyle/>
-        <a:p>
-          <a:pPr marL="228600" lvl="1" indent="-228600" algn="l" defTabSz="1066800">
-            <a:lnSpc>
-              <a:spcPct val="90000"/>
-            </a:lnSpc>
-            <a:spcBef>
-              <a:spcPct val="0"/>
-            </a:spcBef>
-            <a:spcAft>
-              <a:spcPct val="15000"/>
-            </a:spcAft>
-            <a:buChar char="•"/>
-          </a:pPr>
-          <a:r>
-            <a:rPr lang="en-US" sz="2400" kern="1200" dirty="0"/>
-            <a:t>Mapping Twitter user to corresponding Senator </a:t>
-          </a:r>
-        </a:p>
-      </dsp:txBody>
-      <dsp:txXfrm>
-        <a:off x="2415" y="982034"/>
-        <a:ext cx="2355151" cy="1970223"/>
-      </dsp:txXfrm>
-    </dsp:sp>
-    <dsp:sp modelId="{9DF4B634-54D4-3044-B111-A5B858EBB1BB}">
-      <dsp:nvSpPr>
-        <dsp:cNvPr id="0" name=""/>
-        <dsp:cNvSpPr/>
-      </dsp:nvSpPr>
-      <dsp:spPr>
-        <a:xfrm>
-          <a:off x="2687288" y="149725"/>
-          <a:ext cx="2355151" cy="832309"/>
-        </a:xfrm>
-        <a:prstGeom prst="rect">
-          <a:avLst/>
-        </a:prstGeom>
-        <a:solidFill>
-          <a:schemeClr val="accent1">
-            <a:hueOff val="0"/>
-            <a:satOff val="0"/>
-            <a:lumOff val="0"/>
-            <a:alphaOff val="0"/>
-          </a:schemeClr>
-        </a:solidFill>
-        <a:ln w="12700" cap="flat" cmpd="sng" algn="ctr">
-          <a:solidFill>
-            <a:schemeClr val="accent1">
-              <a:hueOff val="0"/>
-              <a:satOff val="0"/>
-              <a:lumOff val="0"/>
-              <a:alphaOff val="0"/>
-            </a:schemeClr>
-          </a:solidFill>
-          <a:prstDash val="solid"/>
-        </a:ln>
-        <a:effectLst/>
-      </dsp:spPr>
-      <dsp:style>
-        <a:lnRef idx="2">
-          <a:scrgbClr r="0" g="0" b="0"/>
-        </a:lnRef>
-        <a:fillRef idx="1">
-          <a:scrgbClr r="0" g="0" b="0"/>
-        </a:fillRef>
-        <a:effectRef idx="0">
-          <a:scrgbClr r="0" g="0" b="0"/>
-        </a:effectRef>
-        <a:fontRef idx="minor">
-          <a:schemeClr val="lt1"/>
-        </a:fontRef>
-      </dsp:style>
-      <dsp:txBody>
-        <a:bodyPr spcFirstLastPara="0" vert="horz" wrap="square" lIns="170688" tIns="97536" rIns="170688" bIns="97536" numCol="1" spcCol="1270" anchor="ctr" anchorCtr="0">
-          <a:noAutofit/>
-        </a:bodyPr>
-        <a:lstStyle/>
-        <a:p>
-          <a:pPr marL="0" lvl="0" indent="0" algn="ctr" defTabSz="1066800">
-            <a:lnSpc>
-              <a:spcPct val="90000"/>
-            </a:lnSpc>
-            <a:spcBef>
-              <a:spcPct val="0"/>
-            </a:spcBef>
-            <a:spcAft>
-              <a:spcPct val="35000"/>
-            </a:spcAft>
-            <a:buNone/>
-          </a:pPr>
-          <a:r>
-            <a:rPr lang="en-US" sz="2400" kern="1200" dirty="0"/>
-            <a:t>Voting on party lines</a:t>
-          </a:r>
-        </a:p>
-      </dsp:txBody>
-      <dsp:txXfrm>
-        <a:off x="2687288" y="149725"/>
-        <a:ext cx="2355151" cy="832309"/>
-      </dsp:txXfrm>
-    </dsp:sp>
-    <dsp:sp modelId="{A2E83172-6276-7D4F-93D7-4F61596AD8E8}">
-      <dsp:nvSpPr>
-        <dsp:cNvPr id="0" name=""/>
-        <dsp:cNvSpPr/>
-      </dsp:nvSpPr>
-      <dsp:spPr>
-        <a:xfrm>
-          <a:off x="2687288" y="982034"/>
-          <a:ext cx="2355151" cy="1970223"/>
-        </a:xfrm>
-        <a:prstGeom prst="rect">
-          <a:avLst/>
-        </a:prstGeom>
-        <a:solidFill>
-          <a:schemeClr val="accent1">
-            <a:alpha val="90000"/>
-            <a:tint val="40000"/>
-            <a:hueOff val="0"/>
-            <a:satOff val="0"/>
-            <a:lumOff val="0"/>
-            <a:alphaOff val="0"/>
-          </a:schemeClr>
-        </a:solidFill>
-        <a:ln w="12700" cap="flat" cmpd="sng" algn="ctr">
-          <a:solidFill>
-            <a:schemeClr val="accent1">
-              <a:alpha val="90000"/>
-              <a:tint val="40000"/>
-              <a:hueOff val="0"/>
-              <a:satOff val="0"/>
-              <a:lumOff val="0"/>
-              <a:alphaOff val="0"/>
-            </a:schemeClr>
-          </a:solidFill>
-          <a:prstDash val="solid"/>
-        </a:ln>
-        <a:effectLst/>
-      </dsp:spPr>
-      <dsp:style>
-        <a:lnRef idx="2">
-          <a:scrgbClr r="0" g="0" b="0"/>
-        </a:lnRef>
-        <a:fillRef idx="1">
-          <a:scrgbClr r="0" g="0" b="0"/>
-        </a:fillRef>
-        <a:effectRef idx="0">
-          <a:scrgbClr r="0" g="0" b="0"/>
-        </a:effectRef>
-        <a:fontRef idx="minor"/>
-      </dsp:style>
-      <dsp:txBody>
-        <a:bodyPr spcFirstLastPara="0" vert="horz" wrap="square" lIns="128016" tIns="128016" rIns="170688" bIns="192024" numCol="1" spcCol="1270" anchor="t" anchorCtr="0">
-          <a:noAutofit/>
-        </a:bodyPr>
-        <a:lstStyle/>
-        <a:p>
-          <a:pPr marL="228600" lvl="1" indent="-228600" algn="l" defTabSz="1066800">
-            <a:lnSpc>
-              <a:spcPct val="90000"/>
-            </a:lnSpc>
-            <a:spcBef>
-              <a:spcPct val="0"/>
-            </a:spcBef>
-            <a:spcAft>
-              <a:spcPct val="15000"/>
-            </a:spcAft>
-            <a:buChar char="•"/>
-          </a:pPr>
-          <a:r>
-            <a:rPr lang="en-US" sz="2400" kern="1200" dirty="0" err="1"/>
-            <a:t>Amdt</a:t>
-          </a:r>
-          <a:r>
-            <a:rPr lang="en-US" sz="2400" kern="1200" dirty="0"/>
-            <a:t>. 270 – Vote to repeal Obamacare  </a:t>
-          </a:r>
-        </a:p>
-        <a:p>
-          <a:pPr marL="228600" lvl="1" indent="-228600" algn="l" defTabSz="1066800">
-            <a:lnSpc>
-              <a:spcPct val="90000"/>
-            </a:lnSpc>
-            <a:spcBef>
-              <a:spcPct val="0"/>
-            </a:spcBef>
-            <a:spcAft>
-              <a:spcPct val="15000"/>
-            </a:spcAft>
-            <a:buChar char="•"/>
-          </a:pPr>
-          <a:r>
-            <a:rPr lang="en-US" sz="2400" kern="1200" dirty="0"/>
-            <a:t>July 25, 2017</a:t>
-          </a:r>
-        </a:p>
-      </dsp:txBody>
-      <dsp:txXfrm>
-        <a:off x="2687288" y="982034"/>
-        <a:ext cx="2355151" cy="1970223"/>
-      </dsp:txXfrm>
-    </dsp:sp>
-    <dsp:sp modelId="{5DB0B61A-785A-7E40-8702-B69FB2B89AB8}">
-      <dsp:nvSpPr>
-        <dsp:cNvPr id="0" name=""/>
-        <dsp:cNvSpPr/>
-      </dsp:nvSpPr>
-      <dsp:spPr>
-        <a:xfrm>
-          <a:off x="5372160" y="149725"/>
-          <a:ext cx="2355151" cy="832309"/>
-        </a:xfrm>
-        <a:prstGeom prst="rect">
-          <a:avLst/>
-        </a:prstGeom>
-        <a:solidFill>
-          <a:schemeClr val="accent1">
-            <a:hueOff val="0"/>
-            <a:satOff val="0"/>
-            <a:lumOff val="0"/>
-            <a:alphaOff val="0"/>
-          </a:schemeClr>
-        </a:solidFill>
-        <a:ln w="12700" cap="flat" cmpd="sng" algn="ctr">
-          <a:solidFill>
-            <a:schemeClr val="accent1">
-              <a:hueOff val="0"/>
-              <a:satOff val="0"/>
-              <a:lumOff val="0"/>
-              <a:alphaOff val="0"/>
-            </a:schemeClr>
-          </a:solidFill>
-          <a:prstDash val="solid"/>
-        </a:ln>
-        <a:effectLst/>
-      </dsp:spPr>
-      <dsp:style>
-        <a:lnRef idx="2">
-          <a:scrgbClr r="0" g="0" b="0"/>
-        </a:lnRef>
-        <a:fillRef idx="1">
-          <a:scrgbClr r="0" g="0" b="0"/>
-        </a:fillRef>
-        <a:effectRef idx="0">
-          <a:scrgbClr r="0" g="0" b="0"/>
-        </a:effectRef>
-        <a:fontRef idx="minor">
-          <a:schemeClr val="lt1"/>
-        </a:fontRef>
-      </dsp:style>
-      <dsp:txBody>
-        <a:bodyPr spcFirstLastPara="0" vert="horz" wrap="square" lIns="170688" tIns="97536" rIns="170688" bIns="97536" numCol="1" spcCol="1270" anchor="ctr" anchorCtr="0">
-          <a:noAutofit/>
-        </a:bodyPr>
-        <a:lstStyle/>
-        <a:p>
-          <a:pPr marL="0" lvl="0" indent="0" algn="ctr" defTabSz="1066800">
-            <a:lnSpc>
-              <a:spcPct val="90000"/>
-            </a:lnSpc>
-            <a:spcBef>
-              <a:spcPct val="0"/>
-            </a:spcBef>
-            <a:spcAft>
-              <a:spcPct val="35000"/>
-            </a:spcAft>
-            <a:buNone/>
-          </a:pPr>
-          <a:r>
-            <a:rPr lang="en-US" sz="2400" kern="1200"/>
-            <a:t>Sentiment analysis</a:t>
-          </a:r>
-        </a:p>
-      </dsp:txBody>
-      <dsp:txXfrm>
-        <a:off x="5372160" y="149725"/>
-        <a:ext cx="2355151" cy="832309"/>
-      </dsp:txXfrm>
-    </dsp:sp>
-    <dsp:sp modelId="{2CDDB0F4-F47E-AE41-BC12-20AD8122FF33}">
-      <dsp:nvSpPr>
-        <dsp:cNvPr id="0" name=""/>
-        <dsp:cNvSpPr/>
-      </dsp:nvSpPr>
-      <dsp:spPr>
-        <a:xfrm>
-          <a:off x="5372160" y="982034"/>
-          <a:ext cx="2355151" cy="1970223"/>
-        </a:xfrm>
-        <a:prstGeom prst="rect">
-          <a:avLst/>
-        </a:prstGeom>
-        <a:solidFill>
-          <a:schemeClr val="accent1">
-            <a:alpha val="90000"/>
-            <a:tint val="40000"/>
-            <a:hueOff val="0"/>
-            <a:satOff val="0"/>
-            <a:lumOff val="0"/>
-            <a:alphaOff val="0"/>
-          </a:schemeClr>
-        </a:solidFill>
-        <a:ln w="12700" cap="flat" cmpd="sng" algn="ctr">
-          <a:solidFill>
-            <a:schemeClr val="accent1">
-              <a:alpha val="90000"/>
-              <a:tint val="40000"/>
-              <a:hueOff val="0"/>
-              <a:satOff val="0"/>
-              <a:lumOff val="0"/>
-              <a:alphaOff val="0"/>
-            </a:schemeClr>
-          </a:solidFill>
-          <a:prstDash val="solid"/>
-        </a:ln>
-        <a:effectLst/>
-      </dsp:spPr>
-      <dsp:style>
-        <a:lnRef idx="2">
-          <a:scrgbClr r="0" g="0" b="0"/>
-        </a:lnRef>
-        <a:fillRef idx="1">
-          <a:scrgbClr r="0" g="0" b="0"/>
-        </a:fillRef>
-        <a:effectRef idx="0">
-          <a:scrgbClr r="0" g="0" b="0"/>
-        </a:effectRef>
-        <a:fontRef idx="minor"/>
-      </dsp:style>
-      <dsp:txBody>
-        <a:bodyPr spcFirstLastPara="0" vert="horz" wrap="square" lIns="128016" tIns="128016" rIns="170688" bIns="192024" numCol="1" spcCol="1270" anchor="t" anchorCtr="0">
-          <a:noAutofit/>
-        </a:bodyPr>
-        <a:lstStyle/>
-        <a:p>
-          <a:pPr marL="228600" lvl="1" indent="-228600" algn="l" defTabSz="1066800">
-            <a:lnSpc>
-              <a:spcPct val="90000"/>
-            </a:lnSpc>
-            <a:spcBef>
-              <a:spcPct val="0"/>
-            </a:spcBef>
-            <a:spcAft>
-              <a:spcPct val="15000"/>
-            </a:spcAft>
-            <a:buChar char="•"/>
-          </a:pPr>
-          <a:r>
-            <a:rPr lang="en-US" sz="2400" kern="1200"/>
-            <a:t>“Obamacare is death”</a:t>
-          </a:r>
-        </a:p>
-        <a:p>
-          <a:pPr marL="228600" lvl="1" indent="-228600" algn="l" defTabSz="1066800">
-            <a:lnSpc>
-              <a:spcPct val="90000"/>
-            </a:lnSpc>
-            <a:spcBef>
-              <a:spcPct val="0"/>
-            </a:spcBef>
-            <a:spcAft>
-              <a:spcPct val="15000"/>
-            </a:spcAft>
-            <a:buChar char="•"/>
-          </a:pPr>
-          <a:r>
-            <a:rPr lang="en-US" sz="2400" kern="1200"/>
-            <a:t>"We can do better than Obamacare”</a:t>
-          </a:r>
-        </a:p>
-      </dsp:txBody>
-      <dsp:txXfrm>
-        <a:off x="5372160" y="982034"/>
-        <a:ext cx="2355151" cy="1970223"/>
-      </dsp:txXfrm>
-    </dsp:sp>
-  </dsp:spTree>
-</dsp:drawing>
-</file>
-
 <file path=ppt/diagrams/layout1.xml><?xml version="1.0" encoding="utf-8"?>
 <dgm:layoutDef xmlns:dgm="http://schemas.openxmlformats.org/drawingml/2006/diagram" xmlns:a="http://schemas.openxmlformats.org/drawingml/2006/main" uniqueId="urn:microsoft.com/office/officeart/2018/2/layout/IconVerticalSolidList">
   <dgm:title val="Icon Vertical Solid List"/>
@@ -8692,6 +10116,372 @@
 </file>
 
 <file path=ppt/diagrams/layout3.xml><?xml version="1.0" encoding="utf-8"?>
+<dgm:layoutDef xmlns:dgm="http://schemas.openxmlformats.org/drawingml/2006/diagram" xmlns:a="http://schemas.openxmlformats.org/drawingml/2006/main" uniqueId="urn:microsoft.com/office/officeart/2005/8/layout/default">
+  <dgm:title val=""/>
+  <dgm:desc val=""/>
+  <dgm:catLst>
+    <dgm:cat type="list" pri="400"/>
+  </dgm:catLst>
+  <dgm:sampData>
+    <dgm:dataModel>
+      <dgm:ptLst>
+        <dgm:pt modelId="0" type="doc"/>
+        <dgm:pt modelId="1">
+          <dgm:prSet phldr="1"/>
+        </dgm:pt>
+        <dgm:pt modelId="2">
+          <dgm:prSet phldr="1"/>
+        </dgm:pt>
+        <dgm:pt modelId="3">
+          <dgm:prSet phldr="1"/>
+        </dgm:pt>
+        <dgm:pt modelId="4">
+          <dgm:prSet phldr="1"/>
+        </dgm:pt>
+        <dgm:pt modelId="5">
+          <dgm:prSet phldr="1"/>
+        </dgm:pt>
+      </dgm:ptLst>
+      <dgm:cxnLst>
+        <dgm:cxn modelId="6" srcId="0" destId="1" srcOrd="0" destOrd="0"/>
+        <dgm:cxn modelId="7" srcId="0" destId="2" srcOrd="1" destOrd="0"/>
+        <dgm:cxn modelId="8" srcId="0" destId="3" srcOrd="2" destOrd="0"/>
+        <dgm:cxn modelId="9" srcId="0" destId="4" srcOrd="3" destOrd="0"/>
+        <dgm:cxn modelId="10" srcId="0" destId="5" srcOrd="4" destOrd="0"/>
+      </dgm:cxnLst>
+      <dgm:bg/>
+      <dgm:whole/>
+    </dgm:dataModel>
+  </dgm:sampData>
+  <dgm:styleData>
+    <dgm:dataModel>
+      <dgm:ptLst>
+        <dgm:pt modelId="0" type="doc"/>
+        <dgm:pt modelId="1"/>
+        <dgm:pt modelId="2"/>
+      </dgm:ptLst>
+      <dgm:cxnLst>
+        <dgm:cxn modelId="3" srcId="0" destId="1" srcOrd="0" destOrd="0"/>
+        <dgm:cxn modelId="4" srcId="0" destId="2" srcOrd="1" destOrd="0"/>
+      </dgm:cxnLst>
+      <dgm:bg/>
+      <dgm:whole/>
+    </dgm:dataModel>
+  </dgm:styleData>
+  <dgm:clrData>
+    <dgm:dataModel>
+      <dgm:ptLst>
+        <dgm:pt modelId="0" type="doc"/>
+        <dgm:pt modelId="1"/>
+        <dgm:pt modelId="2"/>
+        <dgm:pt modelId="3"/>
+        <dgm:pt modelId="4"/>
+        <dgm:pt modelId="5"/>
+        <dgm:pt modelId="6"/>
+      </dgm:ptLst>
+      <dgm:cxnLst>
+        <dgm:cxn modelId="7" srcId="0" destId="1" srcOrd="0" destOrd="0"/>
+        <dgm:cxn modelId="8" srcId="0" destId="2" srcOrd="1" destOrd="0"/>
+        <dgm:cxn modelId="9" srcId="0" destId="3" srcOrd="2" destOrd="0"/>
+        <dgm:cxn modelId="10" srcId="0" destId="4" srcOrd="3" destOrd="0"/>
+        <dgm:cxn modelId="11" srcId="0" destId="5" srcOrd="4" destOrd="0"/>
+        <dgm:cxn modelId="12" srcId="0" destId="6" srcOrd="5" destOrd="0"/>
+      </dgm:cxnLst>
+      <dgm:bg/>
+      <dgm:whole/>
+    </dgm:dataModel>
+  </dgm:clrData>
+  <dgm:layoutNode name="diagram">
+    <dgm:varLst>
+      <dgm:dir/>
+      <dgm:resizeHandles val="exact"/>
+    </dgm:varLst>
+    <dgm:choose name="Name0">
+      <dgm:if name="Name1" func="var" arg="dir" op="equ" val="norm">
+        <dgm:alg type="snake">
+          <dgm:param type="grDir" val="tL"/>
+          <dgm:param type="flowDir" val="row"/>
+          <dgm:param type="contDir" val="sameDir"/>
+          <dgm:param type="off" val="ctr"/>
+        </dgm:alg>
+      </dgm:if>
+      <dgm:else name="Name2">
+        <dgm:alg type="snake">
+          <dgm:param type="grDir" val="tR"/>
+          <dgm:param type="flowDir" val="row"/>
+          <dgm:param type="contDir" val="sameDir"/>
+          <dgm:param type="off" val="ctr"/>
+        </dgm:alg>
+      </dgm:else>
+    </dgm:choose>
+    <dgm:shape xmlns:r="http://schemas.openxmlformats.org/officeDocument/2006/relationships" r:blip="">
+      <dgm:adjLst/>
+    </dgm:shape>
+    <dgm:presOf/>
+    <dgm:constrLst>
+      <dgm:constr type="w" for="ch" forName="node" refType="w"/>
+      <dgm:constr type="h" for="ch" forName="node" refType="w" refFor="ch" refForName="node" fact="0.6"/>
+      <dgm:constr type="w" for="ch" forName="sibTrans" refType="w" refFor="ch" refForName="node" fact="0.1"/>
+      <dgm:constr type="sp" refType="w" refFor="ch" refForName="sibTrans"/>
+      <dgm:constr type="primFontSz" for="ch" forName="node" op="equ" val="65"/>
+    </dgm:constrLst>
+    <dgm:ruleLst/>
+    <dgm:forEach name="Name3" axis="ch" ptType="node">
+      <dgm:layoutNode name="node">
+        <dgm:varLst>
+          <dgm:bulletEnabled val="1"/>
+        </dgm:varLst>
+        <dgm:alg type="tx"/>
+        <dgm:shape xmlns:r="http://schemas.openxmlformats.org/officeDocument/2006/relationships" type="rect" r:blip="">
+          <dgm:adjLst/>
+        </dgm:shape>
+        <dgm:presOf axis="desOrSelf" ptType="node"/>
+        <dgm:constrLst>
+          <dgm:constr type="lMarg" refType="primFontSz" fact="0.3"/>
+          <dgm:constr type="rMarg" refType="primFontSz" fact="0.3"/>
+          <dgm:constr type="tMarg" refType="primFontSz" fact="0.3"/>
+          <dgm:constr type="bMarg" refType="primFontSz" fact="0.3"/>
+        </dgm:constrLst>
+        <dgm:ruleLst>
+          <dgm:rule type="primFontSz" val="5" fact="NaN" max="NaN"/>
+        </dgm:ruleLst>
+      </dgm:layoutNode>
+      <dgm:forEach name="Name4" axis="followSib" ptType="sibTrans" cnt="1">
+        <dgm:layoutNode name="sibTrans">
+          <dgm:alg type="sp"/>
+          <dgm:shape xmlns:r="http://schemas.openxmlformats.org/officeDocument/2006/relationships" r:blip="">
+            <dgm:adjLst/>
+          </dgm:shape>
+          <dgm:presOf/>
+          <dgm:constrLst/>
+          <dgm:ruleLst/>
+        </dgm:layoutNode>
+      </dgm:forEach>
+    </dgm:forEach>
+  </dgm:layoutNode>
+</dgm:layoutDef>
+</file>
+
+<file path=ppt/diagrams/layout4.xml><?xml version="1.0" encoding="utf-8"?>
+<dgm:layoutDef xmlns:dgm="http://schemas.openxmlformats.org/drawingml/2006/diagram" xmlns:a="http://schemas.openxmlformats.org/drawingml/2006/main" uniqueId="urn:microsoft.com/office/officeart/2005/8/layout/matrix3">
+  <dgm:title val=""/>
+  <dgm:desc val=""/>
+  <dgm:catLst>
+    <dgm:cat type="matrix" pri="1000"/>
+    <dgm:cat type="convert" pri="18000"/>
+  </dgm:catLst>
+  <dgm:sampData>
+    <dgm:dataModel>
+      <dgm:ptLst>
+        <dgm:pt modelId="0" type="doc"/>
+        <dgm:pt modelId="1">
+          <dgm:prSet phldr="1"/>
+        </dgm:pt>
+        <dgm:pt modelId="2">
+          <dgm:prSet phldr="1"/>
+        </dgm:pt>
+        <dgm:pt modelId="3">
+          <dgm:prSet phldr="1"/>
+        </dgm:pt>
+        <dgm:pt modelId="4">
+          <dgm:prSet phldr="1"/>
+        </dgm:pt>
+      </dgm:ptLst>
+      <dgm:cxnLst>
+        <dgm:cxn modelId="5" srcId="0" destId="1" srcOrd="0" destOrd="0"/>
+        <dgm:cxn modelId="6" srcId="0" destId="2" srcOrd="1" destOrd="0"/>
+        <dgm:cxn modelId="7" srcId="0" destId="3" srcOrd="0" destOrd="0"/>
+        <dgm:cxn modelId="8" srcId="0" destId="4" srcOrd="1" destOrd="0"/>
+      </dgm:cxnLst>
+      <dgm:bg/>
+      <dgm:whole/>
+    </dgm:dataModel>
+  </dgm:sampData>
+  <dgm:styleData useDef="1">
+    <dgm:dataModel>
+      <dgm:ptLst/>
+      <dgm:bg/>
+      <dgm:whole/>
+    </dgm:dataModel>
+  </dgm:styleData>
+  <dgm:clrData useDef="1">
+    <dgm:dataModel>
+      <dgm:ptLst/>
+      <dgm:bg/>
+      <dgm:whole/>
+    </dgm:dataModel>
+  </dgm:clrData>
+  <dgm:layoutNode name="matrix">
+    <dgm:varLst>
+      <dgm:chMax val="1"/>
+      <dgm:dir/>
+      <dgm:resizeHandles val="exact"/>
+    </dgm:varLst>
+    <dgm:alg type="composite">
+      <dgm:param type="ar" val="1"/>
+    </dgm:alg>
+    <dgm:shape xmlns:r="http://schemas.openxmlformats.org/officeDocument/2006/relationships" r:blip="">
+      <dgm:adjLst/>
+    </dgm:shape>
+    <dgm:presOf/>
+    <dgm:choose name="Name0">
+      <dgm:if name="Name1" func="var" arg="dir" op="equ" val="norm">
+        <dgm:constrLst>
+          <dgm:constr type="w" for="ch" forName="diamond" refType="w"/>
+          <dgm:constr type="h" for="ch" forName="diamond" refType="h"/>
+          <dgm:constr type="w" for="ch" forName="quad1" refType="w" fact="0.39"/>
+          <dgm:constr type="h" for="ch" forName="quad1" refType="h" fact="0.39"/>
+          <dgm:constr type="ctrX" for="ch" forName="quad1" refType="w" fact="0.29"/>
+          <dgm:constr type="ctrY" for="ch" forName="quad1" refType="h" fact="0.29"/>
+          <dgm:constr type="w" for="ch" forName="quad2" refType="w" fact="0.39"/>
+          <dgm:constr type="h" for="ch" forName="quad2" refType="h" fact="0.39"/>
+          <dgm:constr type="ctrX" for="ch" forName="quad2" refType="w" fact="0.71"/>
+          <dgm:constr type="ctrY" for="ch" forName="quad2" refType="h" fact="0.29"/>
+          <dgm:constr type="w" for="ch" forName="quad3" refType="w" fact="0.39"/>
+          <dgm:constr type="h" for="ch" forName="quad3" refType="h" fact="0.39"/>
+          <dgm:constr type="ctrX" for="ch" forName="quad3" refType="w" fact="0.29"/>
+          <dgm:constr type="ctrY" for="ch" forName="quad3" refType="h" fact="0.71"/>
+          <dgm:constr type="w" for="ch" forName="quad4" refType="w" fact="0.39"/>
+          <dgm:constr type="h" for="ch" forName="quad4" refType="h" fact="0.39"/>
+          <dgm:constr type="ctrX" for="ch" forName="quad4" refType="w" fact="0.71"/>
+          <dgm:constr type="ctrY" for="ch" forName="quad4" refType="h" fact="0.71"/>
+          <dgm:constr type="primFontSz" for="des" ptType="node" op="equ" val="65"/>
+        </dgm:constrLst>
+      </dgm:if>
+      <dgm:else name="Name2">
+        <dgm:constrLst>
+          <dgm:constr type="w" for="ch" forName="diamond" refType="w"/>
+          <dgm:constr type="h" for="ch" forName="diamond" refType="h"/>
+          <dgm:constr type="w" for="ch" forName="quad1" refType="w" fact="0.39"/>
+          <dgm:constr type="h" for="ch" forName="quad1" refType="h" fact="0.39"/>
+          <dgm:constr type="ctrX" for="ch" forName="quad1" refType="w" fact="0.71"/>
+          <dgm:constr type="ctrY" for="ch" forName="quad1" refType="h" fact="0.29"/>
+          <dgm:constr type="w" for="ch" forName="quad2" refType="w" fact="0.39"/>
+          <dgm:constr type="h" for="ch" forName="quad2" refType="h" fact="0.39"/>
+          <dgm:constr type="ctrX" for="ch" forName="quad2" refType="w" fact="0.29"/>
+          <dgm:constr type="ctrY" for="ch" forName="quad2" refType="h" fact="0.29"/>
+          <dgm:constr type="w" for="ch" forName="quad3" refType="w" fact="0.39"/>
+          <dgm:constr type="h" for="ch" forName="quad3" refType="h" fact="0.39"/>
+          <dgm:constr type="ctrX" for="ch" forName="quad3" refType="w" fact="0.71"/>
+          <dgm:constr type="ctrY" for="ch" forName="quad3" refType="h" fact="0.71"/>
+          <dgm:constr type="w" for="ch" forName="quad4" refType="w" fact="0.39"/>
+          <dgm:constr type="h" for="ch" forName="quad4" refType="h" fact="0.39"/>
+          <dgm:constr type="ctrX" for="ch" forName="quad4" refType="w" fact="0.29"/>
+          <dgm:constr type="ctrY" for="ch" forName="quad4" refType="h" fact="0.71"/>
+          <dgm:constr type="primFontSz" for="des" ptType="node" op="equ" val="65"/>
+        </dgm:constrLst>
+      </dgm:else>
+    </dgm:choose>
+    <dgm:ruleLst/>
+    <dgm:choose name="Name3">
+      <dgm:if name="Name4" axis="ch" ptType="node" func="cnt" op="gte" val="1">
+        <dgm:layoutNode name="diamond" styleLbl="bgShp">
+          <dgm:alg type="sp"/>
+          <dgm:shape xmlns:r="http://schemas.openxmlformats.org/officeDocument/2006/relationships" type="diamond" r:blip="">
+            <dgm:adjLst/>
+          </dgm:shape>
+          <dgm:presOf/>
+          <dgm:constrLst>
+            <dgm:constr type="w" refType="h" op="equ"/>
+          </dgm:constrLst>
+          <dgm:ruleLst/>
+        </dgm:layoutNode>
+        <dgm:layoutNode name="quad1">
+          <dgm:varLst>
+            <dgm:chMax val="0"/>
+            <dgm:chPref val="0"/>
+            <dgm:bulletEnabled val="1"/>
+          </dgm:varLst>
+          <dgm:alg type="tx"/>
+          <dgm:shape xmlns:r="http://schemas.openxmlformats.org/officeDocument/2006/relationships" type="roundRect" r:blip="">
+            <dgm:adjLst/>
+          </dgm:shape>
+          <dgm:presOf axis="ch desOrSelf" ptType="node node" st="1 1" cnt="1 0"/>
+          <dgm:constrLst>
+            <dgm:constr type="w" refType="h" op="equ"/>
+            <dgm:constr type="tMarg" refType="primFontSz" fact="0.3"/>
+            <dgm:constr type="bMarg" refType="primFontSz" fact="0.3"/>
+            <dgm:constr type="lMarg" refType="primFontSz" fact="0.3"/>
+            <dgm:constr type="rMarg" refType="primFontSz" fact="0.3"/>
+          </dgm:constrLst>
+          <dgm:ruleLst>
+            <dgm:rule type="primFontSz" val="5" fact="NaN" max="NaN"/>
+          </dgm:ruleLst>
+        </dgm:layoutNode>
+        <dgm:layoutNode name="quad2">
+          <dgm:varLst>
+            <dgm:chMax val="0"/>
+            <dgm:chPref val="0"/>
+            <dgm:bulletEnabled val="1"/>
+          </dgm:varLst>
+          <dgm:alg type="tx"/>
+          <dgm:shape xmlns:r="http://schemas.openxmlformats.org/officeDocument/2006/relationships" type="roundRect" r:blip="">
+            <dgm:adjLst/>
+          </dgm:shape>
+          <dgm:presOf axis="ch desOrSelf" ptType="node node" st="2 1" cnt="1 0"/>
+          <dgm:constrLst>
+            <dgm:constr type="w" refType="h" op="equ"/>
+            <dgm:constr type="tMarg" refType="primFontSz" fact="0.3"/>
+            <dgm:constr type="bMarg" refType="primFontSz" fact="0.3"/>
+            <dgm:constr type="lMarg" refType="primFontSz" fact="0.3"/>
+            <dgm:constr type="rMarg" refType="primFontSz" fact="0.3"/>
+          </dgm:constrLst>
+          <dgm:ruleLst>
+            <dgm:rule type="primFontSz" val="5" fact="NaN" max="NaN"/>
+          </dgm:ruleLst>
+        </dgm:layoutNode>
+        <dgm:layoutNode name="quad3">
+          <dgm:varLst>
+            <dgm:chMax val="0"/>
+            <dgm:chPref val="0"/>
+            <dgm:bulletEnabled val="1"/>
+          </dgm:varLst>
+          <dgm:alg type="tx"/>
+          <dgm:shape xmlns:r="http://schemas.openxmlformats.org/officeDocument/2006/relationships" type="roundRect" r:blip="">
+            <dgm:adjLst/>
+          </dgm:shape>
+          <dgm:presOf axis="ch desOrSelf" ptType="node node" st="3 1" cnt="1 0"/>
+          <dgm:constrLst>
+            <dgm:constr type="w" refType="h" op="equ"/>
+            <dgm:constr type="tMarg" refType="primFontSz" fact="0.3"/>
+            <dgm:constr type="bMarg" refType="primFontSz" fact="0.3"/>
+            <dgm:constr type="lMarg" refType="primFontSz" fact="0.3"/>
+            <dgm:constr type="rMarg" refType="primFontSz" fact="0.3"/>
+          </dgm:constrLst>
+          <dgm:ruleLst>
+            <dgm:rule type="primFontSz" val="5" fact="NaN" max="NaN"/>
+          </dgm:ruleLst>
+        </dgm:layoutNode>
+        <dgm:layoutNode name="quad4">
+          <dgm:varLst>
+            <dgm:chMax val="0"/>
+            <dgm:chPref val="0"/>
+            <dgm:bulletEnabled val="1"/>
+          </dgm:varLst>
+          <dgm:alg type="tx"/>
+          <dgm:shape xmlns:r="http://schemas.openxmlformats.org/officeDocument/2006/relationships" type="roundRect" r:blip="">
+            <dgm:adjLst/>
+          </dgm:shape>
+          <dgm:presOf axis="ch desOrSelf" ptType="node node" st="4 1" cnt="1 0"/>
+          <dgm:constrLst>
+            <dgm:constr type="w" refType="h" op="equ"/>
+            <dgm:constr type="tMarg" refType="primFontSz" fact="0.3"/>
+            <dgm:constr type="bMarg" refType="primFontSz" fact="0.3"/>
+            <dgm:constr type="lMarg" refType="primFontSz" fact="0.3"/>
+            <dgm:constr type="rMarg" refType="primFontSz" fact="0.3"/>
+          </dgm:constrLst>
+          <dgm:ruleLst>
+            <dgm:rule type="primFontSz" val="5" fact="NaN" max="NaN"/>
+          </dgm:ruleLst>
+        </dgm:layoutNode>
+      </dgm:if>
+      <dgm:else name="Name5"/>
+    </dgm:choose>
+  </dgm:layoutNode>
+</dgm:layoutDef>
+</file>
+
+<file path=ppt/diagrams/layout5.xml><?xml version="1.0" encoding="utf-8"?>
 <dgm:layoutDef xmlns:dgm="http://schemas.openxmlformats.org/drawingml/2006/diagram" xmlns:a="http://schemas.openxmlformats.org/drawingml/2006/main" uniqueId="urn:microsoft.com/office/officeart/2018/2/layout/IconCircleList">
   <dgm:title val="Icon Circle List"/>
   <dgm:desc val="Use to show non-sequential or grouped chunks of information accompanied by related visuals. Circular shapes can hold an icon or small picture and corresponding text box shows Level 1 text. Works best for icons or small pictures with medium-length descriptions."/>
@@ -8903,223 +10693,6 @@
 </dgm:layoutDef>
 </file>
 
-<file path=ppt/diagrams/layout4.xml><?xml version="1.0" encoding="utf-8"?>
-<dgm:layoutDef xmlns:dgm="http://schemas.openxmlformats.org/drawingml/2006/diagram" xmlns:a="http://schemas.openxmlformats.org/drawingml/2006/main" uniqueId="urn:microsoft.com/office/officeart/2005/8/layout/hList1">
-  <dgm:title val=""/>
-  <dgm:desc val=""/>
-  <dgm:catLst>
-    <dgm:cat type="list" pri="5000"/>
-    <dgm:cat type="convert" pri="5000"/>
-  </dgm:catLst>
-  <dgm:sampData>
-    <dgm:dataModel>
-      <dgm:ptLst>
-        <dgm:pt modelId="0" type="doc"/>
-        <dgm:pt modelId="1">
-          <dgm:prSet phldr="1"/>
-        </dgm:pt>
-        <dgm:pt modelId="11">
-          <dgm:prSet phldr="1"/>
-        </dgm:pt>
-        <dgm:pt modelId="12">
-          <dgm:prSet phldr="1"/>
-        </dgm:pt>
-        <dgm:pt modelId="2">
-          <dgm:prSet phldr="1"/>
-        </dgm:pt>
-        <dgm:pt modelId="21">
-          <dgm:prSet phldr="1"/>
-        </dgm:pt>
-        <dgm:pt modelId="22">
-          <dgm:prSet phldr="1"/>
-        </dgm:pt>
-        <dgm:pt modelId="3">
-          <dgm:prSet phldr="1"/>
-        </dgm:pt>
-        <dgm:pt modelId="31">
-          <dgm:prSet phldr="1"/>
-        </dgm:pt>
-        <dgm:pt modelId="32">
-          <dgm:prSet phldr="1"/>
-        </dgm:pt>
-      </dgm:ptLst>
-      <dgm:cxnLst>
-        <dgm:cxn modelId="4" srcId="0" destId="1" srcOrd="0" destOrd="0"/>
-        <dgm:cxn modelId="5" srcId="0" destId="2" srcOrd="1" destOrd="0"/>
-        <dgm:cxn modelId="6" srcId="0" destId="3" srcOrd="2" destOrd="0"/>
-        <dgm:cxn modelId="13" srcId="1" destId="11" srcOrd="0" destOrd="0"/>
-        <dgm:cxn modelId="14" srcId="1" destId="12" srcOrd="1" destOrd="0"/>
-        <dgm:cxn modelId="23" srcId="2" destId="21" srcOrd="0" destOrd="0"/>
-        <dgm:cxn modelId="24" srcId="2" destId="22" srcOrd="1" destOrd="0"/>
-        <dgm:cxn modelId="33" srcId="3" destId="31" srcOrd="0" destOrd="0"/>
-        <dgm:cxn modelId="34" srcId="3" destId="32" srcOrd="1" destOrd="0"/>
-      </dgm:cxnLst>
-      <dgm:bg/>
-      <dgm:whole/>
-    </dgm:dataModel>
-  </dgm:sampData>
-  <dgm:styleData>
-    <dgm:dataModel>
-      <dgm:ptLst>
-        <dgm:pt modelId="0" type="doc"/>
-        <dgm:pt modelId="1">
-          <dgm:prSet phldr="1"/>
-        </dgm:pt>
-        <dgm:pt modelId="2">
-          <dgm:prSet phldr="1"/>
-        </dgm:pt>
-      </dgm:ptLst>
-      <dgm:cxnLst>
-        <dgm:cxn modelId="3" srcId="0" destId="1" srcOrd="0" destOrd="0"/>
-        <dgm:cxn modelId="4" srcId="0" destId="2" srcOrd="1" destOrd="0"/>
-      </dgm:cxnLst>
-      <dgm:bg/>
-      <dgm:whole/>
-    </dgm:dataModel>
-  </dgm:styleData>
-  <dgm:clrData>
-    <dgm:dataModel>
-      <dgm:ptLst>
-        <dgm:pt modelId="0" type="doc"/>
-        <dgm:pt modelId="1">
-          <dgm:prSet phldr="1"/>
-        </dgm:pt>
-        <dgm:pt modelId="2">
-          <dgm:prSet phldr="1"/>
-        </dgm:pt>
-        <dgm:pt modelId="3">
-          <dgm:prSet phldr="1"/>
-        </dgm:pt>
-        <dgm:pt modelId="4">
-          <dgm:prSet phldr="1"/>
-        </dgm:pt>
-      </dgm:ptLst>
-      <dgm:cxnLst>
-        <dgm:cxn modelId="5" srcId="0" destId="1" srcOrd="0" destOrd="0"/>
-        <dgm:cxn modelId="6" srcId="0" destId="2" srcOrd="1" destOrd="0"/>
-        <dgm:cxn modelId="7" srcId="0" destId="3" srcOrd="2" destOrd="0"/>
-        <dgm:cxn modelId="8" srcId="0" destId="4" srcOrd="3" destOrd="0"/>
-      </dgm:cxnLst>
-      <dgm:bg/>
-      <dgm:whole/>
-    </dgm:dataModel>
-  </dgm:clrData>
-  <dgm:layoutNode name="Name0">
-    <dgm:varLst>
-      <dgm:dir/>
-      <dgm:animLvl val="lvl"/>
-      <dgm:resizeHandles val="exact"/>
-    </dgm:varLst>
-    <dgm:choose name="Name1">
-      <dgm:if name="Name2" func="var" arg="dir" op="equ" val="norm">
-        <dgm:alg type="lin"/>
-      </dgm:if>
-      <dgm:else name="Name3">
-        <dgm:alg type="lin">
-          <dgm:param type="linDir" val="fromR"/>
-        </dgm:alg>
-      </dgm:else>
-    </dgm:choose>
-    <dgm:shape xmlns:r="http://schemas.openxmlformats.org/officeDocument/2006/relationships" r:blip="">
-      <dgm:adjLst/>
-    </dgm:shape>
-    <dgm:presOf/>
-    <dgm:constrLst>
-      <dgm:constr type="h" for="ch" forName="composite" refType="h"/>
-      <dgm:constr type="w" for="ch" forName="composite" refType="w"/>
-      <dgm:constr type="w" for="des" forName="parTx"/>
-      <dgm:constr type="h" for="des" forName="parTx" op="equ"/>
-      <dgm:constr type="w" for="des" forName="desTx"/>
-      <dgm:constr type="h" for="des" forName="desTx" op="equ"/>
-      <dgm:constr type="primFontSz" for="des" forName="parTx" val="65"/>
-      <dgm:constr type="secFontSz" for="des" forName="desTx" refType="primFontSz" refFor="des" refForName="parTx" op="equ"/>
-      <dgm:constr type="h" for="des" forName="parTx" refType="primFontSz" refFor="des" refForName="parTx" fact="0.8"/>
-      <dgm:constr type="h" for="des" forName="desTx" refType="primFontSz" refFor="des" refForName="parTx" fact="1.22"/>
-      <dgm:constr type="w" for="ch" forName="space" refType="w" refFor="ch" refForName="composite" op="equ" fact="0.14"/>
-    </dgm:constrLst>
-    <dgm:ruleLst>
-      <dgm:rule type="w" for="ch" forName="composite" val="0" fact="NaN" max="NaN"/>
-      <dgm:rule type="primFontSz" for="des" forName="parTx" val="5" fact="NaN" max="NaN"/>
-    </dgm:ruleLst>
-    <dgm:forEach name="Name4" axis="ch" ptType="node">
-      <dgm:layoutNode name="composite">
-        <dgm:alg type="composite"/>
-        <dgm:shape xmlns:r="http://schemas.openxmlformats.org/officeDocument/2006/relationships" r:blip="">
-          <dgm:adjLst/>
-        </dgm:shape>
-        <dgm:presOf/>
-        <dgm:constrLst>
-          <dgm:constr type="l" for="ch" forName="parTx"/>
-          <dgm:constr type="w" for="ch" forName="parTx" refType="w"/>
-          <dgm:constr type="t" for="ch" forName="parTx"/>
-          <dgm:constr type="l" for="ch" forName="desTx"/>
-          <dgm:constr type="w" for="ch" forName="desTx" refType="w" refFor="ch" refForName="parTx"/>
-          <dgm:constr type="t" for="ch" forName="desTx" refType="h" refFor="ch" refForName="parTx"/>
-        </dgm:constrLst>
-        <dgm:ruleLst>
-          <dgm:rule type="h" val="INF" fact="NaN" max="NaN"/>
-        </dgm:ruleLst>
-        <dgm:layoutNode name="parTx" styleLbl="alignNode1">
-          <dgm:varLst>
-            <dgm:chMax val="0"/>
-            <dgm:chPref val="0"/>
-            <dgm:bulletEnabled val="1"/>
-          </dgm:varLst>
-          <dgm:alg type="tx"/>
-          <dgm:shape xmlns:r="http://schemas.openxmlformats.org/officeDocument/2006/relationships" type="rect" r:blip="">
-            <dgm:adjLst/>
-          </dgm:shape>
-          <dgm:presOf axis="self" ptType="node"/>
-          <dgm:constrLst>
-            <dgm:constr type="h" refType="w" op="lte" fact="0.4"/>
-            <dgm:constr type="h"/>
-            <dgm:constr type="tMarg" refType="primFontSz" fact="0.32"/>
-            <dgm:constr type="bMarg" refType="primFontSz" fact="0.32"/>
-          </dgm:constrLst>
-          <dgm:ruleLst>
-            <dgm:rule type="h" val="INF" fact="NaN" max="NaN"/>
-          </dgm:ruleLst>
-        </dgm:layoutNode>
-        <dgm:layoutNode name="desTx" styleLbl="alignAccFollowNode1">
-          <dgm:varLst>
-            <dgm:bulletEnabled val="1"/>
-          </dgm:varLst>
-          <dgm:alg type="tx">
-            <dgm:param type="stBulletLvl" val="1"/>
-          </dgm:alg>
-          <dgm:shape xmlns:r="http://schemas.openxmlformats.org/officeDocument/2006/relationships" type="rect" r:blip="">
-            <dgm:adjLst/>
-          </dgm:shape>
-          <dgm:presOf axis="des" ptType="node"/>
-          <dgm:constrLst>
-            <dgm:constr type="secFontSz" val="65"/>
-            <dgm:constr type="primFontSz" refType="secFontSz"/>
-            <dgm:constr type="h"/>
-            <dgm:constr type="lMarg" refType="primFontSz" fact="0.42"/>
-            <dgm:constr type="tMarg" refType="primFontSz" fact="0.42"/>
-            <dgm:constr type="bMarg" refType="primFontSz" fact="0.63"/>
-          </dgm:constrLst>
-          <dgm:ruleLst>
-            <dgm:rule type="h" val="INF" fact="NaN" max="NaN"/>
-          </dgm:ruleLst>
-        </dgm:layoutNode>
-      </dgm:layoutNode>
-      <dgm:forEach name="Name5" axis="followSib" ptType="sibTrans" cnt="1">
-        <dgm:layoutNode name="space">
-          <dgm:alg type="sp"/>
-          <dgm:shape xmlns:r="http://schemas.openxmlformats.org/officeDocument/2006/relationships" r:blip="">
-            <dgm:adjLst/>
-          </dgm:shape>
-          <dgm:presOf/>
-          <dgm:constrLst/>
-          <dgm:ruleLst/>
-        </dgm:layoutNode>
-      </dgm:forEach>
-    </dgm:forEach>
-  </dgm:layoutNode>
-</dgm:layoutDef>
-</file>
-
 <file path=ppt/diagrams/quickStyle1.xml><?xml version="1.0" encoding="utf-8"?>
 <dgm:styleDef xmlns:dgm="http://schemas.openxmlformats.org/drawingml/2006/diagram" xmlns:a="http://schemas.openxmlformats.org/drawingml/2006/main" uniqueId="urn:microsoft.com/office/officeart/2005/8/quickstyle/simple4">
   <dgm:title val=""/>
@@ -12223,6 +13796,1040 @@
 </file>
 
 <file path=ppt/diagrams/quickStyle4.xml><?xml version="1.0" encoding="utf-8"?>
+<dgm:styleDef xmlns:dgm="http://schemas.openxmlformats.org/drawingml/2006/diagram" xmlns:a="http://schemas.openxmlformats.org/drawingml/2006/main" uniqueId="urn:microsoft.com/office/officeart/2005/8/quickstyle/simple4">
+  <dgm:title val=""/>
+  <dgm:desc val=""/>
+  <dgm:catLst>
+    <dgm:cat type="simple" pri="10400"/>
+  </dgm:catLst>
+  <dgm:scene3d>
+    <a:camera prst="orthographicFront"/>
+    <a:lightRig rig="threePt" dir="t"/>
+  </dgm:scene3d>
+  <dgm:styleLbl name="node0">
+    <dgm:scene3d>
+      <a:camera prst="orthographicFront"/>
+      <a:lightRig rig="threePt" dir="t"/>
+    </dgm:scene3d>
+    <dgm:sp3d/>
+    <dgm:txPr/>
+    <dgm:style>
+      <a:lnRef idx="0">
+        <a:scrgbClr r="0" g="0" b="0"/>
+      </a:lnRef>
+      <a:fillRef idx="3">
+        <a:scrgbClr r="0" g="0" b="0"/>
+      </a:fillRef>
+      <a:effectRef idx="2">
+        <a:scrgbClr r="0" g="0" b="0"/>
+      </a:effectRef>
+      <a:fontRef idx="minor">
+        <a:schemeClr val="lt1"/>
+      </a:fontRef>
+    </dgm:style>
+  </dgm:styleLbl>
+  <dgm:styleLbl name="lnNode1">
+    <dgm:scene3d>
+      <a:camera prst="orthographicFront"/>
+      <a:lightRig rig="threePt" dir="t"/>
+    </dgm:scene3d>
+    <dgm:sp3d/>
+    <dgm:txPr/>
+    <dgm:style>
+      <a:lnRef idx="1">
+        <a:scrgbClr r="0" g="0" b="0"/>
+      </a:lnRef>
+      <a:fillRef idx="3">
+        <a:scrgbClr r="0" g="0" b="0"/>
+      </a:fillRef>
+      <a:effectRef idx="2">
+        <a:scrgbClr r="0" g="0" b="0"/>
+      </a:effectRef>
+      <a:fontRef idx="minor">
+        <a:schemeClr val="lt1"/>
+      </a:fontRef>
+    </dgm:style>
+  </dgm:styleLbl>
+  <dgm:styleLbl name="vennNode1">
+    <dgm:scene3d>
+      <a:camera prst="orthographicFront"/>
+      <a:lightRig rig="threePt" dir="t"/>
+    </dgm:scene3d>
+    <dgm:sp3d/>
+    <dgm:txPr/>
+    <dgm:style>
+      <a:lnRef idx="0">
+        <a:scrgbClr r="0" g="0" b="0"/>
+      </a:lnRef>
+      <a:fillRef idx="3">
+        <a:scrgbClr r="0" g="0" b="0"/>
+      </a:fillRef>
+      <a:effectRef idx="0">
+        <a:scrgbClr r="0" g="0" b="0"/>
+      </a:effectRef>
+      <a:fontRef idx="minor">
+        <a:schemeClr val="tx1"/>
+      </a:fontRef>
+    </dgm:style>
+  </dgm:styleLbl>
+  <dgm:styleLbl name="alignNode1">
+    <dgm:scene3d>
+      <a:camera prst="orthographicFront"/>
+      <a:lightRig rig="threePt" dir="t"/>
+    </dgm:scene3d>
+    <dgm:sp3d/>
+    <dgm:txPr/>
+    <dgm:style>
+      <a:lnRef idx="1">
+        <a:scrgbClr r="0" g="0" b="0"/>
+      </a:lnRef>
+      <a:fillRef idx="3">
+        <a:scrgbClr r="0" g="0" b="0"/>
+      </a:fillRef>
+      <a:effectRef idx="2">
+        <a:scrgbClr r="0" g="0" b="0"/>
+      </a:effectRef>
+      <a:fontRef idx="minor">
+        <a:schemeClr val="lt1"/>
+      </a:fontRef>
+    </dgm:style>
+  </dgm:styleLbl>
+  <dgm:styleLbl name="node1">
+    <dgm:scene3d>
+      <a:camera prst="orthographicFront"/>
+      <a:lightRig rig="threePt" dir="t"/>
+    </dgm:scene3d>
+    <dgm:sp3d/>
+    <dgm:txPr/>
+    <dgm:style>
+      <a:lnRef idx="0">
+        <a:scrgbClr r="0" g="0" b="0"/>
+      </a:lnRef>
+      <a:fillRef idx="3">
+        <a:scrgbClr r="0" g="0" b="0"/>
+      </a:fillRef>
+      <a:effectRef idx="2">
+        <a:scrgbClr r="0" g="0" b="0"/>
+      </a:effectRef>
+      <a:fontRef idx="minor">
+        <a:schemeClr val="lt1"/>
+      </a:fontRef>
+    </dgm:style>
+  </dgm:styleLbl>
+  <dgm:styleLbl name="node2">
+    <dgm:scene3d>
+      <a:camera prst="orthographicFront"/>
+      <a:lightRig rig="threePt" dir="t"/>
+    </dgm:scene3d>
+    <dgm:sp3d/>
+    <dgm:txPr/>
+    <dgm:style>
+      <a:lnRef idx="0">
+        <a:scrgbClr r="0" g="0" b="0"/>
+      </a:lnRef>
+      <a:fillRef idx="3">
+        <a:scrgbClr r="0" g="0" b="0"/>
+      </a:fillRef>
+      <a:effectRef idx="2">
+        <a:scrgbClr r="0" g="0" b="0"/>
+      </a:effectRef>
+      <a:fontRef idx="minor">
+        <a:schemeClr val="lt1"/>
+      </a:fontRef>
+    </dgm:style>
+  </dgm:styleLbl>
+  <dgm:styleLbl name="node3">
+    <dgm:scene3d>
+      <a:camera prst="orthographicFront"/>
+      <a:lightRig rig="threePt" dir="t"/>
+    </dgm:scene3d>
+    <dgm:sp3d/>
+    <dgm:txPr/>
+    <dgm:style>
+      <a:lnRef idx="0">
+        <a:scrgbClr r="0" g="0" b="0"/>
+      </a:lnRef>
+      <a:fillRef idx="3">
+        <a:scrgbClr r="0" g="0" b="0"/>
+      </a:fillRef>
+      <a:effectRef idx="2">
+        <a:scrgbClr r="0" g="0" b="0"/>
+      </a:effectRef>
+      <a:fontRef idx="minor">
+        <a:schemeClr val="lt1"/>
+      </a:fontRef>
+    </dgm:style>
+  </dgm:styleLbl>
+  <dgm:styleLbl name="node4">
+    <dgm:scene3d>
+      <a:camera prst="orthographicFront"/>
+      <a:lightRig rig="threePt" dir="t"/>
+    </dgm:scene3d>
+    <dgm:sp3d/>
+    <dgm:txPr/>
+    <dgm:style>
+      <a:lnRef idx="0">
+        <a:scrgbClr r="0" g="0" b="0"/>
+      </a:lnRef>
+      <a:fillRef idx="3">
+        <a:scrgbClr r="0" g="0" b="0"/>
+      </a:fillRef>
+      <a:effectRef idx="2">
+        <a:scrgbClr r="0" g="0" b="0"/>
+      </a:effectRef>
+      <a:fontRef idx="minor">
+        <a:schemeClr val="lt1"/>
+      </a:fontRef>
+    </dgm:style>
+  </dgm:styleLbl>
+  <dgm:styleLbl name="fgImgPlace1">
+    <dgm:scene3d>
+      <a:camera prst="orthographicFront"/>
+      <a:lightRig rig="threePt" dir="t"/>
+    </dgm:scene3d>
+    <dgm:sp3d/>
+    <dgm:txPr/>
+    <dgm:style>
+      <a:lnRef idx="0">
+        <a:scrgbClr r="0" g="0" b="0"/>
+      </a:lnRef>
+      <a:fillRef idx="1">
+        <a:scrgbClr r="0" g="0" b="0"/>
+      </a:fillRef>
+      <a:effectRef idx="2">
+        <a:scrgbClr r="0" g="0" b="0"/>
+      </a:effectRef>
+      <a:fontRef idx="minor"/>
+    </dgm:style>
+  </dgm:styleLbl>
+  <dgm:styleLbl name="alignImgPlace1">
+    <dgm:scene3d>
+      <a:camera prst="orthographicFront"/>
+      <a:lightRig rig="threePt" dir="t"/>
+    </dgm:scene3d>
+    <dgm:sp3d/>
+    <dgm:txPr/>
+    <dgm:style>
+      <a:lnRef idx="0">
+        <a:scrgbClr r="0" g="0" b="0"/>
+      </a:lnRef>
+      <a:fillRef idx="1">
+        <a:scrgbClr r="0" g="0" b="0"/>
+      </a:fillRef>
+      <a:effectRef idx="2">
+        <a:scrgbClr r="0" g="0" b="0"/>
+      </a:effectRef>
+      <a:fontRef idx="minor"/>
+    </dgm:style>
+  </dgm:styleLbl>
+  <dgm:styleLbl name="bgImgPlace1">
+    <dgm:scene3d>
+      <a:camera prst="orthographicFront"/>
+      <a:lightRig rig="threePt" dir="t"/>
+    </dgm:scene3d>
+    <dgm:sp3d/>
+    <dgm:txPr/>
+    <dgm:style>
+      <a:lnRef idx="0">
+        <a:scrgbClr r="0" g="0" b="0"/>
+      </a:lnRef>
+      <a:fillRef idx="1">
+        <a:scrgbClr r="0" g="0" b="0"/>
+      </a:fillRef>
+      <a:effectRef idx="2">
+        <a:scrgbClr r="0" g="0" b="0"/>
+      </a:effectRef>
+      <a:fontRef idx="minor"/>
+    </dgm:style>
+  </dgm:styleLbl>
+  <dgm:styleLbl name="sibTrans2D1">
+    <dgm:scene3d>
+      <a:camera prst="orthographicFront"/>
+      <a:lightRig rig="threePt" dir="t"/>
+    </dgm:scene3d>
+    <dgm:sp3d/>
+    <dgm:txPr/>
+    <dgm:style>
+      <a:lnRef idx="0">
+        <a:scrgbClr r="0" g="0" b="0"/>
+      </a:lnRef>
+      <a:fillRef idx="3">
+        <a:scrgbClr r="0" g="0" b="0"/>
+      </a:fillRef>
+      <a:effectRef idx="2">
+        <a:scrgbClr r="0" g="0" b="0"/>
+      </a:effectRef>
+      <a:fontRef idx="minor">
+        <a:schemeClr val="lt1"/>
+      </a:fontRef>
+    </dgm:style>
+  </dgm:styleLbl>
+  <dgm:styleLbl name="fgSibTrans2D1">
+    <dgm:scene3d>
+      <a:camera prst="orthographicFront"/>
+      <a:lightRig rig="threePt" dir="t"/>
+    </dgm:scene3d>
+    <dgm:sp3d/>
+    <dgm:txPr/>
+    <dgm:style>
+      <a:lnRef idx="0">
+        <a:scrgbClr r="0" g="0" b="0"/>
+      </a:lnRef>
+      <a:fillRef idx="3">
+        <a:scrgbClr r="0" g="0" b="0"/>
+      </a:fillRef>
+      <a:effectRef idx="2">
+        <a:scrgbClr r="0" g="0" b="0"/>
+      </a:effectRef>
+      <a:fontRef idx="minor">
+        <a:schemeClr val="lt1"/>
+      </a:fontRef>
+    </dgm:style>
+  </dgm:styleLbl>
+  <dgm:styleLbl name="bgSibTrans2D1">
+    <dgm:scene3d>
+      <a:camera prst="orthographicFront"/>
+      <a:lightRig rig="threePt" dir="t"/>
+    </dgm:scene3d>
+    <dgm:sp3d/>
+    <dgm:txPr/>
+    <dgm:style>
+      <a:lnRef idx="0">
+        <a:scrgbClr r="0" g="0" b="0"/>
+      </a:lnRef>
+      <a:fillRef idx="3">
+        <a:scrgbClr r="0" g="0" b="0"/>
+      </a:fillRef>
+      <a:effectRef idx="2">
+        <a:scrgbClr r="0" g="0" b="0"/>
+      </a:effectRef>
+      <a:fontRef idx="minor">
+        <a:schemeClr val="lt1"/>
+      </a:fontRef>
+    </dgm:style>
+  </dgm:styleLbl>
+  <dgm:styleLbl name="sibTrans1D1">
+    <dgm:scene3d>
+      <a:camera prst="orthographicFront"/>
+      <a:lightRig rig="threePt" dir="t"/>
+    </dgm:scene3d>
+    <dgm:sp3d/>
+    <dgm:txPr/>
+    <dgm:style>
+      <a:lnRef idx="1">
+        <a:scrgbClr r="0" g="0" b="0"/>
+      </a:lnRef>
+      <a:fillRef idx="0">
+        <a:scrgbClr r="0" g="0" b="0"/>
+      </a:fillRef>
+      <a:effectRef idx="0">
+        <a:scrgbClr r="0" g="0" b="0"/>
+      </a:effectRef>
+      <a:fontRef idx="minor"/>
+    </dgm:style>
+  </dgm:styleLbl>
+  <dgm:styleLbl name="callout">
+    <dgm:scene3d>
+      <a:camera prst="orthographicFront"/>
+      <a:lightRig rig="threePt" dir="t"/>
+    </dgm:scene3d>
+    <dgm:sp3d/>
+    <dgm:txPr/>
+    <dgm:style>
+      <a:lnRef idx="2">
+        <a:scrgbClr r="0" g="0" b="0"/>
+      </a:lnRef>
+      <a:fillRef idx="1">
+        <a:scrgbClr r="0" g="0" b="0"/>
+      </a:fillRef>
+      <a:effectRef idx="1">
+        <a:scrgbClr r="0" g="0" b="0"/>
+      </a:effectRef>
+      <a:fontRef idx="minor"/>
+    </dgm:style>
+  </dgm:styleLbl>
+  <dgm:styleLbl name="asst0">
+    <dgm:scene3d>
+      <a:camera prst="orthographicFront"/>
+      <a:lightRig rig="threePt" dir="t"/>
+    </dgm:scene3d>
+    <dgm:sp3d/>
+    <dgm:txPr/>
+    <dgm:style>
+      <a:lnRef idx="0">
+        <a:scrgbClr r="0" g="0" b="0"/>
+      </a:lnRef>
+      <a:fillRef idx="3">
+        <a:scrgbClr r="0" g="0" b="0"/>
+      </a:fillRef>
+      <a:effectRef idx="2">
+        <a:scrgbClr r="0" g="0" b="0"/>
+      </a:effectRef>
+      <a:fontRef idx="minor">
+        <a:schemeClr val="lt1"/>
+      </a:fontRef>
+    </dgm:style>
+  </dgm:styleLbl>
+  <dgm:styleLbl name="asst1">
+    <dgm:scene3d>
+      <a:camera prst="orthographicFront"/>
+      <a:lightRig rig="threePt" dir="t"/>
+    </dgm:scene3d>
+    <dgm:sp3d/>
+    <dgm:txPr/>
+    <dgm:style>
+      <a:lnRef idx="0">
+        <a:scrgbClr r="0" g="0" b="0"/>
+      </a:lnRef>
+      <a:fillRef idx="3">
+        <a:scrgbClr r="0" g="0" b="0"/>
+      </a:fillRef>
+      <a:effectRef idx="2">
+        <a:scrgbClr r="0" g="0" b="0"/>
+      </a:effectRef>
+      <a:fontRef idx="minor">
+        <a:schemeClr val="lt1"/>
+      </a:fontRef>
+    </dgm:style>
+  </dgm:styleLbl>
+  <dgm:styleLbl name="asst2">
+    <dgm:scene3d>
+      <a:camera prst="orthographicFront"/>
+      <a:lightRig rig="threePt" dir="t"/>
+    </dgm:scene3d>
+    <dgm:sp3d/>
+    <dgm:txPr/>
+    <dgm:style>
+      <a:lnRef idx="0">
+        <a:scrgbClr r="0" g="0" b="0"/>
+      </a:lnRef>
+      <a:fillRef idx="3">
+        <a:scrgbClr r="0" g="0" b="0"/>
+      </a:fillRef>
+      <a:effectRef idx="2">
+        <a:scrgbClr r="0" g="0" b="0"/>
+      </a:effectRef>
+      <a:fontRef idx="minor">
+        <a:schemeClr val="lt1"/>
+      </a:fontRef>
+    </dgm:style>
+  </dgm:styleLbl>
+  <dgm:styleLbl name="asst3">
+    <dgm:scene3d>
+      <a:camera prst="orthographicFront"/>
+      <a:lightRig rig="threePt" dir="t"/>
+    </dgm:scene3d>
+    <dgm:sp3d/>
+    <dgm:txPr/>
+    <dgm:style>
+      <a:lnRef idx="0">
+        <a:scrgbClr r="0" g="0" b="0"/>
+      </a:lnRef>
+      <a:fillRef idx="3">
+        <a:scrgbClr r="0" g="0" b="0"/>
+      </a:fillRef>
+      <a:effectRef idx="2">
+        <a:scrgbClr r="0" g="0" b="0"/>
+      </a:effectRef>
+      <a:fontRef idx="minor">
+        <a:schemeClr val="lt1"/>
+      </a:fontRef>
+    </dgm:style>
+  </dgm:styleLbl>
+  <dgm:styleLbl name="asst4">
+    <dgm:scene3d>
+      <a:camera prst="orthographicFront"/>
+      <a:lightRig rig="threePt" dir="t"/>
+    </dgm:scene3d>
+    <dgm:sp3d/>
+    <dgm:txPr/>
+    <dgm:style>
+      <a:lnRef idx="0">
+        <a:scrgbClr r="0" g="0" b="0"/>
+      </a:lnRef>
+      <a:fillRef idx="3">
+        <a:scrgbClr r="0" g="0" b="0"/>
+      </a:fillRef>
+      <a:effectRef idx="2">
+        <a:scrgbClr r="0" g="0" b="0"/>
+      </a:effectRef>
+      <a:fontRef idx="minor">
+        <a:schemeClr val="lt1"/>
+      </a:fontRef>
+    </dgm:style>
+  </dgm:styleLbl>
+  <dgm:styleLbl name="parChTrans2D1">
+    <dgm:scene3d>
+      <a:camera prst="orthographicFront"/>
+      <a:lightRig rig="threePt" dir="t"/>
+    </dgm:scene3d>
+    <dgm:sp3d/>
+    <dgm:txPr/>
+    <dgm:style>
+      <a:lnRef idx="0">
+        <a:scrgbClr r="0" g="0" b="0"/>
+      </a:lnRef>
+      <a:fillRef idx="3">
+        <a:scrgbClr r="0" g="0" b="0"/>
+      </a:fillRef>
+      <a:effectRef idx="2">
+        <a:scrgbClr r="0" g="0" b="0"/>
+      </a:effectRef>
+      <a:fontRef idx="minor">
+        <a:schemeClr val="lt1"/>
+      </a:fontRef>
+    </dgm:style>
+  </dgm:styleLbl>
+  <dgm:styleLbl name="parChTrans2D2">
+    <dgm:scene3d>
+      <a:camera prst="orthographicFront"/>
+      <a:lightRig rig="threePt" dir="t"/>
+    </dgm:scene3d>
+    <dgm:sp3d/>
+    <dgm:txPr/>
+    <dgm:style>
+      <a:lnRef idx="0">
+        <a:scrgbClr r="0" g="0" b="0"/>
+      </a:lnRef>
+      <a:fillRef idx="3">
+        <a:scrgbClr r="0" g="0" b="0"/>
+      </a:fillRef>
+      <a:effectRef idx="2">
+        <a:scrgbClr r="0" g="0" b="0"/>
+      </a:effectRef>
+      <a:fontRef idx="minor">
+        <a:schemeClr val="lt1"/>
+      </a:fontRef>
+    </dgm:style>
+  </dgm:styleLbl>
+  <dgm:styleLbl name="parChTrans2D3">
+    <dgm:scene3d>
+      <a:camera prst="orthographicFront"/>
+      <a:lightRig rig="threePt" dir="t"/>
+    </dgm:scene3d>
+    <dgm:sp3d/>
+    <dgm:txPr/>
+    <dgm:style>
+      <a:lnRef idx="1">
+        <a:scrgbClr r="0" g="0" b="0"/>
+      </a:lnRef>
+      <a:fillRef idx="3">
+        <a:scrgbClr r="0" g="0" b="0"/>
+      </a:fillRef>
+      <a:effectRef idx="2">
+        <a:scrgbClr r="0" g="0" b="0"/>
+      </a:effectRef>
+      <a:fontRef idx="minor">
+        <a:schemeClr val="lt1"/>
+      </a:fontRef>
+    </dgm:style>
+  </dgm:styleLbl>
+  <dgm:styleLbl name="parChTrans2D4">
+    <dgm:scene3d>
+      <a:camera prst="orthographicFront"/>
+      <a:lightRig rig="threePt" dir="t"/>
+    </dgm:scene3d>
+    <dgm:sp3d/>
+    <dgm:txPr/>
+    <dgm:style>
+      <a:lnRef idx="1">
+        <a:scrgbClr r="0" g="0" b="0"/>
+      </a:lnRef>
+      <a:fillRef idx="3">
+        <a:scrgbClr r="0" g="0" b="0"/>
+      </a:fillRef>
+      <a:effectRef idx="2">
+        <a:scrgbClr r="0" g="0" b="0"/>
+      </a:effectRef>
+      <a:fontRef idx="minor">
+        <a:schemeClr val="lt1"/>
+      </a:fontRef>
+    </dgm:style>
+  </dgm:styleLbl>
+  <dgm:styleLbl name="parChTrans1D1">
+    <dgm:scene3d>
+      <a:camera prst="orthographicFront"/>
+      <a:lightRig rig="threePt" dir="t"/>
+    </dgm:scene3d>
+    <dgm:sp3d/>
+    <dgm:txPr/>
+    <dgm:style>
+      <a:lnRef idx="1">
+        <a:scrgbClr r="0" g="0" b="0"/>
+      </a:lnRef>
+      <a:fillRef idx="0">
+        <a:scrgbClr r="0" g="0" b="0"/>
+      </a:fillRef>
+      <a:effectRef idx="0">
+        <a:scrgbClr r="0" g="0" b="0"/>
+      </a:effectRef>
+      <a:fontRef idx="minor"/>
+    </dgm:style>
+  </dgm:styleLbl>
+  <dgm:styleLbl name="parChTrans1D2">
+    <dgm:scene3d>
+      <a:camera prst="orthographicFront"/>
+      <a:lightRig rig="threePt" dir="t"/>
+    </dgm:scene3d>
+    <dgm:sp3d/>
+    <dgm:txPr/>
+    <dgm:style>
+      <a:lnRef idx="1">
+        <a:scrgbClr r="0" g="0" b="0"/>
+      </a:lnRef>
+      <a:fillRef idx="0">
+        <a:scrgbClr r="0" g="0" b="0"/>
+      </a:fillRef>
+      <a:effectRef idx="0">
+        <a:scrgbClr r="0" g="0" b="0"/>
+      </a:effectRef>
+      <a:fontRef idx="minor"/>
+    </dgm:style>
+  </dgm:styleLbl>
+  <dgm:styleLbl name="parChTrans1D3">
+    <dgm:scene3d>
+      <a:camera prst="orthographicFront"/>
+      <a:lightRig rig="threePt" dir="t"/>
+    </dgm:scene3d>
+    <dgm:sp3d/>
+    <dgm:txPr/>
+    <dgm:style>
+      <a:lnRef idx="1">
+        <a:scrgbClr r="0" g="0" b="0"/>
+      </a:lnRef>
+      <a:fillRef idx="0">
+        <a:scrgbClr r="0" g="0" b="0"/>
+      </a:fillRef>
+      <a:effectRef idx="0">
+        <a:scrgbClr r="0" g="0" b="0"/>
+      </a:effectRef>
+      <a:fontRef idx="minor"/>
+    </dgm:style>
+  </dgm:styleLbl>
+  <dgm:styleLbl name="parChTrans1D4">
+    <dgm:scene3d>
+      <a:camera prst="orthographicFront"/>
+      <a:lightRig rig="threePt" dir="t"/>
+    </dgm:scene3d>
+    <dgm:sp3d/>
+    <dgm:txPr/>
+    <dgm:style>
+      <a:lnRef idx="1">
+        <a:scrgbClr r="0" g="0" b="0"/>
+      </a:lnRef>
+      <a:fillRef idx="0">
+        <a:scrgbClr r="0" g="0" b="0"/>
+      </a:fillRef>
+      <a:effectRef idx="0">
+        <a:scrgbClr r="0" g="0" b="0"/>
+      </a:effectRef>
+      <a:fontRef idx="minor"/>
+    </dgm:style>
+  </dgm:styleLbl>
+  <dgm:styleLbl name="fgAcc1">
+    <dgm:scene3d>
+      <a:camera prst="orthographicFront"/>
+      <a:lightRig rig="threePt" dir="t"/>
+    </dgm:scene3d>
+    <dgm:sp3d/>
+    <dgm:txPr/>
+    <dgm:style>
+      <a:lnRef idx="1">
+        <a:scrgbClr r="0" g="0" b="0"/>
+      </a:lnRef>
+      <a:fillRef idx="1">
+        <a:scrgbClr r="0" g="0" b="0"/>
+      </a:fillRef>
+      <a:effectRef idx="0">
+        <a:scrgbClr r="0" g="0" b="0"/>
+      </a:effectRef>
+      <a:fontRef idx="minor"/>
+    </dgm:style>
+  </dgm:styleLbl>
+  <dgm:styleLbl name="conFgAcc1">
+    <dgm:scene3d>
+      <a:camera prst="orthographicFront"/>
+      <a:lightRig rig="threePt" dir="t"/>
+    </dgm:scene3d>
+    <dgm:sp3d/>
+    <dgm:txPr/>
+    <dgm:style>
+      <a:lnRef idx="1">
+        <a:scrgbClr r="0" g="0" b="0"/>
+      </a:lnRef>
+      <a:fillRef idx="1">
+        <a:scrgbClr r="0" g="0" b="0"/>
+      </a:fillRef>
+      <a:effectRef idx="0">
+        <a:scrgbClr r="0" g="0" b="0"/>
+      </a:effectRef>
+      <a:fontRef idx="minor"/>
+    </dgm:style>
+  </dgm:styleLbl>
+  <dgm:styleLbl name="alignAcc1">
+    <dgm:scene3d>
+      <a:camera prst="orthographicFront"/>
+      <a:lightRig rig="threePt" dir="t"/>
+    </dgm:scene3d>
+    <dgm:sp3d/>
+    <dgm:txPr/>
+    <dgm:style>
+      <a:lnRef idx="1">
+        <a:scrgbClr r="0" g="0" b="0"/>
+      </a:lnRef>
+      <a:fillRef idx="1">
+        <a:scrgbClr r="0" g="0" b="0"/>
+      </a:fillRef>
+      <a:effectRef idx="0">
+        <a:scrgbClr r="0" g="0" b="0"/>
+      </a:effectRef>
+      <a:fontRef idx="minor"/>
+    </dgm:style>
+  </dgm:styleLbl>
+  <dgm:styleLbl name="trAlignAcc1">
+    <dgm:scene3d>
+      <a:camera prst="orthographicFront"/>
+      <a:lightRig rig="threePt" dir="t"/>
+    </dgm:scene3d>
+    <dgm:sp3d/>
+    <dgm:txPr/>
+    <dgm:style>
+      <a:lnRef idx="1">
+        <a:scrgbClr r="0" g="0" b="0"/>
+      </a:lnRef>
+      <a:fillRef idx="1">
+        <a:scrgbClr r="0" g="0" b="0"/>
+      </a:fillRef>
+      <a:effectRef idx="0">
+        <a:scrgbClr r="0" g="0" b="0"/>
+      </a:effectRef>
+      <a:fontRef idx="minor"/>
+    </dgm:style>
+  </dgm:styleLbl>
+  <dgm:styleLbl name="bgAcc1">
+    <dgm:scene3d>
+      <a:camera prst="orthographicFront"/>
+      <a:lightRig rig="threePt" dir="t"/>
+    </dgm:scene3d>
+    <dgm:sp3d/>
+    <dgm:txPr/>
+    <dgm:style>
+      <a:lnRef idx="1">
+        <a:scrgbClr r="0" g="0" b="0"/>
+      </a:lnRef>
+      <a:fillRef idx="1">
+        <a:scrgbClr r="0" g="0" b="0"/>
+      </a:fillRef>
+      <a:effectRef idx="0">
+        <a:scrgbClr r="0" g="0" b="0"/>
+      </a:effectRef>
+      <a:fontRef idx="minor"/>
+    </dgm:style>
+  </dgm:styleLbl>
+  <dgm:styleLbl name="solidFgAcc1">
+    <dgm:scene3d>
+      <a:camera prst="orthographicFront"/>
+      <a:lightRig rig="threePt" dir="t"/>
+    </dgm:scene3d>
+    <dgm:sp3d/>
+    <dgm:txPr/>
+    <dgm:style>
+      <a:lnRef idx="1">
+        <a:scrgbClr r="0" g="0" b="0"/>
+      </a:lnRef>
+      <a:fillRef idx="1">
+        <a:scrgbClr r="0" g="0" b="0"/>
+      </a:fillRef>
+      <a:effectRef idx="0">
+        <a:scrgbClr r="0" g="0" b="0"/>
+      </a:effectRef>
+      <a:fontRef idx="minor"/>
+    </dgm:style>
+  </dgm:styleLbl>
+  <dgm:styleLbl name="solidAlignAcc1">
+    <dgm:scene3d>
+      <a:camera prst="orthographicFront"/>
+      <a:lightRig rig="threePt" dir="t"/>
+    </dgm:scene3d>
+    <dgm:sp3d/>
+    <dgm:txPr/>
+    <dgm:style>
+      <a:lnRef idx="1">
+        <a:scrgbClr r="0" g="0" b="0"/>
+      </a:lnRef>
+      <a:fillRef idx="1">
+        <a:scrgbClr r="0" g="0" b="0"/>
+      </a:fillRef>
+      <a:effectRef idx="0">
+        <a:scrgbClr r="0" g="0" b="0"/>
+      </a:effectRef>
+      <a:fontRef idx="minor"/>
+    </dgm:style>
+  </dgm:styleLbl>
+  <dgm:styleLbl name="solidBgAcc1">
+    <dgm:scene3d>
+      <a:camera prst="orthographicFront"/>
+      <a:lightRig rig="threePt" dir="t"/>
+    </dgm:scene3d>
+    <dgm:sp3d/>
+    <dgm:txPr/>
+    <dgm:style>
+      <a:lnRef idx="1">
+        <a:scrgbClr r="0" g="0" b="0"/>
+      </a:lnRef>
+      <a:fillRef idx="1">
+        <a:scrgbClr r="0" g="0" b="0"/>
+      </a:fillRef>
+      <a:effectRef idx="0">
+        <a:scrgbClr r="0" g="0" b="0"/>
+      </a:effectRef>
+      <a:fontRef idx="minor"/>
+    </dgm:style>
+  </dgm:styleLbl>
+  <dgm:styleLbl name="fgAccFollowNode1">
+    <dgm:scene3d>
+      <a:camera prst="orthographicFront"/>
+      <a:lightRig rig="threePt" dir="t"/>
+    </dgm:scene3d>
+    <dgm:sp3d/>
+    <dgm:txPr/>
+    <dgm:style>
+      <a:lnRef idx="1">
+        <a:scrgbClr r="0" g="0" b="0"/>
+      </a:lnRef>
+      <a:fillRef idx="1">
+        <a:scrgbClr r="0" g="0" b="0"/>
+      </a:fillRef>
+      <a:effectRef idx="0">
+        <a:scrgbClr r="0" g="0" b="0"/>
+      </a:effectRef>
+      <a:fontRef idx="minor"/>
+    </dgm:style>
+  </dgm:styleLbl>
+  <dgm:styleLbl name="alignAccFollowNode1">
+    <dgm:scene3d>
+      <a:camera prst="orthographicFront"/>
+      <a:lightRig rig="threePt" dir="t"/>
+    </dgm:scene3d>
+    <dgm:sp3d/>
+    <dgm:txPr/>
+    <dgm:style>
+      <a:lnRef idx="1">
+        <a:scrgbClr r="0" g="0" b="0"/>
+      </a:lnRef>
+      <a:fillRef idx="1">
+        <a:scrgbClr r="0" g="0" b="0"/>
+      </a:fillRef>
+      <a:effectRef idx="0">
+        <a:scrgbClr r="0" g="0" b="0"/>
+      </a:effectRef>
+      <a:fontRef idx="minor"/>
+    </dgm:style>
+  </dgm:styleLbl>
+  <dgm:styleLbl name="bgAccFollowNode1">
+    <dgm:scene3d>
+      <a:camera prst="orthographicFront"/>
+      <a:lightRig rig="threePt" dir="t"/>
+    </dgm:scene3d>
+    <dgm:sp3d/>
+    <dgm:txPr/>
+    <dgm:style>
+      <a:lnRef idx="1">
+        <a:scrgbClr r="0" g="0" b="0"/>
+      </a:lnRef>
+      <a:fillRef idx="1">
+        <a:scrgbClr r="0" g="0" b="0"/>
+      </a:fillRef>
+      <a:effectRef idx="0">
+        <a:scrgbClr r="0" g="0" b="0"/>
+      </a:effectRef>
+      <a:fontRef idx="minor"/>
+    </dgm:style>
+  </dgm:styleLbl>
+  <dgm:styleLbl name="fgAcc0">
+    <dgm:scene3d>
+      <a:camera prst="orthographicFront"/>
+      <a:lightRig rig="threePt" dir="t"/>
+    </dgm:scene3d>
+    <dgm:sp3d/>
+    <dgm:txPr/>
+    <dgm:style>
+      <a:lnRef idx="1">
+        <a:scrgbClr r="0" g="0" b="0"/>
+      </a:lnRef>
+      <a:fillRef idx="1">
+        <a:scrgbClr r="0" g="0" b="0"/>
+      </a:fillRef>
+      <a:effectRef idx="0">
+        <a:scrgbClr r="0" g="0" b="0"/>
+      </a:effectRef>
+      <a:fontRef idx="minor"/>
+    </dgm:style>
+  </dgm:styleLbl>
+  <dgm:styleLbl name="fgAcc2">
+    <dgm:scene3d>
+      <a:camera prst="orthographicFront"/>
+      <a:lightRig rig="threePt" dir="t"/>
+    </dgm:scene3d>
+    <dgm:sp3d/>
+    <dgm:txPr/>
+    <dgm:style>
+      <a:lnRef idx="1">
+        <a:scrgbClr r="0" g="0" b="0"/>
+      </a:lnRef>
+      <a:fillRef idx="1">
+        <a:scrgbClr r="0" g="0" b="0"/>
+      </a:fillRef>
+      <a:effectRef idx="0">
+        <a:scrgbClr r="0" g="0" b="0"/>
+      </a:effectRef>
+      <a:fontRef idx="minor"/>
+    </dgm:style>
+  </dgm:styleLbl>
+  <dgm:styleLbl name="fgAcc3">
+    <dgm:scene3d>
+      <a:camera prst="orthographicFront"/>
+      <a:lightRig rig="threePt" dir="t"/>
+    </dgm:scene3d>
+    <dgm:sp3d/>
+    <dgm:txPr/>
+    <dgm:style>
+      <a:lnRef idx="1">
+        <a:scrgbClr r="0" g="0" b="0"/>
+      </a:lnRef>
+      <a:fillRef idx="1">
+        <a:scrgbClr r="0" g="0" b="0"/>
+      </a:fillRef>
+      <a:effectRef idx="0">
+        <a:scrgbClr r="0" g="0" b="0"/>
+      </a:effectRef>
+      <a:fontRef idx="minor"/>
+    </dgm:style>
+  </dgm:styleLbl>
+  <dgm:styleLbl name="fgAcc4">
+    <dgm:scene3d>
+      <a:camera prst="orthographicFront"/>
+      <a:lightRig rig="threePt" dir="t"/>
+    </dgm:scene3d>
+    <dgm:sp3d/>
+    <dgm:txPr/>
+    <dgm:style>
+      <a:lnRef idx="1">
+        <a:scrgbClr r="0" g="0" b="0"/>
+      </a:lnRef>
+      <a:fillRef idx="1">
+        <a:scrgbClr r="0" g="0" b="0"/>
+      </a:fillRef>
+      <a:effectRef idx="0">
+        <a:scrgbClr r="0" g="0" b="0"/>
+      </a:effectRef>
+      <a:fontRef idx="minor"/>
+    </dgm:style>
+  </dgm:styleLbl>
+  <dgm:styleLbl name="bgShp">
+    <dgm:scene3d>
+      <a:camera prst="orthographicFront"/>
+      <a:lightRig rig="threePt" dir="t"/>
+    </dgm:scene3d>
+    <dgm:sp3d/>
+    <dgm:txPr/>
+    <dgm:style>
+      <a:lnRef idx="0">
+        <a:scrgbClr r="0" g="0" b="0"/>
+      </a:lnRef>
+      <a:fillRef idx="1">
+        <a:scrgbClr r="0" g="0" b="0"/>
+      </a:fillRef>
+      <a:effectRef idx="2">
+        <a:scrgbClr r="0" g="0" b="0"/>
+      </a:effectRef>
+      <a:fontRef idx="minor"/>
+    </dgm:style>
+  </dgm:styleLbl>
+  <dgm:styleLbl name="dkBgShp">
+    <dgm:scene3d>
+      <a:camera prst="orthographicFront"/>
+      <a:lightRig rig="threePt" dir="t"/>
+    </dgm:scene3d>
+    <dgm:sp3d/>
+    <dgm:txPr/>
+    <dgm:style>
+      <a:lnRef idx="0">
+        <a:scrgbClr r="0" g="0" b="0"/>
+      </a:lnRef>
+      <a:fillRef idx="1">
+        <a:scrgbClr r="0" g="0" b="0"/>
+      </a:fillRef>
+      <a:effectRef idx="2">
+        <a:scrgbClr r="0" g="0" b="0"/>
+      </a:effectRef>
+      <a:fontRef idx="minor"/>
+    </dgm:style>
+  </dgm:styleLbl>
+  <dgm:styleLbl name="trBgShp">
+    <dgm:scene3d>
+      <a:camera prst="orthographicFront"/>
+      <a:lightRig rig="threePt" dir="t"/>
+    </dgm:scene3d>
+    <dgm:sp3d/>
+    <dgm:txPr/>
+    <dgm:style>
+      <a:lnRef idx="0">
+        <a:scrgbClr r="0" g="0" b="0"/>
+      </a:lnRef>
+      <a:fillRef idx="1">
+        <a:scrgbClr r="0" g="0" b="0"/>
+      </a:fillRef>
+      <a:effectRef idx="0">
+        <a:scrgbClr r="0" g="0" b="0"/>
+      </a:effectRef>
+      <a:fontRef idx="minor"/>
+    </dgm:style>
+  </dgm:styleLbl>
+  <dgm:styleLbl name="fgShp">
+    <dgm:scene3d>
+      <a:camera prst="orthographicFront"/>
+      <a:lightRig rig="threePt" dir="t"/>
+    </dgm:scene3d>
+    <dgm:sp3d/>
+    <dgm:txPr/>
+    <dgm:style>
+      <a:lnRef idx="0">
+        <a:scrgbClr r="0" g="0" b="0"/>
+      </a:lnRef>
+      <a:fillRef idx="3">
+        <a:scrgbClr r="0" g="0" b="0"/>
+      </a:fillRef>
+      <a:effectRef idx="2">
+        <a:scrgbClr r="0" g="0" b="0"/>
+      </a:effectRef>
+      <a:fontRef idx="minor"/>
+    </dgm:style>
+  </dgm:styleLbl>
+  <dgm:styleLbl name="revTx">
+    <dgm:scene3d>
+      <a:camera prst="orthographicFront"/>
+      <a:lightRig rig="threePt" dir="t"/>
+    </dgm:scene3d>
+    <dgm:sp3d/>
+    <dgm:txPr/>
+    <dgm:style>
+      <a:lnRef idx="0">
+        <a:scrgbClr r="0" g="0" b="0"/>
+      </a:lnRef>
+      <a:fillRef idx="0">
+        <a:scrgbClr r="0" g="0" b="0"/>
+      </a:fillRef>
+      <a:effectRef idx="0">
+        <a:scrgbClr r="0" g="0" b="0"/>
+      </a:effectRef>
+      <a:fontRef idx="minor"/>
+    </dgm:style>
+  </dgm:styleLbl>
+</dgm:styleDef>
+</file>
+
+<file path=ppt/diagrams/quickStyle5.xml><?xml version="1.0" encoding="utf-8"?>
 <dgm:styleDef xmlns:dgm="http://schemas.openxmlformats.org/drawingml/2006/diagram" xmlns:a="http://schemas.openxmlformats.org/drawingml/2006/main" uniqueId="urn:microsoft.com/office/officeart/2005/8/quickstyle/simple1">
   <dgm:title val=""/>
   <dgm:desc val=""/>
@@ -13338,7 +15945,7 @@
           <a:p>
             <a:fld id="{9A3872D6-F9DE-D746-BA47-48E20125A7C5}" type="datetimeFigureOut">
               <a:rPr lang="en-US" smtClean="0"/>
-              <a:t>4/19/2019</a:t>
+              <a:t>4/22/2019</a:t>
             </a:fld>
             <a:endParaRPr lang="en-US"/>
           </a:p>
@@ -14021,7 +16628,7 @@
             <a:fld id="{B61BEF0D-F0BB-DE4B-95CE-6DB70DBA9567}" type="datetimeFigureOut">
               <a:rPr lang="en-US" smtClean="0"/>
               <a:pPr/>
-              <a:t>4/19/2019</a:t>
+              <a:t>4/22/2019</a:t>
             </a:fld>
             <a:endParaRPr lang="en-US" dirty="0"/>
           </a:p>
@@ -14193,7 +16800,7 @@
             <a:fld id="{B61BEF0D-F0BB-DE4B-95CE-6DB70DBA9567}" type="datetimeFigureOut">
               <a:rPr lang="en-US" smtClean="0"/>
               <a:pPr/>
-              <a:t>4/19/2019</a:t>
+              <a:t>4/22/2019</a:t>
             </a:fld>
             <a:endParaRPr lang="en-US" dirty="0"/>
           </a:p>
@@ -14375,7 +16982,7 @@
             <a:fld id="{B61BEF0D-F0BB-DE4B-95CE-6DB70DBA9567}" type="datetimeFigureOut">
               <a:rPr lang="en-US" smtClean="0"/>
               <a:pPr/>
-              <a:t>4/19/2019</a:t>
+              <a:t>4/22/2019</a:t>
             </a:fld>
             <a:endParaRPr lang="en-US" dirty="0"/>
           </a:p>
@@ -14547,7 +17154,7 @@
             <a:fld id="{B61BEF0D-F0BB-DE4B-95CE-6DB70DBA9567}" type="datetimeFigureOut">
               <a:rPr lang="en-US" smtClean="0"/>
               <a:pPr/>
-              <a:t>4/19/2019</a:t>
+              <a:t>4/22/2019</a:t>
             </a:fld>
             <a:endParaRPr lang="en-US" dirty="0"/>
           </a:p>
@@ -14817,7 +17424,7 @@
             <a:fld id="{B61BEF0D-F0BB-DE4B-95CE-6DB70DBA9567}" type="datetimeFigureOut">
               <a:rPr lang="en-US" smtClean="0"/>
               <a:pPr/>
-              <a:t>4/19/2019</a:t>
+              <a:t>4/22/2019</a:t>
             </a:fld>
             <a:endParaRPr lang="en-US" dirty="0"/>
           </a:p>
@@ -15051,7 +17658,7 @@
             <a:fld id="{B61BEF0D-F0BB-DE4B-95CE-6DB70DBA9567}" type="datetimeFigureOut">
               <a:rPr lang="en-US" smtClean="0"/>
               <a:pPr/>
-              <a:t>4/19/2019</a:t>
+              <a:t>4/22/2019</a:t>
             </a:fld>
             <a:endParaRPr lang="en-US" dirty="0"/>
           </a:p>
@@ -15412,7 +18019,7 @@
             <a:fld id="{B61BEF0D-F0BB-DE4B-95CE-6DB70DBA9567}" type="datetimeFigureOut">
               <a:rPr lang="en-US" smtClean="0"/>
               <a:pPr/>
-              <a:t>4/19/2019</a:t>
+              <a:t>4/22/2019</a:t>
             </a:fld>
             <a:endParaRPr lang="en-US" dirty="0"/>
           </a:p>
@@ -15555,7 +18162,7 @@
             <a:fld id="{B61BEF0D-F0BB-DE4B-95CE-6DB70DBA9567}" type="datetimeFigureOut">
               <a:rPr lang="en-US" smtClean="0"/>
               <a:pPr/>
-              <a:t>4/19/2019</a:t>
+              <a:t>4/22/2019</a:t>
             </a:fld>
             <a:endParaRPr lang="en-US" dirty="0"/>
           </a:p>
@@ -15652,7 +18259,7 @@
             <a:fld id="{B61BEF0D-F0BB-DE4B-95CE-6DB70DBA9567}" type="datetimeFigureOut">
               <a:rPr lang="en-US" smtClean="0"/>
               <a:pPr/>
-              <a:t>4/19/2019</a:t>
+              <a:t>4/22/2019</a:t>
             </a:fld>
             <a:endParaRPr lang="en-US" dirty="0"/>
           </a:p>
@@ -16011,7 +18618,7 @@
             <a:fld id="{B61BEF0D-F0BB-DE4B-95CE-6DB70DBA9567}" type="datetimeFigureOut">
               <a:rPr lang="en-US" smtClean="0"/>
               <a:pPr/>
-              <a:t>4/19/2019</a:t>
+              <a:t>4/22/2019</a:t>
             </a:fld>
             <a:endParaRPr lang="en-US" dirty="0"/>
           </a:p>
@@ -16370,7 +18977,7 @@
             <a:fld id="{B61BEF0D-F0BB-DE4B-95CE-6DB70DBA9567}" type="datetimeFigureOut">
               <a:rPr lang="en-US" smtClean="0"/>
               <a:pPr/>
-              <a:t>4/19/2019</a:t>
+              <a:t>4/22/2019</a:t>
             </a:fld>
             <a:endParaRPr lang="en-US" dirty="0"/>
           </a:p>
@@ -16614,7 +19221,7 @@
             <a:fld id="{B61BEF0D-F0BB-DE4B-95CE-6DB70DBA9567}" type="datetimeFigureOut">
               <a:rPr lang="en-US" smtClean="0"/>
               <a:pPr/>
-              <a:t>4/19/2019</a:t>
+              <a:t>4/22/2019</a:t>
             </a:fld>
             <a:endParaRPr lang="en-US" dirty="0"/>
           </a:p>
@@ -17293,10 +19900,10 @@
       </p:grpSpPr>
       <p:sp>
         <p:nvSpPr>
-          <p:cNvPr id="2" name="Title 1">
+          <p:cNvPr id="4" name="Title 3">
             <a:extLst>
               <a:ext uri="{FF2B5EF4-FFF2-40B4-BE49-F238E27FC236}">
-                <a16:creationId xmlns:a16="http://schemas.microsoft.com/office/drawing/2014/main" id="{96B063E8-BD2F-48B5-8049-D76EF68C9F49}"/>
+                <a16:creationId xmlns:a16="http://schemas.microsoft.com/office/drawing/2014/main" id="{82573866-1394-42CC-AC8A-175AD96CA7A2}"/>
               </a:ext>
             </a:extLst>
           </p:cNvPr>
@@ -17314,17 +19921,17 @@
           <a:p>
             <a:r>
               <a:rPr lang="en-US" dirty="0"/>
-              <a:t>Senators Results</a:t>
+              <a:t>Evaluation Results</a:t>
             </a:r>
           </a:p>
         </p:txBody>
       </p:sp>
       <p:sp>
         <p:nvSpPr>
-          <p:cNvPr id="3" name="Content Placeholder 2">
+          <p:cNvPr id="5" name="Text Placeholder 4">
             <a:extLst>
               <a:ext uri="{FF2B5EF4-FFF2-40B4-BE49-F238E27FC236}">
-                <a16:creationId xmlns:a16="http://schemas.microsoft.com/office/drawing/2014/main" id="{575A31CF-0941-41B2-8A2A-AE6F558AC5E4}"/>
+                <a16:creationId xmlns:a16="http://schemas.microsoft.com/office/drawing/2014/main" id="{B13C0CF6-5224-4C0A-94C8-9CEE7406D54A}"/>
               </a:ext>
             </a:extLst>
           </p:cNvPr>
@@ -17332,7 +19939,7 @@
             <a:spLocks noGrp="1"/>
           </p:cNvSpPr>
           <p:nvPr>
-            <p:ph idx="1"/>
+            <p:ph type="body" idx="1"/>
           </p:nvPr>
         </p:nvSpPr>
         <p:spPr/>
@@ -17340,14 +19947,14 @@
           <a:bodyPr/>
           <a:lstStyle/>
           <a:p>
-            <a:endParaRPr lang="en-US" dirty="0"/>
+            <a:endParaRPr lang="en-US"/>
           </a:p>
         </p:txBody>
       </p:sp>
     </p:spTree>
     <p:extLst>
       <p:ext uri="{BB962C8B-B14F-4D97-AF65-F5344CB8AC3E}">
-        <p14:creationId xmlns:p14="http://schemas.microsoft.com/office/powerpoint/2010/main" val="4107326430"/>
+        <p14:creationId xmlns:p14="http://schemas.microsoft.com/office/powerpoint/2010/main" val="390796676"/>
       </p:ext>
     </p:extLst>
   </p:cSld>
@@ -17360,6 +19967,14 @@
 <file path=ppt/slides/slide11.xml><?xml version="1.0" encoding="utf-8"?>
 <p:sld xmlns:a="http://schemas.openxmlformats.org/drawingml/2006/main" xmlns:r="http://schemas.openxmlformats.org/officeDocument/2006/relationships" xmlns:p="http://schemas.openxmlformats.org/presentationml/2006/main">
   <p:cSld>
+    <p:bg>
+      <p:bgPr>
+        <a:solidFill>
+          <a:schemeClr val="accent2"/>
+        </a:solidFill>
+        <a:effectLst/>
+      </p:bgPr>
+    </p:bg>
     <p:spTree>
       <p:nvGrpSpPr>
         <p:cNvPr id="1" name=""/>
@@ -17376,6 +19991,69 @@
       </p:grpSpPr>
       <p:sp>
         <p:nvSpPr>
+          <p:cNvPr id="27" name="Rectangle 26">
+            <a:extLst>
+              <a:ext uri="{FF2B5EF4-FFF2-40B4-BE49-F238E27FC236}">
+                <a16:creationId xmlns:a16="http://schemas.microsoft.com/office/drawing/2014/main" id="{E9F26AF7-9AC1-49A4-8F89-2C63E1C0A0BB}"/>
+              </a:ext>
+              <a:ext uri="{C183D7F6-B498-43B3-948B-1728B52AA6E4}">
+                <adec:decorative xmlns:adec="http://schemas.microsoft.com/office/drawing/2017/decorative" val="1"/>
+              </a:ext>
+            </a:extLst>
+          </p:cNvPr>
+          <p:cNvSpPr>
+            <a:spLocks noGrp="1" noRot="1" noChangeAspect="1" noMove="1" noResize="1" noEditPoints="1" noAdjustHandles="1" noChangeArrowheads="1" noChangeShapeType="1" noTextEdit="1"/>
+          </p:cNvSpPr>
+          <p:nvPr>
+            <p:extLst>
+              <p:ext uri="{386F3935-93C4-4BCD-93E2-E3B085C9AB24}">
+                <p16:designElem xmlns:p16="http://schemas.microsoft.com/office/powerpoint/2015/main" val="1"/>
+              </p:ext>
+            </p:extLst>
+          </p:nvPr>
+        </p:nvSpPr>
+        <p:spPr>
+          <a:xfrm>
+            <a:off x="0" y="-2"/>
+            <a:ext cx="12192000" cy="4918511"/>
+          </a:xfrm>
+          <a:prstGeom prst="rect">
+            <a:avLst/>
+          </a:prstGeom>
+          <a:solidFill>
+            <a:srgbClr val="FFFFFF"/>
+          </a:solidFill>
+          <a:ln>
+            <a:noFill/>
+          </a:ln>
+        </p:spPr>
+        <p:style>
+          <a:lnRef idx="2">
+            <a:schemeClr val="accent1">
+              <a:shade val="50000"/>
+            </a:schemeClr>
+          </a:lnRef>
+          <a:fillRef idx="1">
+            <a:schemeClr val="accent1"/>
+          </a:fillRef>
+          <a:effectRef idx="0">
+            <a:schemeClr val="accent1"/>
+          </a:effectRef>
+          <a:fontRef idx="minor">
+            <a:schemeClr val="lt1"/>
+          </a:fontRef>
+        </p:style>
+        <p:txBody>
+          <a:bodyPr rtlCol="0" anchor="ctr"/>
+          <a:lstStyle/>
+          <a:p>
+            <a:pPr algn="ctr"/>
+            <a:endParaRPr lang="en-US"/>
+          </a:p>
+        </p:txBody>
+      </p:sp>
+      <p:sp>
+        <p:nvSpPr>
           <p:cNvPr id="2" name="Title 1">
             <a:extLst>
               <a:ext uri="{FF2B5EF4-FFF2-40B4-BE49-F238E27FC236}">
@@ -17390,47 +20068,96 @@
             <p:ph type="title"/>
           </p:nvPr>
         </p:nvSpPr>
-        <p:spPr/>
+        <p:spPr>
+          <a:xfrm>
+            <a:off x="1600200" y="4269282"/>
+            <a:ext cx="8991600" cy="1264762"/>
+          </a:xfrm>
+          <a:prstGeom prst="roundRect">
+            <a:avLst>
+              <a:gd name="adj" fmla="val 14141"/>
+            </a:avLst>
+          </a:prstGeom>
+        </p:spPr>
         <p:txBody>
-          <a:bodyPr/>
+          <a:bodyPr vert="horz" lIns="274320" tIns="182880" rIns="274320" bIns="182880" rtlCol="0" anchor="ctr" anchorCtr="1">
+            <a:normAutofit/>
+          </a:bodyPr>
           <a:lstStyle/>
           <a:p>
             <a:r>
-              <a:rPr lang="en-US" dirty="0"/>
+              <a:rPr lang="en-US" sz="3200"/>
               <a:t>Senators Results</a:t>
             </a:r>
           </a:p>
         </p:txBody>
       </p:sp>
-      <p:sp>
-        <p:nvSpPr>
-          <p:cNvPr id="3" name="Content Placeholder 2">
+      <p:pic>
+        <p:nvPicPr>
+          <p:cNvPr id="15" name="Picture 14">
             <a:extLst>
               <a:ext uri="{FF2B5EF4-FFF2-40B4-BE49-F238E27FC236}">
-                <a16:creationId xmlns:a16="http://schemas.microsoft.com/office/drawing/2014/main" id="{575A31CF-0941-41B2-8A2A-AE6F558AC5E4}"/>
+                <a16:creationId xmlns:a16="http://schemas.microsoft.com/office/drawing/2014/main" id="{CEE1B656-2C0E-4FE6-A917-38D043787AF7}"/>
               </a:ext>
             </a:extLst>
           </p:cNvPr>
-          <p:cNvSpPr>
-            <a:spLocks noGrp="1"/>
-          </p:cNvSpPr>
+          <p:cNvPicPr>
+            <a:picLocks noChangeAspect="1"/>
+          </p:cNvPicPr>
+          <p:nvPr/>
+        </p:nvPicPr>
+        <p:blipFill>
+          <a:blip r:embed="rId2"/>
+          <a:stretch>
+            <a:fillRect/>
+          </a:stretch>
+        </p:blipFill>
+        <p:spPr>
+          <a:xfrm>
+            <a:off x="6096000" y="318033"/>
+            <a:ext cx="5196840" cy="3650779"/>
+          </a:xfrm>
+          <a:prstGeom prst="rect">
+            <a:avLst/>
+          </a:prstGeom>
+        </p:spPr>
+      </p:pic>
+      <p:pic>
+        <p:nvPicPr>
+          <p:cNvPr id="13" name="Content Placeholder 12">
+            <a:extLst>
+              <a:ext uri="{FF2B5EF4-FFF2-40B4-BE49-F238E27FC236}">
+                <a16:creationId xmlns:a16="http://schemas.microsoft.com/office/drawing/2014/main" id="{E0D17517-1926-4AB9-B23E-999CE74827B4}"/>
+              </a:ext>
+            </a:extLst>
+          </p:cNvPr>
+          <p:cNvPicPr>
+            <a:picLocks noGrp="1" noChangeAspect="1"/>
+          </p:cNvPicPr>
           <p:nvPr>
             <p:ph idx="1"/>
           </p:nvPr>
-        </p:nvSpPr>
-        <p:spPr/>
-        <p:txBody>
-          <a:bodyPr/>
-          <a:lstStyle/>
-          <a:p>
-            <a:endParaRPr lang="en-US" dirty="0"/>
-          </a:p>
-        </p:txBody>
-      </p:sp>
+        </p:nvPicPr>
+        <p:blipFill>
+          <a:blip r:embed="rId3"/>
+          <a:stretch>
+            <a:fillRect/>
+          </a:stretch>
+        </p:blipFill>
+        <p:spPr>
+          <a:xfrm>
+            <a:off x="299485" y="534390"/>
+            <a:ext cx="5472120" cy="3132789"/>
+          </a:xfrm>
+          <a:prstGeom prst="rect">
+            <a:avLst/>
+          </a:prstGeom>
+        </p:spPr>
+      </p:pic>
     </p:spTree>
     <p:extLst>
       <p:ext uri="{BB962C8B-B14F-4D97-AF65-F5344CB8AC3E}">
-        <p14:creationId xmlns:p14="http://schemas.microsoft.com/office/powerpoint/2010/main" val="1672773888"/>
+        <p14:creationId xmlns:p14="http://schemas.microsoft.com/office/powerpoint/2010/main" val="4107326430"/>
       </p:ext>
     </p:extLst>
   </p:cSld>
@@ -17513,7 +20240,7 @@
     </p:spTree>
     <p:extLst>
       <p:ext uri="{BB962C8B-B14F-4D97-AF65-F5344CB8AC3E}">
-        <p14:creationId xmlns:p14="http://schemas.microsoft.com/office/powerpoint/2010/main" val="4230745583"/>
+        <p14:creationId xmlns:p14="http://schemas.microsoft.com/office/powerpoint/2010/main" val="1672773888"/>
       </p:ext>
     </p:extLst>
   </p:cSld>
@@ -17609,6 +20336,365 @@
 <file path=ppt/slides/slide14.xml><?xml version="1.0" encoding="utf-8"?>
 <p:sld xmlns:a="http://schemas.openxmlformats.org/drawingml/2006/main" xmlns:r="http://schemas.openxmlformats.org/officeDocument/2006/relationships" xmlns:p="http://schemas.openxmlformats.org/presentationml/2006/main">
   <p:cSld>
+    <p:bg>
+      <p:bgPr>
+        <a:solidFill>
+          <a:schemeClr val="bg1">
+            <a:lumMod val="95000"/>
+          </a:schemeClr>
+        </a:solidFill>
+        <a:effectLst/>
+      </p:bgPr>
+    </p:bg>
+    <p:spTree>
+      <p:nvGrpSpPr>
+        <p:cNvPr id="1" name=""/>
+        <p:cNvGrpSpPr/>
+        <p:nvPr/>
+      </p:nvGrpSpPr>
+      <p:grpSpPr>
+        <a:xfrm>
+          <a:off x="0" y="0"/>
+          <a:ext cx="0" cy="0"/>
+          <a:chOff x="0" y="0"/>
+          <a:chExt cx="0" cy="0"/>
+        </a:xfrm>
+      </p:grpSpPr>
+      <p:sp>
+        <p:nvSpPr>
+          <p:cNvPr id="10" name="Oval 9">
+            <a:extLst>
+              <a:ext uri="{FF2B5EF4-FFF2-40B4-BE49-F238E27FC236}">
+                <a16:creationId xmlns:a16="http://schemas.microsoft.com/office/drawing/2014/main" id="{BAC87F6E-526A-49B5-995D-42DB656594C9}"/>
+              </a:ext>
+              <a:ext uri="{C183D7F6-B498-43B3-948B-1728B52AA6E4}">
+                <adec:decorative xmlns:adec="http://schemas.microsoft.com/office/drawing/2017/decorative" val="1"/>
+              </a:ext>
+            </a:extLst>
+          </p:cNvPr>
+          <p:cNvSpPr>
+            <a:spLocks noGrp="1" noRot="1" noChangeAspect="1" noMove="1" noResize="1" noEditPoints="1" noAdjustHandles="1" noChangeArrowheads="1" noChangeShapeType="1" noTextEdit="1"/>
+          </p:cNvSpPr>
+          <p:nvPr>
+            <p:extLst>
+              <p:ext uri="{386F3935-93C4-4BCD-93E2-E3B085C9AB24}">
+                <p16:designElem xmlns:p16="http://schemas.microsoft.com/office/powerpoint/2015/main" val="1"/>
+              </p:ext>
+            </p:extLst>
+          </p:nvPr>
+        </p:nvSpPr>
+        <p:spPr>
+          <a:xfrm>
+            <a:off x="977894" y="1443035"/>
+            <a:ext cx="3971932" cy="3971930"/>
+          </a:xfrm>
+          <a:prstGeom prst="ellipse">
+            <a:avLst/>
+          </a:prstGeom>
+          <a:solidFill>
+            <a:srgbClr val="FFFFFF"/>
+          </a:solidFill>
+          <a:ln w="31750">
+            <a:solidFill>
+              <a:schemeClr val="accent2"/>
+            </a:solidFill>
+          </a:ln>
+        </p:spPr>
+        <p:style>
+          <a:lnRef idx="2">
+            <a:schemeClr val="accent1">
+              <a:shade val="50000"/>
+            </a:schemeClr>
+          </a:lnRef>
+          <a:fillRef idx="1">
+            <a:schemeClr val="accent1"/>
+          </a:fillRef>
+          <a:effectRef idx="0">
+            <a:schemeClr val="accent1"/>
+          </a:effectRef>
+          <a:fontRef idx="minor">
+            <a:schemeClr val="lt1"/>
+          </a:fontRef>
+        </p:style>
+        <p:txBody>
+          <a:bodyPr rtlCol="0" anchor="ctr"/>
+          <a:lstStyle/>
+          <a:p>
+            <a:pPr algn="ctr"/>
+            <a:endParaRPr lang="en-US"/>
+          </a:p>
+        </p:txBody>
+      </p:sp>
+      <p:sp>
+        <p:nvSpPr>
+          <p:cNvPr id="4" name="Title 3">
+            <a:extLst>
+              <a:ext uri="{FF2B5EF4-FFF2-40B4-BE49-F238E27FC236}">
+                <a16:creationId xmlns:a16="http://schemas.microsoft.com/office/drawing/2014/main" id="{45193367-46D4-45B4-BEAE-F705A6CDC89D}"/>
+              </a:ext>
+            </a:extLst>
+          </p:cNvPr>
+          <p:cNvSpPr>
+            <a:spLocks noGrp="1"/>
+          </p:cNvSpPr>
+          <p:nvPr>
+            <p:ph type="title"/>
+          </p:nvPr>
+        </p:nvSpPr>
+        <p:spPr>
+          <a:xfrm>
+            <a:off x="1121344" y="1586484"/>
+            <a:ext cx="3685032" cy="3685032"/>
+          </a:xfrm>
+          <a:prstGeom prst="ellipse">
+            <a:avLst/>
+          </a:prstGeom>
+          <a:solidFill>
+            <a:schemeClr val="accent2"/>
+          </a:solidFill>
+          <a:ln>
+            <a:noFill/>
+          </a:ln>
+        </p:spPr>
+        <p:txBody>
+          <a:bodyPr>
+            <a:normAutofit/>
+          </a:bodyPr>
+          <a:lstStyle/>
+          <a:p>
+            <a:r>
+              <a:rPr lang="en-US" sz="2300">
+                <a:solidFill>
+                  <a:srgbClr val="FFFFFF"/>
+                </a:solidFill>
+              </a:rPr>
+              <a:t>Conclusion</a:t>
+            </a:r>
+          </a:p>
+        </p:txBody>
+      </p:sp>
+      <p:sp>
+        <p:nvSpPr>
+          <p:cNvPr id="12" name="Rectangle 11">
+            <a:extLst>
+              <a:ext uri="{FF2B5EF4-FFF2-40B4-BE49-F238E27FC236}">
+                <a16:creationId xmlns:a16="http://schemas.microsoft.com/office/drawing/2014/main" id="{5E5436DB-4E8B-43A5-AE55-1C527B62E203}"/>
+              </a:ext>
+              <a:ext uri="{C183D7F6-B498-43B3-948B-1728B52AA6E4}">
+                <adec:decorative xmlns:adec="http://schemas.microsoft.com/office/drawing/2017/decorative" val="1"/>
+              </a:ext>
+            </a:extLst>
+          </p:cNvPr>
+          <p:cNvSpPr>
+            <a:spLocks noGrp="1" noRot="1" noChangeAspect="1" noMove="1" noResize="1" noEditPoints="1" noAdjustHandles="1" noChangeArrowheads="1" noChangeShapeType="1" noTextEdit="1"/>
+          </p:cNvSpPr>
+          <p:nvPr>
+            <p:extLst>
+              <p:ext uri="{386F3935-93C4-4BCD-93E2-E3B085C9AB24}">
+                <p16:designElem xmlns:p16="http://schemas.microsoft.com/office/powerpoint/2015/main" val="1"/>
+              </p:ext>
+            </p:extLst>
+          </p:nvPr>
+        </p:nvSpPr>
+        <p:spPr>
+          <a:xfrm>
+            <a:off x="5618743" y="797433"/>
+            <a:ext cx="5934456" cy="5263134"/>
+          </a:xfrm>
+          <a:prstGeom prst="rect">
+            <a:avLst/>
+          </a:prstGeom>
+          <a:noFill/>
+          <a:ln w="31750" cap="sq">
+            <a:solidFill>
+              <a:srgbClr val="FFFFFF"/>
+            </a:solidFill>
+            <a:miter lim="800000"/>
+          </a:ln>
+        </p:spPr>
+        <p:style>
+          <a:lnRef idx="2">
+            <a:schemeClr val="accent1">
+              <a:shade val="50000"/>
+            </a:schemeClr>
+          </a:lnRef>
+          <a:fillRef idx="1">
+            <a:schemeClr val="accent1"/>
+          </a:fillRef>
+          <a:effectRef idx="0">
+            <a:schemeClr val="accent1"/>
+          </a:effectRef>
+          <a:fontRef idx="minor">
+            <a:schemeClr val="lt1"/>
+          </a:fontRef>
+        </p:style>
+        <p:txBody>
+          <a:bodyPr rtlCol="0" anchor="ctr"/>
+          <a:lstStyle/>
+          <a:p>
+            <a:pPr algn="ctr"/>
+            <a:endParaRPr lang="en-US" dirty="0"/>
+          </a:p>
+        </p:txBody>
+      </p:sp>
+      <p:sp>
+        <p:nvSpPr>
+          <p:cNvPr id="14" name="Rectangle 13">
+            <a:extLst>
+              <a:ext uri="{FF2B5EF4-FFF2-40B4-BE49-F238E27FC236}">
+                <a16:creationId xmlns:a16="http://schemas.microsoft.com/office/drawing/2014/main" id="{0D65299F-028F-4AFC-B46A-8DB33E20FE4A}"/>
+              </a:ext>
+              <a:ext uri="{C183D7F6-B498-43B3-948B-1728B52AA6E4}">
+                <adec:decorative xmlns:adec="http://schemas.microsoft.com/office/drawing/2017/decorative" val="1"/>
+              </a:ext>
+            </a:extLst>
+          </p:cNvPr>
+          <p:cNvSpPr>
+            <a:spLocks noGrp="1" noRot="1" noChangeAspect="1" noMove="1" noResize="1" noEditPoints="1" noAdjustHandles="1" noChangeArrowheads="1" noChangeShapeType="1" noTextEdit="1"/>
+          </p:cNvSpPr>
+          <p:nvPr>
+            <p:extLst>
+              <p:ext uri="{386F3935-93C4-4BCD-93E2-E3B085C9AB24}">
+                <p16:designElem xmlns:p16="http://schemas.microsoft.com/office/powerpoint/2015/main" val="1"/>
+              </p:ext>
+            </p:extLst>
+          </p:nvPr>
+        </p:nvSpPr>
+        <p:spPr>
+          <a:xfrm>
+            <a:off x="5783335" y="960120"/>
+            <a:ext cx="5605272" cy="4937760"/>
+          </a:xfrm>
+          <a:prstGeom prst="rect">
+            <a:avLst/>
+          </a:prstGeom>
+          <a:solidFill>
+            <a:srgbClr val="FFFFFF"/>
+          </a:solidFill>
+          <a:ln>
+            <a:noFill/>
+          </a:ln>
+        </p:spPr>
+        <p:style>
+          <a:lnRef idx="2">
+            <a:schemeClr val="accent1">
+              <a:shade val="50000"/>
+            </a:schemeClr>
+          </a:lnRef>
+          <a:fillRef idx="1">
+            <a:schemeClr val="accent1"/>
+          </a:fillRef>
+          <a:effectRef idx="0">
+            <a:schemeClr val="accent1"/>
+          </a:effectRef>
+          <a:fontRef idx="minor">
+            <a:schemeClr val="lt1"/>
+          </a:fontRef>
+        </p:style>
+        <p:txBody>
+          <a:bodyPr rtlCol="0" anchor="ctr"/>
+          <a:lstStyle/>
+          <a:p>
+            <a:pPr algn="ctr"/>
+            <a:endParaRPr lang="en-US"/>
+          </a:p>
+        </p:txBody>
+      </p:sp>
+      <p:sp>
+        <p:nvSpPr>
+          <p:cNvPr id="9" name="Content Placeholder 4">
+            <a:extLst>
+              <a:ext uri="{FF2B5EF4-FFF2-40B4-BE49-F238E27FC236}">
+                <a16:creationId xmlns:a16="http://schemas.microsoft.com/office/drawing/2014/main" id="{0BF30CF9-990B-4CFF-A844-92B127E54F39}"/>
+              </a:ext>
+            </a:extLst>
+          </p:cNvPr>
+          <p:cNvSpPr>
+            <a:spLocks noGrp="1"/>
+          </p:cNvSpPr>
+          <p:nvPr>
+            <p:ph idx="1"/>
+          </p:nvPr>
+        </p:nvSpPr>
+        <p:spPr>
+          <a:xfrm>
+            <a:off x="6259551" y="1444752"/>
+            <a:ext cx="4652840" cy="3968496"/>
+          </a:xfrm>
+        </p:spPr>
+        <p:txBody>
+          <a:bodyPr anchor="ctr">
+            <a:normAutofit/>
+          </a:bodyPr>
+          <a:lstStyle/>
+          <a:p>
+            <a:r>
+              <a:rPr lang="en-US" dirty="0">
+                <a:solidFill>
+                  <a:srgbClr val="404040"/>
+                </a:solidFill>
+              </a:rPr>
+              <a:t>Weak correlated between tweets gathered and state population size</a:t>
+            </a:r>
+          </a:p>
+          <a:p>
+            <a:r>
+              <a:rPr lang="en-US" dirty="0">
+                <a:solidFill>
+                  <a:srgbClr val="404040"/>
+                </a:solidFill>
+              </a:rPr>
+              <a:t>Most of the tweets gathered were classified as Anti-Obamacare, especially towards Democrats</a:t>
+            </a:r>
+          </a:p>
+          <a:p>
+            <a:r>
+              <a:rPr lang="en-US" dirty="0">
+                <a:solidFill>
+                  <a:srgbClr val="404040"/>
+                </a:solidFill>
+              </a:rPr>
+              <a:t>People tend to voice their opinion when against something, rather than for something</a:t>
+            </a:r>
+          </a:p>
+          <a:p>
+            <a:r>
+              <a:rPr lang="en-US" dirty="0">
+                <a:solidFill>
+                  <a:srgbClr val="404040"/>
+                </a:solidFill>
+              </a:rPr>
+              <a:t>Senators voting against party line tended to get tweeted at more</a:t>
+            </a:r>
+          </a:p>
+        </p:txBody>
+      </p:sp>
+    </p:spTree>
+    <p:extLst>
+      <p:ext uri="{BB962C8B-B14F-4D97-AF65-F5344CB8AC3E}">
+        <p14:creationId xmlns:p14="http://schemas.microsoft.com/office/powerpoint/2010/main" val="619973336"/>
+      </p:ext>
+    </p:extLst>
+  </p:cSld>
+  <p:clrMapOvr>
+    <a:masterClrMapping/>
+  </p:clrMapOvr>
+</p:sld>
+</file>
+
+<file path=ppt/slides/slide15.xml><?xml version="1.0" encoding="utf-8"?>
+<p:sld xmlns:a="http://schemas.openxmlformats.org/drawingml/2006/main" xmlns:r="http://schemas.openxmlformats.org/officeDocument/2006/relationships" xmlns:p="http://schemas.openxmlformats.org/presentationml/2006/main">
+  <p:cSld>
+    <p:bg>
+      <p:bgPr>
+        <a:solidFill>
+          <a:schemeClr val="bg1">
+            <a:lumMod val="95000"/>
+          </a:schemeClr>
+        </a:solidFill>
+        <a:effectLst/>
+      </p:bgPr>
+    </p:bg>
     <p:spTree>
       <p:nvGrpSpPr>
         <p:cNvPr id="1" name=""/>
@@ -17639,43 +20725,57 @@
             <p:ph type="title"/>
           </p:nvPr>
         </p:nvSpPr>
-        <p:spPr/>
+        <p:spPr>
+          <a:xfrm>
+            <a:off x="2231136" y="964692"/>
+            <a:ext cx="7729728" cy="1188720"/>
+          </a:xfrm>
+        </p:spPr>
         <p:txBody>
-          <a:bodyPr/>
+          <a:bodyPr>
+            <a:normAutofit/>
+          </a:bodyPr>
           <a:lstStyle/>
           <a:p>
             <a:r>
-              <a:rPr lang="en-US" dirty="0"/>
+              <a:rPr lang="en-US"/>
               <a:t>Limitations</a:t>
             </a:r>
+            <a:endParaRPr lang="en-US" dirty="0"/>
           </a:p>
         </p:txBody>
       </p:sp>
-      <p:sp>
-        <p:nvSpPr>
-          <p:cNvPr id="5" name="Content Placeholder 4">
+      <p:graphicFrame>
+        <p:nvGraphicFramePr>
+          <p:cNvPr id="7" name="Content Placeholder 4">
             <a:extLst>
               <a:ext uri="{FF2B5EF4-FFF2-40B4-BE49-F238E27FC236}">
-                <a16:creationId xmlns:a16="http://schemas.microsoft.com/office/drawing/2014/main" id="{F13C6067-A651-4E04-88A9-AAB6912CF8C2}"/>
+                <a16:creationId xmlns:a16="http://schemas.microsoft.com/office/drawing/2014/main" id="{B881BD02-4518-435F-AB4A-A7E5014B3909}"/>
               </a:ext>
             </a:extLst>
           </p:cNvPr>
-          <p:cNvSpPr>
-            <a:spLocks noGrp="1"/>
-          </p:cNvSpPr>
+          <p:cNvGraphicFramePr>
+            <a:graphicFrameLocks noGrp="1"/>
+          </p:cNvGraphicFramePr>
           <p:nvPr>
             <p:ph idx="1"/>
+            <p:extLst>
+              <p:ext uri="{D42A27DB-BD31-4B8C-83A1-F6EECF244321}">
+                <p14:modId xmlns:p14="http://schemas.microsoft.com/office/powerpoint/2010/main" val="3201193775"/>
+              </p:ext>
+            </p:extLst>
           </p:nvPr>
-        </p:nvSpPr>
-        <p:spPr/>
-        <p:txBody>
-          <a:bodyPr/>
-          <a:lstStyle/>
-          <a:p>
-            <a:endParaRPr lang="en-US"/>
-          </a:p>
-        </p:txBody>
-      </p:sp>
+        </p:nvGraphicFramePr>
+        <p:xfrm>
+          <a:off x="965200" y="2638425"/>
+          <a:ext cx="10261600" cy="3107748"/>
+        </p:xfrm>
+        <a:graphic>
+          <a:graphicData uri="http://schemas.openxmlformats.org/drawingml/2006/diagram">
+            <dgm:relIds xmlns:dgm="http://schemas.openxmlformats.org/drawingml/2006/diagram" xmlns:r="http://schemas.openxmlformats.org/officeDocument/2006/relationships" r:dm="rId2" r:lo="rId3" r:qs="rId4" r:cs="rId5"/>
+          </a:graphicData>
+        </a:graphic>
+      </p:graphicFrame>
     </p:spTree>
     <p:extLst>
       <p:ext uri="{BB962C8B-B14F-4D97-AF65-F5344CB8AC3E}">
@@ -17689,9 +20789,17 @@
 </p:sld>
 </file>
 
-<file path=ppt/slides/slide15.xml><?xml version="1.0" encoding="utf-8"?>
+<file path=ppt/slides/slide16.xml><?xml version="1.0" encoding="utf-8"?>
 <p:sld xmlns:a="http://schemas.openxmlformats.org/drawingml/2006/main" xmlns:r="http://schemas.openxmlformats.org/officeDocument/2006/relationships" xmlns:p="http://schemas.openxmlformats.org/presentationml/2006/main">
   <p:cSld>
+    <p:bg>
+      <p:bgPr>
+        <a:solidFill>
+          <a:schemeClr val="bg1"/>
+        </a:solidFill>
+        <a:effectLst/>
+      </p:bgPr>
+    </p:bg>
     <p:spTree>
       <p:nvGrpSpPr>
         <p:cNvPr id="1" name=""/>
@@ -17706,6 +20814,129 @@
           <a:chExt cx="0" cy="0"/>
         </a:xfrm>
       </p:grpSpPr>
+      <p:sp useBgFill="1">
+        <p:nvSpPr>
+          <p:cNvPr id="14" name="Rectangle 9">
+            <a:extLst>
+              <a:ext uri="{FF2B5EF4-FFF2-40B4-BE49-F238E27FC236}">
+                <a16:creationId xmlns:a16="http://schemas.microsoft.com/office/drawing/2014/main" id="{0AF33C27-9C85-4B30-9AD7-879D48AFE4FF}"/>
+              </a:ext>
+              <a:ext uri="{C183D7F6-B498-43B3-948B-1728B52AA6E4}">
+                <adec:decorative xmlns:adec="http://schemas.microsoft.com/office/drawing/2017/decorative" val="1"/>
+              </a:ext>
+            </a:extLst>
+          </p:cNvPr>
+          <p:cNvSpPr>
+            <a:spLocks noGrp="1" noRot="1" noChangeAspect="1" noMove="1" noResize="1" noEditPoints="1" noAdjustHandles="1" noChangeArrowheads="1" noChangeShapeType="1" noTextEdit="1"/>
+          </p:cNvSpPr>
+          <p:nvPr>
+            <p:extLst>
+              <p:ext uri="{386F3935-93C4-4BCD-93E2-E3B085C9AB24}">
+                <p16:designElem xmlns:p16="http://schemas.microsoft.com/office/powerpoint/2015/main" val="1"/>
+              </p:ext>
+            </p:extLst>
+          </p:nvPr>
+        </p:nvSpPr>
+        <p:spPr>
+          <a:xfrm>
+            <a:off x="0" y="0"/>
+            <a:ext cx="12191999" cy="6858000"/>
+          </a:xfrm>
+          <a:prstGeom prst="rect">
+            <a:avLst/>
+          </a:prstGeom>
+          <a:ln>
+            <a:noFill/>
+          </a:ln>
+        </p:spPr>
+        <p:style>
+          <a:lnRef idx="2">
+            <a:schemeClr val="accent1">
+              <a:shade val="50000"/>
+            </a:schemeClr>
+          </a:lnRef>
+          <a:fillRef idx="1">
+            <a:schemeClr val="accent1"/>
+          </a:fillRef>
+          <a:effectRef idx="0">
+            <a:schemeClr val="accent1"/>
+          </a:effectRef>
+          <a:fontRef idx="minor">
+            <a:schemeClr val="lt1"/>
+          </a:fontRef>
+        </p:style>
+        <p:txBody>
+          <a:bodyPr rtlCol="0" anchor="ctr"/>
+          <a:lstStyle/>
+          <a:p>
+            <a:pPr algn="ctr"/>
+            <a:endParaRPr lang="en-US"/>
+          </a:p>
+        </p:txBody>
+      </p:sp>
+      <p:sp>
+        <p:nvSpPr>
+          <p:cNvPr id="15" name="Rectangle 11">
+            <a:extLst>
+              <a:ext uri="{FF2B5EF4-FFF2-40B4-BE49-F238E27FC236}">
+                <a16:creationId xmlns:a16="http://schemas.microsoft.com/office/drawing/2014/main" id="{6D5089DD-882D-4413-B8BF-4798BFD84A98}"/>
+              </a:ext>
+              <a:ext uri="{C183D7F6-B498-43B3-948B-1728B52AA6E4}">
+                <adec:decorative xmlns:adec="http://schemas.microsoft.com/office/drawing/2017/decorative" val="1"/>
+              </a:ext>
+            </a:extLst>
+          </p:cNvPr>
+          <p:cNvSpPr>
+            <a:spLocks noGrp="1" noRot="1" noChangeAspect="1" noMove="1" noResize="1" noEditPoints="1" noAdjustHandles="1" noChangeArrowheads="1" noChangeShapeType="1" noTextEdit="1"/>
+          </p:cNvSpPr>
+          <p:nvPr>
+            <p:extLst>
+              <p:ext uri="{386F3935-93C4-4BCD-93E2-E3B085C9AB24}">
+                <p16:designElem xmlns:p16="http://schemas.microsoft.com/office/powerpoint/2015/main" val="1"/>
+              </p:ext>
+            </p:extLst>
+          </p:nvPr>
+        </p:nvSpPr>
+        <p:spPr>
+          <a:xfrm>
+            <a:off x="7537704" y="0"/>
+            <a:ext cx="4654296" cy="6858000"/>
+          </a:xfrm>
+          <a:prstGeom prst="rect">
+            <a:avLst/>
+          </a:prstGeom>
+          <a:solidFill>
+            <a:schemeClr val="accent2"/>
+          </a:solidFill>
+          <a:ln>
+            <a:noFill/>
+          </a:ln>
+        </p:spPr>
+        <p:style>
+          <a:lnRef idx="2">
+            <a:schemeClr val="accent1">
+              <a:shade val="50000"/>
+            </a:schemeClr>
+          </a:lnRef>
+          <a:fillRef idx="1">
+            <a:schemeClr val="accent1"/>
+          </a:fillRef>
+          <a:effectRef idx="0">
+            <a:schemeClr val="accent1"/>
+          </a:effectRef>
+          <a:fontRef idx="minor">
+            <a:schemeClr val="lt1"/>
+          </a:fontRef>
+        </p:style>
+        <p:txBody>
+          <a:bodyPr rtlCol="0" anchor="ctr"/>
+          <a:lstStyle/>
+          <a:p>
+            <a:pPr algn="ctr"/>
+            <a:endParaRPr lang="en-US"/>
+          </a:p>
+        </p:txBody>
+      </p:sp>
       <p:sp>
         <p:nvSpPr>
           <p:cNvPr id="2" name="Title 1">
@@ -17722,43 +20953,66 @@
             <p:ph type="title"/>
           </p:nvPr>
         </p:nvSpPr>
-        <p:spPr/>
+        <p:spPr>
+          <a:xfrm>
+            <a:off x="8181171" y="2681103"/>
+            <a:ext cx="3363974" cy="1495794"/>
+          </a:xfrm>
+          <a:noFill/>
+          <a:ln>
+            <a:solidFill>
+              <a:srgbClr val="FFFFFF"/>
+            </a:solidFill>
+          </a:ln>
+        </p:spPr>
         <p:txBody>
-          <a:bodyPr/>
+          <a:bodyPr wrap="square">
+            <a:normAutofit/>
+          </a:bodyPr>
           <a:lstStyle/>
           <a:p>
             <a:r>
-              <a:rPr lang="en-US" dirty="0"/>
+              <a:rPr lang="en-US">
+                <a:solidFill>
+                  <a:srgbClr val="FFFFFF"/>
+                </a:solidFill>
+              </a:rPr>
               <a:t>Challenges</a:t>
             </a:r>
           </a:p>
         </p:txBody>
       </p:sp>
-      <p:sp>
-        <p:nvSpPr>
-          <p:cNvPr id="3" name="Content Placeholder 2">
+      <p:graphicFrame>
+        <p:nvGraphicFramePr>
+          <p:cNvPr id="16" name="Content Placeholder 2">
             <a:extLst>
               <a:ext uri="{FF2B5EF4-FFF2-40B4-BE49-F238E27FC236}">
-                <a16:creationId xmlns:a16="http://schemas.microsoft.com/office/drawing/2014/main" id="{56211055-F649-4876-9242-41273409D0A4}"/>
+                <a16:creationId xmlns:a16="http://schemas.microsoft.com/office/drawing/2014/main" id="{363941DA-98AD-4391-86AD-BE6C91651B69}"/>
               </a:ext>
             </a:extLst>
           </p:cNvPr>
-          <p:cNvSpPr>
-            <a:spLocks noGrp="1"/>
-          </p:cNvSpPr>
+          <p:cNvGraphicFramePr>
+            <a:graphicFrameLocks noGrp="1"/>
+          </p:cNvGraphicFramePr>
           <p:nvPr>
             <p:ph idx="1"/>
+            <p:extLst>
+              <p:ext uri="{D42A27DB-BD31-4B8C-83A1-F6EECF244321}">
+                <p14:modId xmlns:p14="http://schemas.microsoft.com/office/powerpoint/2010/main" val="2573979190"/>
+              </p:ext>
+            </p:extLst>
           </p:nvPr>
-        </p:nvSpPr>
-        <p:spPr/>
-        <p:txBody>
-          <a:bodyPr/>
-          <a:lstStyle/>
-          <a:p>
-            <a:endParaRPr lang="en-US"/>
-          </a:p>
-        </p:txBody>
-      </p:sp>
+        </p:nvGraphicFramePr>
+        <p:xfrm>
+          <a:off x="920750" y="965200"/>
+          <a:ext cx="5651500" cy="4968875"/>
+        </p:xfrm>
+        <a:graphic>
+          <a:graphicData uri="http://schemas.openxmlformats.org/drawingml/2006/diagram">
+            <dgm:relIds xmlns:dgm="http://schemas.openxmlformats.org/drawingml/2006/diagram" xmlns:r="http://schemas.openxmlformats.org/officeDocument/2006/relationships" r:dm="rId2" r:lo="rId3" r:qs="rId4" r:cs="rId5"/>
+          </a:graphicData>
+        </a:graphic>
+      </p:graphicFrame>
     </p:spTree>
     <p:extLst>
       <p:ext uri="{BB962C8B-B14F-4D97-AF65-F5344CB8AC3E}">
@@ -17772,7 +21026,7 @@
 </p:sld>
 </file>
 
-<file path=ppt/slides/slide16.xml><?xml version="1.0" encoding="utf-8"?>
+<file path=ppt/slides/slide17.xml><?xml version="1.0" encoding="utf-8"?>
 <p:sld xmlns:a="http://schemas.openxmlformats.org/drawingml/2006/main" xmlns:r="http://schemas.openxmlformats.org/officeDocument/2006/relationships" xmlns:p="http://schemas.openxmlformats.org/presentationml/2006/main">
   <p:cSld>
     <p:spTree>
@@ -17855,7 +21109,7 @@
 </p:sld>
 </file>
 
-<file path=ppt/slides/slide17.xml><?xml version="1.0" encoding="utf-8"?>
+<file path=ppt/slides/slide18.xml><?xml version="1.0" encoding="utf-8"?>
 <p:sld xmlns:a="http://schemas.openxmlformats.org/drawingml/2006/main" xmlns:r="http://schemas.openxmlformats.org/officeDocument/2006/relationships" xmlns:p="http://schemas.openxmlformats.org/presentationml/2006/main">
   <p:cSld>
     <p:bg>
@@ -17961,7 +21215,7 @@
 </p:sld>
 </file>
 
-<file path=ppt/slides/slide18.xml><?xml version="1.0" encoding="utf-8"?>
+<file path=ppt/slides/slide19.xml><?xml version="1.0" encoding="utf-8"?>
 <p:sld xmlns:a="http://schemas.openxmlformats.org/drawingml/2006/main" xmlns:r="http://schemas.openxmlformats.org/officeDocument/2006/relationships" xmlns:p="http://schemas.openxmlformats.org/presentationml/2006/main">
   <p:cSld>
     <p:bg>
@@ -18283,89 +21537,6 @@
     <p:extLst>
       <p:ext uri="{BB962C8B-B14F-4D97-AF65-F5344CB8AC3E}">
         <p14:creationId xmlns:p14="http://schemas.microsoft.com/office/powerpoint/2010/main" val="1275525019"/>
-      </p:ext>
-    </p:extLst>
-  </p:cSld>
-  <p:clrMapOvr>
-    <a:masterClrMapping/>
-  </p:clrMapOvr>
-</p:sld>
-</file>
-
-<file path=ppt/slides/slide19.xml><?xml version="1.0" encoding="utf-8"?>
-<p:sld xmlns:a="http://schemas.openxmlformats.org/drawingml/2006/main" xmlns:r="http://schemas.openxmlformats.org/officeDocument/2006/relationships" xmlns:p="http://schemas.openxmlformats.org/presentationml/2006/main">
-  <p:cSld>
-    <p:spTree>
-      <p:nvGrpSpPr>
-        <p:cNvPr id="1" name=""/>
-        <p:cNvGrpSpPr/>
-        <p:nvPr/>
-      </p:nvGrpSpPr>
-      <p:grpSpPr>
-        <a:xfrm>
-          <a:off x="0" y="0"/>
-          <a:ext cx="0" cy="0"/>
-          <a:chOff x="0" y="0"/>
-          <a:chExt cx="0" cy="0"/>
-        </a:xfrm>
-      </p:grpSpPr>
-      <p:sp>
-        <p:nvSpPr>
-          <p:cNvPr id="4" name="Title 3">
-            <a:extLst>
-              <a:ext uri="{FF2B5EF4-FFF2-40B4-BE49-F238E27FC236}">
-                <a16:creationId xmlns:a16="http://schemas.microsoft.com/office/drawing/2014/main" id="{CDA28C82-4B9F-5044-9437-068CEB682C48}"/>
-              </a:ext>
-            </a:extLst>
-          </p:cNvPr>
-          <p:cNvSpPr>
-            <a:spLocks noGrp="1"/>
-          </p:cNvSpPr>
-          <p:nvPr>
-            <p:ph type="title"/>
-          </p:nvPr>
-        </p:nvSpPr>
-        <p:spPr/>
-        <p:txBody>
-          <a:bodyPr/>
-          <a:lstStyle/>
-          <a:p>
-            <a:r>
-              <a:rPr lang="en-US" dirty="0"/>
-              <a:t>Questions</a:t>
-            </a:r>
-          </a:p>
-        </p:txBody>
-      </p:sp>
-      <p:sp>
-        <p:nvSpPr>
-          <p:cNvPr id="5" name="Text Placeholder 4">
-            <a:extLst>
-              <a:ext uri="{FF2B5EF4-FFF2-40B4-BE49-F238E27FC236}">
-                <a16:creationId xmlns:a16="http://schemas.microsoft.com/office/drawing/2014/main" id="{FBF70458-C737-5C4C-B40E-DBFF85C33333}"/>
-              </a:ext>
-            </a:extLst>
-          </p:cNvPr>
-          <p:cNvSpPr>
-            <a:spLocks noGrp="1"/>
-          </p:cNvSpPr>
-          <p:nvPr>
-            <p:ph type="body" idx="1"/>
-          </p:nvPr>
-        </p:nvSpPr>
-        <p:spPr/>
-        <p:txBody>
-          <a:bodyPr/>
-          <a:lstStyle/>
-          <a:p>
-            <a:endParaRPr lang="en-US" dirty="0"/>
-          </a:p>
-        </p:txBody>
-      </p:sp>
-    </p:spTree>
-    <p:extLst>
-      <p:ext uri="{BB962C8B-B14F-4D97-AF65-F5344CB8AC3E}">
-        <p14:creationId xmlns:p14="http://schemas.microsoft.com/office/powerpoint/2010/main" val="1621285474"/>
       </p:ext>
     </p:extLst>
   </p:cSld>
@@ -18932,10 +22103,10 @@
       </p:grpSpPr>
       <p:sp>
         <p:nvSpPr>
-          <p:cNvPr id="2" name="Title 1">
+          <p:cNvPr id="4" name="Title 3">
             <a:extLst>
               <a:ext uri="{FF2B5EF4-FFF2-40B4-BE49-F238E27FC236}">
-                <a16:creationId xmlns:a16="http://schemas.microsoft.com/office/drawing/2014/main" id="{7B36D6A9-223E-AC44-8EDC-F22DB58A1897}"/>
+                <a16:creationId xmlns:a16="http://schemas.microsoft.com/office/drawing/2014/main" id="{CDA28C82-4B9F-5044-9437-068CEB682C48}"/>
               </a:ext>
             </a:extLst>
           </p:cNvPr>
@@ -18946,58 +22117,47 @@
             <p:ph type="title"/>
           </p:nvPr>
         </p:nvSpPr>
-        <p:spPr>
-          <a:xfrm>
-            <a:off x="2231136" y="964692"/>
-            <a:ext cx="7729728" cy="1188720"/>
-          </a:xfrm>
-        </p:spPr>
+        <p:spPr/>
         <p:txBody>
           <a:bodyPr/>
           <a:lstStyle/>
           <a:p>
             <a:r>
               <a:rPr lang="en-US" dirty="0"/>
-              <a:t>Challenges</a:t>
+              <a:t>Questions</a:t>
             </a:r>
           </a:p>
         </p:txBody>
       </p:sp>
-      <p:graphicFrame>
-        <p:nvGraphicFramePr>
-          <p:cNvPr id="6" name="Content Placeholder 5">
+      <p:sp>
+        <p:nvSpPr>
+          <p:cNvPr id="5" name="Text Placeholder 4">
             <a:extLst>
               <a:ext uri="{FF2B5EF4-FFF2-40B4-BE49-F238E27FC236}">
-                <a16:creationId xmlns:a16="http://schemas.microsoft.com/office/drawing/2014/main" id="{E83511EF-9D12-A140-869C-56C59656FCAC}"/>
+                <a16:creationId xmlns:a16="http://schemas.microsoft.com/office/drawing/2014/main" id="{FBF70458-C737-5C4C-B40E-DBFF85C33333}"/>
               </a:ext>
             </a:extLst>
           </p:cNvPr>
-          <p:cNvGraphicFramePr>
-            <a:graphicFrameLocks noGrp="1"/>
-          </p:cNvGraphicFramePr>
+          <p:cNvSpPr>
+            <a:spLocks noGrp="1"/>
+          </p:cNvSpPr>
           <p:nvPr>
-            <p:ph idx="1"/>
-            <p:extLst>
-              <p:ext uri="{D42A27DB-BD31-4B8C-83A1-F6EECF244321}">
-                <p14:modId xmlns:p14="http://schemas.microsoft.com/office/powerpoint/2010/main" val="4177886252"/>
-              </p:ext>
-            </p:extLst>
+            <p:ph type="body" idx="1"/>
           </p:nvPr>
-        </p:nvGraphicFramePr>
-        <p:xfrm>
-          <a:off x="2231136" y="2638044"/>
-          <a:ext cx="7729728" cy="3101983"/>
-        </p:xfrm>
-        <a:graphic>
-          <a:graphicData uri="http://schemas.openxmlformats.org/drawingml/2006/diagram">
-            <dgm:relIds xmlns:dgm="http://schemas.openxmlformats.org/drawingml/2006/diagram" xmlns:r="http://schemas.openxmlformats.org/officeDocument/2006/relationships" r:dm="rId2" r:lo="rId3" r:qs="rId4" r:cs="rId5"/>
-          </a:graphicData>
-        </a:graphic>
-      </p:graphicFrame>
+        </p:nvSpPr>
+        <p:spPr/>
+        <p:txBody>
+          <a:bodyPr/>
+          <a:lstStyle/>
+          <a:p>
+            <a:endParaRPr lang="en-US" dirty="0"/>
+          </a:p>
+        </p:txBody>
+      </p:sp>
     </p:spTree>
     <p:extLst>
       <p:ext uri="{BB962C8B-B14F-4D97-AF65-F5344CB8AC3E}">
-        <p14:creationId xmlns:p14="http://schemas.microsoft.com/office/powerpoint/2010/main" val="1933200499"/>
+        <p14:creationId xmlns:p14="http://schemas.microsoft.com/office/powerpoint/2010/main" val="1621285474"/>
       </p:ext>
     </p:extLst>
   </p:cSld>
@@ -19858,6 +23018,16 @@
 <file path=ppt/slides/slide6.xml><?xml version="1.0" encoding="utf-8"?>
 <p:sld xmlns:a="http://schemas.openxmlformats.org/drawingml/2006/main" xmlns:r="http://schemas.openxmlformats.org/officeDocument/2006/relationships" xmlns:p="http://schemas.openxmlformats.org/presentationml/2006/main">
   <p:cSld>
+    <p:bg>
+      <p:bgPr>
+        <a:solidFill>
+          <a:schemeClr val="bg1">
+            <a:lumMod val="95000"/>
+          </a:schemeClr>
+        </a:solidFill>
+        <a:effectLst/>
+      </p:bgPr>
+    </p:bg>
     <p:spTree>
       <p:nvGrpSpPr>
         <p:cNvPr id="1" name=""/>
@@ -19872,6 +23042,127 @@
           <a:chExt cx="0" cy="0"/>
         </a:xfrm>
       </p:grpSpPr>
+      <p:sp useBgFill="1">
+        <p:nvSpPr>
+          <p:cNvPr id="20" name="Rectangle 15">
+            <a:extLst>
+              <a:ext uri="{FF2B5EF4-FFF2-40B4-BE49-F238E27FC236}">
+                <a16:creationId xmlns:a16="http://schemas.microsoft.com/office/drawing/2014/main" id="{1660E788-AFA9-4A1B-9991-6AA74632A15B}"/>
+              </a:ext>
+              <a:ext uri="{C183D7F6-B498-43B3-948B-1728B52AA6E4}">
+                <adec:decorative xmlns:adec="http://schemas.microsoft.com/office/drawing/2017/decorative" val="1"/>
+              </a:ext>
+            </a:extLst>
+          </p:cNvPr>
+          <p:cNvSpPr>
+            <a:spLocks noGrp="1" noRot="1" noChangeAspect="1" noMove="1" noResize="1" noEditPoints="1" noAdjustHandles="1" noChangeArrowheads="1" noChangeShapeType="1" noTextEdit="1"/>
+          </p:cNvSpPr>
+          <p:nvPr>
+            <p:extLst>
+              <p:ext uri="{386F3935-93C4-4BCD-93E2-E3B085C9AB24}">
+                <p16:designElem xmlns:p16="http://schemas.microsoft.com/office/powerpoint/2015/main" val="1"/>
+              </p:ext>
+            </p:extLst>
+          </p:nvPr>
+        </p:nvSpPr>
+        <p:spPr>
+          <a:xfrm>
+            <a:off x="0" y="0"/>
+            <a:ext cx="12191999" cy="6858000"/>
+          </a:xfrm>
+          <a:prstGeom prst="rect">
+            <a:avLst/>
+          </a:prstGeom>
+          <a:ln>
+            <a:noFill/>
+          </a:ln>
+        </p:spPr>
+        <p:style>
+          <a:lnRef idx="2">
+            <a:schemeClr val="accent1">
+              <a:shade val="50000"/>
+            </a:schemeClr>
+          </a:lnRef>
+          <a:fillRef idx="1">
+            <a:schemeClr val="accent1"/>
+          </a:fillRef>
+          <a:effectRef idx="0">
+            <a:schemeClr val="accent1"/>
+          </a:effectRef>
+          <a:fontRef idx="minor">
+            <a:schemeClr val="lt1"/>
+          </a:fontRef>
+        </p:style>
+        <p:txBody>
+          <a:bodyPr rtlCol="0" anchor="ctr"/>
+          <a:lstStyle/>
+          <a:p>
+            <a:pPr algn="ctr"/>
+            <a:endParaRPr lang="en-US"/>
+          </a:p>
+        </p:txBody>
+      </p:sp>
+      <p:sp>
+        <p:nvSpPr>
+          <p:cNvPr id="21" name="Rectangle 17">
+            <a:extLst>
+              <a:ext uri="{FF2B5EF4-FFF2-40B4-BE49-F238E27FC236}">
+                <a16:creationId xmlns:a16="http://schemas.microsoft.com/office/drawing/2014/main" id="{867D4867-5BA7-4462-B2F6-A23F4A622AA7}"/>
+              </a:ext>
+              <a:ext uri="{C183D7F6-B498-43B3-948B-1728B52AA6E4}">
+                <adec:decorative xmlns:adec="http://schemas.microsoft.com/office/drawing/2017/decorative" val="1"/>
+              </a:ext>
+            </a:extLst>
+          </p:cNvPr>
+          <p:cNvSpPr>
+            <a:spLocks noGrp="1" noRot="1" noChangeAspect="1" noMove="1" noResize="1" noEditPoints="1" noAdjustHandles="1" noChangeArrowheads="1" noChangeShapeType="1" noTextEdit="1"/>
+          </p:cNvSpPr>
+          <p:nvPr>
+            <p:extLst>
+              <p:ext uri="{386F3935-93C4-4BCD-93E2-E3B085C9AB24}">
+                <p16:designElem xmlns:p16="http://schemas.microsoft.com/office/powerpoint/2015/main" val="1"/>
+              </p:ext>
+            </p:extLst>
+          </p:nvPr>
+        </p:nvSpPr>
+        <p:spPr>
+          <a:xfrm>
+            <a:off x="0" y="0"/>
+            <a:ext cx="4654296" cy="6858000"/>
+          </a:xfrm>
+          <a:prstGeom prst="rect">
+            <a:avLst/>
+          </a:prstGeom>
+          <a:solidFill>
+            <a:schemeClr val="tx2"/>
+          </a:solidFill>
+          <a:ln>
+            <a:noFill/>
+          </a:ln>
+        </p:spPr>
+        <p:style>
+          <a:lnRef idx="0">
+            <a:scrgbClr r="0" g="0" b="0"/>
+          </a:lnRef>
+          <a:fillRef idx="0">
+            <a:scrgbClr r="0" g="0" b="0"/>
+          </a:fillRef>
+          <a:effectRef idx="0">
+            <a:scrgbClr r="0" g="0" b="0"/>
+          </a:effectRef>
+          <a:fontRef idx="minor">
+            <a:schemeClr val="lt1"/>
+          </a:fontRef>
+        </p:style>
+        <p:txBody>
+          <a:bodyPr rtlCol="0" anchor="ctr"/>
+          <a:lstStyle/>
+          <a:p>
+            <a:pPr algn="ctr"/>
+            <a:endParaRPr lang="en-US"/>
+          </a:p>
+        </p:txBody>
+      </p:sp>
       <p:sp>
         <p:nvSpPr>
           <p:cNvPr id="2" name="Title 1">
@@ -19888,13 +23179,30 @@
             <p:ph type="title"/>
           </p:nvPr>
         </p:nvSpPr>
-        <p:spPr/>
+        <p:spPr>
+          <a:xfrm>
+            <a:off x="643467" y="643467"/>
+            <a:ext cx="3363974" cy="1728044"/>
+          </a:xfrm>
+          <a:noFill/>
+          <a:ln>
+            <a:solidFill>
+              <a:schemeClr val="bg1"/>
+            </a:solidFill>
+          </a:ln>
+        </p:spPr>
         <p:txBody>
-          <a:bodyPr/>
+          <a:bodyPr vert="horz" wrap="square" lIns="274320" tIns="182880" rIns="274320" bIns="182880" rtlCol="0" anchorCtr="1">
+            <a:normAutofit/>
+          </a:bodyPr>
           <a:lstStyle/>
           <a:p>
             <a:r>
-              <a:rPr lang="en-US" dirty="0"/>
+              <a:rPr lang="en-US">
+                <a:solidFill>
+                  <a:schemeClr val="bg1"/>
+                </a:solidFill>
+              </a:rPr>
               <a:t>Language Detection</a:t>
             </a:r>
           </a:p>
@@ -19916,15 +23224,105 @@
             <p:ph idx="1"/>
           </p:nvPr>
         </p:nvSpPr>
-        <p:spPr/>
+        <p:spPr>
+          <a:xfrm>
+            <a:off x="643468" y="2638044"/>
+            <a:ext cx="3363974" cy="3415622"/>
+          </a:xfrm>
+        </p:spPr>
         <p:txBody>
-          <a:bodyPr/>
+          <a:bodyPr vert="horz" lIns="91440" tIns="45720" rIns="91440" bIns="45720" rtlCol="0">
+            <a:normAutofit/>
+          </a:bodyPr>
           <a:lstStyle/>
           <a:p>
-            <a:endParaRPr lang="en-US"/>
+            <a:r>
+              <a:rPr lang="en-US" dirty="0">
+                <a:solidFill>
+                  <a:schemeClr val="bg1"/>
+                </a:solidFill>
+              </a:rPr>
+              <a:t>Used </a:t>
+            </a:r>
+            <a:r>
+              <a:rPr lang="en-US" dirty="0" err="1">
+                <a:solidFill>
+                  <a:schemeClr val="bg1"/>
+                </a:solidFill>
+              </a:rPr>
+              <a:t>langdetect</a:t>
+            </a:r>
+            <a:r>
+              <a:rPr lang="en-US" dirty="0">
+                <a:solidFill>
+                  <a:schemeClr val="bg1"/>
+                </a:solidFill>
+              </a:rPr>
+              <a:t> to classify tweets’ language</a:t>
+            </a:r>
+          </a:p>
+          <a:p>
+            <a:r>
+              <a:rPr lang="en-US" dirty="0">
+                <a:solidFill>
+                  <a:schemeClr val="bg1"/>
+                </a:solidFill>
+              </a:rPr>
+              <a:t>Used 1000 tweets to measure performance of python package</a:t>
+            </a:r>
+          </a:p>
+          <a:p>
+            <a:r>
+              <a:rPr lang="en-US" dirty="0">
+                <a:solidFill>
+                  <a:schemeClr val="bg1"/>
+                </a:solidFill>
+              </a:rPr>
+              <a:t>1.7% false negatives (tended to include links)</a:t>
+            </a:r>
+          </a:p>
+          <a:p>
+            <a:r>
+              <a:rPr lang="en-US" dirty="0">
+                <a:solidFill>
+                  <a:schemeClr val="bg1"/>
+                </a:solidFill>
+              </a:rPr>
+              <a:t>0.2% false positives</a:t>
+            </a:r>
           </a:p>
         </p:txBody>
       </p:sp>
+      <p:pic>
+        <p:nvPicPr>
+          <p:cNvPr id="10" name="Picture 9">
+            <a:extLst>
+              <a:ext uri="{FF2B5EF4-FFF2-40B4-BE49-F238E27FC236}">
+                <a16:creationId xmlns:a16="http://schemas.microsoft.com/office/drawing/2014/main" id="{922398C4-81A8-4A3C-B268-CA6F5959F535}"/>
+              </a:ext>
+            </a:extLst>
+          </p:cNvPr>
+          <p:cNvPicPr>
+            <a:picLocks noChangeAspect="1"/>
+          </p:cNvPicPr>
+          <p:nvPr/>
+        </p:nvPicPr>
+        <p:blipFill>
+          <a:blip r:embed="rId3"/>
+          <a:stretch>
+            <a:fillRect/>
+          </a:stretch>
+        </p:blipFill>
+        <p:spPr>
+          <a:xfrm>
+            <a:off x="5297763" y="1473336"/>
+            <a:ext cx="6250769" cy="3750460"/>
+          </a:xfrm>
+          <a:prstGeom prst="rect">
+            <a:avLst/>
+          </a:prstGeom>
+        </p:spPr>
+      </p:pic>
     </p:spTree>
     <p:extLst>
       <p:ext uri="{BB962C8B-B14F-4D97-AF65-F5344CB8AC3E}">
@@ -19941,6 +23339,16 @@
 <file path=ppt/slides/slide7.xml><?xml version="1.0" encoding="utf-8"?>
 <p:sld xmlns:a="http://schemas.openxmlformats.org/drawingml/2006/main" xmlns:r="http://schemas.openxmlformats.org/officeDocument/2006/relationships" xmlns:p="http://schemas.openxmlformats.org/presentationml/2006/main">
   <p:cSld>
+    <p:bg>
+      <p:bgPr>
+        <a:solidFill>
+          <a:schemeClr val="bg1">
+            <a:lumMod val="95000"/>
+          </a:schemeClr>
+        </a:solidFill>
+        <a:effectLst/>
+      </p:bgPr>
+    </p:bg>
     <p:spTree>
       <p:nvGrpSpPr>
         <p:cNvPr id="1" name=""/>
@@ -19971,9 +23379,16 @@
             <p:ph type="title"/>
           </p:nvPr>
         </p:nvSpPr>
-        <p:spPr/>
+        <p:spPr>
+          <a:xfrm>
+            <a:off x="804672" y="964692"/>
+            <a:ext cx="3066937" cy="1188720"/>
+          </a:xfrm>
+        </p:spPr>
         <p:txBody>
-          <a:bodyPr/>
+          <a:bodyPr>
+            <a:normAutofit/>
+          </a:bodyPr>
           <a:lstStyle/>
           <a:p>
             <a:r>
@@ -19999,15 +23414,210 @@
             <p:ph idx="1"/>
           </p:nvPr>
         </p:nvSpPr>
-        <p:spPr/>
+        <p:spPr>
+          <a:xfrm>
+            <a:off x="803244" y="2638044"/>
+            <a:ext cx="3063765" cy="3263206"/>
+          </a:xfrm>
+        </p:spPr>
         <p:txBody>
-          <a:bodyPr/>
+          <a:bodyPr>
+            <a:normAutofit/>
+          </a:bodyPr>
           <a:lstStyle/>
           <a:p>
+            <a:r>
+              <a:rPr lang="en-US" dirty="0"/>
+              <a:t>Hand classified 600 random Obamacare tweets</a:t>
+            </a:r>
+          </a:p>
+          <a:p>
+            <a:r>
+              <a:rPr lang="en-US" dirty="0"/>
+              <a:t>Ran the tweets through a </a:t>
+            </a:r>
+            <a:r>
+              <a:rPr lang="en-US" dirty="0" err="1"/>
+              <a:t>tfidf</a:t>
+            </a:r>
+            <a:r>
+              <a:rPr lang="en-US" dirty="0"/>
+              <a:t> vectorization and simulated it through different </a:t>
+            </a:r>
+            <a:r>
+              <a:rPr lang="en-US" dirty="0" err="1"/>
+              <a:t>sklearn</a:t>
+            </a:r>
+            <a:r>
+              <a:rPr lang="en-US" dirty="0"/>
+              <a:t> models</a:t>
+            </a:r>
+          </a:p>
+          <a:p>
+            <a:r>
+              <a:rPr lang="en-US" dirty="0"/>
+              <a:t>Complement Naïve Bayes performed the best</a:t>
+            </a:r>
+          </a:p>
+        </p:txBody>
+      </p:sp>
+      <p:sp>
+        <p:nvSpPr>
+          <p:cNvPr id="16" name="Rectangle 15">
+            <a:extLst>
+              <a:ext uri="{FF2B5EF4-FFF2-40B4-BE49-F238E27FC236}">
+                <a16:creationId xmlns:a16="http://schemas.microsoft.com/office/drawing/2014/main" id="{6515FC82-3453-4CBE-8895-4CCFF339529E}"/>
+              </a:ext>
+              <a:ext uri="{C183D7F6-B498-43B3-948B-1728B52AA6E4}">
+                <adec:decorative xmlns:adec="http://schemas.microsoft.com/office/drawing/2017/decorative" val="1"/>
+              </a:ext>
+            </a:extLst>
+          </p:cNvPr>
+          <p:cNvSpPr>
+            <a:spLocks noGrp="1" noRot="1" noChangeAspect="1" noMove="1" noResize="1" noEditPoints="1" noAdjustHandles="1" noChangeArrowheads="1" noChangeShapeType="1" noTextEdit="1"/>
+          </p:cNvSpPr>
+          <p:nvPr>
+            <p:extLst>
+              <p:ext uri="{386F3935-93C4-4BCD-93E2-E3B085C9AB24}">
+                <p16:designElem xmlns:p16="http://schemas.microsoft.com/office/powerpoint/2015/main" val="1"/>
+              </p:ext>
+            </p:extLst>
+          </p:nvPr>
+        </p:nvSpPr>
+        <p:spPr>
+          <a:xfrm>
+            <a:off x="4494182" y="964692"/>
+            <a:ext cx="6885432" cy="4936558"/>
+          </a:xfrm>
+          <a:prstGeom prst="rect">
+            <a:avLst/>
+          </a:prstGeom>
+          <a:noFill/>
+          <a:ln w="31750" cap="sq">
+            <a:solidFill>
+              <a:srgbClr val="FFFFFF"/>
+            </a:solidFill>
+            <a:miter lim="800000"/>
+          </a:ln>
+        </p:spPr>
+        <p:style>
+          <a:lnRef idx="2">
+            <a:schemeClr val="accent1">
+              <a:shade val="50000"/>
+            </a:schemeClr>
+          </a:lnRef>
+          <a:fillRef idx="1">
+            <a:schemeClr val="accent1"/>
+          </a:fillRef>
+          <a:effectRef idx="0">
+            <a:schemeClr val="accent1"/>
+          </a:effectRef>
+          <a:fontRef idx="minor">
+            <a:schemeClr val="lt1"/>
+          </a:fontRef>
+        </p:style>
+        <p:txBody>
+          <a:bodyPr rtlCol="0" anchor="ctr"/>
+          <a:lstStyle/>
+          <a:p>
+            <a:pPr algn="ctr"/>
             <a:endParaRPr lang="en-US" dirty="0"/>
           </a:p>
         </p:txBody>
       </p:sp>
+      <p:sp>
+        <p:nvSpPr>
+          <p:cNvPr id="18" name="Rectangle 17">
+            <a:extLst>
+              <a:ext uri="{FF2B5EF4-FFF2-40B4-BE49-F238E27FC236}">
+                <a16:creationId xmlns:a16="http://schemas.microsoft.com/office/drawing/2014/main" id="{C5FD847B-65C0-4027-8DFC-70CB424514F8}"/>
+              </a:ext>
+              <a:ext uri="{C183D7F6-B498-43B3-948B-1728B52AA6E4}">
+                <adec:decorative xmlns:adec="http://schemas.microsoft.com/office/drawing/2017/decorative" val="1"/>
+              </a:ext>
+            </a:extLst>
+          </p:cNvPr>
+          <p:cNvSpPr>
+            <a:spLocks noGrp="1" noRot="1" noChangeAspect="1" noMove="1" noResize="1" noEditPoints="1" noAdjustHandles="1" noChangeArrowheads="1" noChangeShapeType="1" noTextEdit="1"/>
+          </p:cNvSpPr>
+          <p:nvPr>
+            <p:extLst>
+              <p:ext uri="{386F3935-93C4-4BCD-93E2-E3B085C9AB24}">
+                <p16:designElem xmlns:p16="http://schemas.microsoft.com/office/powerpoint/2015/main" val="1"/>
+              </p:ext>
+            </p:extLst>
+          </p:nvPr>
+        </p:nvSpPr>
+        <p:spPr>
+          <a:xfrm>
+            <a:off x="4657802" y="1128683"/>
+            <a:ext cx="6558192" cy="4608576"/>
+          </a:xfrm>
+          <a:prstGeom prst="rect">
+            <a:avLst/>
+          </a:prstGeom>
+          <a:solidFill>
+            <a:schemeClr val="bg1"/>
+          </a:solidFill>
+          <a:ln>
+            <a:noFill/>
+          </a:ln>
+        </p:spPr>
+        <p:style>
+          <a:lnRef idx="2">
+            <a:schemeClr val="accent1">
+              <a:shade val="50000"/>
+            </a:schemeClr>
+          </a:lnRef>
+          <a:fillRef idx="1">
+            <a:schemeClr val="accent1"/>
+          </a:fillRef>
+          <a:effectRef idx="0">
+            <a:schemeClr val="accent1"/>
+          </a:effectRef>
+          <a:fontRef idx="minor">
+            <a:schemeClr val="lt1"/>
+          </a:fontRef>
+        </p:style>
+        <p:txBody>
+          <a:bodyPr rtlCol="0" anchor="ctr"/>
+          <a:lstStyle/>
+          <a:p>
+            <a:pPr algn="ctr"/>
+            <a:endParaRPr lang="en-US"/>
+          </a:p>
+        </p:txBody>
+      </p:sp>
+      <p:pic>
+        <p:nvPicPr>
+          <p:cNvPr id="4" name="Picture 3">
+            <a:extLst>
+              <a:ext uri="{FF2B5EF4-FFF2-40B4-BE49-F238E27FC236}">
+                <a16:creationId xmlns:a16="http://schemas.microsoft.com/office/drawing/2014/main" id="{EC2DCE4D-60D4-4520-9FB3-B24698396FE4}"/>
+              </a:ext>
+            </a:extLst>
+          </p:cNvPr>
+          <p:cNvPicPr>
+            <a:picLocks noChangeAspect="1"/>
+          </p:cNvPicPr>
+          <p:nvPr/>
+        </p:nvPicPr>
+        <p:blipFill>
+          <a:blip r:embed="rId2"/>
+          <a:stretch>
+            <a:fillRect/>
+          </a:stretch>
+        </p:blipFill>
+        <p:spPr>
+          <a:xfrm>
+            <a:off x="4823366" y="1985179"/>
+            <a:ext cx="6227064" cy="2895584"/>
+          </a:xfrm>
+          <a:prstGeom prst="rect">
+            <a:avLst/>
+          </a:prstGeom>
+        </p:spPr>
+      </p:pic>
     </p:spTree>
     <p:extLst>
       <p:ext uri="{BB962C8B-B14F-4D97-AF65-F5344CB8AC3E}">
@@ -20024,6 +23634,14 @@
 <file path=ppt/slides/slide8.xml><?xml version="1.0" encoding="utf-8"?>
 <p:sld xmlns:a="http://schemas.openxmlformats.org/drawingml/2006/main" xmlns:r="http://schemas.openxmlformats.org/officeDocument/2006/relationships" xmlns:p="http://schemas.openxmlformats.org/presentationml/2006/main">
   <p:cSld>
+    <p:bg>
+      <p:bgPr>
+        <a:solidFill>
+          <a:schemeClr val="accent2"/>
+        </a:solidFill>
+        <a:effectLst/>
+      </p:bgPr>
+    </p:bg>
     <p:spTree>
       <p:nvGrpSpPr>
         <p:cNvPr id="1" name=""/>
@@ -20040,6 +23658,69 @@
       </p:grpSpPr>
       <p:sp>
         <p:nvSpPr>
+          <p:cNvPr id="20" name="Rectangle 19">
+            <a:extLst>
+              <a:ext uri="{FF2B5EF4-FFF2-40B4-BE49-F238E27FC236}">
+                <a16:creationId xmlns:a16="http://schemas.microsoft.com/office/drawing/2014/main" id="{E9F26AF7-9AC1-49A4-8F89-2C63E1C0A0BB}"/>
+              </a:ext>
+              <a:ext uri="{C183D7F6-B498-43B3-948B-1728B52AA6E4}">
+                <adec:decorative xmlns:adec="http://schemas.microsoft.com/office/drawing/2017/decorative" val="1"/>
+              </a:ext>
+            </a:extLst>
+          </p:cNvPr>
+          <p:cNvSpPr>
+            <a:spLocks noGrp="1" noRot="1" noChangeAspect="1" noMove="1" noResize="1" noEditPoints="1" noAdjustHandles="1" noChangeArrowheads="1" noChangeShapeType="1" noTextEdit="1"/>
+          </p:cNvSpPr>
+          <p:nvPr>
+            <p:extLst>
+              <p:ext uri="{386F3935-93C4-4BCD-93E2-E3B085C9AB24}">
+                <p16:designElem xmlns:p16="http://schemas.microsoft.com/office/powerpoint/2015/main" val="1"/>
+              </p:ext>
+            </p:extLst>
+          </p:nvPr>
+        </p:nvSpPr>
+        <p:spPr>
+          <a:xfrm>
+            <a:off x="0" y="-2"/>
+            <a:ext cx="12192000" cy="4918511"/>
+          </a:xfrm>
+          <a:prstGeom prst="rect">
+            <a:avLst/>
+          </a:prstGeom>
+          <a:solidFill>
+            <a:srgbClr val="FFFFFF"/>
+          </a:solidFill>
+          <a:ln>
+            <a:noFill/>
+          </a:ln>
+        </p:spPr>
+        <p:style>
+          <a:lnRef idx="2">
+            <a:schemeClr val="accent1">
+              <a:shade val="50000"/>
+            </a:schemeClr>
+          </a:lnRef>
+          <a:fillRef idx="1">
+            <a:schemeClr val="accent1"/>
+          </a:fillRef>
+          <a:effectRef idx="0">
+            <a:schemeClr val="accent1"/>
+          </a:effectRef>
+          <a:fontRef idx="minor">
+            <a:schemeClr val="lt1"/>
+          </a:fontRef>
+        </p:style>
+        <p:txBody>
+          <a:bodyPr rtlCol="0" anchor="ctr"/>
+          <a:lstStyle/>
+          <a:p>
+            <a:pPr algn="ctr"/>
+            <a:endParaRPr lang="en-US"/>
+          </a:p>
+        </p:txBody>
+      </p:sp>
+      <p:sp>
+        <p:nvSpPr>
           <p:cNvPr id="2" name="Title 1">
             <a:extLst>
               <a:ext uri="{FF2B5EF4-FFF2-40B4-BE49-F238E27FC236}">
@@ -20054,43 +23735,87 @@
             <p:ph type="title"/>
           </p:nvPr>
         </p:nvSpPr>
-        <p:spPr/>
+        <p:spPr>
+          <a:xfrm>
+            <a:off x="1600200" y="4269282"/>
+            <a:ext cx="8991600" cy="1264762"/>
+          </a:xfrm>
+        </p:spPr>
         <p:txBody>
-          <a:bodyPr/>
+          <a:bodyPr vert="horz" lIns="274320" tIns="182880" rIns="274320" bIns="182880" rtlCol="0" anchor="ctr" anchorCtr="1">
+            <a:normAutofit/>
+          </a:bodyPr>
           <a:lstStyle/>
           <a:p>
             <a:r>
-              <a:rPr lang="en-US" dirty="0"/>
+              <a:rPr lang="en-US" sz="3200"/>
               <a:t>Justifying Population</a:t>
             </a:r>
           </a:p>
         </p:txBody>
       </p:sp>
-      <p:sp>
-        <p:nvSpPr>
-          <p:cNvPr id="3" name="Content Placeholder 2">
+      <p:pic>
+        <p:nvPicPr>
+          <p:cNvPr id="10" name="Content Placeholder 4">
             <a:extLst>
               <a:ext uri="{FF2B5EF4-FFF2-40B4-BE49-F238E27FC236}">
-                <a16:creationId xmlns:a16="http://schemas.microsoft.com/office/drawing/2014/main" id="{0DDED6F1-82C4-4B4C-811C-5FF2A64D6D53}"/>
+                <a16:creationId xmlns:a16="http://schemas.microsoft.com/office/drawing/2014/main" id="{91F9AD98-B8A0-4E55-B5B4-CE96C9422DED}"/>
               </a:ext>
             </a:extLst>
           </p:cNvPr>
-          <p:cNvSpPr>
-            <a:spLocks noGrp="1"/>
-          </p:cNvSpPr>
+          <p:cNvPicPr>
+            <a:picLocks noChangeAspect="1"/>
+          </p:cNvPicPr>
+          <p:nvPr/>
+        </p:nvPicPr>
+        <p:blipFill>
+          <a:blip r:embed="rId2"/>
+          <a:stretch>
+            <a:fillRect/>
+          </a:stretch>
+        </p:blipFill>
+        <p:spPr>
+          <a:xfrm>
+            <a:off x="732317" y="489180"/>
+            <a:ext cx="5101436" cy="3277672"/>
+          </a:xfrm>
+          <a:prstGeom prst="rect">
+            <a:avLst/>
+          </a:prstGeom>
+        </p:spPr>
+      </p:pic>
+      <p:pic>
+        <p:nvPicPr>
+          <p:cNvPr id="9" name="Content Placeholder 8">
+            <a:extLst>
+              <a:ext uri="{FF2B5EF4-FFF2-40B4-BE49-F238E27FC236}">
+                <a16:creationId xmlns:a16="http://schemas.microsoft.com/office/drawing/2014/main" id="{17AB928F-3658-4E22-8F30-054CB7B84229}"/>
+              </a:ext>
+            </a:extLst>
+          </p:cNvPr>
+          <p:cNvPicPr>
+            <a:picLocks noGrp="1" noChangeAspect="1"/>
+          </p:cNvPicPr>
           <p:nvPr>
             <p:ph idx="1"/>
           </p:nvPr>
-        </p:nvSpPr>
-        <p:spPr/>
-        <p:txBody>
-          <a:bodyPr/>
-          <a:lstStyle/>
-          <a:p>
-            <a:endParaRPr lang="en-US"/>
-          </a:p>
-        </p:txBody>
-      </p:sp>
+        </p:nvPicPr>
+        <p:blipFill>
+          <a:blip r:embed="rId3"/>
+          <a:stretch>
+            <a:fillRect/>
+          </a:stretch>
+        </p:blipFill>
+        <p:spPr>
+          <a:xfrm>
+            <a:off x="6338318" y="489180"/>
+            <a:ext cx="5121365" cy="3277672"/>
+          </a:xfrm>
+          <a:prstGeom prst="rect">
+            <a:avLst/>
+          </a:prstGeom>
+        </p:spPr>
+      </p:pic>
     </p:spTree>
     <p:extLst>
       <p:ext uri="{BB962C8B-B14F-4D97-AF65-F5344CB8AC3E}">
@@ -20107,6 +23832,16 @@
 <file path=ppt/slides/slide9.xml><?xml version="1.0" encoding="utf-8"?>
 <p:sld xmlns:a="http://schemas.openxmlformats.org/drawingml/2006/main" xmlns:r="http://schemas.openxmlformats.org/officeDocument/2006/relationships" xmlns:p="http://schemas.openxmlformats.org/presentationml/2006/main">
   <p:cSld>
+    <p:bg>
+      <p:bgPr>
+        <a:solidFill>
+          <a:schemeClr val="bg1">
+            <a:lumMod val="95000"/>
+          </a:schemeClr>
+        </a:solidFill>
+        <a:effectLst/>
+      </p:bgPr>
+    </p:bg>
     <p:spTree>
       <p:nvGrpSpPr>
         <p:cNvPr id="1" name=""/>
@@ -20121,12 +23856,105 @@
           <a:chExt cx="0" cy="0"/>
         </a:xfrm>
       </p:grpSpPr>
+      <p:pic>
+        <p:nvPicPr>
+          <p:cNvPr id="7" name="Picture 6">
+            <a:extLst>
+              <a:ext uri="{FF2B5EF4-FFF2-40B4-BE49-F238E27FC236}">
+                <a16:creationId xmlns:a16="http://schemas.microsoft.com/office/drawing/2014/main" id="{269D73B7-5407-4310-8A31-7CE87B76D7D2}"/>
+              </a:ext>
+            </a:extLst>
+          </p:cNvPr>
+          <p:cNvPicPr>
+            <a:picLocks noChangeAspect="1"/>
+          </p:cNvPicPr>
+          <p:nvPr/>
+        </p:nvPicPr>
+        <p:blipFill>
+          <a:blip r:embed="rId2"/>
+          <a:stretch>
+            <a:fillRect/>
+          </a:stretch>
+        </p:blipFill>
+        <p:spPr>
+          <a:xfrm>
+            <a:off x="529871" y="3377509"/>
+            <a:ext cx="4255319" cy="2734043"/>
+          </a:xfrm>
+          <a:prstGeom prst="rect">
+            <a:avLst/>
+          </a:prstGeom>
+        </p:spPr>
+      </p:pic>
       <p:sp>
         <p:nvSpPr>
-          <p:cNvPr id="4" name="Title 3">
+          <p:cNvPr id="15" name="Rectangle 14">
             <a:extLst>
               <a:ext uri="{FF2B5EF4-FFF2-40B4-BE49-F238E27FC236}">
-                <a16:creationId xmlns:a16="http://schemas.microsoft.com/office/drawing/2014/main" id="{82573866-1394-42CC-AC8A-175AD96CA7A2}"/>
+                <a16:creationId xmlns:a16="http://schemas.microsoft.com/office/drawing/2014/main" id="{DCD3F51F-E0F2-41F0-9EAD-111C87DFF5F6}"/>
+              </a:ext>
+              <a:ext uri="{C183D7F6-B498-43B3-948B-1728B52AA6E4}">
+                <adec:decorative xmlns:adec="http://schemas.microsoft.com/office/drawing/2017/decorative" val="1"/>
+              </a:ext>
+            </a:extLst>
+          </p:cNvPr>
+          <p:cNvSpPr>
+            <a:spLocks noGrp="1" noRot="1" noChangeAspect="1" noMove="1" noResize="1" noEditPoints="1" noAdjustHandles="1" noChangeArrowheads="1" noChangeShapeType="1" noTextEdit="1"/>
+          </p:cNvSpPr>
+          <p:nvPr>
+            <p:extLst>
+              <p:ext uri="{386F3935-93C4-4BCD-93E2-E3B085C9AB24}">
+                <p16:designElem xmlns:p16="http://schemas.microsoft.com/office/powerpoint/2015/main" val="1"/>
+              </p:ext>
+            </p:extLst>
+          </p:nvPr>
+        </p:nvSpPr>
+        <p:spPr>
+          <a:xfrm>
+            <a:off x="5315061" y="-2"/>
+            <a:ext cx="6876939" cy="6858002"/>
+          </a:xfrm>
+          <a:prstGeom prst="rect">
+            <a:avLst/>
+          </a:prstGeom>
+          <a:solidFill>
+            <a:schemeClr val="accent2"/>
+          </a:solidFill>
+          <a:ln>
+            <a:noFill/>
+          </a:ln>
+        </p:spPr>
+        <p:style>
+          <a:lnRef idx="2">
+            <a:schemeClr val="accent1">
+              <a:shade val="50000"/>
+            </a:schemeClr>
+          </a:lnRef>
+          <a:fillRef idx="1">
+            <a:schemeClr val="accent1"/>
+          </a:fillRef>
+          <a:effectRef idx="0">
+            <a:schemeClr val="accent1"/>
+          </a:effectRef>
+          <a:fontRef idx="minor">
+            <a:schemeClr val="lt1"/>
+          </a:fontRef>
+        </p:style>
+        <p:txBody>
+          <a:bodyPr rtlCol="0" anchor="ctr"/>
+          <a:lstStyle/>
+          <a:p>
+            <a:pPr algn="ctr"/>
+            <a:endParaRPr lang="en-US"/>
+          </a:p>
+        </p:txBody>
+      </p:sp>
+      <p:sp>
+        <p:nvSpPr>
+          <p:cNvPr id="2" name="Title 1">
+            <a:extLst>
+              <a:ext uri="{FF2B5EF4-FFF2-40B4-BE49-F238E27FC236}">
+                <a16:creationId xmlns:a16="http://schemas.microsoft.com/office/drawing/2014/main" id="{34805314-032A-494F-9101-A0793BFE30F7}"/>
               </a:ext>
             </a:extLst>
           </p:cNvPr>
@@ -20137,24 +23965,69 @@
             <p:ph type="title"/>
           </p:nvPr>
         </p:nvSpPr>
-        <p:spPr/>
+        <p:spPr>
+          <a:xfrm>
+            <a:off x="6119732" y="1290025"/>
+            <a:ext cx="5291327" cy="1188720"/>
+          </a:xfrm>
+          <a:solidFill>
+            <a:srgbClr val="FFFFFF"/>
+          </a:solidFill>
+          <a:ln>
+            <a:solidFill>
+              <a:srgbClr val="404040"/>
+            </a:solidFill>
+          </a:ln>
+        </p:spPr>
         <p:txBody>
-          <a:bodyPr/>
+          <a:bodyPr>
+            <a:normAutofit/>
+          </a:bodyPr>
           <a:lstStyle/>
           <a:p>
             <a:r>
               <a:rPr lang="en-US" dirty="0"/>
-              <a:t>Evaluation Results</a:t>
+              <a:t>Justifying Population</a:t>
             </a:r>
           </a:p>
         </p:txBody>
       </p:sp>
+      <p:pic>
+        <p:nvPicPr>
+          <p:cNvPr id="10" name="Content Placeholder 4">
+            <a:extLst>
+              <a:ext uri="{FF2B5EF4-FFF2-40B4-BE49-F238E27FC236}">
+                <a16:creationId xmlns:a16="http://schemas.microsoft.com/office/drawing/2014/main" id="{91F9AD98-B8A0-4E55-B5B4-CE96C9422DED}"/>
+              </a:ext>
+            </a:extLst>
+          </p:cNvPr>
+          <p:cNvPicPr>
+            <a:picLocks noChangeAspect="1"/>
+          </p:cNvPicPr>
+          <p:nvPr/>
+        </p:nvPicPr>
+        <p:blipFill>
+          <a:blip r:embed="rId3"/>
+          <a:stretch>
+            <a:fillRect/>
+          </a:stretch>
+        </p:blipFill>
+        <p:spPr>
+          <a:xfrm>
+            <a:off x="529871" y="321733"/>
+            <a:ext cx="4255319" cy="2734043"/>
+          </a:xfrm>
+          <a:prstGeom prst="rect">
+            <a:avLst/>
+          </a:prstGeom>
+        </p:spPr>
+      </p:pic>
       <p:sp>
         <p:nvSpPr>
-          <p:cNvPr id="5" name="Text Placeholder 4">
+          <p:cNvPr id="12" name="Content Placeholder 11">
             <a:extLst>
               <a:ext uri="{FF2B5EF4-FFF2-40B4-BE49-F238E27FC236}">
-                <a16:creationId xmlns:a16="http://schemas.microsoft.com/office/drawing/2014/main" id="{B13C0CF6-5224-4C0A-94C8-9CEE7406D54A}"/>
+                <a16:creationId xmlns:a16="http://schemas.microsoft.com/office/drawing/2014/main" id="{A30B1859-8B02-4C14-9158-64BB23AA6650}"/>
               </a:ext>
             </a:extLst>
           </p:cNvPr>
@@ -20162,22 +24035,53 @@
             <a:spLocks noGrp="1"/>
           </p:cNvSpPr>
           <p:nvPr>
-            <p:ph type="body" idx="1"/>
+            <p:ph idx="1"/>
           </p:nvPr>
         </p:nvSpPr>
-        <p:spPr/>
+        <p:spPr>
+          <a:xfrm>
+            <a:off x="6119732" y="2858703"/>
+            <a:ext cx="5285791" cy="3042547"/>
+          </a:xfrm>
+        </p:spPr>
         <p:txBody>
-          <a:bodyPr/>
+          <a:bodyPr>
+            <a:normAutofit/>
+          </a:bodyPr>
           <a:lstStyle/>
           <a:p>
-            <a:endParaRPr lang="en-US"/>
+            <a:r>
+              <a:rPr lang="en-US" dirty="0">
+                <a:solidFill>
+                  <a:srgbClr val="FFFFFF"/>
+                </a:solidFill>
+              </a:rPr>
+              <a:t>Mapped number of tweets collected by state senator</a:t>
+            </a:r>
+          </a:p>
+          <a:p>
+            <a:endParaRPr lang="en-US" dirty="0">
+              <a:solidFill>
+                <a:srgbClr val="FFFFFF"/>
+              </a:solidFill>
+            </a:endParaRPr>
+          </a:p>
+          <a:p>
+            <a:r>
+              <a:rPr lang="en-US" dirty="0">
+                <a:solidFill>
+                  <a:srgbClr val="FFFFFF"/>
+                </a:solidFill>
+              </a:rPr>
+              <a:t>Removed senators that voted against party line to eliminate bias</a:t>
+            </a:r>
           </a:p>
         </p:txBody>
       </p:sp>
     </p:spTree>
     <p:extLst>
       <p:ext uri="{BB962C8B-B14F-4D97-AF65-F5344CB8AC3E}">
-        <p14:creationId xmlns:p14="http://schemas.microsoft.com/office/powerpoint/2010/main" val="390796676"/>
+        <p14:creationId xmlns:p14="http://schemas.microsoft.com/office/powerpoint/2010/main" val="4072591381"/>
       </p:ext>
     </p:extLst>
   </p:cSld>

--- a/Final Presentation.pptx
+++ b/Final Presentation.pptx
@@ -21531,6 +21531,17 @@
               <a:t>Analyze links, videos, and photos in tweet</a:t>
             </a:r>
           </a:p>
+          <a:p>
+            <a:r>
+              <a:rPr lang="en-US" sz="2400" dirty="0"/>
+              <a:t>Create a predictor that leverages Twitter traffic and tweet </a:t>
+            </a:r>
+            <a:r>
+              <a:rPr lang="en-US" sz="2400" dirty="0" err="1"/>
+              <a:t>classificiation</a:t>
+            </a:r>
+            <a:endParaRPr lang="en-US" sz="2400" dirty="0"/>
+          </a:p>
         </p:txBody>
       </p:sp>
     </p:spTree>

--- a/Final Presentation.pptx
+++ b/Final Presentation.pptx
@@ -5,7 +5,7 @@
     <p:sldMasterId id="2147484149" r:id="rId1"/>
   </p:sldMasterIdLst>
   <p:notesMasterIdLst>
-    <p:notesMasterId r:id="rId22"/>
+    <p:notesMasterId r:id="rId23"/>
   </p:notesMasterIdLst>
   <p:sldIdLst>
     <p:sldId id="256" r:id="rId2"/>
@@ -20,14 +20,15 @@
     <p:sldId id="271" r:id="rId11"/>
     <p:sldId id="267" r:id="rId12"/>
     <p:sldId id="272" r:id="rId13"/>
-    <p:sldId id="274" r:id="rId14"/>
-    <p:sldId id="284" r:id="rId15"/>
-    <p:sldId id="275" r:id="rId16"/>
-    <p:sldId id="276" r:id="rId17"/>
-    <p:sldId id="277" r:id="rId18"/>
-    <p:sldId id="278" r:id="rId19"/>
-    <p:sldId id="279" r:id="rId20"/>
-    <p:sldId id="263" r:id="rId21"/>
+    <p:sldId id="285" r:id="rId14"/>
+    <p:sldId id="274" r:id="rId15"/>
+    <p:sldId id="284" r:id="rId16"/>
+    <p:sldId id="275" r:id="rId17"/>
+    <p:sldId id="276" r:id="rId18"/>
+    <p:sldId id="277" r:id="rId19"/>
+    <p:sldId id="278" r:id="rId20"/>
+    <p:sldId id="279" r:id="rId21"/>
+    <p:sldId id="263" r:id="rId22"/>
   </p:sldIdLst>
   <p:sldSz cx="12192000" cy="6858000"/>
   <p:notesSz cx="6858000" cy="9144000"/>
@@ -5275,6 +5276,44 @@
         </a:p>
       </dgm:t>
     </dgm:pt>
+    <dgm:pt modelId="{EFE6E2B7-931D-8E46-92EF-DEACD43B1458}">
+      <dgm:prSet/>
+      <dgm:spPr/>
+      <dgm:t>
+        <a:bodyPr/>
+        <a:lstStyle/>
+        <a:p>
+          <a:pPr>
+            <a:lnSpc>
+              <a:spcPct val="100000"/>
+            </a:lnSpc>
+          </a:pPr>
+          <a:endParaRPr lang="en-US" dirty="0"/>
+        </a:p>
+      </dgm:t>
+    </dgm:pt>
+    <dgm:pt modelId="{F44ACD21-EE92-534D-9958-31B5B6C2D2C2}" type="parTrans" cxnId="{87BDFC7F-1EF6-5B45-8A5B-25CD8D714D13}">
+      <dgm:prSet/>
+      <dgm:spPr/>
+      <dgm:t>
+        <a:bodyPr/>
+        <a:lstStyle/>
+        <a:p>
+          <a:endParaRPr lang="en-US"/>
+        </a:p>
+      </dgm:t>
+    </dgm:pt>
+    <dgm:pt modelId="{E7558E32-1542-2D46-B389-E3887B7A074D}" type="sibTrans" cxnId="{87BDFC7F-1EF6-5B45-8A5B-25CD8D714D13}">
+      <dgm:prSet/>
+      <dgm:spPr/>
+      <dgm:t>
+        <a:bodyPr/>
+        <a:lstStyle/>
+        <a:p>
+          <a:endParaRPr lang="en-US"/>
+        </a:p>
+      </dgm:t>
+    </dgm:pt>
     <dgm:pt modelId="{0D5EEFEB-1122-45C1-A106-10091C0422A2}">
       <dgm:prSet/>
       <dgm:spPr/>
@@ -5306,44 +5345,6 @@
       </dgm:t>
     </dgm:pt>
     <dgm:pt modelId="{658C9B92-C90D-4AED-B1B0-AFA77ED51962}" type="parTrans" cxnId="{AD98DF12-A9CF-464D-A3A5-E740FFD403C1}">
-      <dgm:prSet/>
-      <dgm:spPr/>
-      <dgm:t>
-        <a:bodyPr/>
-        <a:lstStyle/>
-        <a:p>
-          <a:endParaRPr lang="en-US"/>
-        </a:p>
-      </dgm:t>
-    </dgm:pt>
-    <dgm:pt modelId="{EFE6E2B7-931D-8E46-92EF-DEACD43B1458}">
-      <dgm:prSet/>
-      <dgm:spPr/>
-      <dgm:t>
-        <a:bodyPr/>
-        <a:lstStyle/>
-        <a:p>
-          <a:pPr>
-            <a:lnSpc>
-              <a:spcPct val="100000"/>
-            </a:lnSpc>
-          </a:pPr>
-          <a:endParaRPr lang="en-US" dirty="0"/>
-        </a:p>
-      </dgm:t>
-    </dgm:pt>
-    <dgm:pt modelId="{F44ACD21-EE92-534D-9958-31B5B6C2D2C2}" type="parTrans" cxnId="{87BDFC7F-1EF6-5B45-8A5B-25CD8D714D13}">
-      <dgm:prSet/>
-      <dgm:spPr/>
-      <dgm:t>
-        <a:bodyPr/>
-        <a:lstStyle/>
-        <a:p>
-          <a:endParaRPr lang="en-US"/>
-        </a:p>
-      </dgm:t>
-    </dgm:pt>
-    <dgm:pt modelId="{E7558E32-1542-2D46-B389-E3887B7A074D}" type="sibTrans" cxnId="{87BDFC7F-1EF6-5B45-8A5B-25CD8D714D13}">
       <dgm:prSet/>
       <dgm:spPr/>
       <dgm:t>
@@ -5463,7 +5464,21 @@
     </dgm:pt>
     <dgm:pt modelId="{682904D4-275F-4782-9FF5-75547BFE9964}" type="pres">
       <dgm:prSet presAssocID="{0D5EEFEB-1122-45C1-A106-10091C0422A2}" presName="iconRect" presStyleLbl="node1" presStyleIdx="2" presStyleCnt="4"/>
-      <dgm:spPr/>
+      <dgm:spPr>
+        <a:blipFill rotWithShape="1">
+          <a:blip xmlns:r="http://schemas.openxmlformats.org/officeDocument/2006/relationships" r:embed="rId3">
+            <a:extLst>
+              <a:ext uri="{28A0092B-C50C-407E-A947-70E740481C1C}">
+                <a14:useLocalDpi xmlns:a14="http://schemas.microsoft.com/office/drawing/2010/main" val="0"/>
+              </a:ext>
+            </a:extLst>
+          </a:blip>
+          <a:srcRect/>
+          <a:stretch>
+            <a:fillRect l="-43000" r="-43000"/>
+          </a:stretch>
+        </a:blipFill>
+      </dgm:spPr>
       <dgm:extLst/>
     </dgm:pt>
     <dgm:pt modelId="{3943AA01-6B35-4463-A806-7943E8A4FA7C}" type="pres">
@@ -5495,7 +5510,7 @@
       <dgm:prSet presAssocID="{E899FCA5-5917-8646-A3FB-2A6248D3D642}" presName="iconRect" presStyleLbl="node1" presStyleIdx="3" presStyleCnt="4"/>
       <dgm:spPr>
         <a:blipFill>
-          <a:blip xmlns:r="http://schemas.openxmlformats.org/officeDocument/2006/relationships" r:embed="rId3">
+          <a:blip xmlns:r="http://schemas.openxmlformats.org/officeDocument/2006/relationships" r:embed="rId4">
             <a:extLst>
               <a:ext uri="{28A0092B-C50C-407E-A947-70E740481C1C}">
                 <a14:useLocalDpi xmlns:a14="http://schemas.microsoft.com/office/drawing/2010/main" val="0"/>
@@ -7751,44 +7766,19 @@
         <a:prstGeom prst="rect">
           <a:avLst/>
         </a:prstGeom>
-        <a:gradFill rotWithShape="0">
-          <a:gsLst>
-            <a:gs pos="0">
-              <a:schemeClr val="accent4">
-                <a:hueOff val="0"/>
-                <a:satOff val="0"/>
-                <a:lumOff val="0"/>
-                <a:alphaOff val="0"/>
-                <a:tint val="97000"/>
-                <a:satMod val="100000"/>
-                <a:lumMod val="102000"/>
-              </a:schemeClr>
-            </a:gs>
-            <a:gs pos="50000">
-              <a:schemeClr val="accent4">
-                <a:hueOff val="0"/>
-                <a:satOff val="0"/>
-                <a:lumOff val="0"/>
-                <a:alphaOff val="0"/>
-                <a:shade val="100000"/>
-                <a:satMod val="103000"/>
-                <a:lumMod val="100000"/>
-              </a:schemeClr>
-            </a:gs>
-            <a:gs pos="100000">
-              <a:schemeClr val="accent4">
-                <a:hueOff val="0"/>
-                <a:satOff val="0"/>
-                <a:lumOff val="0"/>
-                <a:alphaOff val="0"/>
-                <a:shade val="93000"/>
-                <a:satMod val="110000"/>
-                <a:lumMod val="99000"/>
-              </a:schemeClr>
-            </a:gs>
-          </a:gsLst>
-          <a:lin ang="5400000" scaled="0"/>
-        </a:gradFill>
+        <a:blipFill rotWithShape="1">
+          <a:blip xmlns:r="http://schemas.openxmlformats.org/officeDocument/2006/relationships" r:embed="rId3">
+            <a:extLst>
+              <a:ext uri="{28A0092B-C50C-407E-A947-70E740481C1C}">
+                <a14:useLocalDpi xmlns:a14="http://schemas.microsoft.com/office/drawing/2010/main" val="0"/>
+              </a:ext>
+            </a:extLst>
+          </a:blip>
+          <a:srcRect/>
+          <a:stretch>
+            <a:fillRect l="-43000" r="-43000"/>
+          </a:stretch>
+        </a:blipFill>
         <a:ln>
           <a:noFill/>
         </a:ln>
@@ -7925,7 +7915,7 @@
           <a:avLst/>
         </a:prstGeom>
         <a:blipFill>
-          <a:blip xmlns:r="http://schemas.openxmlformats.org/officeDocument/2006/relationships" r:embed="rId3">
+          <a:blip xmlns:r="http://schemas.openxmlformats.org/officeDocument/2006/relationships" r:embed="rId4">
             <a:extLst>
               <a:ext uri="{28A0092B-C50C-407E-A947-70E740481C1C}">
                 <a14:useLocalDpi xmlns:a14="http://schemas.microsoft.com/office/drawing/2010/main" val="0"/>
@@ -15945,7 +15935,7 @@
           <a:p>
             <a:fld id="{9A3872D6-F9DE-D746-BA47-48E20125A7C5}" type="datetimeFigureOut">
               <a:rPr lang="en-US" smtClean="0"/>
-              <a:t>4/22/2019</a:t>
+              <a:t>4/28/2019</a:t>
             </a:fld>
             <a:endParaRPr lang="en-US"/>
           </a:p>
@@ -16628,7 +16618,7 @@
             <a:fld id="{B61BEF0D-F0BB-DE4B-95CE-6DB70DBA9567}" type="datetimeFigureOut">
               <a:rPr lang="en-US" smtClean="0"/>
               <a:pPr/>
-              <a:t>4/22/2019</a:t>
+              <a:t>4/28/2019</a:t>
             </a:fld>
             <a:endParaRPr lang="en-US" dirty="0"/>
           </a:p>
@@ -16800,7 +16790,7 @@
             <a:fld id="{B61BEF0D-F0BB-DE4B-95CE-6DB70DBA9567}" type="datetimeFigureOut">
               <a:rPr lang="en-US" smtClean="0"/>
               <a:pPr/>
-              <a:t>4/22/2019</a:t>
+              <a:t>4/28/2019</a:t>
             </a:fld>
             <a:endParaRPr lang="en-US" dirty="0"/>
           </a:p>
@@ -16982,7 +16972,7 @@
             <a:fld id="{B61BEF0D-F0BB-DE4B-95CE-6DB70DBA9567}" type="datetimeFigureOut">
               <a:rPr lang="en-US" smtClean="0"/>
               <a:pPr/>
-              <a:t>4/22/2019</a:t>
+              <a:t>4/28/2019</a:t>
             </a:fld>
             <a:endParaRPr lang="en-US" dirty="0"/>
           </a:p>
@@ -17154,7 +17144,7 @@
             <a:fld id="{B61BEF0D-F0BB-DE4B-95CE-6DB70DBA9567}" type="datetimeFigureOut">
               <a:rPr lang="en-US" smtClean="0"/>
               <a:pPr/>
-              <a:t>4/22/2019</a:t>
+              <a:t>4/28/2019</a:t>
             </a:fld>
             <a:endParaRPr lang="en-US" dirty="0"/>
           </a:p>
@@ -17424,7 +17414,7 @@
             <a:fld id="{B61BEF0D-F0BB-DE4B-95CE-6DB70DBA9567}" type="datetimeFigureOut">
               <a:rPr lang="en-US" smtClean="0"/>
               <a:pPr/>
-              <a:t>4/22/2019</a:t>
+              <a:t>4/28/2019</a:t>
             </a:fld>
             <a:endParaRPr lang="en-US" dirty="0"/>
           </a:p>
@@ -17658,7 +17648,7 @@
             <a:fld id="{B61BEF0D-F0BB-DE4B-95CE-6DB70DBA9567}" type="datetimeFigureOut">
               <a:rPr lang="en-US" smtClean="0"/>
               <a:pPr/>
-              <a:t>4/22/2019</a:t>
+              <a:t>4/28/2019</a:t>
             </a:fld>
             <a:endParaRPr lang="en-US" dirty="0"/>
           </a:p>
@@ -18019,7 +18009,7 @@
             <a:fld id="{B61BEF0D-F0BB-DE4B-95CE-6DB70DBA9567}" type="datetimeFigureOut">
               <a:rPr lang="en-US" smtClean="0"/>
               <a:pPr/>
-              <a:t>4/22/2019</a:t>
+              <a:t>4/28/2019</a:t>
             </a:fld>
             <a:endParaRPr lang="en-US" dirty="0"/>
           </a:p>
@@ -18162,7 +18152,7 @@
             <a:fld id="{B61BEF0D-F0BB-DE4B-95CE-6DB70DBA9567}" type="datetimeFigureOut">
               <a:rPr lang="en-US" smtClean="0"/>
               <a:pPr/>
-              <a:t>4/22/2019</a:t>
+              <a:t>4/28/2019</a:t>
             </a:fld>
             <a:endParaRPr lang="en-US" dirty="0"/>
           </a:p>
@@ -18259,7 +18249,7 @@
             <a:fld id="{B61BEF0D-F0BB-DE4B-95CE-6DB70DBA9567}" type="datetimeFigureOut">
               <a:rPr lang="en-US" smtClean="0"/>
               <a:pPr/>
-              <a:t>4/22/2019</a:t>
+              <a:t>4/28/2019</a:t>
             </a:fld>
             <a:endParaRPr lang="en-US" dirty="0"/>
           </a:p>
@@ -18618,7 +18608,7 @@
             <a:fld id="{B61BEF0D-F0BB-DE4B-95CE-6DB70DBA9567}" type="datetimeFigureOut">
               <a:rPr lang="en-US" smtClean="0"/>
               <a:pPr/>
-              <a:t>4/22/2019</a:t>
+              <a:t>4/28/2019</a:t>
             </a:fld>
             <a:endParaRPr lang="en-US" dirty="0"/>
           </a:p>
@@ -18977,7 +18967,7 @@
             <a:fld id="{B61BEF0D-F0BB-DE4B-95CE-6DB70DBA9567}" type="datetimeFigureOut">
               <a:rPr lang="en-US" smtClean="0"/>
               <a:pPr/>
-              <a:t>4/22/2019</a:t>
+              <a:t>4/28/2019</a:t>
             </a:fld>
             <a:endParaRPr lang="en-US" dirty="0"/>
           </a:p>
@@ -19221,7 +19211,7 @@
             <a:fld id="{B61BEF0D-F0BB-DE4B-95CE-6DB70DBA9567}" type="datetimeFigureOut">
               <a:rPr lang="en-US" smtClean="0"/>
               <a:pPr/>
-              <a:t>4/22/2019</a:t>
+              <a:t>4/28/2019</a:t>
             </a:fld>
             <a:endParaRPr lang="en-US" dirty="0"/>
           </a:p>
@@ -20086,8 +20076,8 @@
           <a:lstStyle/>
           <a:p>
             <a:r>
-              <a:rPr lang="en-US" sz="3200"/>
-              <a:t>Senators Results</a:t>
+              <a:rPr lang="en-US" sz="3200" dirty="0"/>
+              <a:t>Initial Senators Results</a:t>
             </a:r>
           </a:p>
         </p:txBody>
@@ -20170,6 +20160,16 @@
 <file path=ppt/slides/slide12.xml><?xml version="1.0" encoding="utf-8"?>
 <p:sld xmlns:a="http://schemas.openxmlformats.org/drawingml/2006/main" xmlns:r="http://schemas.openxmlformats.org/officeDocument/2006/relationships" xmlns:p="http://schemas.openxmlformats.org/presentationml/2006/main">
   <p:cSld>
+    <p:bg>
+      <p:bgPr>
+        <a:solidFill>
+          <a:schemeClr val="bg1">
+            <a:lumMod val="95000"/>
+          </a:schemeClr>
+        </a:solidFill>
+        <a:effectLst/>
+      </p:bgPr>
+    </p:bg>
     <p:spTree>
       <p:nvGrpSpPr>
         <p:cNvPr id="1" name=""/>
@@ -20200,24 +20200,31 @@
             <p:ph type="title"/>
           </p:nvPr>
         </p:nvSpPr>
-        <p:spPr/>
+        <p:spPr>
+          <a:xfrm>
+            <a:off x="804672" y="964692"/>
+            <a:ext cx="3066937" cy="1188720"/>
+          </a:xfrm>
+        </p:spPr>
         <p:txBody>
-          <a:bodyPr/>
+          <a:bodyPr>
+            <a:normAutofit/>
+          </a:bodyPr>
           <a:lstStyle/>
           <a:p>
             <a:r>
-              <a:rPr lang="en-US" dirty="0"/>
-              <a:t>Senators Results</a:t>
+              <a:rPr lang="en-US" sz="2000"/>
+              <a:t>Collective Senators Results</a:t>
             </a:r>
           </a:p>
         </p:txBody>
       </p:sp>
       <p:sp>
         <p:nvSpPr>
-          <p:cNvPr id="3" name="Content Placeholder 2">
+          <p:cNvPr id="10" name="Content Placeholder 9">
             <a:extLst>
               <a:ext uri="{FF2B5EF4-FFF2-40B4-BE49-F238E27FC236}">
-                <a16:creationId xmlns:a16="http://schemas.microsoft.com/office/drawing/2014/main" id="{575A31CF-0941-41B2-8A2A-AE6F558AC5E4}"/>
+                <a16:creationId xmlns:a16="http://schemas.microsoft.com/office/drawing/2014/main" id="{E5DD3450-CFED-4E27-8D2F-9C246614F382}"/>
               </a:ext>
             </a:extLst>
           </p:cNvPr>
@@ -20228,15 +20235,194 @@
             <p:ph idx="1"/>
           </p:nvPr>
         </p:nvSpPr>
-        <p:spPr/>
+        <p:spPr>
+          <a:xfrm>
+            <a:off x="803244" y="2638044"/>
+            <a:ext cx="3063765" cy="3263206"/>
+          </a:xfrm>
+        </p:spPr>
         <p:txBody>
-          <a:bodyPr/>
+          <a:bodyPr>
+            <a:normAutofit/>
+          </a:bodyPr>
           <a:lstStyle/>
           <a:p>
+            <a:r>
+              <a:rPr lang="en-US" dirty="0"/>
+              <a:t>Democrats tended to get higher amounts of anti-Obamacare tweets</a:t>
+            </a:r>
+          </a:p>
+          <a:p>
+            <a:r>
+              <a:rPr lang="en-US" dirty="0"/>
+              <a:t>Republicans are statistically the same on average</a:t>
+            </a:r>
+          </a:p>
+          <a:p>
+            <a:pPr marL="0" indent="0">
+              <a:buNone/>
+            </a:pPr>
             <a:endParaRPr lang="en-US" dirty="0"/>
           </a:p>
         </p:txBody>
       </p:sp>
+      <p:sp>
+        <p:nvSpPr>
+          <p:cNvPr id="13" name="Rectangle 12">
+            <a:extLst>
+              <a:ext uri="{FF2B5EF4-FFF2-40B4-BE49-F238E27FC236}">
+                <a16:creationId xmlns:a16="http://schemas.microsoft.com/office/drawing/2014/main" id="{6515FC82-3453-4CBE-8895-4CCFF339529E}"/>
+              </a:ext>
+              <a:ext uri="{C183D7F6-B498-43B3-948B-1728B52AA6E4}">
+                <adec:decorative xmlns:adec="http://schemas.microsoft.com/office/drawing/2017/decorative" val="1"/>
+              </a:ext>
+            </a:extLst>
+          </p:cNvPr>
+          <p:cNvSpPr>
+            <a:spLocks noGrp="1" noRot="1" noChangeAspect="1" noMove="1" noResize="1" noEditPoints="1" noAdjustHandles="1" noChangeArrowheads="1" noChangeShapeType="1" noTextEdit="1"/>
+          </p:cNvSpPr>
+          <p:nvPr>
+            <p:extLst>
+              <p:ext uri="{386F3935-93C4-4BCD-93E2-E3B085C9AB24}">
+                <p16:designElem xmlns:p16="http://schemas.microsoft.com/office/powerpoint/2015/main" val="1"/>
+              </p:ext>
+            </p:extLst>
+          </p:nvPr>
+        </p:nvSpPr>
+        <p:spPr>
+          <a:xfrm>
+            <a:off x="4494182" y="964692"/>
+            <a:ext cx="6885432" cy="4936558"/>
+          </a:xfrm>
+          <a:prstGeom prst="rect">
+            <a:avLst/>
+          </a:prstGeom>
+          <a:noFill/>
+          <a:ln w="31750" cap="sq">
+            <a:solidFill>
+              <a:srgbClr val="FFFFFF"/>
+            </a:solidFill>
+            <a:miter lim="800000"/>
+          </a:ln>
+        </p:spPr>
+        <p:style>
+          <a:lnRef idx="2">
+            <a:schemeClr val="accent1">
+              <a:shade val="50000"/>
+            </a:schemeClr>
+          </a:lnRef>
+          <a:fillRef idx="1">
+            <a:schemeClr val="accent1"/>
+          </a:fillRef>
+          <a:effectRef idx="0">
+            <a:schemeClr val="accent1"/>
+          </a:effectRef>
+          <a:fontRef idx="minor">
+            <a:schemeClr val="lt1"/>
+          </a:fontRef>
+        </p:style>
+        <p:txBody>
+          <a:bodyPr rtlCol="0" anchor="ctr"/>
+          <a:lstStyle/>
+          <a:p>
+            <a:pPr algn="ctr"/>
+            <a:endParaRPr lang="en-US" dirty="0"/>
+          </a:p>
+        </p:txBody>
+      </p:sp>
+      <p:sp>
+        <p:nvSpPr>
+          <p:cNvPr id="15" name="Rectangle 14">
+            <a:extLst>
+              <a:ext uri="{FF2B5EF4-FFF2-40B4-BE49-F238E27FC236}">
+                <a16:creationId xmlns:a16="http://schemas.microsoft.com/office/drawing/2014/main" id="{C5FD847B-65C0-4027-8DFC-70CB424514F8}"/>
+              </a:ext>
+              <a:ext uri="{C183D7F6-B498-43B3-948B-1728B52AA6E4}">
+                <adec:decorative xmlns:adec="http://schemas.microsoft.com/office/drawing/2017/decorative" val="1"/>
+              </a:ext>
+            </a:extLst>
+          </p:cNvPr>
+          <p:cNvSpPr>
+            <a:spLocks noGrp="1" noRot="1" noChangeAspect="1" noMove="1" noResize="1" noEditPoints="1" noAdjustHandles="1" noChangeArrowheads="1" noChangeShapeType="1" noTextEdit="1"/>
+          </p:cNvSpPr>
+          <p:nvPr>
+            <p:extLst>
+              <p:ext uri="{386F3935-93C4-4BCD-93E2-E3B085C9AB24}">
+                <p16:designElem xmlns:p16="http://schemas.microsoft.com/office/powerpoint/2015/main" val="1"/>
+              </p:ext>
+            </p:extLst>
+          </p:nvPr>
+        </p:nvSpPr>
+        <p:spPr>
+          <a:xfrm>
+            <a:off x="4657802" y="1128683"/>
+            <a:ext cx="6558192" cy="4608576"/>
+          </a:xfrm>
+          <a:prstGeom prst="rect">
+            <a:avLst/>
+          </a:prstGeom>
+          <a:solidFill>
+            <a:srgbClr val="FFFFFF"/>
+          </a:solidFill>
+          <a:ln>
+            <a:noFill/>
+          </a:ln>
+        </p:spPr>
+        <p:style>
+          <a:lnRef idx="2">
+            <a:schemeClr val="accent1">
+              <a:shade val="50000"/>
+            </a:schemeClr>
+          </a:lnRef>
+          <a:fillRef idx="1">
+            <a:schemeClr val="accent1"/>
+          </a:fillRef>
+          <a:effectRef idx="0">
+            <a:schemeClr val="accent1"/>
+          </a:effectRef>
+          <a:fontRef idx="minor">
+            <a:schemeClr val="lt1"/>
+          </a:fontRef>
+        </p:style>
+        <p:txBody>
+          <a:bodyPr rtlCol="0" anchor="ctr"/>
+          <a:lstStyle/>
+          <a:p>
+            <a:pPr algn="ctr"/>
+            <a:endParaRPr lang="en-US"/>
+          </a:p>
+        </p:txBody>
+      </p:sp>
+      <p:pic>
+        <p:nvPicPr>
+          <p:cNvPr id="8" name="Content Placeholder 4">
+            <a:extLst>
+              <a:ext uri="{FF2B5EF4-FFF2-40B4-BE49-F238E27FC236}">
+                <a16:creationId xmlns:a16="http://schemas.microsoft.com/office/drawing/2014/main" id="{478F14F0-F777-49B5-B1D3-CD6391DD1855}"/>
+              </a:ext>
+            </a:extLst>
+          </p:cNvPr>
+          <p:cNvPicPr>
+            <a:picLocks noChangeAspect="1"/>
+          </p:cNvPicPr>
+          <p:nvPr/>
+        </p:nvPicPr>
+        <p:blipFill>
+          <a:blip r:embed="rId2"/>
+          <a:stretch>
+            <a:fillRect/>
+          </a:stretch>
+        </p:blipFill>
+        <p:spPr>
+          <a:xfrm>
+            <a:off x="4823366" y="1611555"/>
+            <a:ext cx="6227064" cy="3642831"/>
+          </a:xfrm>
+          <a:prstGeom prst="rect">
+            <a:avLst/>
+          </a:prstGeom>
+        </p:spPr>
+      </p:pic>
     </p:spTree>
     <p:extLst>
       <p:ext uri="{BB962C8B-B14F-4D97-AF65-F5344CB8AC3E}">
@@ -20251,6 +20437,285 @@
 </file>
 
 <file path=ppt/slides/slide13.xml><?xml version="1.0" encoding="utf-8"?>
+<p:sld xmlns:a="http://schemas.openxmlformats.org/drawingml/2006/main" xmlns:r="http://schemas.openxmlformats.org/officeDocument/2006/relationships" xmlns:p="http://schemas.openxmlformats.org/presentationml/2006/main">
+  <p:cSld>
+    <p:bg>
+      <p:bgPr>
+        <a:solidFill>
+          <a:schemeClr val="bg1">
+            <a:lumMod val="95000"/>
+          </a:schemeClr>
+        </a:solidFill>
+        <a:effectLst/>
+      </p:bgPr>
+    </p:bg>
+    <p:spTree>
+      <p:nvGrpSpPr>
+        <p:cNvPr id="1" name=""/>
+        <p:cNvGrpSpPr/>
+        <p:nvPr/>
+      </p:nvGrpSpPr>
+      <p:grpSpPr>
+        <a:xfrm>
+          <a:off x="0" y="0"/>
+          <a:ext cx="0" cy="0"/>
+          <a:chOff x="0" y="0"/>
+          <a:chExt cx="0" cy="0"/>
+        </a:xfrm>
+      </p:grpSpPr>
+      <p:sp>
+        <p:nvSpPr>
+          <p:cNvPr id="2" name="Title 1">
+            <a:extLst>
+              <a:ext uri="{FF2B5EF4-FFF2-40B4-BE49-F238E27FC236}">
+                <a16:creationId xmlns:a16="http://schemas.microsoft.com/office/drawing/2014/main" id="{10E97F4D-F5E3-44FF-8205-C8853B02281B}"/>
+              </a:ext>
+            </a:extLst>
+          </p:cNvPr>
+          <p:cNvSpPr>
+            <a:spLocks noGrp="1"/>
+          </p:cNvSpPr>
+          <p:nvPr>
+            <p:ph type="title"/>
+          </p:nvPr>
+        </p:nvSpPr>
+        <p:spPr>
+          <a:xfrm>
+            <a:off x="804672" y="964692"/>
+            <a:ext cx="3066937" cy="1188720"/>
+          </a:xfrm>
+        </p:spPr>
+        <p:txBody>
+          <a:bodyPr>
+            <a:normAutofit/>
+          </a:bodyPr>
+          <a:lstStyle/>
+          <a:p>
+            <a:r>
+              <a:rPr lang="en-US" dirty="0"/>
+              <a:t>Predictor</a:t>
+            </a:r>
+          </a:p>
+        </p:txBody>
+      </p:sp>
+      <p:sp>
+        <p:nvSpPr>
+          <p:cNvPr id="3" name="Content Placeholder 2">
+            <a:extLst>
+              <a:ext uri="{FF2B5EF4-FFF2-40B4-BE49-F238E27FC236}">
+                <a16:creationId xmlns:a16="http://schemas.microsoft.com/office/drawing/2014/main" id="{98D94C48-A5B5-4F2E-86A7-6E30C8C1109E}"/>
+              </a:ext>
+            </a:extLst>
+          </p:cNvPr>
+          <p:cNvSpPr>
+            <a:spLocks noGrp="1"/>
+          </p:cNvSpPr>
+          <p:nvPr>
+            <p:ph idx="1"/>
+          </p:nvPr>
+        </p:nvSpPr>
+        <p:spPr>
+          <a:xfrm>
+            <a:off x="803244" y="2638044"/>
+            <a:ext cx="3063765" cy="3263206"/>
+          </a:xfrm>
+        </p:spPr>
+        <p:txBody>
+          <a:bodyPr>
+            <a:normAutofit/>
+          </a:bodyPr>
+          <a:lstStyle/>
+          <a:p>
+            <a:r>
+              <a:rPr lang="en-US"/>
+              <a:t>Created a predictor to guess how each senator would vote</a:t>
+            </a:r>
+          </a:p>
+          <a:p>
+            <a:r>
+              <a:rPr lang="en-US"/>
+              <a:t>Our custom ensemble method performed the best amongst all models</a:t>
+            </a:r>
+          </a:p>
+          <a:p>
+            <a:r>
+              <a:rPr lang="en-US"/>
+              <a:t>Guessed the vote to be 45-55 (while it was 43-57 in reality)</a:t>
+            </a:r>
+          </a:p>
+        </p:txBody>
+      </p:sp>
+      <p:sp>
+        <p:nvSpPr>
+          <p:cNvPr id="17" name="Rectangle 16">
+            <a:extLst>
+              <a:ext uri="{FF2B5EF4-FFF2-40B4-BE49-F238E27FC236}">
+                <a16:creationId xmlns:a16="http://schemas.microsoft.com/office/drawing/2014/main" id="{6515FC82-3453-4CBE-8895-4CCFF339529E}"/>
+              </a:ext>
+              <a:ext uri="{C183D7F6-B498-43B3-948B-1728B52AA6E4}">
+                <adec:decorative xmlns:adec="http://schemas.microsoft.com/office/drawing/2017/decorative" val="1"/>
+              </a:ext>
+            </a:extLst>
+          </p:cNvPr>
+          <p:cNvSpPr>
+            <a:spLocks noGrp="1" noRot="1" noChangeAspect="1" noMove="1" noResize="1" noEditPoints="1" noAdjustHandles="1" noChangeArrowheads="1" noChangeShapeType="1" noTextEdit="1"/>
+          </p:cNvSpPr>
+          <p:nvPr>
+            <p:extLst>
+              <p:ext uri="{386F3935-93C4-4BCD-93E2-E3B085C9AB24}">
+                <p16:designElem xmlns:p16="http://schemas.microsoft.com/office/powerpoint/2015/main" val="1"/>
+              </p:ext>
+            </p:extLst>
+          </p:nvPr>
+        </p:nvSpPr>
+        <p:spPr>
+          <a:xfrm>
+            <a:off x="4494182" y="964692"/>
+            <a:ext cx="6885432" cy="4936558"/>
+          </a:xfrm>
+          <a:prstGeom prst="rect">
+            <a:avLst/>
+          </a:prstGeom>
+          <a:noFill/>
+          <a:ln w="31750" cap="sq">
+            <a:solidFill>
+              <a:srgbClr val="FFFFFF"/>
+            </a:solidFill>
+            <a:miter lim="800000"/>
+          </a:ln>
+        </p:spPr>
+        <p:style>
+          <a:lnRef idx="2">
+            <a:schemeClr val="accent1">
+              <a:shade val="50000"/>
+            </a:schemeClr>
+          </a:lnRef>
+          <a:fillRef idx="1">
+            <a:schemeClr val="accent1"/>
+          </a:fillRef>
+          <a:effectRef idx="0">
+            <a:schemeClr val="accent1"/>
+          </a:effectRef>
+          <a:fontRef idx="minor">
+            <a:schemeClr val="lt1"/>
+          </a:fontRef>
+        </p:style>
+        <p:txBody>
+          <a:bodyPr rtlCol="0" anchor="ctr"/>
+          <a:lstStyle/>
+          <a:p>
+            <a:pPr algn="ctr"/>
+            <a:endParaRPr lang="en-US" dirty="0"/>
+          </a:p>
+        </p:txBody>
+      </p:sp>
+      <p:sp>
+        <p:nvSpPr>
+          <p:cNvPr id="19" name="Rectangle 18">
+            <a:extLst>
+              <a:ext uri="{FF2B5EF4-FFF2-40B4-BE49-F238E27FC236}">
+                <a16:creationId xmlns:a16="http://schemas.microsoft.com/office/drawing/2014/main" id="{C5FD847B-65C0-4027-8DFC-70CB424514F8}"/>
+              </a:ext>
+              <a:ext uri="{C183D7F6-B498-43B3-948B-1728B52AA6E4}">
+                <adec:decorative xmlns:adec="http://schemas.microsoft.com/office/drawing/2017/decorative" val="1"/>
+              </a:ext>
+            </a:extLst>
+          </p:cNvPr>
+          <p:cNvSpPr>
+            <a:spLocks noGrp="1" noRot="1" noChangeAspect="1" noMove="1" noResize="1" noEditPoints="1" noAdjustHandles="1" noChangeArrowheads="1" noChangeShapeType="1" noTextEdit="1"/>
+          </p:cNvSpPr>
+          <p:nvPr>
+            <p:extLst>
+              <p:ext uri="{386F3935-93C4-4BCD-93E2-E3B085C9AB24}">
+                <p16:designElem xmlns:p16="http://schemas.microsoft.com/office/powerpoint/2015/main" val="1"/>
+              </p:ext>
+            </p:extLst>
+          </p:nvPr>
+        </p:nvSpPr>
+        <p:spPr>
+          <a:xfrm>
+            <a:off x="4657802" y="1128683"/>
+            <a:ext cx="6558192" cy="4608576"/>
+          </a:xfrm>
+          <a:prstGeom prst="rect">
+            <a:avLst/>
+          </a:prstGeom>
+          <a:solidFill>
+            <a:srgbClr val="FFFFFF"/>
+          </a:solidFill>
+          <a:ln>
+            <a:noFill/>
+          </a:ln>
+        </p:spPr>
+        <p:style>
+          <a:lnRef idx="2">
+            <a:schemeClr val="accent1">
+              <a:shade val="50000"/>
+            </a:schemeClr>
+          </a:lnRef>
+          <a:fillRef idx="1">
+            <a:schemeClr val="accent1"/>
+          </a:fillRef>
+          <a:effectRef idx="0">
+            <a:schemeClr val="accent1"/>
+          </a:effectRef>
+          <a:fontRef idx="minor">
+            <a:schemeClr val="lt1"/>
+          </a:fontRef>
+        </p:style>
+        <p:txBody>
+          <a:bodyPr rtlCol="0" anchor="ctr"/>
+          <a:lstStyle/>
+          <a:p>
+            <a:pPr algn="ctr"/>
+            <a:endParaRPr lang="en-US"/>
+          </a:p>
+        </p:txBody>
+      </p:sp>
+      <p:pic>
+        <p:nvPicPr>
+          <p:cNvPr id="6" name="Picture 5">
+            <a:extLst>
+              <a:ext uri="{FF2B5EF4-FFF2-40B4-BE49-F238E27FC236}">
+                <a16:creationId xmlns:a16="http://schemas.microsoft.com/office/drawing/2014/main" id="{30E7F6C4-570C-4B6C-8C00-49DA02DEDD07}"/>
+              </a:ext>
+            </a:extLst>
+          </p:cNvPr>
+          <p:cNvPicPr>
+            <a:picLocks noChangeAspect="1"/>
+          </p:cNvPicPr>
+          <p:nvPr/>
+        </p:nvPicPr>
+        <p:blipFill>
+          <a:blip r:embed="rId2"/>
+          <a:stretch>
+            <a:fillRect/>
+          </a:stretch>
+        </p:blipFill>
+        <p:spPr>
+          <a:xfrm>
+            <a:off x="4823366" y="1561539"/>
+            <a:ext cx="6227064" cy="3742863"/>
+          </a:xfrm>
+          <a:prstGeom prst="rect">
+            <a:avLst/>
+          </a:prstGeom>
+        </p:spPr>
+      </p:pic>
+    </p:spTree>
+    <p:extLst>
+      <p:ext uri="{BB962C8B-B14F-4D97-AF65-F5344CB8AC3E}">
+        <p14:creationId xmlns:p14="http://schemas.microsoft.com/office/powerpoint/2010/main" val="3063042543"/>
+      </p:ext>
+    </p:extLst>
+  </p:cSld>
+  <p:clrMapOvr>
+    <a:masterClrMapping/>
+  </p:clrMapOvr>
+</p:sld>
+</file>
+
+<file path=ppt/slides/slide14.xml><?xml version="1.0" encoding="utf-8"?>
 <p:sld xmlns:a="http://schemas.openxmlformats.org/drawingml/2006/main" xmlns:r="http://schemas.openxmlformats.org/officeDocument/2006/relationships" xmlns:p="http://schemas.openxmlformats.org/presentationml/2006/main">
   <p:cSld>
     <p:spTree>
@@ -20333,7 +20798,7 @@
 </p:sld>
 </file>
 
-<file path=ppt/slides/slide14.xml><?xml version="1.0" encoding="utf-8"?>
+<file path=ppt/slides/slide15.xml><?xml version="1.0" encoding="utf-8"?>
 <p:sld xmlns:a="http://schemas.openxmlformats.org/drawingml/2006/main" xmlns:r="http://schemas.openxmlformats.org/officeDocument/2006/relationships" xmlns:p="http://schemas.openxmlformats.org/presentationml/2006/main">
   <p:cSld>
     <p:bg>
@@ -20667,6 +21132,16 @@
               <a:t>Senators voting against party line tended to get tweeted at more</a:t>
             </a:r>
           </a:p>
+          <a:p>
+            <a:r>
+              <a:rPr lang="en-US" dirty="0">
+                <a:solidFill>
+                  <a:srgbClr val="404040"/>
+                </a:solidFill>
+              </a:rPr>
+              <a:t>Able to predict voting with good accuracy</a:t>
+            </a:r>
+          </a:p>
         </p:txBody>
       </p:sp>
     </p:spTree>
@@ -20682,7 +21157,7 @@
 </p:sld>
 </file>
 
-<file path=ppt/slides/slide15.xml><?xml version="1.0" encoding="utf-8"?>
+<file path=ppt/slides/slide16.xml><?xml version="1.0" encoding="utf-8"?>
 <p:sld xmlns:a="http://schemas.openxmlformats.org/drawingml/2006/main" xmlns:r="http://schemas.openxmlformats.org/officeDocument/2006/relationships" xmlns:p="http://schemas.openxmlformats.org/presentationml/2006/main">
   <p:cSld>
     <p:bg>
@@ -20789,7 +21264,7 @@
 </p:sld>
 </file>
 
-<file path=ppt/slides/slide16.xml><?xml version="1.0" encoding="utf-8"?>
+<file path=ppt/slides/slide17.xml><?xml version="1.0" encoding="utf-8"?>
 <p:sld xmlns:a="http://schemas.openxmlformats.org/drawingml/2006/main" xmlns:r="http://schemas.openxmlformats.org/officeDocument/2006/relationships" xmlns:p="http://schemas.openxmlformats.org/presentationml/2006/main">
   <p:cSld>
     <p:bg>
@@ -21026,7 +21501,7 @@
 </p:sld>
 </file>
 
-<file path=ppt/slides/slide17.xml><?xml version="1.0" encoding="utf-8"?>
+<file path=ppt/slides/slide18.xml><?xml version="1.0" encoding="utf-8"?>
 <p:sld xmlns:a="http://schemas.openxmlformats.org/drawingml/2006/main" xmlns:r="http://schemas.openxmlformats.org/officeDocument/2006/relationships" xmlns:p="http://schemas.openxmlformats.org/presentationml/2006/main">
   <p:cSld>
     <p:spTree>
@@ -21109,7 +21584,7 @@
 </p:sld>
 </file>
 
-<file path=ppt/slides/slide18.xml><?xml version="1.0" encoding="utf-8"?>
+<file path=ppt/slides/slide19.xml><?xml version="1.0" encoding="utf-8"?>
 <p:sld xmlns:a="http://schemas.openxmlformats.org/drawingml/2006/main" xmlns:r="http://schemas.openxmlformats.org/officeDocument/2006/relationships" xmlns:p="http://schemas.openxmlformats.org/presentationml/2006/main">
   <p:cSld>
     <p:bg>
@@ -21206,348 +21681,6 @@
     <p:extLst>
       <p:ext uri="{BB962C8B-B14F-4D97-AF65-F5344CB8AC3E}">
         <p14:creationId xmlns:p14="http://schemas.microsoft.com/office/powerpoint/2010/main" val="834118057"/>
-      </p:ext>
-    </p:extLst>
-  </p:cSld>
-  <p:clrMapOvr>
-    <a:masterClrMapping/>
-  </p:clrMapOvr>
-</p:sld>
-</file>
-
-<file path=ppt/slides/slide19.xml><?xml version="1.0" encoding="utf-8"?>
-<p:sld xmlns:a="http://schemas.openxmlformats.org/drawingml/2006/main" xmlns:r="http://schemas.openxmlformats.org/officeDocument/2006/relationships" xmlns:p="http://schemas.openxmlformats.org/presentationml/2006/main">
-  <p:cSld>
-    <p:bg>
-      <p:bgPr>
-        <a:solidFill>
-          <a:schemeClr val="bg1"/>
-        </a:solidFill>
-        <a:effectLst/>
-      </p:bgPr>
-    </p:bg>
-    <p:spTree>
-      <p:nvGrpSpPr>
-        <p:cNvPr id="1" name=""/>
-        <p:cNvGrpSpPr/>
-        <p:nvPr/>
-      </p:nvGrpSpPr>
-      <p:grpSpPr>
-        <a:xfrm>
-          <a:off x="0" y="0"/>
-          <a:ext cx="0" cy="0"/>
-          <a:chOff x="0" y="0"/>
-          <a:chExt cx="0" cy="0"/>
-        </a:xfrm>
-      </p:grpSpPr>
-      <p:sp>
-        <p:nvSpPr>
-          <p:cNvPr id="8" name="Rectangle 7">
-            <a:extLst>
-              <a:ext uri="{FF2B5EF4-FFF2-40B4-BE49-F238E27FC236}">
-                <a16:creationId xmlns:a16="http://schemas.microsoft.com/office/drawing/2014/main" id="{2AEFFFF2-9EB4-4B6C-B9F8-2BA3EF89A21C}"/>
-              </a:ext>
-              <a:ext uri="{C183D7F6-B498-43B3-948B-1728B52AA6E4}">
-                <adec:decorative xmlns:adec="http://schemas.microsoft.com/office/drawing/2017/decorative" val="1"/>
-              </a:ext>
-            </a:extLst>
-          </p:cNvPr>
-          <p:cNvSpPr>
-            <a:spLocks noGrp="1" noRot="1" noChangeAspect="1" noMove="1" noResize="1" noEditPoints="1" noAdjustHandles="1" noChangeArrowheads="1" noChangeShapeType="1" noTextEdit="1"/>
-          </p:cNvSpPr>
-          <p:nvPr>
-            <p:extLst>
-              <p:ext uri="{386F3935-93C4-4BCD-93E2-E3B085C9AB24}">
-                <p16:designElem xmlns:p16="http://schemas.microsoft.com/office/powerpoint/2015/main" val="1"/>
-              </p:ext>
-            </p:extLst>
-          </p:nvPr>
-        </p:nvSpPr>
-        <p:spPr>
-          <a:xfrm>
-            <a:off x="1" y="0"/>
-            <a:ext cx="3070172" cy="6858000"/>
-          </a:xfrm>
-          <a:prstGeom prst="rect">
-            <a:avLst/>
-          </a:prstGeom>
-          <a:solidFill>
-            <a:schemeClr val="tx2"/>
-          </a:solidFill>
-          <a:ln>
-            <a:noFill/>
-          </a:ln>
-        </p:spPr>
-        <p:style>
-          <a:lnRef idx="2">
-            <a:schemeClr val="accent1">
-              <a:shade val="50000"/>
-            </a:schemeClr>
-          </a:lnRef>
-          <a:fillRef idx="1">
-            <a:schemeClr val="accent1"/>
-          </a:fillRef>
-          <a:effectRef idx="0">
-            <a:schemeClr val="accent1"/>
-          </a:effectRef>
-          <a:fontRef idx="minor">
-            <a:schemeClr val="lt1"/>
-          </a:fontRef>
-        </p:style>
-        <p:txBody>
-          <a:bodyPr rtlCol="0" anchor="ctr"/>
-          <a:lstStyle/>
-          <a:p>
-            <a:pPr algn="ctr"/>
-            <a:endParaRPr lang="en-US"/>
-          </a:p>
-        </p:txBody>
-      </p:sp>
-      <p:sp useBgFill="1">
-        <p:nvSpPr>
-          <p:cNvPr id="14" name="Rectangle 9">
-            <a:extLst>
-              <a:ext uri="{FF2B5EF4-FFF2-40B4-BE49-F238E27FC236}">
-                <a16:creationId xmlns:a16="http://schemas.microsoft.com/office/drawing/2014/main" id="{0D65299F-028F-4AFC-B46A-8DB33E20FE4A}"/>
-              </a:ext>
-              <a:ext uri="{C183D7F6-B498-43B3-948B-1728B52AA6E4}">
-                <adec:decorative xmlns:adec="http://schemas.microsoft.com/office/drawing/2017/decorative" val="1"/>
-              </a:ext>
-            </a:extLst>
-          </p:cNvPr>
-          <p:cNvSpPr>
-            <a:spLocks noGrp="1" noRot="1" noChangeAspect="1" noMove="1" noResize="1" noEditPoints="1" noAdjustHandles="1" noChangeArrowheads="1" noChangeShapeType="1" noTextEdit="1"/>
-          </p:cNvSpPr>
-          <p:nvPr>
-            <p:extLst>
-              <p:ext uri="{386F3935-93C4-4BCD-93E2-E3B085C9AB24}">
-                <p16:designElem xmlns:p16="http://schemas.microsoft.com/office/powerpoint/2015/main" val="1"/>
-              </p:ext>
-            </p:extLst>
-          </p:nvPr>
-        </p:nvSpPr>
-        <p:spPr>
-          <a:xfrm>
-            <a:off x="3070172" y="0"/>
-            <a:ext cx="9121828" cy="6858000"/>
-          </a:xfrm>
-          <a:prstGeom prst="rect">
-            <a:avLst/>
-          </a:prstGeom>
-          <a:ln>
-            <a:noFill/>
-          </a:ln>
-        </p:spPr>
-        <p:style>
-          <a:lnRef idx="2">
-            <a:schemeClr val="accent1">
-              <a:shade val="50000"/>
-            </a:schemeClr>
-          </a:lnRef>
-          <a:fillRef idx="1">
-            <a:schemeClr val="accent1"/>
-          </a:fillRef>
-          <a:effectRef idx="0">
-            <a:schemeClr val="accent1"/>
-          </a:effectRef>
-          <a:fontRef idx="minor">
-            <a:schemeClr val="lt1"/>
-          </a:fontRef>
-        </p:style>
-        <p:txBody>
-          <a:bodyPr rtlCol="0" anchor="ctr"/>
-          <a:lstStyle/>
-          <a:p>
-            <a:pPr algn="ctr"/>
-            <a:endParaRPr lang="en-US"/>
-          </a:p>
-        </p:txBody>
-      </p:sp>
-      <p:sp>
-        <p:nvSpPr>
-          <p:cNvPr id="15" name="Oval 11">
-            <a:extLst>
-              <a:ext uri="{FF2B5EF4-FFF2-40B4-BE49-F238E27FC236}">
-                <a16:creationId xmlns:a16="http://schemas.microsoft.com/office/drawing/2014/main" id="{BAC87F6E-526A-49B5-995D-42DB656594C9}"/>
-              </a:ext>
-              <a:ext uri="{C183D7F6-B498-43B3-948B-1728B52AA6E4}">
-                <adec:decorative xmlns:adec="http://schemas.microsoft.com/office/drawing/2017/decorative" val="1"/>
-              </a:ext>
-            </a:extLst>
-          </p:cNvPr>
-          <p:cNvSpPr>
-            <a:spLocks noGrp="1" noRot="1" noChangeAspect="1" noMove="1" noResize="1" noEditPoints="1" noAdjustHandles="1" noChangeArrowheads="1" noChangeShapeType="1" noTextEdit="1"/>
-          </p:cNvSpPr>
-          <p:nvPr>
-            <p:extLst>
-              <p:ext uri="{386F3935-93C4-4BCD-93E2-E3B085C9AB24}">
-                <p16:designElem xmlns:p16="http://schemas.microsoft.com/office/powerpoint/2015/main" val="1"/>
-              </p:ext>
-            </p:extLst>
-          </p:nvPr>
-        </p:nvSpPr>
-        <p:spPr>
-          <a:xfrm>
-            <a:off x="1117423" y="1443035"/>
-            <a:ext cx="3971932" cy="3971930"/>
-          </a:xfrm>
-          <a:prstGeom prst="ellipse">
-            <a:avLst/>
-          </a:prstGeom>
-          <a:solidFill>
-            <a:srgbClr val="FFFFFF"/>
-          </a:solidFill>
-          <a:ln w="31750">
-            <a:solidFill>
-              <a:schemeClr val="accent2">
-                <a:lumMod val="75000"/>
-              </a:schemeClr>
-            </a:solidFill>
-          </a:ln>
-        </p:spPr>
-        <p:style>
-          <a:lnRef idx="2">
-            <a:schemeClr val="accent1">
-              <a:shade val="50000"/>
-            </a:schemeClr>
-          </a:lnRef>
-          <a:fillRef idx="1">
-            <a:schemeClr val="accent1"/>
-          </a:fillRef>
-          <a:effectRef idx="0">
-            <a:schemeClr val="accent1"/>
-          </a:effectRef>
-          <a:fontRef idx="minor">
-            <a:schemeClr val="lt1"/>
-          </a:fontRef>
-        </p:style>
-        <p:txBody>
-          <a:bodyPr rtlCol="0" anchor="ctr"/>
-          <a:lstStyle/>
-          <a:p>
-            <a:pPr algn="ctr"/>
-            <a:endParaRPr lang="en-US"/>
-          </a:p>
-        </p:txBody>
-      </p:sp>
-      <p:sp>
-        <p:nvSpPr>
-          <p:cNvPr id="2" name="Title 1">
-            <a:extLst>
-              <a:ext uri="{FF2B5EF4-FFF2-40B4-BE49-F238E27FC236}">
-                <a16:creationId xmlns:a16="http://schemas.microsoft.com/office/drawing/2014/main" id="{85AE6BE2-F34F-4B33-A94E-4FF4AEACCB82}"/>
-              </a:ext>
-            </a:extLst>
-          </p:cNvPr>
-          <p:cNvSpPr>
-            <a:spLocks noGrp="1"/>
-          </p:cNvSpPr>
-          <p:nvPr>
-            <p:ph type="title"/>
-          </p:nvPr>
-        </p:nvSpPr>
-        <p:spPr>
-          <a:xfrm>
-            <a:off x="1260873" y="1586484"/>
-            <a:ext cx="3685032" cy="3685032"/>
-          </a:xfrm>
-          <a:prstGeom prst="ellipse">
-            <a:avLst/>
-          </a:prstGeom>
-          <a:solidFill>
-            <a:schemeClr val="accent2">
-              <a:lumMod val="75000"/>
-            </a:schemeClr>
-          </a:solidFill>
-          <a:ln>
-            <a:noFill/>
-          </a:ln>
-        </p:spPr>
-        <p:txBody>
-          <a:bodyPr>
-            <a:normAutofit/>
-          </a:bodyPr>
-          <a:lstStyle/>
-          <a:p>
-            <a:r>
-              <a:rPr lang="en-US" sz="3000">
-                <a:solidFill>
-                  <a:srgbClr val="FFFFFF"/>
-                </a:solidFill>
-              </a:rPr>
-              <a:t>Future Work</a:t>
-            </a:r>
-          </a:p>
-        </p:txBody>
-      </p:sp>
-      <p:sp>
-        <p:nvSpPr>
-          <p:cNvPr id="16" name="Content Placeholder 2">
-            <a:extLst>
-              <a:ext uri="{FF2B5EF4-FFF2-40B4-BE49-F238E27FC236}">
-                <a16:creationId xmlns:a16="http://schemas.microsoft.com/office/drawing/2014/main" id="{196E9541-C90E-4FC1-81CC-E44AB05E30F5}"/>
-              </a:ext>
-            </a:extLst>
-          </p:cNvPr>
-          <p:cNvSpPr>
-            <a:spLocks noGrp="1"/>
-          </p:cNvSpPr>
-          <p:nvPr>
-            <p:ph idx="1"/>
-          </p:nvPr>
-        </p:nvSpPr>
-        <p:spPr>
-          <a:xfrm>
-            <a:off x="5591695" y="1402080"/>
-            <a:ext cx="5320696" cy="4053840"/>
-          </a:xfrm>
-        </p:spPr>
-        <p:txBody>
-          <a:bodyPr anchor="ctr">
-            <a:normAutofit/>
-          </a:bodyPr>
-          <a:lstStyle/>
-          <a:p>
-            <a:r>
-              <a:rPr lang="en-US" sz="2400" dirty="0"/>
-              <a:t>Create a GUI that is expandable to multiple votes</a:t>
-            </a:r>
-          </a:p>
-          <a:p>
-            <a:r>
-              <a:rPr lang="en-US" sz="2400" dirty="0"/>
-              <a:t>Include House of Representatives</a:t>
-            </a:r>
-          </a:p>
-          <a:p>
-            <a:r>
-              <a:rPr lang="en-US" sz="2400" dirty="0"/>
-              <a:t>Modify and tweak classifier</a:t>
-            </a:r>
-          </a:p>
-          <a:p>
-            <a:r>
-              <a:rPr lang="en-US" sz="2400" dirty="0"/>
-              <a:t>Analyze links, videos, and photos in tweet</a:t>
-            </a:r>
-          </a:p>
-          <a:p>
-            <a:r>
-              <a:rPr lang="en-US" sz="2400" dirty="0"/>
-              <a:t>Create a predictor that leverages Twitter traffic and tweet </a:t>
-            </a:r>
-            <a:r>
-              <a:rPr lang="en-US" sz="2400" dirty="0" err="1"/>
-              <a:t>classificiation</a:t>
-            </a:r>
-            <a:endParaRPr lang="en-US" sz="2400" dirty="0"/>
-          </a:p>
-        </p:txBody>
-      </p:sp>
-    </p:spTree>
-    <p:extLst>
-      <p:ext uri="{BB962C8B-B14F-4D97-AF65-F5344CB8AC3E}">
-        <p14:creationId xmlns:p14="http://schemas.microsoft.com/office/powerpoint/2010/main" val="1275525019"/>
       </p:ext>
     </p:extLst>
   </p:cSld>
@@ -22096,6 +22229,343 @@
 </file>
 
 <file path=ppt/slides/slide20.xml><?xml version="1.0" encoding="utf-8"?>
+<p:sld xmlns:a="http://schemas.openxmlformats.org/drawingml/2006/main" xmlns:r="http://schemas.openxmlformats.org/officeDocument/2006/relationships" xmlns:p="http://schemas.openxmlformats.org/presentationml/2006/main">
+  <p:cSld>
+    <p:bg>
+      <p:bgPr>
+        <a:solidFill>
+          <a:schemeClr val="bg1"/>
+        </a:solidFill>
+        <a:effectLst/>
+      </p:bgPr>
+    </p:bg>
+    <p:spTree>
+      <p:nvGrpSpPr>
+        <p:cNvPr id="1" name=""/>
+        <p:cNvGrpSpPr/>
+        <p:nvPr/>
+      </p:nvGrpSpPr>
+      <p:grpSpPr>
+        <a:xfrm>
+          <a:off x="0" y="0"/>
+          <a:ext cx="0" cy="0"/>
+          <a:chOff x="0" y="0"/>
+          <a:chExt cx="0" cy="0"/>
+        </a:xfrm>
+      </p:grpSpPr>
+      <p:sp>
+        <p:nvSpPr>
+          <p:cNvPr id="8" name="Rectangle 7">
+            <a:extLst>
+              <a:ext uri="{FF2B5EF4-FFF2-40B4-BE49-F238E27FC236}">
+                <a16:creationId xmlns:a16="http://schemas.microsoft.com/office/drawing/2014/main" id="{2AEFFFF2-9EB4-4B6C-B9F8-2BA3EF89A21C}"/>
+              </a:ext>
+              <a:ext uri="{C183D7F6-B498-43B3-948B-1728B52AA6E4}">
+                <adec:decorative xmlns:adec="http://schemas.microsoft.com/office/drawing/2017/decorative" val="1"/>
+              </a:ext>
+            </a:extLst>
+          </p:cNvPr>
+          <p:cNvSpPr>
+            <a:spLocks noGrp="1" noRot="1" noChangeAspect="1" noMove="1" noResize="1" noEditPoints="1" noAdjustHandles="1" noChangeArrowheads="1" noChangeShapeType="1" noTextEdit="1"/>
+          </p:cNvSpPr>
+          <p:nvPr>
+            <p:extLst>
+              <p:ext uri="{386F3935-93C4-4BCD-93E2-E3B085C9AB24}">
+                <p16:designElem xmlns:p16="http://schemas.microsoft.com/office/powerpoint/2015/main" val="1"/>
+              </p:ext>
+            </p:extLst>
+          </p:nvPr>
+        </p:nvSpPr>
+        <p:spPr>
+          <a:xfrm>
+            <a:off x="1" y="0"/>
+            <a:ext cx="3070172" cy="6858000"/>
+          </a:xfrm>
+          <a:prstGeom prst="rect">
+            <a:avLst/>
+          </a:prstGeom>
+          <a:solidFill>
+            <a:schemeClr val="tx2"/>
+          </a:solidFill>
+          <a:ln>
+            <a:noFill/>
+          </a:ln>
+        </p:spPr>
+        <p:style>
+          <a:lnRef idx="2">
+            <a:schemeClr val="accent1">
+              <a:shade val="50000"/>
+            </a:schemeClr>
+          </a:lnRef>
+          <a:fillRef idx="1">
+            <a:schemeClr val="accent1"/>
+          </a:fillRef>
+          <a:effectRef idx="0">
+            <a:schemeClr val="accent1"/>
+          </a:effectRef>
+          <a:fontRef idx="minor">
+            <a:schemeClr val="lt1"/>
+          </a:fontRef>
+        </p:style>
+        <p:txBody>
+          <a:bodyPr rtlCol="0" anchor="ctr"/>
+          <a:lstStyle/>
+          <a:p>
+            <a:pPr algn="ctr"/>
+            <a:endParaRPr lang="en-US"/>
+          </a:p>
+        </p:txBody>
+      </p:sp>
+      <p:sp useBgFill="1">
+        <p:nvSpPr>
+          <p:cNvPr id="14" name="Rectangle 9">
+            <a:extLst>
+              <a:ext uri="{FF2B5EF4-FFF2-40B4-BE49-F238E27FC236}">
+                <a16:creationId xmlns:a16="http://schemas.microsoft.com/office/drawing/2014/main" id="{0D65299F-028F-4AFC-B46A-8DB33E20FE4A}"/>
+              </a:ext>
+              <a:ext uri="{C183D7F6-B498-43B3-948B-1728B52AA6E4}">
+                <adec:decorative xmlns:adec="http://schemas.microsoft.com/office/drawing/2017/decorative" val="1"/>
+              </a:ext>
+            </a:extLst>
+          </p:cNvPr>
+          <p:cNvSpPr>
+            <a:spLocks noGrp="1" noRot="1" noChangeAspect="1" noMove="1" noResize="1" noEditPoints="1" noAdjustHandles="1" noChangeArrowheads="1" noChangeShapeType="1" noTextEdit="1"/>
+          </p:cNvSpPr>
+          <p:nvPr>
+            <p:extLst>
+              <p:ext uri="{386F3935-93C4-4BCD-93E2-E3B085C9AB24}">
+                <p16:designElem xmlns:p16="http://schemas.microsoft.com/office/powerpoint/2015/main" val="1"/>
+              </p:ext>
+            </p:extLst>
+          </p:nvPr>
+        </p:nvSpPr>
+        <p:spPr>
+          <a:xfrm>
+            <a:off x="3070172" y="0"/>
+            <a:ext cx="9121828" cy="6858000"/>
+          </a:xfrm>
+          <a:prstGeom prst="rect">
+            <a:avLst/>
+          </a:prstGeom>
+          <a:ln>
+            <a:noFill/>
+          </a:ln>
+        </p:spPr>
+        <p:style>
+          <a:lnRef idx="2">
+            <a:schemeClr val="accent1">
+              <a:shade val="50000"/>
+            </a:schemeClr>
+          </a:lnRef>
+          <a:fillRef idx="1">
+            <a:schemeClr val="accent1"/>
+          </a:fillRef>
+          <a:effectRef idx="0">
+            <a:schemeClr val="accent1"/>
+          </a:effectRef>
+          <a:fontRef idx="minor">
+            <a:schemeClr val="lt1"/>
+          </a:fontRef>
+        </p:style>
+        <p:txBody>
+          <a:bodyPr rtlCol="0" anchor="ctr"/>
+          <a:lstStyle/>
+          <a:p>
+            <a:pPr algn="ctr"/>
+            <a:endParaRPr lang="en-US"/>
+          </a:p>
+        </p:txBody>
+      </p:sp>
+      <p:sp>
+        <p:nvSpPr>
+          <p:cNvPr id="15" name="Oval 11">
+            <a:extLst>
+              <a:ext uri="{FF2B5EF4-FFF2-40B4-BE49-F238E27FC236}">
+                <a16:creationId xmlns:a16="http://schemas.microsoft.com/office/drawing/2014/main" id="{BAC87F6E-526A-49B5-995D-42DB656594C9}"/>
+              </a:ext>
+              <a:ext uri="{C183D7F6-B498-43B3-948B-1728B52AA6E4}">
+                <adec:decorative xmlns:adec="http://schemas.microsoft.com/office/drawing/2017/decorative" val="1"/>
+              </a:ext>
+            </a:extLst>
+          </p:cNvPr>
+          <p:cNvSpPr>
+            <a:spLocks noGrp="1" noRot="1" noChangeAspect="1" noMove="1" noResize="1" noEditPoints="1" noAdjustHandles="1" noChangeArrowheads="1" noChangeShapeType="1" noTextEdit="1"/>
+          </p:cNvSpPr>
+          <p:nvPr>
+            <p:extLst>
+              <p:ext uri="{386F3935-93C4-4BCD-93E2-E3B085C9AB24}">
+                <p16:designElem xmlns:p16="http://schemas.microsoft.com/office/powerpoint/2015/main" val="1"/>
+              </p:ext>
+            </p:extLst>
+          </p:nvPr>
+        </p:nvSpPr>
+        <p:spPr>
+          <a:xfrm>
+            <a:off x="1117423" y="1443035"/>
+            <a:ext cx="3971932" cy="3971930"/>
+          </a:xfrm>
+          <a:prstGeom prst="ellipse">
+            <a:avLst/>
+          </a:prstGeom>
+          <a:solidFill>
+            <a:srgbClr val="FFFFFF"/>
+          </a:solidFill>
+          <a:ln w="31750">
+            <a:solidFill>
+              <a:schemeClr val="accent2">
+                <a:lumMod val="75000"/>
+              </a:schemeClr>
+            </a:solidFill>
+          </a:ln>
+        </p:spPr>
+        <p:style>
+          <a:lnRef idx="2">
+            <a:schemeClr val="accent1">
+              <a:shade val="50000"/>
+            </a:schemeClr>
+          </a:lnRef>
+          <a:fillRef idx="1">
+            <a:schemeClr val="accent1"/>
+          </a:fillRef>
+          <a:effectRef idx="0">
+            <a:schemeClr val="accent1"/>
+          </a:effectRef>
+          <a:fontRef idx="minor">
+            <a:schemeClr val="lt1"/>
+          </a:fontRef>
+        </p:style>
+        <p:txBody>
+          <a:bodyPr rtlCol="0" anchor="ctr"/>
+          <a:lstStyle/>
+          <a:p>
+            <a:pPr algn="ctr"/>
+            <a:endParaRPr lang="en-US"/>
+          </a:p>
+        </p:txBody>
+      </p:sp>
+      <p:sp>
+        <p:nvSpPr>
+          <p:cNvPr id="2" name="Title 1">
+            <a:extLst>
+              <a:ext uri="{FF2B5EF4-FFF2-40B4-BE49-F238E27FC236}">
+                <a16:creationId xmlns:a16="http://schemas.microsoft.com/office/drawing/2014/main" id="{85AE6BE2-F34F-4B33-A94E-4FF4AEACCB82}"/>
+              </a:ext>
+            </a:extLst>
+          </p:cNvPr>
+          <p:cNvSpPr>
+            <a:spLocks noGrp="1"/>
+          </p:cNvSpPr>
+          <p:nvPr>
+            <p:ph type="title"/>
+          </p:nvPr>
+        </p:nvSpPr>
+        <p:spPr>
+          <a:xfrm>
+            <a:off x="1260873" y="1586484"/>
+            <a:ext cx="3685032" cy="3685032"/>
+          </a:xfrm>
+          <a:prstGeom prst="ellipse">
+            <a:avLst/>
+          </a:prstGeom>
+          <a:solidFill>
+            <a:schemeClr val="accent2">
+              <a:lumMod val="75000"/>
+            </a:schemeClr>
+          </a:solidFill>
+          <a:ln>
+            <a:noFill/>
+          </a:ln>
+        </p:spPr>
+        <p:txBody>
+          <a:bodyPr>
+            <a:normAutofit/>
+          </a:bodyPr>
+          <a:lstStyle/>
+          <a:p>
+            <a:r>
+              <a:rPr lang="en-US" sz="3000">
+                <a:solidFill>
+                  <a:srgbClr val="FFFFFF"/>
+                </a:solidFill>
+              </a:rPr>
+              <a:t>Future Work</a:t>
+            </a:r>
+          </a:p>
+        </p:txBody>
+      </p:sp>
+      <p:sp>
+        <p:nvSpPr>
+          <p:cNvPr id="16" name="Content Placeholder 2">
+            <a:extLst>
+              <a:ext uri="{FF2B5EF4-FFF2-40B4-BE49-F238E27FC236}">
+                <a16:creationId xmlns:a16="http://schemas.microsoft.com/office/drawing/2014/main" id="{196E9541-C90E-4FC1-81CC-E44AB05E30F5}"/>
+              </a:ext>
+            </a:extLst>
+          </p:cNvPr>
+          <p:cNvSpPr>
+            <a:spLocks noGrp="1"/>
+          </p:cNvSpPr>
+          <p:nvPr>
+            <p:ph idx="1"/>
+          </p:nvPr>
+        </p:nvSpPr>
+        <p:spPr>
+          <a:xfrm>
+            <a:off x="5591695" y="1402080"/>
+            <a:ext cx="5320696" cy="4053840"/>
+          </a:xfrm>
+        </p:spPr>
+        <p:txBody>
+          <a:bodyPr anchor="ctr">
+            <a:normAutofit/>
+          </a:bodyPr>
+          <a:lstStyle/>
+          <a:p>
+            <a:r>
+              <a:rPr lang="en-US" sz="2400" dirty="0"/>
+              <a:t>Create a GUI that is expandable to multiple votes</a:t>
+            </a:r>
+          </a:p>
+          <a:p>
+            <a:r>
+              <a:rPr lang="en-US" sz="2400" dirty="0"/>
+              <a:t>Include House of Representatives</a:t>
+            </a:r>
+          </a:p>
+          <a:p>
+            <a:r>
+              <a:rPr lang="en-US" sz="2400" dirty="0"/>
+              <a:t>Modify and tweak classifier</a:t>
+            </a:r>
+          </a:p>
+          <a:p>
+            <a:r>
+              <a:rPr lang="en-US" sz="2400" dirty="0"/>
+              <a:t>Analyze links, videos, and photos in tweet</a:t>
+            </a:r>
+          </a:p>
+          <a:p>
+            <a:r>
+              <a:rPr lang="en-US" sz="2400" dirty="0"/>
+              <a:t>Improve predictor to include voting history or other features</a:t>
+            </a:r>
+          </a:p>
+        </p:txBody>
+      </p:sp>
+    </p:spTree>
+    <p:extLst>
+      <p:ext uri="{BB962C8B-B14F-4D97-AF65-F5344CB8AC3E}">
+        <p14:creationId xmlns:p14="http://schemas.microsoft.com/office/powerpoint/2010/main" val="1275525019"/>
+      </p:ext>
+    </p:extLst>
+  </p:cSld>
+  <p:clrMapOvr>
+    <a:masterClrMapping/>
+  </p:clrMapOvr>
+</p:sld>
+</file>
+
+<file path=ppt/slides/slide21.xml><?xml version="1.0" encoding="utf-8"?>
 <p:sld xmlns:a="http://schemas.openxmlformats.org/drawingml/2006/main" xmlns:r="http://schemas.openxmlformats.org/officeDocument/2006/relationships" xmlns:p="http://schemas.openxmlformats.org/presentationml/2006/main">
   <p:cSld>
     <p:spTree>
@@ -22868,7 +23338,7 @@
           <p:nvPr>
             <p:extLst>
               <p:ext uri="{D42A27DB-BD31-4B8C-83A1-F6EECF244321}">
-                <p14:modId xmlns:p14="http://schemas.microsoft.com/office/powerpoint/2010/main" val="2596438187"/>
+                <p14:modId xmlns:p14="http://schemas.microsoft.com/office/powerpoint/2010/main" val="1769636326"/>
               </p:ext>
             </p:extLst>
           </p:nvPr>
@@ -23648,7 +24118,9 @@
     <p:bg>
       <p:bgPr>
         <a:solidFill>
-          <a:schemeClr val="accent2"/>
+          <a:schemeClr val="bg1">
+            <a:lumMod val="95000"/>
+          </a:schemeClr>
         </a:solidFill>
         <a:effectLst/>
       </p:bgPr>
@@ -23669,10 +24141,89 @@
       </p:grpSpPr>
       <p:sp>
         <p:nvSpPr>
-          <p:cNvPr id="20" name="Rectangle 19">
+          <p:cNvPr id="2" name="Title 1">
             <a:extLst>
               <a:ext uri="{FF2B5EF4-FFF2-40B4-BE49-F238E27FC236}">
-                <a16:creationId xmlns:a16="http://schemas.microsoft.com/office/drawing/2014/main" id="{E9F26AF7-9AC1-49A4-8F89-2C63E1C0A0BB}"/>
+                <a16:creationId xmlns:a16="http://schemas.microsoft.com/office/drawing/2014/main" id="{34805314-032A-494F-9101-A0793BFE30F7}"/>
+              </a:ext>
+            </a:extLst>
+          </p:cNvPr>
+          <p:cNvSpPr>
+            <a:spLocks noGrp="1"/>
+          </p:cNvSpPr>
+          <p:nvPr>
+            <p:ph type="title"/>
+          </p:nvPr>
+        </p:nvSpPr>
+        <p:spPr>
+          <a:xfrm>
+            <a:off x="804672" y="964692"/>
+            <a:ext cx="4476806" cy="1188720"/>
+          </a:xfrm>
+        </p:spPr>
+        <p:txBody>
+          <a:bodyPr vert="horz" lIns="274320" tIns="182880" rIns="274320" bIns="182880" rtlCol="0" anchorCtr="1">
+            <a:normAutofit/>
+          </a:bodyPr>
+          <a:lstStyle/>
+          <a:p>
+            <a:r>
+              <a:rPr lang="en-US"/>
+              <a:t>Justifying Population</a:t>
+            </a:r>
+          </a:p>
+        </p:txBody>
+      </p:sp>
+      <p:sp>
+        <p:nvSpPr>
+          <p:cNvPr id="34" name="Content Placeholder 29">
+            <a:extLst>
+              <a:ext uri="{FF2B5EF4-FFF2-40B4-BE49-F238E27FC236}">
+                <a16:creationId xmlns:a16="http://schemas.microsoft.com/office/drawing/2014/main" id="{FC7B32F4-AF59-4B25-AAE7-FE0617DFD6F2}"/>
+              </a:ext>
+            </a:extLst>
+          </p:cNvPr>
+          <p:cNvSpPr>
+            <a:spLocks noGrp="1"/>
+          </p:cNvSpPr>
+          <p:nvPr>
+            <p:ph idx="1"/>
+          </p:nvPr>
+        </p:nvSpPr>
+        <p:spPr>
+          <a:xfrm>
+            <a:off x="803244" y="2638044"/>
+            <a:ext cx="4492932" cy="3263206"/>
+          </a:xfrm>
+        </p:spPr>
+        <p:txBody>
+          <a:bodyPr>
+            <a:normAutofit/>
+          </a:bodyPr>
+          <a:lstStyle/>
+          <a:p>
+            <a:r>
+              <a:rPr lang="en-US" dirty="0"/>
+              <a:t>Republicans that voted against party lines received higher amounts of tweets</a:t>
+            </a:r>
+          </a:p>
+          <a:p>
+            <a:endParaRPr lang="en-US" dirty="0"/>
+          </a:p>
+          <a:p>
+            <a:r>
+              <a:rPr lang="en-US" dirty="0"/>
+              <a:t>Proportion wise, not many people tweet at their senator</a:t>
+            </a:r>
+          </a:p>
+        </p:txBody>
+      </p:sp>
+      <p:sp>
+        <p:nvSpPr>
+          <p:cNvPr id="40" name="Rectangle 39">
+            <a:extLst>
+              <a:ext uri="{FF2B5EF4-FFF2-40B4-BE49-F238E27FC236}">
+                <a16:creationId xmlns:a16="http://schemas.microsoft.com/office/drawing/2014/main" id="{56533F40-045E-4E3D-9243-864CD4E58669}"/>
               </a:ext>
               <a:ext uri="{C183D7F6-B498-43B3-948B-1728B52AA6E4}">
                 <adec:decorative xmlns:adec="http://schemas.microsoft.com/office/drawing/2017/decorative" val="1"/>
@@ -23692,8 +24243,72 @@
         </p:nvSpPr>
         <p:spPr>
           <a:xfrm>
-            <a:off x="0" y="-2"/>
-            <a:ext cx="12192000" cy="4918511"/>
+            <a:off x="5943605" y="964692"/>
+            <a:ext cx="5440680" cy="4936558"/>
+          </a:xfrm>
+          <a:prstGeom prst="rect">
+            <a:avLst/>
+          </a:prstGeom>
+          <a:noFill/>
+          <a:ln w="31750" cap="sq">
+            <a:solidFill>
+              <a:srgbClr val="FFFFFF"/>
+            </a:solidFill>
+            <a:miter lim="800000"/>
+          </a:ln>
+        </p:spPr>
+        <p:style>
+          <a:lnRef idx="2">
+            <a:schemeClr val="accent1">
+              <a:shade val="50000"/>
+            </a:schemeClr>
+          </a:lnRef>
+          <a:fillRef idx="1">
+            <a:schemeClr val="accent1"/>
+          </a:fillRef>
+          <a:effectRef idx="0">
+            <a:schemeClr val="accent1"/>
+          </a:effectRef>
+          <a:fontRef idx="minor">
+            <a:schemeClr val="lt1"/>
+          </a:fontRef>
+        </p:style>
+        <p:txBody>
+          <a:bodyPr rtlCol="0" anchor="ctr"/>
+          <a:lstStyle/>
+          <a:p>
+            <a:pPr algn="ctr"/>
+            <a:endParaRPr lang="en-US" dirty="0"/>
+          </a:p>
+        </p:txBody>
+      </p:sp>
+      <p:sp>
+        <p:nvSpPr>
+          <p:cNvPr id="42" name="Rectangle 41">
+            <a:extLst>
+              <a:ext uri="{FF2B5EF4-FFF2-40B4-BE49-F238E27FC236}">
+                <a16:creationId xmlns:a16="http://schemas.microsoft.com/office/drawing/2014/main" id="{30402EC6-D845-41B3-BEBE-CB34D9BFEA60}"/>
+              </a:ext>
+              <a:ext uri="{C183D7F6-B498-43B3-948B-1728B52AA6E4}">
+                <adec:decorative xmlns:adec="http://schemas.microsoft.com/office/drawing/2017/decorative" val="1"/>
+              </a:ext>
+            </a:extLst>
+          </p:cNvPr>
+          <p:cNvSpPr>
+            <a:spLocks noGrp="1" noRot="1" noChangeAspect="1" noMove="1" noResize="1" noEditPoints="1" noAdjustHandles="1" noChangeArrowheads="1" noChangeShapeType="1" noTextEdit="1"/>
+          </p:cNvSpPr>
+          <p:nvPr>
+            <p:extLst>
+              <p:ext uri="{386F3935-93C4-4BCD-93E2-E3B085C9AB24}">
+                <p16:designElem xmlns:p16="http://schemas.microsoft.com/office/powerpoint/2015/main" val="1"/>
+              </p:ext>
+            </p:extLst>
+          </p:nvPr>
+        </p:nvSpPr>
+        <p:spPr>
+          <a:xfrm>
+            <a:off x="6110699" y="1128683"/>
+            <a:ext cx="5106493" cy="4608576"/>
           </a:xfrm>
           <a:prstGeom prst="rect">
             <a:avLst/>
@@ -23730,47 +24345,12 @@
           </a:p>
         </p:txBody>
       </p:sp>
-      <p:sp>
-        <p:nvSpPr>
-          <p:cNvPr id="2" name="Title 1">
+      <p:pic>
+        <p:nvPicPr>
+          <p:cNvPr id="28" name="Content Placeholder 5">
             <a:extLst>
               <a:ext uri="{FF2B5EF4-FFF2-40B4-BE49-F238E27FC236}">
-                <a16:creationId xmlns:a16="http://schemas.microsoft.com/office/drawing/2014/main" id="{34805314-032A-494F-9101-A0793BFE30F7}"/>
-              </a:ext>
-            </a:extLst>
-          </p:cNvPr>
-          <p:cNvSpPr>
-            <a:spLocks noGrp="1"/>
-          </p:cNvSpPr>
-          <p:nvPr>
-            <p:ph type="title"/>
-          </p:nvPr>
-        </p:nvSpPr>
-        <p:spPr>
-          <a:xfrm>
-            <a:off x="1600200" y="4269282"/>
-            <a:ext cx="8991600" cy="1264762"/>
-          </a:xfrm>
-        </p:spPr>
-        <p:txBody>
-          <a:bodyPr vert="horz" lIns="274320" tIns="182880" rIns="274320" bIns="182880" rtlCol="0" anchor="ctr" anchorCtr="1">
-            <a:normAutofit/>
-          </a:bodyPr>
-          <a:lstStyle/>
-          <a:p>
-            <a:r>
-              <a:rPr lang="en-US" sz="3200"/>
-              <a:t>Justifying Population</a:t>
-            </a:r>
-          </a:p>
-        </p:txBody>
-      </p:sp>
-      <p:pic>
-        <p:nvPicPr>
-          <p:cNvPr id="10" name="Content Placeholder 4">
-            <a:extLst>
-              <a:ext uri="{FF2B5EF4-FFF2-40B4-BE49-F238E27FC236}">
-                <a16:creationId xmlns:a16="http://schemas.microsoft.com/office/drawing/2014/main" id="{91F9AD98-B8A0-4E55-B5B4-CE96C9422DED}"/>
+                <a16:creationId xmlns:a16="http://schemas.microsoft.com/office/drawing/2014/main" id="{9691C36A-38D0-42F6-AA81-FD155A20BF52}"/>
               </a:ext>
             </a:extLst>
           </p:cNvPr>
@@ -23787,40 +24367,8 @@
         </p:blipFill>
         <p:spPr>
           <a:xfrm>
-            <a:off x="732317" y="489180"/>
-            <a:ext cx="5101436" cy="3277672"/>
-          </a:xfrm>
-          <a:prstGeom prst="rect">
-            <a:avLst/>
-          </a:prstGeom>
-        </p:spPr>
-      </p:pic>
-      <p:pic>
-        <p:nvPicPr>
-          <p:cNvPr id="9" name="Content Placeholder 8">
-            <a:extLst>
-              <a:ext uri="{FF2B5EF4-FFF2-40B4-BE49-F238E27FC236}">
-                <a16:creationId xmlns:a16="http://schemas.microsoft.com/office/drawing/2014/main" id="{17AB928F-3658-4E22-8F30-054CB7B84229}"/>
-              </a:ext>
-            </a:extLst>
-          </p:cNvPr>
-          <p:cNvPicPr>
-            <a:picLocks noGrp="1" noChangeAspect="1"/>
-          </p:cNvPicPr>
-          <p:nvPr>
-            <p:ph idx="1"/>
-          </p:nvPr>
-        </p:nvPicPr>
-        <p:blipFill>
-          <a:blip r:embed="rId3"/>
-          <a:stretch>
-            <a:fillRect/>
-          </a:stretch>
-        </p:blipFill>
-        <p:spPr>
-          <a:xfrm>
-            <a:off x="6338318" y="489180"/>
-            <a:ext cx="5121365" cy="3277672"/>
+            <a:off x="6272789" y="2147725"/>
+            <a:ext cx="4782312" cy="2570492"/>
           </a:xfrm>
           <a:prstGeom prst="rect">
             <a:avLst/>

--- a/Final Presentation.pptx
+++ b/Final Presentation.pptx
@@ -4861,6 +4861,47 @@
         </a:p>
       </dgm:t>
     </dgm:pt>
+    <dgm:pt modelId="{88FEF079-CFBE-5848-83CC-C46895241567}">
+      <dgm:prSet/>
+      <dgm:spPr/>
+      <dgm:t>
+        <a:bodyPr/>
+        <a:lstStyle/>
+        <a:p>
+          <a:pPr>
+            <a:lnSpc>
+              <a:spcPct val="100000"/>
+            </a:lnSpc>
+          </a:pPr>
+          <a:r>
+            <a:rPr lang="en-US" dirty="0"/>
+            <a:t>Custom Predictor</a:t>
+          </a:r>
+        </a:p>
+      </dgm:t>
+    </dgm:pt>
+    <dgm:pt modelId="{5EDFA247-079E-6F45-B16B-660366FBBDD9}" type="parTrans" cxnId="{69B5C99D-C2E7-6A4F-A5C0-52BD2FF6E6E2}">
+      <dgm:prSet/>
+      <dgm:spPr/>
+      <dgm:t>
+        <a:bodyPr/>
+        <a:lstStyle/>
+        <a:p>
+          <a:endParaRPr lang="en-US"/>
+        </a:p>
+      </dgm:t>
+    </dgm:pt>
+    <dgm:pt modelId="{B6DD3C10-069E-EA48-8F47-F5A8F82B85A5}" type="sibTrans" cxnId="{69B5C99D-C2E7-6A4F-A5C0-52BD2FF6E6E2}">
+      <dgm:prSet/>
+      <dgm:spPr/>
+      <dgm:t>
+        <a:bodyPr/>
+        <a:lstStyle/>
+        <a:p>
+          <a:endParaRPr lang="en-US"/>
+        </a:p>
+      </dgm:t>
+    </dgm:pt>
     <dgm:pt modelId="{C07D3D10-2920-4E09-AE27-262E1960DE6F}" type="pres">
       <dgm:prSet presAssocID="{6438424D-7676-468E-B7F3-FC124CD68133}" presName="root" presStyleCnt="0">
         <dgm:presLayoutVars>
@@ -4875,11 +4916,11 @@
       <dgm:spPr/>
     </dgm:pt>
     <dgm:pt modelId="{CBBD3B56-8076-7848-8870-C98BAEBF3D10}" type="pres">
-      <dgm:prSet presAssocID="{73F72EE4-B607-B94C-8528-0DE9434DC825}" presName="bgRect" presStyleLbl="bgShp" presStyleIdx="0" presStyleCnt="4"/>
+      <dgm:prSet presAssocID="{73F72EE4-B607-B94C-8528-0DE9434DC825}" presName="bgRect" presStyleLbl="bgShp" presStyleIdx="0" presStyleCnt="5"/>
       <dgm:spPr/>
     </dgm:pt>
     <dgm:pt modelId="{29732B47-204A-0C47-AFD9-3D2EA6575480}" type="pres">
-      <dgm:prSet presAssocID="{73F72EE4-B607-B94C-8528-0DE9434DC825}" presName="iconRect" presStyleLbl="node1" presStyleIdx="0" presStyleCnt="4"/>
+      <dgm:prSet presAssocID="{73F72EE4-B607-B94C-8528-0DE9434DC825}" presName="iconRect" presStyleLbl="node1" presStyleIdx="0" presStyleCnt="5"/>
       <dgm:spPr>
         <a:blipFill>
           <a:blip xmlns:r="http://schemas.openxmlformats.org/officeDocument/2006/relationships" r:embed="rId1"/>
@@ -4895,7 +4936,7 @@
       <dgm:spPr/>
     </dgm:pt>
     <dgm:pt modelId="{832D9B27-94CC-4F49-8E15-27BD057B4201}" type="pres">
-      <dgm:prSet presAssocID="{73F72EE4-B607-B94C-8528-0DE9434DC825}" presName="parTx" presStyleLbl="revTx" presStyleIdx="0" presStyleCnt="6">
+      <dgm:prSet presAssocID="{73F72EE4-B607-B94C-8528-0DE9434DC825}" presName="parTx" presStyleLbl="revTx" presStyleIdx="0" presStyleCnt="7">
         <dgm:presLayoutVars>
           <dgm:chMax val="0"/>
           <dgm:chPref val="0"/>
@@ -4912,11 +4953,11 @@
       <dgm:spPr/>
     </dgm:pt>
     <dgm:pt modelId="{37AF4D56-F016-4E2F-905C-5A52A3EABAC5}" type="pres">
-      <dgm:prSet presAssocID="{159DA386-3014-4BDF-A2E3-17B6D1C8A19A}" presName="bgRect" presStyleLbl="bgShp" presStyleIdx="1" presStyleCnt="4"/>
+      <dgm:prSet presAssocID="{159DA386-3014-4BDF-A2E3-17B6D1C8A19A}" presName="bgRect" presStyleLbl="bgShp" presStyleIdx="1" presStyleCnt="5"/>
       <dgm:spPr/>
     </dgm:pt>
     <dgm:pt modelId="{8E8D1F25-0C89-4852-A7D7-FC787F32B944}" type="pres">
-      <dgm:prSet presAssocID="{159DA386-3014-4BDF-A2E3-17B6D1C8A19A}" presName="iconRect" presStyleLbl="node1" presStyleIdx="1" presStyleCnt="4"/>
+      <dgm:prSet presAssocID="{159DA386-3014-4BDF-A2E3-17B6D1C8A19A}" presName="iconRect" presStyleLbl="node1" presStyleIdx="1" presStyleCnt="5"/>
       <dgm:spPr>
         <a:blipFill>
           <a:blip xmlns:r="http://schemas.openxmlformats.org/officeDocument/2006/relationships" r:embed="rId2">
@@ -4942,7 +4983,7 @@
       <dgm:spPr/>
     </dgm:pt>
     <dgm:pt modelId="{A4F04F91-6504-40E7-9168-7682AEF9FB9F}" type="pres">
-      <dgm:prSet presAssocID="{159DA386-3014-4BDF-A2E3-17B6D1C8A19A}" presName="parTx" presStyleLbl="revTx" presStyleIdx="1" presStyleCnt="6">
+      <dgm:prSet presAssocID="{159DA386-3014-4BDF-A2E3-17B6D1C8A19A}" presName="parTx" presStyleLbl="revTx" presStyleIdx="1" presStyleCnt="7">
         <dgm:presLayoutVars>
           <dgm:chMax val="0"/>
           <dgm:chPref val="0"/>
@@ -4951,7 +4992,7 @@
       <dgm:spPr/>
     </dgm:pt>
     <dgm:pt modelId="{BDD96D1E-07AF-452F-94CD-F4271AB52F3F}" type="pres">
-      <dgm:prSet presAssocID="{159DA386-3014-4BDF-A2E3-17B6D1C8A19A}" presName="desTx" presStyleLbl="revTx" presStyleIdx="2" presStyleCnt="6">
+      <dgm:prSet presAssocID="{159DA386-3014-4BDF-A2E3-17B6D1C8A19A}" presName="desTx" presStyleLbl="revTx" presStyleIdx="2" presStyleCnt="7">
         <dgm:presLayoutVars/>
       </dgm:prSet>
       <dgm:spPr/>
@@ -4960,60 +5001,19 @@
       <dgm:prSet presAssocID="{6987B0E2-1425-451C-B56A-7C44DBFB45A5}" presName="sibTrans" presStyleCnt="0"/>
       <dgm:spPr/>
     </dgm:pt>
-    <dgm:pt modelId="{36086178-D5E9-49A1-B9DF-170A7CA69300}" type="pres">
-      <dgm:prSet presAssocID="{0D5EEFEB-1122-45C1-A106-10091C0422A2}" presName="compNode" presStyleCnt="0"/>
-      <dgm:spPr/>
-    </dgm:pt>
-    <dgm:pt modelId="{47C6860A-DD19-4D87-8688-1A2722737DC3}" type="pres">
-      <dgm:prSet presAssocID="{0D5EEFEB-1122-45C1-A106-10091C0422A2}" presName="bgRect" presStyleLbl="bgShp" presStyleIdx="2" presStyleCnt="4"/>
-      <dgm:spPr/>
-    </dgm:pt>
-    <dgm:pt modelId="{682904D4-275F-4782-9FF5-75547BFE9964}" type="pres">
-      <dgm:prSet presAssocID="{0D5EEFEB-1122-45C1-A106-10091C0422A2}" presName="iconRect" presStyleLbl="node1" presStyleIdx="2" presStyleCnt="4"/>
-      <dgm:spPr>
-        <a:blipFill>
-          <a:blip xmlns:r="http://schemas.openxmlformats.org/officeDocument/2006/relationships" r:embed="rId3"/>
-          <a:srcRect/>
-          <a:stretch>
-            <a:fillRect l="-5000" r="-5000"/>
-          </a:stretch>
-        </a:blipFill>
-        <a:ln>
-          <a:noFill/>
-        </a:ln>
-      </dgm:spPr>
-      <dgm:extLst/>
-    </dgm:pt>
-    <dgm:pt modelId="{3943AA01-6B35-4463-A806-7943E8A4FA7C}" type="pres">
-      <dgm:prSet presAssocID="{0D5EEFEB-1122-45C1-A106-10091C0422A2}" presName="spaceRect" presStyleCnt="0"/>
-      <dgm:spPr/>
-    </dgm:pt>
-    <dgm:pt modelId="{B8469713-DE20-43D1-9080-0B37AE5E268B}" type="pres">
-      <dgm:prSet presAssocID="{0D5EEFEB-1122-45C1-A106-10091C0422A2}" presName="parTx" presStyleLbl="revTx" presStyleIdx="3" presStyleCnt="6">
-        <dgm:presLayoutVars>
-          <dgm:chMax val="0"/>
-          <dgm:chPref val="0"/>
-        </dgm:presLayoutVars>
-      </dgm:prSet>
-      <dgm:spPr/>
-    </dgm:pt>
-    <dgm:pt modelId="{45B376D4-D29F-3F41-B5CD-2BED7070048E}" type="pres">
-      <dgm:prSet presAssocID="{909DC78A-A51F-4500-82A9-3707BFA93992}" presName="sibTrans" presStyleCnt="0"/>
-      <dgm:spPr/>
-    </dgm:pt>
     <dgm:pt modelId="{2FA8F753-440F-254D-80EB-AD6313FF3CC8}" type="pres">
       <dgm:prSet presAssocID="{E899FCA5-5917-8646-A3FB-2A6248D3D642}" presName="compNode" presStyleCnt="0"/>
       <dgm:spPr/>
     </dgm:pt>
     <dgm:pt modelId="{7BC60830-CDB6-0D46-AB2D-CE1FD626B9CD}" type="pres">
-      <dgm:prSet presAssocID="{E899FCA5-5917-8646-A3FB-2A6248D3D642}" presName="bgRect" presStyleLbl="bgShp" presStyleIdx="3" presStyleCnt="4"/>
+      <dgm:prSet presAssocID="{E899FCA5-5917-8646-A3FB-2A6248D3D642}" presName="bgRect" presStyleLbl="bgShp" presStyleIdx="2" presStyleCnt="5"/>
       <dgm:spPr/>
     </dgm:pt>
     <dgm:pt modelId="{90DDA344-1E66-1F47-8DE8-3E2E5218179F}" type="pres">
-      <dgm:prSet presAssocID="{E899FCA5-5917-8646-A3FB-2A6248D3D642}" presName="iconRect" presStyleLbl="node1" presStyleIdx="3" presStyleCnt="4"/>
+      <dgm:prSet presAssocID="{E899FCA5-5917-8646-A3FB-2A6248D3D642}" presName="iconRect" presStyleLbl="node1" presStyleIdx="2" presStyleCnt="5"/>
       <dgm:spPr>
         <a:blipFill>
-          <a:blip xmlns:r="http://schemas.openxmlformats.org/officeDocument/2006/relationships" r:embed="rId4">
+          <a:blip xmlns:r="http://schemas.openxmlformats.org/officeDocument/2006/relationships" r:embed="rId3">
             <a:extLst>
               <a:ext uri="{28A0092B-C50C-407E-A947-70E740481C1C}">
                 <a14:useLocalDpi xmlns:a14="http://schemas.microsoft.com/office/drawing/2010/main" val="0"/>
@@ -5032,7 +5032,7 @@
       <dgm:spPr/>
     </dgm:pt>
     <dgm:pt modelId="{BDDB41DB-F175-9F40-BD50-5E5942AC24E0}" type="pres">
-      <dgm:prSet presAssocID="{E899FCA5-5917-8646-A3FB-2A6248D3D642}" presName="parTx" presStyleLbl="revTx" presStyleIdx="4" presStyleCnt="6">
+      <dgm:prSet presAssocID="{E899FCA5-5917-8646-A3FB-2A6248D3D642}" presName="parTx" presStyleLbl="revTx" presStyleIdx="3" presStyleCnt="7">
         <dgm:presLayoutVars>
           <dgm:chMax val="0"/>
           <dgm:chPref val="0"/>
@@ -5041,51 +5041,137 @@
       <dgm:spPr/>
     </dgm:pt>
     <dgm:pt modelId="{FDD790AC-9FAC-774B-B2DA-7814AC7A506B}" type="pres">
-      <dgm:prSet presAssocID="{E899FCA5-5917-8646-A3FB-2A6248D3D642}" presName="desTx" presStyleLbl="revTx" presStyleIdx="5" presStyleCnt="6">
+      <dgm:prSet presAssocID="{E899FCA5-5917-8646-A3FB-2A6248D3D642}" presName="desTx" presStyleLbl="revTx" presStyleIdx="4" presStyleCnt="7">
         <dgm:presLayoutVars/>
+      </dgm:prSet>
+      <dgm:spPr/>
+    </dgm:pt>
+    <dgm:pt modelId="{0A9362DA-8443-AF4E-967A-32D62694CD44}" type="pres">
+      <dgm:prSet presAssocID="{F2737D8F-4657-5A45-8E74-A3B9812FB279}" presName="sibTrans" presStyleCnt="0"/>
+      <dgm:spPr/>
+    </dgm:pt>
+    <dgm:pt modelId="{36086178-D5E9-49A1-B9DF-170A7CA69300}" type="pres">
+      <dgm:prSet presAssocID="{0D5EEFEB-1122-45C1-A106-10091C0422A2}" presName="compNode" presStyleCnt="0"/>
+      <dgm:spPr/>
+    </dgm:pt>
+    <dgm:pt modelId="{47C6860A-DD19-4D87-8688-1A2722737DC3}" type="pres">
+      <dgm:prSet presAssocID="{0D5EEFEB-1122-45C1-A106-10091C0422A2}" presName="bgRect" presStyleLbl="bgShp" presStyleIdx="3" presStyleCnt="5"/>
+      <dgm:spPr/>
+    </dgm:pt>
+    <dgm:pt modelId="{682904D4-275F-4782-9FF5-75547BFE9964}" type="pres">
+      <dgm:prSet presAssocID="{0D5EEFEB-1122-45C1-A106-10091C0422A2}" presName="iconRect" presStyleLbl="node1" presStyleIdx="3" presStyleCnt="5"/>
+      <dgm:spPr>
+        <a:blipFill>
+          <a:blip xmlns:r="http://schemas.openxmlformats.org/officeDocument/2006/relationships" r:embed="rId4"/>
+          <a:srcRect/>
+          <a:stretch>
+            <a:fillRect l="-5000" r="-5000"/>
+          </a:stretch>
+        </a:blipFill>
+        <a:ln>
+          <a:noFill/>
+        </a:ln>
+      </dgm:spPr>
+      <dgm:extLst/>
+    </dgm:pt>
+    <dgm:pt modelId="{3943AA01-6B35-4463-A806-7943E8A4FA7C}" type="pres">
+      <dgm:prSet presAssocID="{0D5EEFEB-1122-45C1-A106-10091C0422A2}" presName="spaceRect" presStyleCnt="0"/>
+      <dgm:spPr/>
+    </dgm:pt>
+    <dgm:pt modelId="{B8469713-DE20-43D1-9080-0B37AE5E268B}" type="pres">
+      <dgm:prSet presAssocID="{0D5EEFEB-1122-45C1-A106-10091C0422A2}" presName="parTx" presStyleLbl="revTx" presStyleIdx="5" presStyleCnt="7">
+        <dgm:presLayoutVars>
+          <dgm:chMax val="0"/>
+          <dgm:chPref val="0"/>
+        </dgm:presLayoutVars>
+      </dgm:prSet>
+      <dgm:spPr/>
+    </dgm:pt>
+    <dgm:pt modelId="{14F5C652-5DE2-7C4E-B3DF-73AFEEE2530B}" type="pres">
+      <dgm:prSet presAssocID="{909DC78A-A51F-4500-82A9-3707BFA93992}" presName="sibTrans" presStyleCnt="0"/>
+      <dgm:spPr/>
+    </dgm:pt>
+    <dgm:pt modelId="{525033BD-E6A8-1246-A7AF-2515321B246D}" type="pres">
+      <dgm:prSet presAssocID="{88FEF079-CFBE-5848-83CC-C46895241567}" presName="compNode" presStyleCnt="0"/>
+      <dgm:spPr/>
+    </dgm:pt>
+    <dgm:pt modelId="{6E88A2A9-9D39-C64C-A282-D400770C0A97}" type="pres">
+      <dgm:prSet presAssocID="{88FEF079-CFBE-5848-83CC-C46895241567}" presName="bgRect" presStyleLbl="bgShp" presStyleIdx="4" presStyleCnt="5"/>
+      <dgm:spPr/>
+    </dgm:pt>
+    <dgm:pt modelId="{40E1938E-5EDC-894F-80CB-DEA753F576B0}" type="pres">
+      <dgm:prSet presAssocID="{88FEF079-CFBE-5848-83CC-C46895241567}" presName="iconRect" presStyleLbl="node1" presStyleIdx="4" presStyleCnt="5"/>
+      <dgm:spPr>
+        <a:blipFill>
+          <a:blip xmlns:r="http://schemas.openxmlformats.org/officeDocument/2006/relationships" r:embed="rId5"/>
+          <a:srcRect/>
+          <a:stretch>
+            <a:fillRect l="-17000" r="-17000"/>
+          </a:stretch>
+        </a:blipFill>
+      </dgm:spPr>
+    </dgm:pt>
+    <dgm:pt modelId="{F24B1D19-120B-024A-804C-32FB23B12219}" type="pres">
+      <dgm:prSet presAssocID="{88FEF079-CFBE-5848-83CC-C46895241567}" presName="spaceRect" presStyleCnt="0"/>
+      <dgm:spPr/>
+    </dgm:pt>
+    <dgm:pt modelId="{54636CD9-BC09-7A45-9C92-E4FE091E398D}" type="pres">
+      <dgm:prSet presAssocID="{88FEF079-CFBE-5848-83CC-C46895241567}" presName="parTx" presStyleLbl="revTx" presStyleIdx="6" presStyleCnt="7">
+        <dgm:presLayoutVars>
+          <dgm:chMax val="0"/>
+          <dgm:chPref val="0"/>
+        </dgm:presLayoutVars>
       </dgm:prSet>
       <dgm:spPr/>
     </dgm:pt>
   </dgm:ptLst>
   <dgm:cxnLst>
-    <dgm:cxn modelId="{1D4ED906-9EFD-6A4B-952A-E55FA4E2E690}" type="presOf" srcId="{159DA386-3014-4BDF-A2E3-17B6D1C8A19A}" destId="{A4F04F91-6504-40E7-9168-7682AEF9FB9F}" srcOrd="0" destOrd="0" presId="urn:microsoft.com/office/officeart/2018/2/layout/IconVerticalSolidList"/>
-    <dgm:cxn modelId="{AD98DF12-A9CF-464D-A3A5-E740FFD403C1}" srcId="{6438424D-7676-468E-B7F3-FC124CD68133}" destId="{0D5EEFEB-1122-45C1-A106-10091C0422A2}" srcOrd="2" destOrd="0" parTransId="{658C9B92-C90D-4AED-B1B0-AFA77ED51962}" sibTransId="{909DC78A-A51F-4500-82A9-3707BFA93992}"/>
+    <dgm:cxn modelId="{AD98DF12-A9CF-464D-A3A5-E740FFD403C1}" srcId="{6438424D-7676-468E-B7F3-FC124CD68133}" destId="{0D5EEFEB-1122-45C1-A106-10091C0422A2}" srcOrd="3" destOrd="0" parTransId="{658C9B92-C90D-4AED-B1B0-AFA77ED51962}" sibTransId="{909DC78A-A51F-4500-82A9-3707BFA93992}"/>
     <dgm:cxn modelId="{F5359926-D181-49B4-9BCF-011FA661B60C}" srcId="{6438424D-7676-468E-B7F3-FC124CD68133}" destId="{159DA386-3014-4BDF-A2E3-17B6D1C8A19A}" srcOrd="1" destOrd="0" parTransId="{A06F936E-B0E9-44C3-858A-FFFCD4C1DC82}" sibTransId="{6987B0E2-1425-451C-B56A-7C44DBFB45A5}"/>
-    <dgm:cxn modelId="{BFD9632F-3224-B34A-A894-4F9688CDA8EB}" type="presOf" srcId="{0D5EEFEB-1122-45C1-A106-10091C0422A2}" destId="{B8469713-DE20-43D1-9080-0B37AE5E268B}" srcOrd="0" destOrd="0" presId="urn:microsoft.com/office/officeart/2018/2/layout/IconVerticalSolidList"/>
-    <dgm:cxn modelId="{4EE85130-B7DF-5446-8114-7EB9EFFC82A5}" type="presOf" srcId="{EFE6E2B7-931D-8E46-92EF-DEACD43B1458}" destId="{FDD790AC-9FAC-774B-B2DA-7814AC7A506B}" srcOrd="0" destOrd="0" presId="urn:microsoft.com/office/officeart/2018/2/layout/IconVerticalSolidList"/>
+    <dgm:cxn modelId="{B861B22C-4336-4645-A516-C0C445BFA75A}" type="presOf" srcId="{159DA386-3014-4BDF-A2E3-17B6D1C8A19A}" destId="{A4F04F91-6504-40E7-9168-7682AEF9FB9F}" srcOrd="0" destOrd="0" presId="urn:microsoft.com/office/officeart/2018/2/layout/IconVerticalSolidList"/>
+    <dgm:cxn modelId="{81B28B2D-3073-0249-9396-689FF1F644C5}" type="presOf" srcId="{02972E0F-1482-4E3F-BDF4-BEB7615A2693}" destId="{BDD96D1E-07AF-452F-94CD-F4271AB52F3F}" srcOrd="0" destOrd="0" presId="urn:microsoft.com/office/officeart/2018/2/layout/IconVerticalSolidList"/>
+    <dgm:cxn modelId="{30AAD135-BEE5-FD40-8242-9445A2652289}" type="presOf" srcId="{73F72EE4-B607-B94C-8528-0DE9434DC825}" destId="{832D9B27-94CC-4F49-8E15-27BD057B4201}" srcOrd="0" destOrd="0" presId="urn:microsoft.com/office/officeart/2018/2/layout/IconVerticalSolidList"/>
     <dgm:cxn modelId="{F7B5E366-06C3-4EF2-ACE2-475289A69548}" srcId="{159DA386-3014-4BDF-A2E3-17B6D1C8A19A}" destId="{02972E0F-1482-4E3F-BDF4-BEB7615A2693}" srcOrd="0" destOrd="0" parTransId="{824F94A9-53D1-487C-9FAE-B05762B6D7D3}" sibTransId="{3A590C0B-5A6A-4109-B2A1-0311E9C0BE5A}"/>
-    <dgm:cxn modelId="{7575EE73-9076-6243-9CC9-332DFE2B39F2}" type="presOf" srcId="{73F72EE4-B607-B94C-8528-0DE9434DC825}" destId="{832D9B27-94CC-4F49-8E15-27BD057B4201}" srcOrd="0" destOrd="0" presId="urn:microsoft.com/office/officeart/2018/2/layout/IconVerticalSolidList"/>
     <dgm:cxn modelId="{87BDFC7F-1EF6-5B45-8A5B-25CD8D714D13}" srcId="{E899FCA5-5917-8646-A3FB-2A6248D3D642}" destId="{EFE6E2B7-931D-8E46-92EF-DEACD43B1458}" srcOrd="0" destOrd="0" parTransId="{F44ACD21-EE92-534D-9958-31B5B6C2D2C2}" sibTransId="{E7558E32-1542-2D46-B389-E3887B7A074D}"/>
+    <dgm:cxn modelId="{BC15EA86-70C2-9640-9BE5-3D746EA0544E}" type="presOf" srcId="{E899FCA5-5917-8646-A3FB-2A6248D3D642}" destId="{BDDB41DB-F175-9F40-BD50-5E5942AC24E0}" srcOrd="0" destOrd="0" presId="urn:microsoft.com/office/officeart/2018/2/layout/IconVerticalSolidList"/>
+    <dgm:cxn modelId="{9CFDBD8D-0F4B-B941-8E75-02C9F0829E8C}" type="presOf" srcId="{EFE6E2B7-931D-8E46-92EF-DEACD43B1458}" destId="{FDD790AC-9FAC-774B-B2DA-7814AC7A506B}" srcOrd="0" destOrd="0" presId="urn:microsoft.com/office/officeart/2018/2/layout/IconVerticalSolidList"/>
+    <dgm:cxn modelId="{69B5C99D-C2E7-6A4F-A5C0-52BD2FF6E6E2}" srcId="{6438424D-7676-468E-B7F3-FC124CD68133}" destId="{88FEF079-CFBE-5848-83CC-C46895241567}" srcOrd="4" destOrd="0" parTransId="{5EDFA247-079E-6F45-B16B-660366FBBDD9}" sibTransId="{B6DD3C10-069E-EA48-8F47-F5A8F82B85A5}"/>
     <dgm:cxn modelId="{9EF8FAA2-AFD3-D949-87DE-70C55D4628DB}" srcId="{6438424D-7676-468E-B7F3-FC124CD68133}" destId="{73F72EE4-B607-B94C-8528-0DE9434DC825}" srcOrd="0" destOrd="0" parTransId="{4DA30D2C-4C9B-A84F-8368-85C8DB566288}" sibTransId="{3E4B5319-5287-BC40-A9C2-945C5602CFD0}"/>
-    <dgm:cxn modelId="{3F15A7C9-8A50-254A-99F6-230F97682BD4}" type="presOf" srcId="{E899FCA5-5917-8646-A3FB-2A6248D3D642}" destId="{BDDB41DB-F175-9F40-BD50-5E5942AC24E0}" srcOrd="0" destOrd="0" presId="urn:microsoft.com/office/officeart/2018/2/layout/IconVerticalSolidList"/>
-    <dgm:cxn modelId="{08D22CD5-831A-8540-A9FE-B3A4ED005419}" type="presOf" srcId="{02972E0F-1482-4E3F-BDF4-BEB7615A2693}" destId="{BDD96D1E-07AF-452F-94CD-F4271AB52F3F}" srcOrd="0" destOrd="0" presId="urn:microsoft.com/office/officeart/2018/2/layout/IconVerticalSolidList"/>
+    <dgm:cxn modelId="{550FE2D1-FEE8-E647-B181-7E4B154B4B97}" type="presOf" srcId="{88FEF079-CFBE-5848-83CC-C46895241567}" destId="{54636CD9-BC09-7A45-9C92-E4FE091E398D}" srcOrd="0" destOrd="0" presId="urn:microsoft.com/office/officeart/2018/2/layout/IconVerticalSolidList"/>
+    <dgm:cxn modelId="{0CE96EDF-02D6-BE4E-BDB0-50406DE505DE}" type="presOf" srcId="{0D5EEFEB-1122-45C1-A106-10091C0422A2}" destId="{B8469713-DE20-43D1-9080-0B37AE5E268B}" srcOrd="0" destOrd="0" presId="urn:microsoft.com/office/officeart/2018/2/layout/IconVerticalSolidList"/>
     <dgm:cxn modelId="{447DC1E4-9D2C-DB40-A53C-6B9D255E56C8}" type="presOf" srcId="{6438424D-7676-468E-B7F3-FC124CD68133}" destId="{C07D3D10-2920-4E09-AE27-262E1960DE6F}" srcOrd="0" destOrd="0" presId="urn:microsoft.com/office/officeart/2018/2/layout/IconVerticalSolidList"/>
-    <dgm:cxn modelId="{97A42FF7-0B19-5440-9ED7-A4F84471ABD1}" srcId="{6438424D-7676-468E-B7F3-FC124CD68133}" destId="{E899FCA5-5917-8646-A3FB-2A6248D3D642}" srcOrd="3" destOrd="0" parTransId="{0ECC4B11-5A70-7040-9BD6-8F03235C87B6}" sibTransId="{F2737D8F-4657-5A45-8E74-A3B9812FB279}"/>
-    <dgm:cxn modelId="{50039944-6BB7-A94E-9901-A057BB749B5A}" type="presParOf" srcId="{C07D3D10-2920-4E09-AE27-262E1960DE6F}" destId="{45A7AA04-DF32-4942-9353-68FF4CCCF825}" srcOrd="0" destOrd="0" presId="urn:microsoft.com/office/officeart/2018/2/layout/IconVerticalSolidList"/>
-    <dgm:cxn modelId="{D1A9B18D-67FE-884F-84BD-9BAE83A4C882}" type="presParOf" srcId="{45A7AA04-DF32-4942-9353-68FF4CCCF825}" destId="{CBBD3B56-8076-7848-8870-C98BAEBF3D10}" srcOrd="0" destOrd="0" presId="urn:microsoft.com/office/officeart/2018/2/layout/IconVerticalSolidList"/>
-    <dgm:cxn modelId="{DF1AFABC-4EF0-D04C-8355-EAA489049B9E}" type="presParOf" srcId="{45A7AA04-DF32-4942-9353-68FF4CCCF825}" destId="{29732B47-204A-0C47-AFD9-3D2EA6575480}" srcOrd="1" destOrd="0" presId="urn:microsoft.com/office/officeart/2018/2/layout/IconVerticalSolidList"/>
-    <dgm:cxn modelId="{A4FBF7BA-3BC0-D540-A6D5-4F73A7F354BD}" type="presParOf" srcId="{45A7AA04-DF32-4942-9353-68FF4CCCF825}" destId="{3115A99F-20E8-9144-8C95-FF308A3FA398}" srcOrd="2" destOrd="0" presId="urn:microsoft.com/office/officeart/2018/2/layout/IconVerticalSolidList"/>
-    <dgm:cxn modelId="{AEB6FE7B-0CF2-BA4E-8766-87E999322AD8}" type="presParOf" srcId="{45A7AA04-DF32-4942-9353-68FF4CCCF825}" destId="{832D9B27-94CC-4F49-8E15-27BD057B4201}" srcOrd="3" destOrd="0" presId="urn:microsoft.com/office/officeart/2018/2/layout/IconVerticalSolidList"/>
-    <dgm:cxn modelId="{34E3033D-3ECE-8849-95F9-AA89F5704F29}" type="presParOf" srcId="{C07D3D10-2920-4E09-AE27-262E1960DE6F}" destId="{5B8301F4-F11F-794C-8D0B-00C8F89CA89D}" srcOrd="1" destOrd="0" presId="urn:microsoft.com/office/officeart/2018/2/layout/IconVerticalSolidList"/>
-    <dgm:cxn modelId="{6076B6EB-C0AE-4548-9262-B9CCCF1D26EA}" type="presParOf" srcId="{C07D3D10-2920-4E09-AE27-262E1960DE6F}" destId="{D60CC6E5-9EDF-4A78-BD0F-C57F44653FED}" srcOrd="2" destOrd="0" presId="urn:microsoft.com/office/officeart/2018/2/layout/IconVerticalSolidList"/>
-    <dgm:cxn modelId="{B4E05A3B-9403-004A-BED8-23EB67FAA97C}" type="presParOf" srcId="{D60CC6E5-9EDF-4A78-BD0F-C57F44653FED}" destId="{37AF4D56-F016-4E2F-905C-5A52A3EABAC5}" srcOrd="0" destOrd="0" presId="urn:microsoft.com/office/officeart/2018/2/layout/IconVerticalSolidList"/>
-    <dgm:cxn modelId="{5E1747B6-D7C0-EA46-9316-68C314C22094}" type="presParOf" srcId="{D60CC6E5-9EDF-4A78-BD0F-C57F44653FED}" destId="{8E8D1F25-0C89-4852-A7D7-FC787F32B944}" srcOrd="1" destOrd="0" presId="urn:microsoft.com/office/officeart/2018/2/layout/IconVerticalSolidList"/>
-    <dgm:cxn modelId="{5221CED9-C36C-B34A-A970-9C6A3916B8F4}" type="presParOf" srcId="{D60CC6E5-9EDF-4A78-BD0F-C57F44653FED}" destId="{03AB2419-4EA9-4E7E-A425-0A73B5F875C7}" srcOrd="2" destOrd="0" presId="urn:microsoft.com/office/officeart/2018/2/layout/IconVerticalSolidList"/>
-    <dgm:cxn modelId="{282963C3-B5F8-D84F-9BC9-B6D40B53DFE4}" type="presParOf" srcId="{D60CC6E5-9EDF-4A78-BD0F-C57F44653FED}" destId="{A4F04F91-6504-40E7-9168-7682AEF9FB9F}" srcOrd="3" destOrd="0" presId="urn:microsoft.com/office/officeart/2018/2/layout/IconVerticalSolidList"/>
-    <dgm:cxn modelId="{43FEA948-8F29-1D49-8C00-C4FB9F0CD394}" type="presParOf" srcId="{D60CC6E5-9EDF-4A78-BD0F-C57F44653FED}" destId="{BDD96D1E-07AF-452F-94CD-F4271AB52F3F}" srcOrd="4" destOrd="0" presId="urn:microsoft.com/office/officeart/2018/2/layout/IconVerticalSolidList"/>
-    <dgm:cxn modelId="{5B337344-903B-9444-B954-3E40B890F6C8}" type="presParOf" srcId="{C07D3D10-2920-4E09-AE27-262E1960DE6F}" destId="{B74FC284-6A2C-4B57-9BE8-D8C5270790E2}" srcOrd="3" destOrd="0" presId="urn:microsoft.com/office/officeart/2018/2/layout/IconVerticalSolidList"/>
-    <dgm:cxn modelId="{0346ADA8-2DDD-5E47-A2FF-FBD6ABB340BA}" type="presParOf" srcId="{C07D3D10-2920-4E09-AE27-262E1960DE6F}" destId="{36086178-D5E9-49A1-B9DF-170A7CA69300}" srcOrd="4" destOrd="0" presId="urn:microsoft.com/office/officeart/2018/2/layout/IconVerticalSolidList"/>
-    <dgm:cxn modelId="{66E853F3-174B-774E-8A47-ABBDC71A4AF6}" type="presParOf" srcId="{36086178-D5E9-49A1-B9DF-170A7CA69300}" destId="{47C6860A-DD19-4D87-8688-1A2722737DC3}" srcOrd="0" destOrd="0" presId="urn:microsoft.com/office/officeart/2018/2/layout/IconVerticalSolidList"/>
-    <dgm:cxn modelId="{470432E1-CAA2-6C4F-95A8-DD7E67FC3E3D}" type="presParOf" srcId="{36086178-D5E9-49A1-B9DF-170A7CA69300}" destId="{682904D4-275F-4782-9FF5-75547BFE9964}" srcOrd="1" destOrd="0" presId="urn:microsoft.com/office/officeart/2018/2/layout/IconVerticalSolidList"/>
-    <dgm:cxn modelId="{0E62453B-FD2A-D543-9F90-BEEF7F062100}" type="presParOf" srcId="{36086178-D5E9-49A1-B9DF-170A7CA69300}" destId="{3943AA01-6B35-4463-A806-7943E8A4FA7C}" srcOrd="2" destOrd="0" presId="urn:microsoft.com/office/officeart/2018/2/layout/IconVerticalSolidList"/>
-    <dgm:cxn modelId="{84474975-7875-4D4A-81BB-22686FE8CF00}" type="presParOf" srcId="{36086178-D5E9-49A1-B9DF-170A7CA69300}" destId="{B8469713-DE20-43D1-9080-0B37AE5E268B}" srcOrd="3" destOrd="0" presId="urn:microsoft.com/office/officeart/2018/2/layout/IconVerticalSolidList"/>
-    <dgm:cxn modelId="{EE74043B-42E2-C14F-879C-41D82E8B0960}" type="presParOf" srcId="{C07D3D10-2920-4E09-AE27-262E1960DE6F}" destId="{45B376D4-D29F-3F41-B5CD-2BED7070048E}" srcOrd="5" destOrd="0" presId="urn:microsoft.com/office/officeart/2018/2/layout/IconVerticalSolidList"/>
-    <dgm:cxn modelId="{80D0DB12-8250-DA48-9D8C-5B841036E9C3}" type="presParOf" srcId="{C07D3D10-2920-4E09-AE27-262E1960DE6F}" destId="{2FA8F753-440F-254D-80EB-AD6313FF3CC8}" srcOrd="6" destOrd="0" presId="urn:microsoft.com/office/officeart/2018/2/layout/IconVerticalSolidList"/>
-    <dgm:cxn modelId="{9BF2625F-DA25-2B4D-B954-FCA6AC00EED7}" type="presParOf" srcId="{2FA8F753-440F-254D-80EB-AD6313FF3CC8}" destId="{7BC60830-CDB6-0D46-AB2D-CE1FD626B9CD}" srcOrd="0" destOrd="0" presId="urn:microsoft.com/office/officeart/2018/2/layout/IconVerticalSolidList"/>
-    <dgm:cxn modelId="{EA246B6E-E0B5-9A42-AAAB-4DF123CE576E}" type="presParOf" srcId="{2FA8F753-440F-254D-80EB-AD6313FF3CC8}" destId="{90DDA344-1E66-1F47-8DE8-3E2E5218179F}" srcOrd="1" destOrd="0" presId="urn:microsoft.com/office/officeart/2018/2/layout/IconVerticalSolidList"/>
-    <dgm:cxn modelId="{14A4C47E-0281-5C47-8FC1-2FAC6CF4C020}" type="presParOf" srcId="{2FA8F753-440F-254D-80EB-AD6313FF3CC8}" destId="{9FAC8B8C-B81B-D845-8167-9E9D0A0A6B0F}" srcOrd="2" destOrd="0" presId="urn:microsoft.com/office/officeart/2018/2/layout/IconVerticalSolidList"/>
-    <dgm:cxn modelId="{BE5D275A-91C4-8B4C-A030-DB5D83BC20AF}" type="presParOf" srcId="{2FA8F753-440F-254D-80EB-AD6313FF3CC8}" destId="{BDDB41DB-F175-9F40-BD50-5E5942AC24E0}" srcOrd="3" destOrd="0" presId="urn:microsoft.com/office/officeart/2018/2/layout/IconVerticalSolidList"/>
-    <dgm:cxn modelId="{60AEB183-E9B3-E440-B4C4-8990999D6059}" type="presParOf" srcId="{2FA8F753-440F-254D-80EB-AD6313FF3CC8}" destId="{FDD790AC-9FAC-774B-B2DA-7814AC7A506B}" srcOrd="4" destOrd="0" presId="urn:microsoft.com/office/officeart/2018/2/layout/IconVerticalSolidList"/>
+    <dgm:cxn modelId="{97A42FF7-0B19-5440-9ED7-A4F84471ABD1}" srcId="{6438424D-7676-468E-B7F3-FC124CD68133}" destId="{E899FCA5-5917-8646-A3FB-2A6248D3D642}" srcOrd="2" destOrd="0" parTransId="{0ECC4B11-5A70-7040-9BD6-8F03235C87B6}" sibTransId="{F2737D8F-4657-5A45-8E74-A3B9812FB279}"/>
+    <dgm:cxn modelId="{4774B24E-EC75-5C4F-B707-33AA377F19BD}" type="presParOf" srcId="{C07D3D10-2920-4E09-AE27-262E1960DE6F}" destId="{45A7AA04-DF32-4942-9353-68FF4CCCF825}" srcOrd="0" destOrd="0" presId="urn:microsoft.com/office/officeart/2018/2/layout/IconVerticalSolidList"/>
+    <dgm:cxn modelId="{8D93AE5D-4B25-C449-8D20-53538DE42BA9}" type="presParOf" srcId="{45A7AA04-DF32-4942-9353-68FF4CCCF825}" destId="{CBBD3B56-8076-7848-8870-C98BAEBF3D10}" srcOrd="0" destOrd="0" presId="urn:microsoft.com/office/officeart/2018/2/layout/IconVerticalSolidList"/>
+    <dgm:cxn modelId="{32FBEF1F-DFAA-1441-8C30-25A59A11402B}" type="presParOf" srcId="{45A7AA04-DF32-4942-9353-68FF4CCCF825}" destId="{29732B47-204A-0C47-AFD9-3D2EA6575480}" srcOrd="1" destOrd="0" presId="urn:microsoft.com/office/officeart/2018/2/layout/IconVerticalSolidList"/>
+    <dgm:cxn modelId="{8EA8BEFA-DF83-4B42-9768-F8A163CAA0FB}" type="presParOf" srcId="{45A7AA04-DF32-4942-9353-68FF4CCCF825}" destId="{3115A99F-20E8-9144-8C95-FF308A3FA398}" srcOrd="2" destOrd="0" presId="urn:microsoft.com/office/officeart/2018/2/layout/IconVerticalSolidList"/>
+    <dgm:cxn modelId="{2AA589E5-AC48-DB43-8DED-8ABD52FBD9D2}" type="presParOf" srcId="{45A7AA04-DF32-4942-9353-68FF4CCCF825}" destId="{832D9B27-94CC-4F49-8E15-27BD057B4201}" srcOrd="3" destOrd="0" presId="urn:microsoft.com/office/officeart/2018/2/layout/IconVerticalSolidList"/>
+    <dgm:cxn modelId="{18F3A75C-BF50-7A4F-AFD4-B5D3C6A41301}" type="presParOf" srcId="{C07D3D10-2920-4E09-AE27-262E1960DE6F}" destId="{5B8301F4-F11F-794C-8D0B-00C8F89CA89D}" srcOrd="1" destOrd="0" presId="urn:microsoft.com/office/officeart/2018/2/layout/IconVerticalSolidList"/>
+    <dgm:cxn modelId="{5B14D9F4-84C5-674F-BD77-62B67976098D}" type="presParOf" srcId="{C07D3D10-2920-4E09-AE27-262E1960DE6F}" destId="{D60CC6E5-9EDF-4A78-BD0F-C57F44653FED}" srcOrd="2" destOrd="0" presId="urn:microsoft.com/office/officeart/2018/2/layout/IconVerticalSolidList"/>
+    <dgm:cxn modelId="{D0B3712F-43D5-594B-A2AD-2BF02D45197B}" type="presParOf" srcId="{D60CC6E5-9EDF-4A78-BD0F-C57F44653FED}" destId="{37AF4D56-F016-4E2F-905C-5A52A3EABAC5}" srcOrd="0" destOrd="0" presId="urn:microsoft.com/office/officeart/2018/2/layout/IconVerticalSolidList"/>
+    <dgm:cxn modelId="{4BB239BF-D769-E649-A3BE-27E8CC19D101}" type="presParOf" srcId="{D60CC6E5-9EDF-4A78-BD0F-C57F44653FED}" destId="{8E8D1F25-0C89-4852-A7D7-FC787F32B944}" srcOrd="1" destOrd="0" presId="urn:microsoft.com/office/officeart/2018/2/layout/IconVerticalSolidList"/>
+    <dgm:cxn modelId="{26D0376B-9423-8445-A639-DDACC0B4294D}" type="presParOf" srcId="{D60CC6E5-9EDF-4A78-BD0F-C57F44653FED}" destId="{03AB2419-4EA9-4E7E-A425-0A73B5F875C7}" srcOrd="2" destOrd="0" presId="urn:microsoft.com/office/officeart/2018/2/layout/IconVerticalSolidList"/>
+    <dgm:cxn modelId="{D066EABC-E8A8-E24B-8A76-E1C5D2F01C3C}" type="presParOf" srcId="{D60CC6E5-9EDF-4A78-BD0F-C57F44653FED}" destId="{A4F04F91-6504-40E7-9168-7682AEF9FB9F}" srcOrd="3" destOrd="0" presId="urn:microsoft.com/office/officeart/2018/2/layout/IconVerticalSolidList"/>
+    <dgm:cxn modelId="{B51828CB-4A69-984B-9956-B2A9247A4428}" type="presParOf" srcId="{D60CC6E5-9EDF-4A78-BD0F-C57F44653FED}" destId="{BDD96D1E-07AF-452F-94CD-F4271AB52F3F}" srcOrd="4" destOrd="0" presId="urn:microsoft.com/office/officeart/2018/2/layout/IconVerticalSolidList"/>
+    <dgm:cxn modelId="{9B53ED8D-06CA-3C4E-827E-DD82D8461523}" type="presParOf" srcId="{C07D3D10-2920-4E09-AE27-262E1960DE6F}" destId="{B74FC284-6A2C-4B57-9BE8-D8C5270790E2}" srcOrd="3" destOrd="0" presId="urn:microsoft.com/office/officeart/2018/2/layout/IconVerticalSolidList"/>
+    <dgm:cxn modelId="{F3C334B0-2D49-104D-9039-313528E64E24}" type="presParOf" srcId="{C07D3D10-2920-4E09-AE27-262E1960DE6F}" destId="{2FA8F753-440F-254D-80EB-AD6313FF3CC8}" srcOrd="4" destOrd="0" presId="urn:microsoft.com/office/officeart/2018/2/layout/IconVerticalSolidList"/>
+    <dgm:cxn modelId="{75B96F03-FC9C-2E41-9240-573B7BBAE15D}" type="presParOf" srcId="{2FA8F753-440F-254D-80EB-AD6313FF3CC8}" destId="{7BC60830-CDB6-0D46-AB2D-CE1FD626B9CD}" srcOrd="0" destOrd="0" presId="urn:microsoft.com/office/officeart/2018/2/layout/IconVerticalSolidList"/>
+    <dgm:cxn modelId="{E688E9C8-7B72-5B4B-BCA2-2411BB283DAD}" type="presParOf" srcId="{2FA8F753-440F-254D-80EB-AD6313FF3CC8}" destId="{90DDA344-1E66-1F47-8DE8-3E2E5218179F}" srcOrd="1" destOrd="0" presId="urn:microsoft.com/office/officeart/2018/2/layout/IconVerticalSolidList"/>
+    <dgm:cxn modelId="{4FA21768-61E6-5C46-A688-A1C8E0D120FC}" type="presParOf" srcId="{2FA8F753-440F-254D-80EB-AD6313FF3CC8}" destId="{9FAC8B8C-B81B-D845-8167-9E9D0A0A6B0F}" srcOrd="2" destOrd="0" presId="urn:microsoft.com/office/officeart/2018/2/layout/IconVerticalSolidList"/>
+    <dgm:cxn modelId="{8CDD2BB2-E3A5-C740-926A-162F643C6589}" type="presParOf" srcId="{2FA8F753-440F-254D-80EB-AD6313FF3CC8}" destId="{BDDB41DB-F175-9F40-BD50-5E5942AC24E0}" srcOrd="3" destOrd="0" presId="urn:microsoft.com/office/officeart/2018/2/layout/IconVerticalSolidList"/>
+    <dgm:cxn modelId="{69F27CF2-B131-0A4B-8A1A-7E8131E014BE}" type="presParOf" srcId="{2FA8F753-440F-254D-80EB-AD6313FF3CC8}" destId="{FDD790AC-9FAC-774B-B2DA-7814AC7A506B}" srcOrd="4" destOrd="0" presId="urn:microsoft.com/office/officeart/2018/2/layout/IconVerticalSolidList"/>
+    <dgm:cxn modelId="{1744C76B-A790-0842-A79F-C0F7785327DD}" type="presParOf" srcId="{C07D3D10-2920-4E09-AE27-262E1960DE6F}" destId="{0A9362DA-8443-AF4E-967A-32D62694CD44}" srcOrd="5" destOrd="0" presId="urn:microsoft.com/office/officeart/2018/2/layout/IconVerticalSolidList"/>
+    <dgm:cxn modelId="{6F5A25D6-81F9-BE4C-8167-1221CECDD226}" type="presParOf" srcId="{C07D3D10-2920-4E09-AE27-262E1960DE6F}" destId="{36086178-D5E9-49A1-B9DF-170A7CA69300}" srcOrd="6" destOrd="0" presId="urn:microsoft.com/office/officeart/2018/2/layout/IconVerticalSolidList"/>
+    <dgm:cxn modelId="{3308D9F1-985E-E447-B36D-0A8F167177CC}" type="presParOf" srcId="{36086178-D5E9-49A1-B9DF-170A7CA69300}" destId="{47C6860A-DD19-4D87-8688-1A2722737DC3}" srcOrd="0" destOrd="0" presId="urn:microsoft.com/office/officeart/2018/2/layout/IconVerticalSolidList"/>
+    <dgm:cxn modelId="{0EDB6850-4E40-8D42-A6B6-63DDF89534D1}" type="presParOf" srcId="{36086178-D5E9-49A1-B9DF-170A7CA69300}" destId="{682904D4-275F-4782-9FF5-75547BFE9964}" srcOrd="1" destOrd="0" presId="urn:microsoft.com/office/officeart/2018/2/layout/IconVerticalSolidList"/>
+    <dgm:cxn modelId="{0BA1AD02-5F5B-4D42-985F-EF6054490C58}" type="presParOf" srcId="{36086178-D5E9-49A1-B9DF-170A7CA69300}" destId="{3943AA01-6B35-4463-A806-7943E8A4FA7C}" srcOrd="2" destOrd="0" presId="urn:microsoft.com/office/officeart/2018/2/layout/IconVerticalSolidList"/>
+    <dgm:cxn modelId="{AF947E25-FC51-6847-9CBC-05F330E72CC0}" type="presParOf" srcId="{36086178-D5E9-49A1-B9DF-170A7CA69300}" destId="{B8469713-DE20-43D1-9080-0B37AE5E268B}" srcOrd="3" destOrd="0" presId="urn:microsoft.com/office/officeart/2018/2/layout/IconVerticalSolidList"/>
+    <dgm:cxn modelId="{39CE0B90-85E9-B946-9930-09FCA1FCBE49}" type="presParOf" srcId="{C07D3D10-2920-4E09-AE27-262E1960DE6F}" destId="{14F5C652-5DE2-7C4E-B3DF-73AFEEE2530B}" srcOrd="7" destOrd="0" presId="urn:microsoft.com/office/officeart/2018/2/layout/IconVerticalSolidList"/>
+    <dgm:cxn modelId="{45463791-9458-154B-A64F-222BBF527531}" type="presParOf" srcId="{C07D3D10-2920-4E09-AE27-262E1960DE6F}" destId="{525033BD-E6A8-1246-A7AF-2515321B246D}" srcOrd="8" destOrd="0" presId="urn:microsoft.com/office/officeart/2018/2/layout/IconVerticalSolidList"/>
+    <dgm:cxn modelId="{C29596A0-283B-BB46-BB8B-17083C99C70B}" type="presParOf" srcId="{525033BD-E6A8-1246-A7AF-2515321B246D}" destId="{6E88A2A9-9D39-C64C-A282-D400770C0A97}" srcOrd="0" destOrd="0" presId="urn:microsoft.com/office/officeart/2018/2/layout/IconVerticalSolidList"/>
+    <dgm:cxn modelId="{E63BEB64-EA6C-224D-ADFE-3620A6BE36A0}" type="presParOf" srcId="{525033BD-E6A8-1246-A7AF-2515321B246D}" destId="{40E1938E-5EDC-894F-80CB-DEA753F576B0}" srcOrd="1" destOrd="0" presId="urn:microsoft.com/office/officeart/2018/2/layout/IconVerticalSolidList"/>
+    <dgm:cxn modelId="{081E2851-2149-9541-AC27-3BD8C13929A3}" type="presParOf" srcId="{525033BD-E6A8-1246-A7AF-2515321B246D}" destId="{F24B1D19-120B-024A-804C-32FB23B12219}" srcOrd="2" destOrd="0" presId="urn:microsoft.com/office/officeart/2018/2/layout/IconVerticalSolidList"/>
+    <dgm:cxn modelId="{C0DFA103-EE3D-1B4B-81A2-D239E3F1721A}" type="presParOf" srcId="{525033BD-E6A8-1246-A7AF-2515321B246D}" destId="{54636CD9-BC09-7A45-9C92-E4FE091E398D}" srcOrd="3" destOrd="0" presId="urn:microsoft.com/office/officeart/2018/2/layout/IconVerticalSolidList"/>
   </dgm:cxnLst>
   <dgm:bg/>
   <dgm:whole/>
@@ -5249,7 +5335,7 @@
           </a:pPr>
           <a:r>
             <a:rPr lang="en-US" dirty="0"/>
-            <a:t>How Senators voted </a:t>
+            <a:t>How Senators voted</a:t>
           </a:r>
         </a:p>
       </dgm:t>
@@ -5266,44 +5352,6 @@
       </dgm:t>
     </dgm:pt>
     <dgm:pt modelId="{F2737D8F-4657-5A45-8E74-A3B9812FB279}" type="sibTrans" cxnId="{97A42FF7-0B19-5440-9ED7-A4F84471ABD1}">
-      <dgm:prSet/>
-      <dgm:spPr/>
-      <dgm:t>
-        <a:bodyPr/>
-        <a:lstStyle/>
-        <a:p>
-          <a:endParaRPr lang="en-US"/>
-        </a:p>
-      </dgm:t>
-    </dgm:pt>
-    <dgm:pt modelId="{EFE6E2B7-931D-8E46-92EF-DEACD43B1458}">
-      <dgm:prSet/>
-      <dgm:spPr/>
-      <dgm:t>
-        <a:bodyPr/>
-        <a:lstStyle/>
-        <a:p>
-          <a:pPr>
-            <a:lnSpc>
-              <a:spcPct val="100000"/>
-            </a:lnSpc>
-          </a:pPr>
-          <a:endParaRPr lang="en-US" dirty="0"/>
-        </a:p>
-      </dgm:t>
-    </dgm:pt>
-    <dgm:pt modelId="{F44ACD21-EE92-534D-9958-31B5B6C2D2C2}" type="parTrans" cxnId="{87BDFC7F-1EF6-5B45-8A5B-25CD8D714D13}">
-      <dgm:prSet/>
-      <dgm:spPr/>
-      <dgm:t>
-        <a:bodyPr/>
-        <a:lstStyle/>
-        <a:p>
-          <a:endParaRPr lang="en-US"/>
-        </a:p>
-      </dgm:t>
-    </dgm:pt>
-    <dgm:pt modelId="{E7558E32-1542-2D46-B389-E3887B7A074D}" type="sibTrans" cxnId="{87BDFC7F-1EF6-5B45-8A5B-25CD8D714D13}">
       <dgm:prSet/>
       <dgm:spPr/>
       <dgm:t>
@@ -5355,6 +5403,47 @@
         </a:p>
       </dgm:t>
     </dgm:pt>
+    <dgm:pt modelId="{A615D4ED-7BE7-CF46-90E0-2670D9C4CD07}">
+      <dgm:prSet/>
+      <dgm:spPr/>
+      <dgm:t>
+        <a:bodyPr/>
+        <a:lstStyle/>
+        <a:p>
+          <a:pPr>
+            <a:lnSpc>
+              <a:spcPct val="100000"/>
+            </a:lnSpc>
+          </a:pPr>
+          <a:r>
+            <a:rPr lang="en-US" dirty="0"/>
+            <a:t>Custom Predictor</a:t>
+          </a:r>
+        </a:p>
+      </dgm:t>
+    </dgm:pt>
+    <dgm:pt modelId="{90959FAD-FB34-2B40-B4F5-FCA9E69579C6}" type="parTrans" cxnId="{A75992AB-732D-434E-8E73-D73DB1466709}">
+      <dgm:prSet/>
+      <dgm:spPr/>
+      <dgm:t>
+        <a:bodyPr/>
+        <a:lstStyle/>
+        <a:p>
+          <a:endParaRPr lang="en-US"/>
+        </a:p>
+      </dgm:t>
+    </dgm:pt>
+    <dgm:pt modelId="{77AF5964-ECE1-0346-B18B-F701BB21DEAE}" type="sibTrans" cxnId="{A75992AB-732D-434E-8E73-D73DB1466709}">
+      <dgm:prSet/>
+      <dgm:spPr/>
+      <dgm:t>
+        <a:bodyPr/>
+        <a:lstStyle/>
+        <a:p>
+          <a:endParaRPr lang="en-US"/>
+        </a:p>
+      </dgm:t>
+    </dgm:pt>
     <dgm:pt modelId="{C07D3D10-2920-4E09-AE27-262E1960DE6F}" type="pres">
       <dgm:prSet presAssocID="{6438424D-7676-468E-B7F3-FC124CD68133}" presName="root" presStyleCnt="0">
         <dgm:presLayoutVars>
@@ -5369,11 +5458,11 @@
       <dgm:spPr/>
     </dgm:pt>
     <dgm:pt modelId="{CBBD3B56-8076-7848-8870-C98BAEBF3D10}" type="pres">
-      <dgm:prSet presAssocID="{73F72EE4-B607-B94C-8528-0DE9434DC825}" presName="bgRect" presStyleLbl="bgShp" presStyleIdx="0" presStyleCnt="4"/>
+      <dgm:prSet presAssocID="{73F72EE4-B607-B94C-8528-0DE9434DC825}" presName="bgRect" presStyleLbl="bgShp" presStyleIdx="0" presStyleCnt="5"/>
       <dgm:spPr/>
     </dgm:pt>
     <dgm:pt modelId="{29732B47-204A-0C47-AFD9-3D2EA6575480}" type="pres">
-      <dgm:prSet presAssocID="{73F72EE4-B607-B94C-8528-0DE9434DC825}" presName="iconRect" presStyleLbl="node1" presStyleIdx="0" presStyleCnt="4"/>
+      <dgm:prSet presAssocID="{73F72EE4-B607-B94C-8528-0DE9434DC825}" presName="iconRect" presStyleLbl="node1" presStyleIdx="0" presStyleCnt="5"/>
       <dgm:spPr>
         <a:blipFill>
           <a:blip xmlns:r="http://schemas.openxmlformats.org/officeDocument/2006/relationships" r:embed="rId1"/>
@@ -5406,11 +5495,11 @@
       <dgm:spPr/>
     </dgm:pt>
     <dgm:pt modelId="{37AF4D56-F016-4E2F-905C-5A52A3EABAC5}" type="pres">
-      <dgm:prSet presAssocID="{159DA386-3014-4BDF-A2E3-17B6D1C8A19A}" presName="bgRect" presStyleLbl="bgShp" presStyleIdx="1" presStyleCnt="4"/>
+      <dgm:prSet presAssocID="{159DA386-3014-4BDF-A2E3-17B6D1C8A19A}" presName="bgRect" presStyleLbl="bgShp" presStyleIdx="1" presStyleCnt="5"/>
       <dgm:spPr/>
     </dgm:pt>
     <dgm:pt modelId="{8E8D1F25-0C89-4852-A7D7-FC787F32B944}" type="pres">
-      <dgm:prSet presAssocID="{159DA386-3014-4BDF-A2E3-17B6D1C8A19A}" presName="iconRect" presStyleLbl="node1" presStyleIdx="1" presStyleCnt="4"/>
+      <dgm:prSet presAssocID="{159DA386-3014-4BDF-A2E3-17B6D1C8A19A}" presName="iconRect" presStyleLbl="node1" presStyleIdx="1" presStyleCnt="5"/>
       <dgm:spPr>
         <a:blipFill>
           <a:blip xmlns:r="http://schemas.openxmlformats.org/officeDocument/2006/relationships" r:embed="rId2">
@@ -5454,19 +5543,62 @@
       <dgm:prSet presAssocID="{6987B0E2-1425-451C-B56A-7C44DBFB45A5}" presName="sibTrans" presStyleCnt="0"/>
       <dgm:spPr/>
     </dgm:pt>
+    <dgm:pt modelId="{2FA8F753-440F-254D-80EB-AD6313FF3CC8}" type="pres">
+      <dgm:prSet presAssocID="{E899FCA5-5917-8646-A3FB-2A6248D3D642}" presName="compNode" presStyleCnt="0"/>
+      <dgm:spPr/>
+    </dgm:pt>
+    <dgm:pt modelId="{7BC60830-CDB6-0D46-AB2D-CE1FD626B9CD}" type="pres">
+      <dgm:prSet presAssocID="{E899FCA5-5917-8646-A3FB-2A6248D3D642}" presName="bgRect" presStyleLbl="bgShp" presStyleIdx="2" presStyleCnt="5"/>
+      <dgm:spPr/>
+    </dgm:pt>
+    <dgm:pt modelId="{90DDA344-1E66-1F47-8DE8-3E2E5218179F}" type="pres">
+      <dgm:prSet presAssocID="{E899FCA5-5917-8646-A3FB-2A6248D3D642}" presName="iconRect" presStyleLbl="node1" presStyleIdx="2" presStyleCnt="5"/>
+      <dgm:spPr>
+        <a:blipFill>
+          <a:blip xmlns:r="http://schemas.openxmlformats.org/officeDocument/2006/relationships" r:embed="rId3">
+            <a:extLst>
+              <a:ext uri="{28A0092B-C50C-407E-A947-70E740481C1C}">
+                <a14:useLocalDpi xmlns:a14="http://schemas.microsoft.com/office/drawing/2010/main" val="0"/>
+              </a:ext>
+            </a:extLst>
+          </a:blip>
+          <a:srcRect/>
+          <a:stretch>
+            <a:fillRect/>
+          </a:stretch>
+        </a:blipFill>
+      </dgm:spPr>
+    </dgm:pt>
+    <dgm:pt modelId="{9FAC8B8C-B81B-D845-8167-9E9D0A0A6B0F}" type="pres">
+      <dgm:prSet presAssocID="{E899FCA5-5917-8646-A3FB-2A6248D3D642}" presName="spaceRect" presStyleCnt="0"/>
+      <dgm:spPr/>
+    </dgm:pt>
+    <dgm:pt modelId="{BDDB41DB-F175-9F40-BD50-5E5942AC24E0}" type="pres">
+      <dgm:prSet presAssocID="{E899FCA5-5917-8646-A3FB-2A6248D3D642}" presName="parTx" presStyleLbl="revTx" presStyleIdx="3" presStyleCnt="6">
+        <dgm:presLayoutVars>
+          <dgm:chMax val="0"/>
+          <dgm:chPref val="0"/>
+        </dgm:presLayoutVars>
+      </dgm:prSet>
+      <dgm:spPr/>
+    </dgm:pt>
+    <dgm:pt modelId="{F145EE2E-FCE4-F242-881A-FD759254B1DB}" type="pres">
+      <dgm:prSet presAssocID="{F2737D8F-4657-5A45-8E74-A3B9812FB279}" presName="sibTrans" presStyleCnt="0"/>
+      <dgm:spPr/>
+    </dgm:pt>
     <dgm:pt modelId="{36086178-D5E9-49A1-B9DF-170A7CA69300}" type="pres">
       <dgm:prSet presAssocID="{0D5EEFEB-1122-45C1-A106-10091C0422A2}" presName="compNode" presStyleCnt="0"/>
       <dgm:spPr/>
     </dgm:pt>
     <dgm:pt modelId="{47C6860A-DD19-4D87-8688-1A2722737DC3}" type="pres">
-      <dgm:prSet presAssocID="{0D5EEFEB-1122-45C1-A106-10091C0422A2}" presName="bgRect" presStyleLbl="bgShp" presStyleIdx="2" presStyleCnt="4"/>
+      <dgm:prSet presAssocID="{0D5EEFEB-1122-45C1-A106-10091C0422A2}" presName="bgRect" presStyleLbl="bgShp" presStyleIdx="3" presStyleCnt="5"/>
       <dgm:spPr/>
     </dgm:pt>
     <dgm:pt modelId="{682904D4-275F-4782-9FF5-75547BFE9964}" type="pres">
-      <dgm:prSet presAssocID="{0D5EEFEB-1122-45C1-A106-10091C0422A2}" presName="iconRect" presStyleLbl="node1" presStyleIdx="2" presStyleCnt="4"/>
+      <dgm:prSet presAssocID="{0D5EEFEB-1122-45C1-A106-10091C0422A2}" presName="iconRect" presStyleLbl="node1" presStyleIdx="3" presStyleCnt="5"/>
       <dgm:spPr>
         <a:blipFill rotWithShape="1">
-          <a:blip xmlns:r="http://schemas.openxmlformats.org/officeDocument/2006/relationships" r:embed="rId3">
+          <a:blip xmlns:r="http://schemas.openxmlformats.org/officeDocument/2006/relationships" r:embed="rId4">
             <a:extLst>
               <a:ext uri="{28A0092B-C50C-407E-A947-70E740481C1C}">
                 <a14:useLocalDpi xmlns:a14="http://schemas.microsoft.com/office/drawing/2010/main" val="0"/>
@@ -5486,7 +5618,7 @@
       <dgm:spPr/>
     </dgm:pt>
     <dgm:pt modelId="{B8469713-DE20-43D1-9080-0B37AE5E268B}" type="pres">
-      <dgm:prSet presAssocID="{0D5EEFEB-1122-45C1-A106-10091C0422A2}" presName="parTx" presStyleLbl="revTx" presStyleIdx="3" presStyleCnt="6">
+      <dgm:prSet presAssocID="{0D5EEFEB-1122-45C1-A106-10091C0422A2}" presName="parTx" presStyleLbl="revTx" presStyleIdx="4" presStyleCnt="6">
         <dgm:presLayoutVars>
           <dgm:chMax val="0"/>
           <dgm:chPref val="0"/>
@@ -5494,23 +5626,23 @@
       </dgm:prSet>
       <dgm:spPr/>
     </dgm:pt>
-    <dgm:pt modelId="{45B376D4-D29F-3F41-B5CD-2BED7070048E}" type="pres">
+    <dgm:pt modelId="{DCE69F31-248B-C044-A4E2-87560B302593}" type="pres">
       <dgm:prSet presAssocID="{909DC78A-A51F-4500-82A9-3707BFA93992}" presName="sibTrans" presStyleCnt="0"/>
       <dgm:spPr/>
     </dgm:pt>
-    <dgm:pt modelId="{2FA8F753-440F-254D-80EB-AD6313FF3CC8}" type="pres">
-      <dgm:prSet presAssocID="{E899FCA5-5917-8646-A3FB-2A6248D3D642}" presName="compNode" presStyleCnt="0"/>
+    <dgm:pt modelId="{A19F9DF6-D7DA-E849-B722-537C3D7E8F66}" type="pres">
+      <dgm:prSet presAssocID="{A615D4ED-7BE7-CF46-90E0-2670D9C4CD07}" presName="compNode" presStyleCnt="0"/>
       <dgm:spPr/>
     </dgm:pt>
-    <dgm:pt modelId="{7BC60830-CDB6-0D46-AB2D-CE1FD626B9CD}" type="pres">
-      <dgm:prSet presAssocID="{E899FCA5-5917-8646-A3FB-2A6248D3D642}" presName="bgRect" presStyleLbl="bgShp" presStyleIdx="3" presStyleCnt="4"/>
+    <dgm:pt modelId="{BC4B6CEC-0BAE-C743-A29F-882E0A476470}" type="pres">
+      <dgm:prSet presAssocID="{A615D4ED-7BE7-CF46-90E0-2670D9C4CD07}" presName="bgRect" presStyleLbl="bgShp" presStyleIdx="4" presStyleCnt="5"/>
       <dgm:spPr/>
     </dgm:pt>
-    <dgm:pt modelId="{90DDA344-1E66-1F47-8DE8-3E2E5218179F}" type="pres">
-      <dgm:prSet presAssocID="{E899FCA5-5917-8646-A3FB-2A6248D3D642}" presName="iconRect" presStyleLbl="node1" presStyleIdx="3" presStyleCnt="4"/>
+    <dgm:pt modelId="{97E847FD-B1BE-4540-B78F-40B5E0924483}" type="pres">
+      <dgm:prSet presAssocID="{A615D4ED-7BE7-CF46-90E0-2670D9C4CD07}" presName="iconRect" presStyleLbl="node1" presStyleIdx="4" presStyleCnt="5"/>
       <dgm:spPr>
         <a:blipFill>
-          <a:blip xmlns:r="http://schemas.openxmlformats.org/officeDocument/2006/relationships" r:embed="rId4">
+          <a:blip xmlns:r="http://schemas.openxmlformats.org/officeDocument/2006/relationships" r:embed="rId5">
             <a:extLst>
               <a:ext uri="{28A0092B-C50C-407E-A947-70E740481C1C}">
                 <a14:useLocalDpi xmlns:a14="http://schemas.microsoft.com/office/drawing/2010/main" val="0"/>
@@ -5519,17 +5651,17 @@
           </a:blip>
           <a:srcRect/>
           <a:stretch>
-            <a:fillRect/>
+            <a:fillRect l="-17000" r="-17000"/>
           </a:stretch>
         </a:blipFill>
       </dgm:spPr>
     </dgm:pt>
-    <dgm:pt modelId="{9FAC8B8C-B81B-D845-8167-9E9D0A0A6B0F}" type="pres">
-      <dgm:prSet presAssocID="{E899FCA5-5917-8646-A3FB-2A6248D3D642}" presName="spaceRect" presStyleCnt="0"/>
+    <dgm:pt modelId="{19CD29B7-6CE7-8D4E-9B98-17E9F140C564}" type="pres">
+      <dgm:prSet presAssocID="{A615D4ED-7BE7-CF46-90E0-2670D9C4CD07}" presName="spaceRect" presStyleCnt="0"/>
       <dgm:spPr/>
     </dgm:pt>
-    <dgm:pt modelId="{BDDB41DB-F175-9F40-BD50-5E5942AC24E0}" type="pres">
-      <dgm:prSet presAssocID="{E899FCA5-5917-8646-A3FB-2A6248D3D642}" presName="parTx" presStyleLbl="revTx" presStyleIdx="4" presStyleCnt="6">
+    <dgm:pt modelId="{AA703853-20AE-734C-BE28-5AF23190E2EC}" type="pres">
+      <dgm:prSet presAssocID="{A615D4ED-7BE7-CF46-90E0-2670D9C4CD07}" presName="parTx" presStyleLbl="revTx" presStyleIdx="5" presStyleCnt="6">
         <dgm:presLayoutVars>
           <dgm:chMax val="0"/>
           <dgm:chPref val="0"/>
@@ -5537,58 +5669,57 @@
       </dgm:prSet>
       <dgm:spPr/>
     </dgm:pt>
-    <dgm:pt modelId="{FDD790AC-9FAC-774B-B2DA-7814AC7A506B}" type="pres">
-      <dgm:prSet presAssocID="{E899FCA5-5917-8646-A3FB-2A6248D3D642}" presName="desTx" presStyleLbl="revTx" presStyleIdx="5" presStyleCnt="6">
-        <dgm:presLayoutVars/>
-      </dgm:prSet>
-      <dgm:spPr/>
-    </dgm:pt>
   </dgm:ptLst>
   <dgm:cxnLst>
-    <dgm:cxn modelId="{1D4ED906-9EFD-6A4B-952A-E55FA4E2E690}" type="presOf" srcId="{159DA386-3014-4BDF-A2E3-17B6D1C8A19A}" destId="{A4F04F91-6504-40E7-9168-7682AEF9FB9F}" srcOrd="0" destOrd="0" presId="urn:microsoft.com/office/officeart/2018/2/layout/IconVerticalSolidList"/>
-    <dgm:cxn modelId="{AD98DF12-A9CF-464D-A3A5-E740FFD403C1}" srcId="{6438424D-7676-468E-B7F3-FC124CD68133}" destId="{0D5EEFEB-1122-45C1-A106-10091C0422A2}" srcOrd="2" destOrd="0" parTransId="{658C9B92-C90D-4AED-B1B0-AFA77ED51962}" sibTransId="{909DC78A-A51F-4500-82A9-3707BFA93992}"/>
+    <dgm:cxn modelId="{C3C9C20E-A6D1-744B-8674-3BF0941998BD}" type="presOf" srcId="{0D5EEFEB-1122-45C1-A106-10091C0422A2}" destId="{B8469713-DE20-43D1-9080-0B37AE5E268B}" srcOrd="0" destOrd="0" presId="urn:microsoft.com/office/officeart/2018/2/layout/IconVerticalSolidList"/>
+    <dgm:cxn modelId="{AD98DF12-A9CF-464D-A3A5-E740FFD403C1}" srcId="{6438424D-7676-468E-B7F3-FC124CD68133}" destId="{0D5EEFEB-1122-45C1-A106-10091C0422A2}" srcOrd="3" destOrd="0" parTransId="{658C9B92-C90D-4AED-B1B0-AFA77ED51962}" sibTransId="{909DC78A-A51F-4500-82A9-3707BFA93992}"/>
+    <dgm:cxn modelId="{89F06024-A4F7-2C47-8A6A-B42FCB4D1310}" type="presOf" srcId="{E899FCA5-5917-8646-A3FB-2A6248D3D642}" destId="{BDDB41DB-F175-9F40-BD50-5E5942AC24E0}" srcOrd="0" destOrd="0" presId="urn:microsoft.com/office/officeart/2018/2/layout/IconVerticalSolidList"/>
     <dgm:cxn modelId="{F5359926-D181-49B4-9BCF-011FA661B60C}" srcId="{6438424D-7676-468E-B7F3-FC124CD68133}" destId="{159DA386-3014-4BDF-A2E3-17B6D1C8A19A}" srcOrd="1" destOrd="0" parTransId="{A06F936E-B0E9-44C3-858A-FFFCD4C1DC82}" sibTransId="{6987B0E2-1425-451C-B56A-7C44DBFB45A5}"/>
-    <dgm:cxn modelId="{BFD9632F-3224-B34A-A894-4F9688CDA8EB}" type="presOf" srcId="{0D5EEFEB-1122-45C1-A106-10091C0422A2}" destId="{B8469713-DE20-43D1-9080-0B37AE5E268B}" srcOrd="0" destOrd="0" presId="urn:microsoft.com/office/officeart/2018/2/layout/IconVerticalSolidList"/>
-    <dgm:cxn modelId="{4EE85130-B7DF-5446-8114-7EB9EFFC82A5}" type="presOf" srcId="{EFE6E2B7-931D-8E46-92EF-DEACD43B1458}" destId="{FDD790AC-9FAC-774B-B2DA-7814AC7A506B}" srcOrd="0" destOrd="0" presId="urn:microsoft.com/office/officeart/2018/2/layout/IconVerticalSolidList"/>
+    <dgm:cxn modelId="{9F06A440-8E75-8141-A331-1D682611BFC0}" type="presOf" srcId="{73F72EE4-B607-B94C-8528-0DE9434DC825}" destId="{832D9B27-94CC-4F49-8E15-27BD057B4201}" srcOrd="0" destOrd="0" presId="urn:microsoft.com/office/officeart/2018/2/layout/IconVerticalSolidList"/>
+    <dgm:cxn modelId="{E467375D-8FA4-C64D-8F37-75B8D6C1724D}" type="presOf" srcId="{A615D4ED-7BE7-CF46-90E0-2670D9C4CD07}" destId="{AA703853-20AE-734C-BE28-5AF23190E2EC}" srcOrd="0" destOrd="0" presId="urn:microsoft.com/office/officeart/2018/2/layout/IconVerticalSolidList"/>
     <dgm:cxn modelId="{F7B5E366-06C3-4EF2-ACE2-475289A69548}" srcId="{159DA386-3014-4BDF-A2E3-17B6D1C8A19A}" destId="{02972E0F-1482-4E3F-BDF4-BEB7615A2693}" srcOrd="0" destOrd="0" parTransId="{824F94A9-53D1-487C-9FAE-B05762B6D7D3}" sibTransId="{3A590C0B-5A6A-4109-B2A1-0311E9C0BE5A}"/>
-    <dgm:cxn modelId="{7575EE73-9076-6243-9CC9-332DFE2B39F2}" type="presOf" srcId="{73F72EE4-B607-B94C-8528-0DE9434DC825}" destId="{832D9B27-94CC-4F49-8E15-27BD057B4201}" srcOrd="0" destOrd="0" presId="urn:microsoft.com/office/officeart/2018/2/layout/IconVerticalSolidList"/>
-    <dgm:cxn modelId="{87BDFC7F-1EF6-5B45-8A5B-25CD8D714D13}" srcId="{E899FCA5-5917-8646-A3FB-2A6248D3D642}" destId="{EFE6E2B7-931D-8E46-92EF-DEACD43B1458}" srcOrd="0" destOrd="0" parTransId="{F44ACD21-EE92-534D-9958-31B5B6C2D2C2}" sibTransId="{E7558E32-1542-2D46-B389-E3887B7A074D}"/>
     <dgm:cxn modelId="{9EF8FAA2-AFD3-D949-87DE-70C55D4628DB}" srcId="{6438424D-7676-468E-B7F3-FC124CD68133}" destId="{73F72EE4-B607-B94C-8528-0DE9434DC825}" srcOrd="0" destOrd="0" parTransId="{4DA30D2C-4C9B-A84F-8368-85C8DB566288}" sibTransId="{3E4B5319-5287-BC40-A9C2-945C5602CFD0}"/>
-    <dgm:cxn modelId="{3F15A7C9-8A50-254A-99F6-230F97682BD4}" type="presOf" srcId="{E899FCA5-5917-8646-A3FB-2A6248D3D642}" destId="{BDDB41DB-F175-9F40-BD50-5E5942AC24E0}" srcOrd="0" destOrd="0" presId="urn:microsoft.com/office/officeart/2018/2/layout/IconVerticalSolidList"/>
-    <dgm:cxn modelId="{08D22CD5-831A-8540-A9FE-B3A4ED005419}" type="presOf" srcId="{02972E0F-1482-4E3F-BDF4-BEB7615A2693}" destId="{BDD96D1E-07AF-452F-94CD-F4271AB52F3F}" srcOrd="0" destOrd="0" presId="urn:microsoft.com/office/officeart/2018/2/layout/IconVerticalSolidList"/>
+    <dgm:cxn modelId="{A75992AB-732D-434E-8E73-D73DB1466709}" srcId="{6438424D-7676-468E-B7F3-FC124CD68133}" destId="{A615D4ED-7BE7-CF46-90E0-2670D9C4CD07}" srcOrd="4" destOrd="0" parTransId="{90959FAD-FB34-2B40-B4F5-FCA9E69579C6}" sibTransId="{77AF5964-ECE1-0346-B18B-F701BB21DEAE}"/>
+    <dgm:cxn modelId="{D84544AE-351F-4947-8FEB-DB3B3FEC6559}" type="presOf" srcId="{159DA386-3014-4BDF-A2E3-17B6D1C8A19A}" destId="{A4F04F91-6504-40E7-9168-7682AEF9FB9F}" srcOrd="0" destOrd="0" presId="urn:microsoft.com/office/officeart/2018/2/layout/IconVerticalSolidList"/>
     <dgm:cxn modelId="{447DC1E4-9D2C-DB40-A53C-6B9D255E56C8}" type="presOf" srcId="{6438424D-7676-468E-B7F3-FC124CD68133}" destId="{C07D3D10-2920-4E09-AE27-262E1960DE6F}" srcOrd="0" destOrd="0" presId="urn:microsoft.com/office/officeart/2018/2/layout/IconVerticalSolidList"/>
-    <dgm:cxn modelId="{97A42FF7-0B19-5440-9ED7-A4F84471ABD1}" srcId="{6438424D-7676-468E-B7F3-FC124CD68133}" destId="{E899FCA5-5917-8646-A3FB-2A6248D3D642}" srcOrd="3" destOrd="0" parTransId="{0ECC4B11-5A70-7040-9BD6-8F03235C87B6}" sibTransId="{F2737D8F-4657-5A45-8E74-A3B9812FB279}"/>
-    <dgm:cxn modelId="{50039944-6BB7-A94E-9901-A057BB749B5A}" type="presParOf" srcId="{C07D3D10-2920-4E09-AE27-262E1960DE6F}" destId="{45A7AA04-DF32-4942-9353-68FF4CCCF825}" srcOrd="0" destOrd="0" presId="urn:microsoft.com/office/officeart/2018/2/layout/IconVerticalSolidList"/>
-    <dgm:cxn modelId="{D1A9B18D-67FE-884F-84BD-9BAE83A4C882}" type="presParOf" srcId="{45A7AA04-DF32-4942-9353-68FF4CCCF825}" destId="{CBBD3B56-8076-7848-8870-C98BAEBF3D10}" srcOrd="0" destOrd="0" presId="urn:microsoft.com/office/officeart/2018/2/layout/IconVerticalSolidList"/>
-    <dgm:cxn modelId="{DF1AFABC-4EF0-D04C-8355-EAA489049B9E}" type="presParOf" srcId="{45A7AA04-DF32-4942-9353-68FF4CCCF825}" destId="{29732B47-204A-0C47-AFD9-3D2EA6575480}" srcOrd="1" destOrd="0" presId="urn:microsoft.com/office/officeart/2018/2/layout/IconVerticalSolidList"/>
-    <dgm:cxn modelId="{A4FBF7BA-3BC0-D540-A6D5-4F73A7F354BD}" type="presParOf" srcId="{45A7AA04-DF32-4942-9353-68FF4CCCF825}" destId="{3115A99F-20E8-9144-8C95-FF308A3FA398}" srcOrd="2" destOrd="0" presId="urn:microsoft.com/office/officeart/2018/2/layout/IconVerticalSolidList"/>
-    <dgm:cxn modelId="{AEB6FE7B-0CF2-BA4E-8766-87E999322AD8}" type="presParOf" srcId="{45A7AA04-DF32-4942-9353-68FF4CCCF825}" destId="{832D9B27-94CC-4F49-8E15-27BD057B4201}" srcOrd="3" destOrd="0" presId="urn:microsoft.com/office/officeart/2018/2/layout/IconVerticalSolidList"/>
-    <dgm:cxn modelId="{34E3033D-3ECE-8849-95F9-AA89F5704F29}" type="presParOf" srcId="{C07D3D10-2920-4E09-AE27-262E1960DE6F}" destId="{5B8301F4-F11F-794C-8D0B-00C8F89CA89D}" srcOrd="1" destOrd="0" presId="urn:microsoft.com/office/officeart/2018/2/layout/IconVerticalSolidList"/>
-    <dgm:cxn modelId="{6076B6EB-C0AE-4548-9262-B9CCCF1D26EA}" type="presParOf" srcId="{C07D3D10-2920-4E09-AE27-262E1960DE6F}" destId="{D60CC6E5-9EDF-4A78-BD0F-C57F44653FED}" srcOrd="2" destOrd="0" presId="urn:microsoft.com/office/officeart/2018/2/layout/IconVerticalSolidList"/>
-    <dgm:cxn modelId="{B4E05A3B-9403-004A-BED8-23EB67FAA97C}" type="presParOf" srcId="{D60CC6E5-9EDF-4A78-BD0F-C57F44653FED}" destId="{37AF4D56-F016-4E2F-905C-5A52A3EABAC5}" srcOrd="0" destOrd="0" presId="urn:microsoft.com/office/officeart/2018/2/layout/IconVerticalSolidList"/>
-    <dgm:cxn modelId="{5E1747B6-D7C0-EA46-9316-68C314C22094}" type="presParOf" srcId="{D60CC6E5-9EDF-4A78-BD0F-C57F44653FED}" destId="{8E8D1F25-0C89-4852-A7D7-FC787F32B944}" srcOrd="1" destOrd="0" presId="urn:microsoft.com/office/officeart/2018/2/layout/IconVerticalSolidList"/>
-    <dgm:cxn modelId="{5221CED9-C36C-B34A-A970-9C6A3916B8F4}" type="presParOf" srcId="{D60CC6E5-9EDF-4A78-BD0F-C57F44653FED}" destId="{03AB2419-4EA9-4E7E-A425-0A73B5F875C7}" srcOrd="2" destOrd="0" presId="urn:microsoft.com/office/officeart/2018/2/layout/IconVerticalSolidList"/>
-    <dgm:cxn modelId="{282963C3-B5F8-D84F-9BC9-B6D40B53DFE4}" type="presParOf" srcId="{D60CC6E5-9EDF-4A78-BD0F-C57F44653FED}" destId="{A4F04F91-6504-40E7-9168-7682AEF9FB9F}" srcOrd="3" destOrd="0" presId="urn:microsoft.com/office/officeart/2018/2/layout/IconVerticalSolidList"/>
-    <dgm:cxn modelId="{43FEA948-8F29-1D49-8C00-C4FB9F0CD394}" type="presParOf" srcId="{D60CC6E5-9EDF-4A78-BD0F-C57F44653FED}" destId="{BDD96D1E-07AF-452F-94CD-F4271AB52F3F}" srcOrd="4" destOrd="0" presId="urn:microsoft.com/office/officeart/2018/2/layout/IconVerticalSolidList"/>
-    <dgm:cxn modelId="{5B337344-903B-9444-B954-3E40B890F6C8}" type="presParOf" srcId="{C07D3D10-2920-4E09-AE27-262E1960DE6F}" destId="{B74FC284-6A2C-4B57-9BE8-D8C5270790E2}" srcOrd="3" destOrd="0" presId="urn:microsoft.com/office/officeart/2018/2/layout/IconVerticalSolidList"/>
-    <dgm:cxn modelId="{0346ADA8-2DDD-5E47-A2FF-FBD6ABB340BA}" type="presParOf" srcId="{C07D3D10-2920-4E09-AE27-262E1960DE6F}" destId="{36086178-D5E9-49A1-B9DF-170A7CA69300}" srcOrd="4" destOrd="0" presId="urn:microsoft.com/office/officeart/2018/2/layout/IconVerticalSolidList"/>
-    <dgm:cxn modelId="{66E853F3-174B-774E-8A47-ABBDC71A4AF6}" type="presParOf" srcId="{36086178-D5E9-49A1-B9DF-170A7CA69300}" destId="{47C6860A-DD19-4D87-8688-1A2722737DC3}" srcOrd="0" destOrd="0" presId="urn:microsoft.com/office/officeart/2018/2/layout/IconVerticalSolidList"/>
-    <dgm:cxn modelId="{470432E1-CAA2-6C4F-95A8-DD7E67FC3E3D}" type="presParOf" srcId="{36086178-D5E9-49A1-B9DF-170A7CA69300}" destId="{682904D4-275F-4782-9FF5-75547BFE9964}" srcOrd="1" destOrd="0" presId="urn:microsoft.com/office/officeart/2018/2/layout/IconVerticalSolidList"/>
-    <dgm:cxn modelId="{0E62453B-FD2A-D543-9F90-BEEF7F062100}" type="presParOf" srcId="{36086178-D5E9-49A1-B9DF-170A7CA69300}" destId="{3943AA01-6B35-4463-A806-7943E8A4FA7C}" srcOrd="2" destOrd="0" presId="urn:microsoft.com/office/officeart/2018/2/layout/IconVerticalSolidList"/>
-    <dgm:cxn modelId="{84474975-7875-4D4A-81BB-22686FE8CF00}" type="presParOf" srcId="{36086178-D5E9-49A1-B9DF-170A7CA69300}" destId="{B8469713-DE20-43D1-9080-0B37AE5E268B}" srcOrd="3" destOrd="0" presId="urn:microsoft.com/office/officeart/2018/2/layout/IconVerticalSolidList"/>
-    <dgm:cxn modelId="{EE74043B-42E2-C14F-879C-41D82E8B0960}" type="presParOf" srcId="{C07D3D10-2920-4E09-AE27-262E1960DE6F}" destId="{45B376D4-D29F-3F41-B5CD-2BED7070048E}" srcOrd="5" destOrd="0" presId="urn:microsoft.com/office/officeart/2018/2/layout/IconVerticalSolidList"/>
-    <dgm:cxn modelId="{80D0DB12-8250-DA48-9D8C-5B841036E9C3}" type="presParOf" srcId="{C07D3D10-2920-4E09-AE27-262E1960DE6F}" destId="{2FA8F753-440F-254D-80EB-AD6313FF3CC8}" srcOrd="6" destOrd="0" presId="urn:microsoft.com/office/officeart/2018/2/layout/IconVerticalSolidList"/>
-    <dgm:cxn modelId="{9BF2625F-DA25-2B4D-B954-FCA6AC00EED7}" type="presParOf" srcId="{2FA8F753-440F-254D-80EB-AD6313FF3CC8}" destId="{7BC60830-CDB6-0D46-AB2D-CE1FD626B9CD}" srcOrd="0" destOrd="0" presId="urn:microsoft.com/office/officeart/2018/2/layout/IconVerticalSolidList"/>
-    <dgm:cxn modelId="{EA246B6E-E0B5-9A42-AAAB-4DF123CE576E}" type="presParOf" srcId="{2FA8F753-440F-254D-80EB-AD6313FF3CC8}" destId="{90DDA344-1E66-1F47-8DE8-3E2E5218179F}" srcOrd="1" destOrd="0" presId="urn:microsoft.com/office/officeart/2018/2/layout/IconVerticalSolidList"/>
-    <dgm:cxn modelId="{14A4C47E-0281-5C47-8FC1-2FAC6CF4C020}" type="presParOf" srcId="{2FA8F753-440F-254D-80EB-AD6313FF3CC8}" destId="{9FAC8B8C-B81B-D845-8167-9E9D0A0A6B0F}" srcOrd="2" destOrd="0" presId="urn:microsoft.com/office/officeart/2018/2/layout/IconVerticalSolidList"/>
-    <dgm:cxn modelId="{BE5D275A-91C4-8B4C-A030-DB5D83BC20AF}" type="presParOf" srcId="{2FA8F753-440F-254D-80EB-AD6313FF3CC8}" destId="{BDDB41DB-F175-9F40-BD50-5E5942AC24E0}" srcOrd="3" destOrd="0" presId="urn:microsoft.com/office/officeart/2018/2/layout/IconVerticalSolidList"/>
-    <dgm:cxn modelId="{60AEB183-E9B3-E440-B4C4-8990999D6059}" type="presParOf" srcId="{2FA8F753-440F-254D-80EB-AD6313FF3CC8}" destId="{FDD790AC-9FAC-774B-B2DA-7814AC7A506B}" srcOrd="4" destOrd="0" presId="urn:microsoft.com/office/officeart/2018/2/layout/IconVerticalSolidList"/>
+    <dgm:cxn modelId="{D68CDFE8-4706-ED40-8810-9EF76CA7478E}" type="presOf" srcId="{02972E0F-1482-4E3F-BDF4-BEB7615A2693}" destId="{BDD96D1E-07AF-452F-94CD-F4271AB52F3F}" srcOrd="0" destOrd="0" presId="urn:microsoft.com/office/officeart/2018/2/layout/IconVerticalSolidList"/>
+    <dgm:cxn modelId="{97A42FF7-0B19-5440-9ED7-A4F84471ABD1}" srcId="{6438424D-7676-468E-B7F3-FC124CD68133}" destId="{E899FCA5-5917-8646-A3FB-2A6248D3D642}" srcOrd="2" destOrd="0" parTransId="{0ECC4B11-5A70-7040-9BD6-8F03235C87B6}" sibTransId="{F2737D8F-4657-5A45-8E74-A3B9812FB279}"/>
+    <dgm:cxn modelId="{B31BA7F1-AEE1-3E44-B3C8-780AFDA6072D}" type="presParOf" srcId="{C07D3D10-2920-4E09-AE27-262E1960DE6F}" destId="{45A7AA04-DF32-4942-9353-68FF4CCCF825}" srcOrd="0" destOrd="0" presId="urn:microsoft.com/office/officeart/2018/2/layout/IconVerticalSolidList"/>
+    <dgm:cxn modelId="{274165D5-6554-944B-8551-8239ADFA6D5B}" type="presParOf" srcId="{45A7AA04-DF32-4942-9353-68FF4CCCF825}" destId="{CBBD3B56-8076-7848-8870-C98BAEBF3D10}" srcOrd="0" destOrd="0" presId="urn:microsoft.com/office/officeart/2018/2/layout/IconVerticalSolidList"/>
+    <dgm:cxn modelId="{F5660BE8-A5C7-8D41-A803-3A7A8A50D64E}" type="presParOf" srcId="{45A7AA04-DF32-4942-9353-68FF4CCCF825}" destId="{29732B47-204A-0C47-AFD9-3D2EA6575480}" srcOrd="1" destOrd="0" presId="urn:microsoft.com/office/officeart/2018/2/layout/IconVerticalSolidList"/>
+    <dgm:cxn modelId="{321F6857-7698-2441-93CB-9FF6B5C064DC}" type="presParOf" srcId="{45A7AA04-DF32-4942-9353-68FF4CCCF825}" destId="{3115A99F-20E8-9144-8C95-FF308A3FA398}" srcOrd="2" destOrd="0" presId="urn:microsoft.com/office/officeart/2018/2/layout/IconVerticalSolidList"/>
+    <dgm:cxn modelId="{4D0017D1-62E3-B148-A1ED-DFDF9AFE1C3F}" type="presParOf" srcId="{45A7AA04-DF32-4942-9353-68FF4CCCF825}" destId="{832D9B27-94CC-4F49-8E15-27BD057B4201}" srcOrd="3" destOrd="0" presId="urn:microsoft.com/office/officeart/2018/2/layout/IconVerticalSolidList"/>
+    <dgm:cxn modelId="{C6605D58-3933-DC4C-B26B-ADAEC878536D}" type="presParOf" srcId="{C07D3D10-2920-4E09-AE27-262E1960DE6F}" destId="{5B8301F4-F11F-794C-8D0B-00C8F89CA89D}" srcOrd="1" destOrd="0" presId="urn:microsoft.com/office/officeart/2018/2/layout/IconVerticalSolidList"/>
+    <dgm:cxn modelId="{D469B201-E804-D148-9AC6-21A537DAD038}" type="presParOf" srcId="{C07D3D10-2920-4E09-AE27-262E1960DE6F}" destId="{D60CC6E5-9EDF-4A78-BD0F-C57F44653FED}" srcOrd="2" destOrd="0" presId="urn:microsoft.com/office/officeart/2018/2/layout/IconVerticalSolidList"/>
+    <dgm:cxn modelId="{AF8244AC-1C32-154C-88E9-61D61552E679}" type="presParOf" srcId="{D60CC6E5-9EDF-4A78-BD0F-C57F44653FED}" destId="{37AF4D56-F016-4E2F-905C-5A52A3EABAC5}" srcOrd="0" destOrd="0" presId="urn:microsoft.com/office/officeart/2018/2/layout/IconVerticalSolidList"/>
+    <dgm:cxn modelId="{248132F2-0B2E-C343-A481-3982566905BB}" type="presParOf" srcId="{D60CC6E5-9EDF-4A78-BD0F-C57F44653FED}" destId="{8E8D1F25-0C89-4852-A7D7-FC787F32B944}" srcOrd="1" destOrd="0" presId="urn:microsoft.com/office/officeart/2018/2/layout/IconVerticalSolidList"/>
+    <dgm:cxn modelId="{43053408-9556-C040-B266-1E25196AD5A6}" type="presParOf" srcId="{D60CC6E5-9EDF-4A78-BD0F-C57F44653FED}" destId="{03AB2419-4EA9-4E7E-A425-0A73B5F875C7}" srcOrd="2" destOrd="0" presId="urn:microsoft.com/office/officeart/2018/2/layout/IconVerticalSolidList"/>
+    <dgm:cxn modelId="{2AB8D03B-FBC9-EF45-9283-40533E51D938}" type="presParOf" srcId="{D60CC6E5-9EDF-4A78-BD0F-C57F44653FED}" destId="{A4F04F91-6504-40E7-9168-7682AEF9FB9F}" srcOrd="3" destOrd="0" presId="urn:microsoft.com/office/officeart/2018/2/layout/IconVerticalSolidList"/>
+    <dgm:cxn modelId="{73281942-8371-0444-BD80-3B91EC349849}" type="presParOf" srcId="{D60CC6E5-9EDF-4A78-BD0F-C57F44653FED}" destId="{BDD96D1E-07AF-452F-94CD-F4271AB52F3F}" srcOrd="4" destOrd="0" presId="urn:microsoft.com/office/officeart/2018/2/layout/IconVerticalSolidList"/>
+    <dgm:cxn modelId="{FE29254C-8D2E-6640-A123-274CDD6E329D}" type="presParOf" srcId="{C07D3D10-2920-4E09-AE27-262E1960DE6F}" destId="{B74FC284-6A2C-4B57-9BE8-D8C5270790E2}" srcOrd="3" destOrd="0" presId="urn:microsoft.com/office/officeart/2018/2/layout/IconVerticalSolidList"/>
+    <dgm:cxn modelId="{B1972B3E-F1B7-6A4F-BF31-00254D3CA696}" type="presParOf" srcId="{C07D3D10-2920-4E09-AE27-262E1960DE6F}" destId="{2FA8F753-440F-254D-80EB-AD6313FF3CC8}" srcOrd="4" destOrd="0" presId="urn:microsoft.com/office/officeart/2018/2/layout/IconVerticalSolidList"/>
+    <dgm:cxn modelId="{F03B277A-F578-F44C-B6BF-384AC6927834}" type="presParOf" srcId="{2FA8F753-440F-254D-80EB-AD6313FF3CC8}" destId="{7BC60830-CDB6-0D46-AB2D-CE1FD626B9CD}" srcOrd="0" destOrd="0" presId="urn:microsoft.com/office/officeart/2018/2/layout/IconVerticalSolidList"/>
+    <dgm:cxn modelId="{CC2BCD1B-0E02-CD4C-83E3-C3ED177380DF}" type="presParOf" srcId="{2FA8F753-440F-254D-80EB-AD6313FF3CC8}" destId="{90DDA344-1E66-1F47-8DE8-3E2E5218179F}" srcOrd="1" destOrd="0" presId="urn:microsoft.com/office/officeart/2018/2/layout/IconVerticalSolidList"/>
+    <dgm:cxn modelId="{FF5E2DCE-8B74-0F4D-AA0D-45FCDE720B17}" type="presParOf" srcId="{2FA8F753-440F-254D-80EB-AD6313FF3CC8}" destId="{9FAC8B8C-B81B-D845-8167-9E9D0A0A6B0F}" srcOrd="2" destOrd="0" presId="urn:microsoft.com/office/officeart/2018/2/layout/IconVerticalSolidList"/>
+    <dgm:cxn modelId="{E2D954E8-7EF5-5E41-AE66-AE894945584B}" type="presParOf" srcId="{2FA8F753-440F-254D-80EB-AD6313FF3CC8}" destId="{BDDB41DB-F175-9F40-BD50-5E5942AC24E0}" srcOrd="3" destOrd="0" presId="urn:microsoft.com/office/officeart/2018/2/layout/IconVerticalSolidList"/>
+    <dgm:cxn modelId="{DEC13BE4-B56E-7A4C-8716-8DAD814BE453}" type="presParOf" srcId="{C07D3D10-2920-4E09-AE27-262E1960DE6F}" destId="{F145EE2E-FCE4-F242-881A-FD759254B1DB}" srcOrd="5" destOrd="0" presId="urn:microsoft.com/office/officeart/2018/2/layout/IconVerticalSolidList"/>
+    <dgm:cxn modelId="{49F9C7FF-E85C-9945-88C8-28841E1A7920}" type="presParOf" srcId="{C07D3D10-2920-4E09-AE27-262E1960DE6F}" destId="{36086178-D5E9-49A1-B9DF-170A7CA69300}" srcOrd="6" destOrd="0" presId="urn:microsoft.com/office/officeart/2018/2/layout/IconVerticalSolidList"/>
+    <dgm:cxn modelId="{01B7EA82-537D-AD4D-B0B9-AF346D5BBF78}" type="presParOf" srcId="{36086178-D5E9-49A1-B9DF-170A7CA69300}" destId="{47C6860A-DD19-4D87-8688-1A2722737DC3}" srcOrd="0" destOrd="0" presId="urn:microsoft.com/office/officeart/2018/2/layout/IconVerticalSolidList"/>
+    <dgm:cxn modelId="{B957B60F-DF2F-114C-80D1-2A1307C33C19}" type="presParOf" srcId="{36086178-D5E9-49A1-B9DF-170A7CA69300}" destId="{682904D4-275F-4782-9FF5-75547BFE9964}" srcOrd="1" destOrd="0" presId="urn:microsoft.com/office/officeart/2018/2/layout/IconVerticalSolidList"/>
+    <dgm:cxn modelId="{1ADE04CA-7A59-DA49-9EB4-43B4A6F0EDE0}" type="presParOf" srcId="{36086178-D5E9-49A1-B9DF-170A7CA69300}" destId="{3943AA01-6B35-4463-A806-7943E8A4FA7C}" srcOrd="2" destOrd="0" presId="urn:microsoft.com/office/officeart/2018/2/layout/IconVerticalSolidList"/>
+    <dgm:cxn modelId="{41C5CA0B-511F-E643-A152-DB51169A1A9D}" type="presParOf" srcId="{36086178-D5E9-49A1-B9DF-170A7CA69300}" destId="{B8469713-DE20-43D1-9080-0B37AE5E268B}" srcOrd="3" destOrd="0" presId="urn:microsoft.com/office/officeart/2018/2/layout/IconVerticalSolidList"/>
+    <dgm:cxn modelId="{AD8C59BA-CF6B-BF42-8F01-D7C39769AA60}" type="presParOf" srcId="{C07D3D10-2920-4E09-AE27-262E1960DE6F}" destId="{DCE69F31-248B-C044-A4E2-87560B302593}" srcOrd="7" destOrd="0" presId="urn:microsoft.com/office/officeart/2018/2/layout/IconVerticalSolidList"/>
+    <dgm:cxn modelId="{9EBE4A2A-1313-E84D-932F-1D91323E44B5}" type="presParOf" srcId="{C07D3D10-2920-4E09-AE27-262E1960DE6F}" destId="{A19F9DF6-D7DA-E849-B722-537C3D7E8F66}" srcOrd="8" destOrd="0" presId="urn:microsoft.com/office/officeart/2018/2/layout/IconVerticalSolidList"/>
+    <dgm:cxn modelId="{0A60ED95-F23B-CB44-9AE3-3646EE31F37D}" type="presParOf" srcId="{A19F9DF6-D7DA-E849-B722-537C3D7E8F66}" destId="{BC4B6CEC-0BAE-C743-A29F-882E0A476470}" srcOrd="0" destOrd="0" presId="urn:microsoft.com/office/officeart/2018/2/layout/IconVerticalSolidList"/>
+    <dgm:cxn modelId="{8AAF3B47-0D34-224C-BD2C-6FF60C34486D}" type="presParOf" srcId="{A19F9DF6-D7DA-E849-B722-537C3D7E8F66}" destId="{97E847FD-B1BE-4540-B78F-40B5E0924483}" srcOrd="1" destOrd="0" presId="urn:microsoft.com/office/officeart/2018/2/layout/IconVerticalSolidList"/>
+    <dgm:cxn modelId="{5856460A-E175-874C-8F6E-8AD10F1071BE}" type="presParOf" srcId="{A19F9DF6-D7DA-E849-B722-537C3D7E8F66}" destId="{19CD29B7-6CE7-8D4E-9B98-17E9F140C564}" srcOrd="2" destOrd="0" presId="urn:microsoft.com/office/officeart/2018/2/layout/IconVerticalSolidList"/>
+    <dgm:cxn modelId="{325ACEFB-D4AB-5646-A757-AFBA09EE1C2C}" type="presParOf" srcId="{A19F9DF6-D7DA-E849-B722-537C3D7E8F66}" destId="{AA703853-20AE-734C-BE28-5AF23190E2EC}" srcOrd="3" destOrd="0" presId="urn:microsoft.com/office/officeart/2018/2/layout/IconVerticalSolidList"/>
   </dgm:cxnLst>
   <dgm:bg/>
   <dgm:whole/>
   <dgm:extLst>
     <a:ext uri="http://schemas.microsoft.com/office/drawing/2008/diagram">
-      <dsp:dataModelExt xmlns:dsp="http://schemas.microsoft.com/office/drawing/2008/diagram" relId="rId8" minVer="http://schemas.openxmlformats.org/drawingml/2006/diagram"/>
+      <dsp:dataModelExt xmlns:dsp="http://schemas.microsoft.com/office/drawing/2008/diagram" relId="rId7" minVer="http://schemas.openxmlformats.org/drawingml/2006/diagram"/>
     </a:ext>
   </dgm:extLst>
 </dgm:dataModel>
@@ -5903,9 +6034,9 @@
     <dgm:cxn modelId="{FE84A40A-7A28-4ACB-9C07-5624D65C9676}" type="presOf" srcId="{228F2419-697A-4766-AE55-94323E76EED7}" destId="{53AF7352-401E-4E82-BDEC-7AE15D505FE8}" srcOrd="0" destOrd="0" presId="urn:microsoft.com/office/officeart/2005/8/layout/default"/>
     <dgm:cxn modelId="{6171FE1E-D575-4B0F-A993-0AFBFAC6CA99}" type="presOf" srcId="{AED9847A-521A-46D6-8887-91CD75022F28}" destId="{4D93E6F9-CA8D-495A-8DD5-CF1482899DED}" srcOrd="0" destOrd="0" presId="urn:microsoft.com/office/officeart/2005/8/layout/default"/>
     <dgm:cxn modelId="{B47CD42A-3B05-4FC8-8AC4-75ED45456A42}" type="presOf" srcId="{FB3FA585-8C00-43F4-9408-11F9A73FFCE1}" destId="{FA0F594B-F881-47D0-914A-ECE6D434C30B}" srcOrd="0" destOrd="0" presId="urn:microsoft.com/office/officeart/2005/8/layout/default"/>
-    <dgm:cxn modelId="{04741864-73DE-4F8D-B235-CA05231DB29E}" type="presOf" srcId="{D170A604-82B9-459F-9D9C-6BA2672535C7}" destId="{72AF3E06-A4E1-4A66-A5EF-EA929815A3CE}" srcOrd="0" destOrd="0" presId="urn:microsoft.com/office/officeart/2005/8/layout/default"/>
     <dgm:cxn modelId="{15D2194A-C002-4212-93F8-D5B885694FC9}" type="presOf" srcId="{D25082EC-F3B1-4BF4-A799-689D88C5B32A}" destId="{30D177A0-52BA-44C5-9A66-EAEED3B568A9}" srcOrd="0" destOrd="0" presId="urn:microsoft.com/office/officeart/2005/8/layout/default"/>
     <dgm:cxn modelId="{CBEAD44E-5E04-4C35-B010-07B60EAB1ED3}" srcId="{AED9847A-521A-46D6-8887-91CD75022F28}" destId="{FB3FA585-8C00-43F4-9408-11F9A73FFCE1}" srcOrd="3" destOrd="0" parTransId="{D6A57584-B47F-4215-A169-A73049E7DB9E}" sibTransId="{8EA7352D-D8DD-46F6-B44F-13459B97050D}"/>
+    <dgm:cxn modelId="{04741864-73DE-4F8D-B235-CA05231DB29E}" type="presOf" srcId="{D170A604-82B9-459F-9D9C-6BA2672535C7}" destId="{72AF3E06-A4E1-4A66-A5EF-EA929815A3CE}" srcOrd="0" destOrd="0" presId="urn:microsoft.com/office/officeart/2005/8/layout/default"/>
     <dgm:cxn modelId="{C933858C-5DB5-46F5-A971-5FF51504E2B6}" srcId="{AED9847A-521A-46D6-8887-91CD75022F28}" destId="{228F2419-697A-4766-AE55-94323E76EED7}" srcOrd="4" destOrd="0" parTransId="{02D3D6AB-6340-4227-97F6-57A9C936B843}" sibTransId="{9741F7C5-7C64-42B9-B6A4-4DE788CEA10C}"/>
     <dgm:cxn modelId="{8DAFF3BE-50B2-4357-81C9-B2F2E8A3BC34}" srcId="{AED9847A-521A-46D6-8887-91CD75022F28}" destId="{D25082EC-F3B1-4BF4-A799-689D88C5B32A}" srcOrd="0" destOrd="0" parTransId="{75F26006-795C-4DE9-BA89-C99044D54970}" sibTransId="{6D2C4F3D-A0D1-4B5F-AC5C-7F7A655D850D}"/>
     <dgm:cxn modelId="{02B153D4-0EED-49A0-83A4-AD35A86CD798}" srcId="{AED9847A-521A-46D6-8887-91CD75022F28}" destId="{D170A604-82B9-459F-9D9C-6BA2672535C7}" srcOrd="2" destOrd="0" parTransId="{E726BA00-BD98-476E-9370-5C068AC6CC35}" sibTransId="{1DB36124-A413-4163-9852-C4696D8F5755}"/>
@@ -6147,8 +6278,8 @@
   <dgm:cxnLst>
     <dgm:cxn modelId="{B8E4CA0B-02F1-4D5A-A938-BECEE610807D}" type="presOf" srcId="{6D4877F8-A6CC-4200-B826-883C37749CF9}" destId="{DA478B62-F768-4912-86F3-53B35D38689E}" srcOrd="0" destOrd="0" presId="urn:microsoft.com/office/officeart/2005/8/layout/matrix3"/>
     <dgm:cxn modelId="{4675D427-A0EC-414F-AE0F-39DE8A6F3604}" srcId="{2B3DFEE1-DD8A-4D36-B0FB-9A52AF24C735}" destId="{EF3FA99F-285E-44AF-8203-B4D38E21421D}" srcOrd="2" destOrd="0" parTransId="{19EDC157-41B2-4533-AE94-E89D62D44F10}" sibTransId="{7EE6D599-13C9-43EB-B768-7922D8718DCB}"/>
+    <dgm:cxn modelId="{8BCC3E49-BFD6-4627-A21B-EBED1891A345}" type="presOf" srcId="{C156F975-73E9-4F66-8E09-562438D093CD}" destId="{53E2FAE8-86AA-4669-BB9D-FB47F81CE854}" srcOrd="0" destOrd="0" presId="urn:microsoft.com/office/officeart/2005/8/layout/matrix3"/>
     <dgm:cxn modelId="{DF4FA461-3BF5-4216-9B83-992ED695ED01}" srcId="{2B3DFEE1-DD8A-4D36-B0FB-9A52AF24C735}" destId="{2CF4D18A-73D1-4152-85CE-4A11F983F51D}" srcOrd="3" destOrd="0" parTransId="{B808D38F-41D3-468A-A639-AA7462F9445A}" sibTransId="{CA1C335B-A3EF-4EBF-B3D0-982CB7F2C385}"/>
-    <dgm:cxn modelId="{8BCC3E49-BFD6-4627-A21B-EBED1891A345}" type="presOf" srcId="{C156F975-73E9-4F66-8E09-562438D093CD}" destId="{53E2FAE8-86AA-4669-BB9D-FB47F81CE854}" srcOrd="0" destOrd="0" presId="urn:microsoft.com/office/officeart/2005/8/layout/matrix3"/>
     <dgm:cxn modelId="{9BA5A388-72B5-4EFC-A045-F5FAE75AB573}" srcId="{2B3DFEE1-DD8A-4D36-B0FB-9A52AF24C735}" destId="{6D4877F8-A6CC-4200-B826-883C37749CF9}" srcOrd="0" destOrd="0" parTransId="{6947BD22-DF9B-4C3C-BBB4-C2790248A654}" sibTransId="{845D4BD2-407C-4CD6-BCA1-C7F1E3072491}"/>
     <dgm:cxn modelId="{A4CC5EA0-FDF9-42CF-A63D-3830622CBFA8}" type="presOf" srcId="{EF3FA99F-285E-44AF-8203-B4D38E21421D}" destId="{2CB9CBF8-2E33-4179-94CB-5484A22B3334}" srcOrd="0" destOrd="0" presId="urn:microsoft.com/office/officeart/2005/8/layout/matrix3"/>
     <dgm:cxn modelId="{679941B7-1443-4F4C-A448-557B3F74F430}" srcId="{2B3DFEE1-DD8A-4D36-B0FB-9A52AF24C735}" destId="{C156F975-73E9-4F66-8E09-562438D093CD}" srcOrd="1" destOrd="0" parTransId="{D6CB0B0D-989E-48F3-8D3A-60A5DCE7813A}" sibTransId="{FBBAEB1A-B532-4405-AD36-D537282671A1}"/>
@@ -6653,8 +6784,8 @@
       </dsp:nvSpPr>
       <dsp:spPr>
         <a:xfrm>
-          <a:off x="0" y="2045"/>
-          <a:ext cx="6109188" cy="1036528"/>
+          <a:off x="0" y="3849"/>
+          <a:ext cx="6109188" cy="819983"/>
         </a:xfrm>
         <a:prstGeom prst="roundRect">
           <a:avLst>
@@ -6695,8 +6826,8 @@
       </dsp:nvSpPr>
       <dsp:spPr>
         <a:xfrm>
-          <a:off x="313549" y="235264"/>
-          <a:ext cx="570090" cy="570090"/>
+          <a:off x="248044" y="188345"/>
+          <a:ext cx="450990" cy="450990"/>
         </a:xfrm>
         <a:prstGeom prst="rect">
           <a:avLst/>
@@ -6735,8 +6866,8 @@
       </dsp:nvSpPr>
       <dsp:spPr>
         <a:xfrm>
-          <a:off x="1197190" y="2045"/>
-          <a:ext cx="4911997" cy="1036528"/>
+          <a:off x="947080" y="3849"/>
+          <a:ext cx="5162107" cy="819983"/>
         </a:xfrm>
         <a:prstGeom prst="rect">
           <a:avLst/>
@@ -6760,12 +6891,12 @@
         <a:fontRef idx="minor"/>
       </dsp:style>
       <dsp:txBody>
-        <a:bodyPr spcFirstLastPara="0" vert="horz" wrap="square" lIns="109699" tIns="109699" rIns="109699" bIns="109699" numCol="1" spcCol="1270" anchor="ctr" anchorCtr="0">
+        <a:bodyPr spcFirstLastPara="0" vert="horz" wrap="square" lIns="86782" tIns="86782" rIns="86782" bIns="86782" numCol="1" spcCol="1270" anchor="ctr" anchorCtr="0">
           <a:noAutofit/>
         </a:bodyPr>
         <a:lstStyle/>
         <a:p>
-          <a:pPr marL="0" lvl="0" indent="0" algn="l" defTabSz="977900">
+          <a:pPr marL="0" lvl="0" indent="0" algn="l" defTabSz="844550">
             <a:lnSpc>
               <a:spcPct val="100000"/>
             </a:lnSpc>
@@ -6778,14 +6909,14 @@
             <a:buNone/>
           </a:pPr>
           <a:r>
-            <a:rPr lang="en-US" sz="2200" kern="1200" dirty="0"/>
+            <a:rPr lang="en-US" sz="1900" kern="1200" dirty="0"/>
             <a:t>Tweets @ Senators</a:t>
           </a:r>
         </a:p>
       </dsp:txBody>
       <dsp:txXfrm>
-        <a:off x="1197190" y="2045"/>
-        <a:ext cx="4911997" cy="1036528"/>
+        <a:off x="947080" y="3849"/>
+        <a:ext cx="5162107" cy="819983"/>
       </dsp:txXfrm>
     </dsp:sp>
     <dsp:sp modelId="{37AF4D56-F016-4E2F-905C-5A52A3EABAC5}">
@@ -6795,8 +6926,8 @@
       </dsp:nvSpPr>
       <dsp:spPr>
         <a:xfrm>
-          <a:off x="0" y="1297705"/>
-          <a:ext cx="6109188" cy="1036528"/>
+          <a:off x="0" y="1028828"/>
+          <a:ext cx="6109188" cy="819983"/>
         </a:xfrm>
         <a:prstGeom prst="roundRect">
           <a:avLst>
@@ -6837,8 +6968,8 @@
       </dsp:nvSpPr>
       <dsp:spPr>
         <a:xfrm>
-          <a:off x="313549" y="1530924"/>
-          <a:ext cx="570090" cy="570090"/>
+          <a:off x="248044" y="1213325"/>
+          <a:ext cx="450990" cy="450990"/>
         </a:xfrm>
         <a:prstGeom prst="rect">
           <a:avLst/>
@@ -6883,8 +7014,8 @@
       </dsp:nvSpPr>
       <dsp:spPr>
         <a:xfrm>
-          <a:off x="1197190" y="1297705"/>
-          <a:ext cx="2749134" cy="1036528"/>
+          <a:off x="947080" y="1028828"/>
+          <a:ext cx="2749134" cy="819983"/>
         </a:xfrm>
         <a:prstGeom prst="rect">
           <a:avLst/>
@@ -6908,12 +7039,12 @@
         <a:fontRef idx="minor"/>
       </dsp:style>
       <dsp:txBody>
-        <a:bodyPr spcFirstLastPara="0" vert="horz" wrap="square" lIns="109699" tIns="109699" rIns="109699" bIns="109699" numCol="1" spcCol="1270" anchor="ctr" anchorCtr="0">
+        <a:bodyPr spcFirstLastPara="0" vert="horz" wrap="square" lIns="86782" tIns="86782" rIns="86782" bIns="86782" numCol="1" spcCol="1270" anchor="ctr" anchorCtr="0">
           <a:noAutofit/>
         </a:bodyPr>
         <a:lstStyle/>
         <a:p>
-          <a:pPr marL="0" lvl="0" indent="0" algn="l" defTabSz="977900">
+          <a:pPr marL="0" lvl="0" indent="0" algn="l" defTabSz="844550">
             <a:lnSpc>
               <a:spcPct val="100000"/>
             </a:lnSpc>
@@ -6926,18 +7057,18 @@
             <a:buNone/>
           </a:pPr>
           <a:r>
-            <a:rPr lang="en-US" sz="2200" kern="1200" dirty="0" err="1"/>
+            <a:rPr lang="en-US" sz="1900" kern="1200" dirty="0" err="1"/>
             <a:t>GetOldTweets</a:t>
           </a:r>
           <a:r>
-            <a:rPr lang="en-US" sz="2200" kern="1200" dirty="0"/>
+            <a:rPr lang="en-US" sz="1900" kern="1200" dirty="0"/>
             <a:t> library</a:t>
           </a:r>
         </a:p>
       </dsp:txBody>
       <dsp:txXfrm>
-        <a:off x="1197190" y="1297705"/>
-        <a:ext cx="2749134" cy="1036528"/>
+        <a:off x="947080" y="1028828"/>
+        <a:ext cx="2749134" cy="819983"/>
       </dsp:txXfrm>
     </dsp:sp>
     <dsp:sp modelId="{BDD96D1E-07AF-452F-94CD-F4271AB52F3F}">
@@ -6947,8 +7078,8 @@
       </dsp:nvSpPr>
       <dsp:spPr>
         <a:xfrm>
-          <a:off x="3946324" y="1297705"/>
-          <a:ext cx="2162863" cy="1036528"/>
+          <a:off x="3696215" y="1028828"/>
+          <a:ext cx="2412972" cy="819983"/>
         </a:xfrm>
         <a:prstGeom prst="rect">
           <a:avLst/>
@@ -6972,7 +7103,7 @@
         <a:fontRef idx="minor"/>
       </dsp:style>
       <dsp:txBody>
-        <a:bodyPr spcFirstLastPara="0" vert="horz" wrap="square" lIns="109699" tIns="109699" rIns="109699" bIns="109699" numCol="1" spcCol="1270" anchor="ctr" anchorCtr="0">
+        <a:bodyPr spcFirstLastPara="0" vert="horz" wrap="square" lIns="86782" tIns="86782" rIns="86782" bIns="86782" numCol="1" spcCol="1270" anchor="ctr" anchorCtr="0">
           <a:noAutofit/>
         </a:bodyPr>
         <a:lstStyle/>
@@ -6993,8 +7124,213 @@
         </a:p>
       </dsp:txBody>
       <dsp:txXfrm>
-        <a:off x="3946324" y="1297705"/>
-        <a:ext cx="2162863" cy="1036528"/>
+        <a:off x="3696215" y="1028828"/>
+        <a:ext cx="2412972" cy="819983"/>
+      </dsp:txXfrm>
+    </dsp:sp>
+    <dsp:sp modelId="{7BC60830-CDB6-0D46-AB2D-CE1FD626B9CD}">
+      <dsp:nvSpPr>
+        <dsp:cNvPr id="0" name=""/>
+        <dsp:cNvSpPr/>
+      </dsp:nvSpPr>
+      <dsp:spPr>
+        <a:xfrm>
+          <a:off x="0" y="2053808"/>
+          <a:ext cx="6109188" cy="819983"/>
+        </a:xfrm>
+        <a:prstGeom prst="roundRect">
+          <a:avLst>
+            <a:gd name="adj" fmla="val 10000"/>
+          </a:avLst>
+        </a:prstGeom>
+        <a:solidFill>
+          <a:schemeClr val="bg1">
+            <a:lumMod val="95000"/>
+            <a:hueOff val="0"/>
+            <a:satOff val="0"/>
+            <a:lumOff val="0"/>
+            <a:alphaOff val="0"/>
+          </a:schemeClr>
+        </a:solidFill>
+        <a:ln>
+          <a:noFill/>
+        </a:ln>
+        <a:effectLst/>
+      </dsp:spPr>
+      <dsp:style>
+        <a:lnRef idx="0">
+          <a:scrgbClr r="0" g="0" b="0"/>
+        </a:lnRef>
+        <a:fillRef idx="1">
+          <a:scrgbClr r="0" g="0" b="0"/>
+        </a:fillRef>
+        <a:effectRef idx="2">
+          <a:scrgbClr r="0" g="0" b="0"/>
+        </a:effectRef>
+        <a:fontRef idx="minor"/>
+      </dsp:style>
+    </dsp:sp>
+    <dsp:sp modelId="{90DDA344-1E66-1F47-8DE8-3E2E5218179F}">
+      <dsp:nvSpPr>
+        <dsp:cNvPr id="0" name=""/>
+        <dsp:cNvSpPr/>
+      </dsp:nvSpPr>
+      <dsp:spPr>
+        <a:xfrm>
+          <a:off x="248044" y="2238304"/>
+          <a:ext cx="450990" cy="450990"/>
+        </a:xfrm>
+        <a:prstGeom prst="rect">
+          <a:avLst/>
+        </a:prstGeom>
+        <a:blipFill>
+          <a:blip xmlns:r="http://schemas.openxmlformats.org/officeDocument/2006/relationships" r:embed="rId3">
+            <a:extLst>
+              <a:ext uri="{28A0092B-C50C-407E-A947-70E740481C1C}">
+                <a14:useLocalDpi xmlns:a14="http://schemas.microsoft.com/office/drawing/2010/main" val="0"/>
+              </a:ext>
+            </a:extLst>
+          </a:blip>
+          <a:srcRect/>
+          <a:stretch>
+            <a:fillRect/>
+          </a:stretch>
+        </a:blipFill>
+        <a:ln>
+          <a:noFill/>
+        </a:ln>
+        <a:effectLst/>
+      </dsp:spPr>
+      <dsp:style>
+        <a:lnRef idx="0">
+          <a:scrgbClr r="0" g="0" b="0"/>
+        </a:lnRef>
+        <a:fillRef idx="3">
+          <a:scrgbClr r="0" g="0" b="0"/>
+        </a:fillRef>
+        <a:effectRef idx="2">
+          <a:scrgbClr r="0" g="0" b="0"/>
+        </a:effectRef>
+        <a:fontRef idx="minor">
+          <a:schemeClr val="lt1"/>
+        </a:fontRef>
+      </dsp:style>
+    </dsp:sp>
+    <dsp:sp modelId="{BDDB41DB-F175-9F40-BD50-5E5942AC24E0}">
+      <dsp:nvSpPr>
+        <dsp:cNvPr id="0" name=""/>
+        <dsp:cNvSpPr/>
+      </dsp:nvSpPr>
+      <dsp:spPr>
+        <a:xfrm>
+          <a:off x="947080" y="2053808"/>
+          <a:ext cx="2749134" cy="819983"/>
+        </a:xfrm>
+        <a:prstGeom prst="rect">
+          <a:avLst/>
+        </a:prstGeom>
+        <a:noFill/>
+        <a:ln>
+          <a:noFill/>
+        </a:ln>
+        <a:effectLst/>
+      </dsp:spPr>
+      <dsp:style>
+        <a:lnRef idx="0">
+          <a:scrgbClr r="0" g="0" b="0"/>
+        </a:lnRef>
+        <a:fillRef idx="0">
+          <a:scrgbClr r="0" g="0" b="0"/>
+        </a:fillRef>
+        <a:effectRef idx="0">
+          <a:scrgbClr r="0" g="0" b="0"/>
+        </a:effectRef>
+        <a:fontRef idx="minor"/>
+      </dsp:style>
+      <dsp:txBody>
+        <a:bodyPr spcFirstLastPara="0" vert="horz" wrap="square" lIns="86782" tIns="86782" rIns="86782" bIns="86782" numCol="1" spcCol="1270" anchor="ctr" anchorCtr="0">
+          <a:noAutofit/>
+        </a:bodyPr>
+        <a:lstStyle/>
+        <a:p>
+          <a:pPr marL="0" lvl="0" indent="0" algn="l" defTabSz="844550">
+            <a:lnSpc>
+              <a:spcPct val="100000"/>
+            </a:lnSpc>
+            <a:spcBef>
+              <a:spcPct val="0"/>
+            </a:spcBef>
+            <a:spcAft>
+              <a:spcPct val="35000"/>
+            </a:spcAft>
+            <a:buNone/>
+          </a:pPr>
+          <a:r>
+            <a:rPr lang="en-US" sz="1900" kern="1200" dirty="0"/>
+            <a:t>How Senators voted </a:t>
+          </a:r>
+        </a:p>
+      </dsp:txBody>
+      <dsp:txXfrm>
+        <a:off x="947080" y="2053808"/>
+        <a:ext cx="2749134" cy="819983"/>
+      </dsp:txXfrm>
+    </dsp:sp>
+    <dsp:sp modelId="{FDD790AC-9FAC-774B-B2DA-7814AC7A506B}">
+      <dsp:nvSpPr>
+        <dsp:cNvPr id="0" name=""/>
+        <dsp:cNvSpPr/>
+      </dsp:nvSpPr>
+      <dsp:spPr>
+        <a:xfrm>
+          <a:off x="3696215" y="2053808"/>
+          <a:ext cx="2412972" cy="819983"/>
+        </a:xfrm>
+        <a:prstGeom prst="rect">
+          <a:avLst/>
+        </a:prstGeom>
+        <a:noFill/>
+        <a:ln>
+          <a:noFill/>
+        </a:ln>
+        <a:effectLst/>
+      </dsp:spPr>
+      <dsp:style>
+        <a:lnRef idx="0">
+          <a:scrgbClr r="0" g="0" b="0"/>
+        </a:lnRef>
+        <a:fillRef idx="0">
+          <a:scrgbClr r="0" g="0" b="0"/>
+        </a:fillRef>
+        <a:effectRef idx="0">
+          <a:scrgbClr r="0" g="0" b="0"/>
+        </a:effectRef>
+        <a:fontRef idx="minor"/>
+      </dsp:style>
+      <dsp:txBody>
+        <a:bodyPr spcFirstLastPara="0" vert="horz" wrap="square" lIns="86782" tIns="86782" rIns="86782" bIns="86782" numCol="1" spcCol="1270" anchor="ctr" anchorCtr="0">
+          <a:noAutofit/>
+        </a:bodyPr>
+        <a:lstStyle/>
+        <a:p>
+          <a:pPr marL="0" lvl="0" indent="0" algn="l" defTabSz="800100">
+            <a:lnSpc>
+              <a:spcPct val="100000"/>
+            </a:lnSpc>
+            <a:spcBef>
+              <a:spcPct val="0"/>
+            </a:spcBef>
+            <a:spcAft>
+              <a:spcPct val="35000"/>
+            </a:spcAft>
+            <a:buNone/>
+          </a:pPr>
+          <a:endParaRPr lang="en-US" sz="1800" kern="1200" dirty="0"/>
+        </a:p>
+      </dsp:txBody>
+      <dsp:txXfrm>
+        <a:off x="3696215" y="2053808"/>
+        <a:ext cx="2412972" cy="819983"/>
       </dsp:txXfrm>
     </dsp:sp>
     <dsp:sp modelId="{47C6860A-DD19-4D87-8688-1A2722737DC3}">
@@ -7004,8 +7340,8 @@
       </dsp:nvSpPr>
       <dsp:spPr>
         <a:xfrm>
-          <a:off x="0" y="2593366"/>
-          <a:ext cx="6109188" cy="1036528"/>
+          <a:off x="0" y="3078787"/>
+          <a:ext cx="6109188" cy="819983"/>
         </a:xfrm>
         <a:prstGeom prst="roundRect">
           <a:avLst>
@@ -7046,14 +7382,14 @@
       </dsp:nvSpPr>
       <dsp:spPr>
         <a:xfrm>
-          <a:off x="313549" y="2826584"/>
-          <a:ext cx="570090" cy="570090"/>
+          <a:off x="248044" y="3263283"/>
+          <a:ext cx="450990" cy="450990"/>
         </a:xfrm>
         <a:prstGeom prst="rect">
           <a:avLst/>
         </a:prstGeom>
         <a:blipFill>
-          <a:blip xmlns:r="http://schemas.openxmlformats.org/officeDocument/2006/relationships" r:embed="rId3"/>
+          <a:blip xmlns:r="http://schemas.openxmlformats.org/officeDocument/2006/relationships" r:embed="rId4"/>
           <a:srcRect/>
           <a:stretch>
             <a:fillRect l="-5000" r="-5000"/>
@@ -7086,8 +7422,8 @@
       </dsp:nvSpPr>
       <dsp:spPr>
         <a:xfrm>
-          <a:off x="1197190" y="2593366"/>
-          <a:ext cx="4911997" cy="1036528"/>
+          <a:off x="947080" y="3078787"/>
+          <a:ext cx="5162107" cy="819983"/>
         </a:xfrm>
         <a:prstGeom prst="rect">
           <a:avLst/>
@@ -7111,12 +7447,12 @@
         <a:fontRef idx="minor"/>
       </dsp:style>
       <dsp:txBody>
-        <a:bodyPr spcFirstLastPara="0" vert="horz" wrap="square" lIns="109699" tIns="109699" rIns="109699" bIns="109699" numCol="1" spcCol="1270" anchor="ctr" anchorCtr="0">
+        <a:bodyPr spcFirstLastPara="0" vert="horz" wrap="square" lIns="86782" tIns="86782" rIns="86782" bIns="86782" numCol="1" spcCol="1270" anchor="ctr" anchorCtr="0">
           <a:noAutofit/>
         </a:bodyPr>
         <a:lstStyle/>
         <a:p>
-          <a:pPr marL="0" lvl="0" indent="0" algn="l" defTabSz="977900">
+          <a:pPr marL="0" lvl="0" indent="0" algn="l" defTabSz="844550">
             <a:lnSpc>
               <a:spcPct val="100000"/>
             </a:lnSpc>
@@ -7129,29 +7465,29 @@
             <a:buNone/>
           </a:pPr>
           <a:r>
-            <a:rPr lang="en-US" sz="2200" kern="1200" dirty="0" err="1"/>
+            <a:rPr lang="en-US" sz="1900" kern="1200" dirty="0" err="1"/>
             <a:t>TextBlob</a:t>
           </a:r>
           <a:r>
-            <a:rPr lang="en-US" sz="2200" kern="1200" dirty="0"/>
+            <a:rPr lang="en-US" sz="1900" kern="1200" dirty="0"/>
             <a:t> for sentiment analysis</a:t>
           </a:r>
         </a:p>
       </dsp:txBody>
       <dsp:txXfrm>
-        <a:off x="1197190" y="2593366"/>
-        <a:ext cx="4911997" cy="1036528"/>
+        <a:off x="947080" y="3078787"/>
+        <a:ext cx="5162107" cy="819983"/>
       </dsp:txXfrm>
     </dsp:sp>
-    <dsp:sp modelId="{7BC60830-CDB6-0D46-AB2D-CE1FD626B9CD}">
+    <dsp:sp modelId="{6E88A2A9-9D39-C64C-A282-D400770C0A97}">
       <dsp:nvSpPr>
         <dsp:cNvPr id="0" name=""/>
         <dsp:cNvSpPr/>
       </dsp:nvSpPr>
       <dsp:spPr>
         <a:xfrm>
-          <a:off x="0" y="3889026"/>
-          <a:ext cx="6109188" cy="1036528"/>
+          <a:off x="0" y="4103766"/>
+          <a:ext cx="6109188" cy="819983"/>
         </a:xfrm>
         <a:prstGeom prst="roundRect">
           <a:avLst>
@@ -7185,30 +7521,24 @@
         <a:fontRef idx="minor"/>
       </dsp:style>
     </dsp:sp>
-    <dsp:sp modelId="{90DDA344-1E66-1F47-8DE8-3E2E5218179F}">
+    <dsp:sp modelId="{40E1938E-5EDC-894F-80CB-DEA753F576B0}">
       <dsp:nvSpPr>
         <dsp:cNvPr id="0" name=""/>
         <dsp:cNvSpPr/>
       </dsp:nvSpPr>
       <dsp:spPr>
         <a:xfrm>
-          <a:off x="313549" y="4122245"/>
-          <a:ext cx="570090" cy="570090"/>
+          <a:off x="248044" y="4288263"/>
+          <a:ext cx="450990" cy="450990"/>
         </a:xfrm>
         <a:prstGeom prst="rect">
           <a:avLst/>
         </a:prstGeom>
         <a:blipFill>
-          <a:blip xmlns:r="http://schemas.openxmlformats.org/officeDocument/2006/relationships" r:embed="rId4">
-            <a:extLst>
-              <a:ext uri="{28A0092B-C50C-407E-A947-70E740481C1C}">
-                <a14:useLocalDpi xmlns:a14="http://schemas.microsoft.com/office/drawing/2010/main" val="0"/>
-              </a:ext>
-            </a:extLst>
-          </a:blip>
+          <a:blip xmlns:r="http://schemas.openxmlformats.org/officeDocument/2006/relationships" r:embed="rId5"/>
           <a:srcRect/>
           <a:stretch>
-            <a:fillRect/>
+            <a:fillRect l="-17000" r="-17000"/>
           </a:stretch>
         </a:blipFill>
         <a:ln>
@@ -7231,15 +7561,15 @@
         </a:fontRef>
       </dsp:style>
     </dsp:sp>
-    <dsp:sp modelId="{BDDB41DB-F175-9F40-BD50-5E5942AC24E0}">
+    <dsp:sp modelId="{54636CD9-BC09-7A45-9C92-E4FE091E398D}">
       <dsp:nvSpPr>
         <dsp:cNvPr id="0" name=""/>
         <dsp:cNvSpPr/>
       </dsp:nvSpPr>
       <dsp:spPr>
         <a:xfrm>
-          <a:off x="1197190" y="3889026"/>
-          <a:ext cx="2749134" cy="1036528"/>
+          <a:off x="947080" y="4103766"/>
+          <a:ext cx="5162107" cy="819983"/>
         </a:xfrm>
         <a:prstGeom prst="rect">
           <a:avLst/>
@@ -7263,12 +7593,12 @@
         <a:fontRef idx="minor"/>
       </dsp:style>
       <dsp:txBody>
-        <a:bodyPr spcFirstLastPara="0" vert="horz" wrap="square" lIns="109699" tIns="109699" rIns="109699" bIns="109699" numCol="1" spcCol="1270" anchor="ctr" anchorCtr="0">
+        <a:bodyPr spcFirstLastPara="0" vert="horz" wrap="square" lIns="86782" tIns="86782" rIns="86782" bIns="86782" numCol="1" spcCol="1270" anchor="ctr" anchorCtr="0">
           <a:noAutofit/>
         </a:bodyPr>
         <a:lstStyle/>
         <a:p>
-          <a:pPr marL="0" lvl="0" indent="0" algn="l" defTabSz="977900">
+          <a:pPr marL="0" lvl="0" indent="0" algn="l" defTabSz="844550">
             <a:lnSpc>
               <a:spcPct val="100000"/>
             </a:lnSpc>
@@ -7281,71 +7611,14 @@
             <a:buNone/>
           </a:pPr>
           <a:r>
-            <a:rPr lang="en-US" sz="2200" kern="1200" dirty="0"/>
-            <a:t>How Senators voted </a:t>
+            <a:rPr lang="en-US" sz="1900" kern="1200" dirty="0"/>
+            <a:t>Custom Predictor</a:t>
           </a:r>
         </a:p>
       </dsp:txBody>
       <dsp:txXfrm>
-        <a:off x="1197190" y="3889026"/>
-        <a:ext cx="2749134" cy="1036528"/>
-      </dsp:txXfrm>
-    </dsp:sp>
-    <dsp:sp modelId="{FDD790AC-9FAC-774B-B2DA-7814AC7A506B}">
-      <dsp:nvSpPr>
-        <dsp:cNvPr id="0" name=""/>
-        <dsp:cNvSpPr/>
-      </dsp:nvSpPr>
-      <dsp:spPr>
-        <a:xfrm>
-          <a:off x="3946324" y="3889026"/>
-          <a:ext cx="2162863" cy="1036528"/>
-        </a:xfrm>
-        <a:prstGeom prst="rect">
-          <a:avLst/>
-        </a:prstGeom>
-        <a:noFill/>
-        <a:ln>
-          <a:noFill/>
-        </a:ln>
-        <a:effectLst/>
-      </dsp:spPr>
-      <dsp:style>
-        <a:lnRef idx="0">
-          <a:scrgbClr r="0" g="0" b="0"/>
-        </a:lnRef>
-        <a:fillRef idx="0">
-          <a:scrgbClr r="0" g="0" b="0"/>
-        </a:fillRef>
-        <a:effectRef idx="0">
-          <a:scrgbClr r="0" g="0" b="0"/>
-        </a:effectRef>
-        <a:fontRef idx="minor"/>
-      </dsp:style>
-      <dsp:txBody>
-        <a:bodyPr spcFirstLastPara="0" vert="horz" wrap="square" lIns="109699" tIns="109699" rIns="109699" bIns="109699" numCol="1" spcCol="1270" anchor="ctr" anchorCtr="0">
-          <a:noAutofit/>
-        </a:bodyPr>
-        <a:lstStyle/>
-        <a:p>
-          <a:pPr marL="0" lvl="0" indent="0" algn="l" defTabSz="800100">
-            <a:lnSpc>
-              <a:spcPct val="100000"/>
-            </a:lnSpc>
-            <a:spcBef>
-              <a:spcPct val="0"/>
-            </a:spcBef>
-            <a:spcAft>
-              <a:spcPct val="35000"/>
-            </a:spcAft>
-            <a:buNone/>
-          </a:pPr>
-          <a:endParaRPr lang="en-US" sz="1800" kern="1200" dirty="0"/>
-        </a:p>
-      </dsp:txBody>
-      <dsp:txXfrm>
-        <a:off x="3946324" y="3889026"/>
-        <a:ext cx="2162863" cy="1036528"/>
+        <a:off x="947080" y="4103766"/>
+        <a:ext cx="5162107" cy="819983"/>
       </dsp:txXfrm>
     </dsp:sp>
   </dsp:spTree>
@@ -7367,8 +7640,8 @@
       </dsp:nvSpPr>
       <dsp:spPr>
         <a:xfrm>
-          <a:off x="0" y="2045"/>
-          <a:ext cx="6109188" cy="1036528"/>
+          <a:off x="0" y="3849"/>
+          <a:ext cx="6109188" cy="819983"/>
         </a:xfrm>
         <a:prstGeom prst="roundRect">
           <a:avLst>
@@ -7409,8 +7682,8 @@
       </dsp:nvSpPr>
       <dsp:spPr>
         <a:xfrm>
-          <a:off x="313549" y="235264"/>
-          <a:ext cx="570090" cy="570090"/>
+          <a:off x="248044" y="188345"/>
+          <a:ext cx="450990" cy="450990"/>
         </a:xfrm>
         <a:prstGeom prst="rect">
           <a:avLst/>
@@ -7449,8 +7722,8 @@
       </dsp:nvSpPr>
       <dsp:spPr>
         <a:xfrm>
-          <a:off x="1197190" y="2045"/>
-          <a:ext cx="4911997" cy="1036528"/>
+          <a:off x="947080" y="3849"/>
+          <a:ext cx="5162107" cy="819983"/>
         </a:xfrm>
         <a:prstGeom prst="rect">
           <a:avLst/>
@@ -7474,12 +7747,12 @@
         <a:fontRef idx="minor"/>
       </dsp:style>
       <dsp:txBody>
-        <a:bodyPr spcFirstLastPara="0" vert="horz" wrap="square" lIns="109699" tIns="109699" rIns="109699" bIns="109699" numCol="1" spcCol="1270" anchor="ctr" anchorCtr="0">
+        <a:bodyPr spcFirstLastPara="0" vert="horz" wrap="square" lIns="86782" tIns="86782" rIns="86782" bIns="86782" numCol="1" spcCol="1270" anchor="ctr" anchorCtr="0">
           <a:noAutofit/>
         </a:bodyPr>
         <a:lstStyle/>
         <a:p>
-          <a:pPr marL="0" lvl="0" indent="0" algn="l" defTabSz="977900">
+          <a:pPr marL="0" lvl="0" indent="0" algn="l" defTabSz="844550">
             <a:lnSpc>
               <a:spcPct val="100000"/>
             </a:lnSpc>
@@ -7492,14 +7765,14 @@
             <a:buNone/>
           </a:pPr>
           <a:r>
-            <a:rPr lang="en-US" sz="2200" kern="1200" dirty="0"/>
+            <a:rPr lang="en-US" sz="1900" kern="1200" dirty="0"/>
             <a:t>Tweets @ Senators</a:t>
           </a:r>
         </a:p>
       </dsp:txBody>
       <dsp:txXfrm>
-        <a:off x="1197190" y="2045"/>
-        <a:ext cx="4911997" cy="1036528"/>
+        <a:off x="947080" y="3849"/>
+        <a:ext cx="5162107" cy="819983"/>
       </dsp:txXfrm>
     </dsp:sp>
     <dsp:sp modelId="{37AF4D56-F016-4E2F-905C-5A52A3EABAC5}">
@@ -7509,8 +7782,8 @@
       </dsp:nvSpPr>
       <dsp:spPr>
         <a:xfrm>
-          <a:off x="0" y="1297705"/>
-          <a:ext cx="6109188" cy="1036528"/>
+          <a:off x="0" y="1028828"/>
+          <a:ext cx="6109188" cy="819983"/>
         </a:xfrm>
         <a:prstGeom prst="roundRect">
           <a:avLst>
@@ -7551,8 +7824,8 @@
       </dsp:nvSpPr>
       <dsp:spPr>
         <a:xfrm>
-          <a:off x="313549" y="1530924"/>
-          <a:ext cx="570090" cy="570090"/>
+          <a:off x="248044" y="1213325"/>
+          <a:ext cx="450990" cy="450990"/>
         </a:xfrm>
         <a:prstGeom prst="rect">
           <a:avLst/>
@@ -7597,8 +7870,8 @@
       </dsp:nvSpPr>
       <dsp:spPr>
         <a:xfrm>
-          <a:off x="1197190" y="1297705"/>
-          <a:ext cx="2749134" cy="1036528"/>
+          <a:off x="947080" y="1028828"/>
+          <a:ext cx="2749134" cy="819983"/>
         </a:xfrm>
         <a:prstGeom prst="rect">
           <a:avLst/>
@@ -7622,12 +7895,12 @@
         <a:fontRef idx="minor"/>
       </dsp:style>
       <dsp:txBody>
-        <a:bodyPr spcFirstLastPara="0" vert="horz" wrap="square" lIns="109699" tIns="109699" rIns="109699" bIns="109699" numCol="1" spcCol="1270" anchor="ctr" anchorCtr="0">
+        <a:bodyPr spcFirstLastPara="0" vert="horz" wrap="square" lIns="86782" tIns="86782" rIns="86782" bIns="86782" numCol="1" spcCol="1270" anchor="ctr" anchorCtr="0">
           <a:noAutofit/>
         </a:bodyPr>
         <a:lstStyle/>
         <a:p>
-          <a:pPr marL="0" lvl="0" indent="0" algn="l" defTabSz="977900">
+          <a:pPr marL="0" lvl="0" indent="0" algn="l" defTabSz="844550">
             <a:lnSpc>
               <a:spcPct val="100000"/>
             </a:lnSpc>
@@ -7640,18 +7913,18 @@
             <a:buNone/>
           </a:pPr>
           <a:r>
-            <a:rPr lang="en-US" sz="2200" kern="1200" dirty="0" err="1"/>
+            <a:rPr lang="en-US" sz="1900" kern="1200" dirty="0" err="1"/>
             <a:t>GetOldTweets</a:t>
           </a:r>
           <a:r>
-            <a:rPr lang="en-US" sz="2200" kern="1200" dirty="0"/>
+            <a:rPr lang="en-US" sz="1900" kern="1200" dirty="0"/>
             <a:t> library</a:t>
           </a:r>
         </a:p>
       </dsp:txBody>
       <dsp:txXfrm>
-        <a:off x="1197190" y="1297705"/>
-        <a:ext cx="2749134" cy="1036528"/>
+        <a:off x="947080" y="1028828"/>
+        <a:ext cx="2749134" cy="819983"/>
       </dsp:txXfrm>
     </dsp:sp>
     <dsp:sp modelId="{BDD96D1E-07AF-452F-94CD-F4271AB52F3F}">
@@ -7661,8 +7934,8 @@
       </dsp:nvSpPr>
       <dsp:spPr>
         <a:xfrm>
-          <a:off x="3946324" y="1297705"/>
-          <a:ext cx="2162863" cy="1036528"/>
+          <a:off x="3696215" y="1028828"/>
+          <a:ext cx="2412972" cy="819983"/>
         </a:xfrm>
         <a:prstGeom prst="rect">
           <a:avLst/>
@@ -7686,7 +7959,7 @@
         <a:fontRef idx="minor"/>
       </dsp:style>
       <dsp:txBody>
-        <a:bodyPr spcFirstLastPara="0" vert="horz" wrap="square" lIns="109699" tIns="109699" rIns="109699" bIns="109699" numCol="1" spcCol="1270" anchor="ctr" anchorCtr="0">
+        <a:bodyPr spcFirstLastPara="0" vert="horz" wrap="square" lIns="86782" tIns="86782" rIns="86782" bIns="86782" numCol="1" spcCol="1270" anchor="ctr" anchorCtr="0">
           <a:noAutofit/>
         </a:bodyPr>
         <a:lstStyle/>
@@ -7707,8 +7980,156 @@
         </a:p>
       </dsp:txBody>
       <dsp:txXfrm>
-        <a:off x="3946324" y="1297705"/>
-        <a:ext cx="2162863" cy="1036528"/>
+        <a:off x="3696215" y="1028828"/>
+        <a:ext cx="2412972" cy="819983"/>
+      </dsp:txXfrm>
+    </dsp:sp>
+    <dsp:sp modelId="{7BC60830-CDB6-0D46-AB2D-CE1FD626B9CD}">
+      <dsp:nvSpPr>
+        <dsp:cNvPr id="0" name=""/>
+        <dsp:cNvSpPr/>
+      </dsp:nvSpPr>
+      <dsp:spPr>
+        <a:xfrm>
+          <a:off x="0" y="2053808"/>
+          <a:ext cx="6109188" cy="819983"/>
+        </a:xfrm>
+        <a:prstGeom prst="roundRect">
+          <a:avLst>
+            <a:gd name="adj" fmla="val 10000"/>
+          </a:avLst>
+        </a:prstGeom>
+        <a:solidFill>
+          <a:schemeClr val="bg1">
+            <a:lumMod val="95000"/>
+            <a:hueOff val="0"/>
+            <a:satOff val="0"/>
+            <a:lumOff val="0"/>
+            <a:alphaOff val="0"/>
+          </a:schemeClr>
+        </a:solidFill>
+        <a:ln>
+          <a:noFill/>
+        </a:ln>
+        <a:effectLst/>
+      </dsp:spPr>
+      <dsp:style>
+        <a:lnRef idx="0">
+          <a:scrgbClr r="0" g="0" b="0"/>
+        </a:lnRef>
+        <a:fillRef idx="1">
+          <a:scrgbClr r="0" g="0" b="0"/>
+        </a:fillRef>
+        <a:effectRef idx="2">
+          <a:scrgbClr r="0" g="0" b="0"/>
+        </a:effectRef>
+        <a:fontRef idx="minor"/>
+      </dsp:style>
+    </dsp:sp>
+    <dsp:sp modelId="{90DDA344-1E66-1F47-8DE8-3E2E5218179F}">
+      <dsp:nvSpPr>
+        <dsp:cNvPr id="0" name=""/>
+        <dsp:cNvSpPr/>
+      </dsp:nvSpPr>
+      <dsp:spPr>
+        <a:xfrm>
+          <a:off x="248044" y="2238304"/>
+          <a:ext cx="450990" cy="450990"/>
+        </a:xfrm>
+        <a:prstGeom prst="rect">
+          <a:avLst/>
+        </a:prstGeom>
+        <a:blipFill>
+          <a:blip xmlns:r="http://schemas.openxmlformats.org/officeDocument/2006/relationships" r:embed="rId3">
+            <a:extLst>
+              <a:ext uri="{28A0092B-C50C-407E-A947-70E740481C1C}">
+                <a14:useLocalDpi xmlns:a14="http://schemas.microsoft.com/office/drawing/2010/main" val="0"/>
+              </a:ext>
+            </a:extLst>
+          </a:blip>
+          <a:srcRect/>
+          <a:stretch>
+            <a:fillRect/>
+          </a:stretch>
+        </a:blipFill>
+        <a:ln>
+          <a:noFill/>
+        </a:ln>
+        <a:effectLst/>
+      </dsp:spPr>
+      <dsp:style>
+        <a:lnRef idx="0">
+          <a:scrgbClr r="0" g="0" b="0"/>
+        </a:lnRef>
+        <a:fillRef idx="3">
+          <a:scrgbClr r="0" g="0" b="0"/>
+        </a:fillRef>
+        <a:effectRef idx="2">
+          <a:scrgbClr r="0" g="0" b="0"/>
+        </a:effectRef>
+        <a:fontRef idx="minor">
+          <a:schemeClr val="lt1"/>
+        </a:fontRef>
+      </dsp:style>
+    </dsp:sp>
+    <dsp:sp modelId="{BDDB41DB-F175-9F40-BD50-5E5942AC24E0}">
+      <dsp:nvSpPr>
+        <dsp:cNvPr id="0" name=""/>
+        <dsp:cNvSpPr/>
+      </dsp:nvSpPr>
+      <dsp:spPr>
+        <a:xfrm>
+          <a:off x="947080" y="2053808"/>
+          <a:ext cx="5162107" cy="819983"/>
+        </a:xfrm>
+        <a:prstGeom prst="rect">
+          <a:avLst/>
+        </a:prstGeom>
+        <a:noFill/>
+        <a:ln>
+          <a:noFill/>
+        </a:ln>
+        <a:effectLst/>
+      </dsp:spPr>
+      <dsp:style>
+        <a:lnRef idx="0">
+          <a:scrgbClr r="0" g="0" b="0"/>
+        </a:lnRef>
+        <a:fillRef idx="0">
+          <a:scrgbClr r="0" g="0" b="0"/>
+        </a:fillRef>
+        <a:effectRef idx="0">
+          <a:scrgbClr r="0" g="0" b="0"/>
+        </a:effectRef>
+        <a:fontRef idx="minor"/>
+      </dsp:style>
+      <dsp:txBody>
+        <a:bodyPr spcFirstLastPara="0" vert="horz" wrap="square" lIns="86782" tIns="86782" rIns="86782" bIns="86782" numCol="1" spcCol="1270" anchor="ctr" anchorCtr="0">
+          <a:noAutofit/>
+        </a:bodyPr>
+        <a:lstStyle/>
+        <a:p>
+          <a:pPr marL="0" lvl="0" indent="0" algn="l" defTabSz="844550">
+            <a:lnSpc>
+              <a:spcPct val="100000"/>
+            </a:lnSpc>
+            <a:spcBef>
+              <a:spcPct val="0"/>
+            </a:spcBef>
+            <a:spcAft>
+              <a:spcPct val="35000"/>
+            </a:spcAft>
+            <a:buNone/>
+          </a:pPr>
+          <a:r>
+            <a:rPr lang="en-US" sz="1900" kern="1200" dirty="0"/>
+            <a:t>How Senators voted</a:t>
+          </a:r>
+        </a:p>
+      </dsp:txBody>
+      <dsp:txXfrm>
+        <a:off x="947080" y="2053808"/>
+        <a:ext cx="5162107" cy="819983"/>
       </dsp:txXfrm>
     </dsp:sp>
     <dsp:sp modelId="{47C6860A-DD19-4D87-8688-1A2722737DC3}">
@@ -7718,8 +8139,8 @@
       </dsp:nvSpPr>
       <dsp:spPr>
         <a:xfrm>
-          <a:off x="0" y="2593366"/>
-          <a:ext cx="6109188" cy="1036528"/>
+          <a:off x="0" y="3078787"/>
+          <a:ext cx="6109188" cy="819983"/>
         </a:xfrm>
         <a:prstGeom prst="roundRect">
           <a:avLst>
@@ -7760,14 +8181,14 @@
       </dsp:nvSpPr>
       <dsp:spPr>
         <a:xfrm>
-          <a:off x="313549" y="2826584"/>
-          <a:ext cx="570090" cy="570090"/>
+          <a:off x="248044" y="3263283"/>
+          <a:ext cx="450990" cy="450990"/>
         </a:xfrm>
         <a:prstGeom prst="rect">
           <a:avLst/>
         </a:prstGeom>
         <a:blipFill rotWithShape="1">
-          <a:blip xmlns:r="http://schemas.openxmlformats.org/officeDocument/2006/relationships" r:embed="rId3">
+          <a:blip xmlns:r="http://schemas.openxmlformats.org/officeDocument/2006/relationships" r:embed="rId4">
             <a:extLst>
               <a:ext uri="{28A0092B-C50C-407E-A947-70E740481C1C}">
                 <a14:useLocalDpi xmlns:a14="http://schemas.microsoft.com/office/drawing/2010/main" val="0"/>
@@ -7806,8 +8227,8 @@
       </dsp:nvSpPr>
       <dsp:spPr>
         <a:xfrm>
-          <a:off x="1197190" y="2593366"/>
-          <a:ext cx="4911997" cy="1036528"/>
+          <a:off x="947080" y="3078787"/>
+          <a:ext cx="5162107" cy="819983"/>
         </a:xfrm>
         <a:prstGeom prst="rect">
           <a:avLst/>
@@ -7831,12 +8252,12 @@
         <a:fontRef idx="minor"/>
       </dsp:style>
       <dsp:txBody>
-        <a:bodyPr spcFirstLastPara="0" vert="horz" wrap="square" lIns="109699" tIns="109699" rIns="109699" bIns="109699" numCol="1" spcCol="1270" anchor="ctr" anchorCtr="0">
+        <a:bodyPr spcFirstLastPara="0" vert="horz" wrap="square" lIns="86782" tIns="86782" rIns="86782" bIns="86782" numCol="1" spcCol="1270" anchor="ctr" anchorCtr="0">
           <a:noAutofit/>
         </a:bodyPr>
         <a:lstStyle/>
         <a:p>
-          <a:pPr marL="0" lvl="0" indent="0" algn="l" defTabSz="977900">
+          <a:pPr marL="0" lvl="0" indent="0" algn="l" defTabSz="844550">
             <a:lnSpc>
               <a:spcPct val="100000"/>
             </a:lnSpc>
@@ -7849,25 +8270,25 @@
             <a:buNone/>
           </a:pPr>
           <a:r>
-            <a:rPr lang="en-US" sz="2200" kern="1200" dirty="0"/>
+            <a:rPr lang="en-US" sz="1900" kern="1200" dirty="0"/>
             <a:t>Complement Naïve Bayes Classifier</a:t>
           </a:r>
         </a:p>
       </dsp:txBody>
       <dsp:txXfrm>
-        <a:off x="1197190" y="2593366"/>
-        <a:ext cx="4911997" cy="1036528"/>
+        <a:off x="947080" y="3078787"/>
+        <a:ext cx="5162107" cy="819983"/>
       </dsp:txXfrm>
     </dsp:sp>
-    <dsp:sp modelId="{7BC60830-CDB6-0D46-AB2D-CE1FD626B9CD}">
+    <dsp:sp modelId="{BC4B6CEC-0BAE-C743-A29F-882E0A476470}">
       <dsp:nvSpPr>
         <dsp:cNvPr id="0" name=""/>
         <dsp:cNvSpPr/>
       </dsp:nvSpPr>
       <dsp:spPr>
         <a:xfrm>
-          <a:off x="0" y="3889026"/>
-          <a:ext cx="6109188" cy="1036528"/>
+          <a:off x="0" y="4103766"/>
+          <a:ext cx="6109188" cy="819983"/>
         </a:xfrm>
         <a:prstGeom prst="roundRect">
           <a:avLst>
@@ -7901,21 +8322,21 @@
         <a:fontRef idx="minor"/>
       </dsp:style>
     </dsp:sp>
-    <dsp:sp modelId="{90DDA344-1E66-1F47-8DE8-3E2E5218179F}">
+    <dsp:sp modelId="{97E847FD-B1BE-4540-B78F-40B5E0924483}">
       <dsp:nvSpPr>
         <dsp:cNvPr id="0" name=""/>
         <dsp:cNvSpPr/>
       </dsp:nvSpPr>
       <dsp:spPr>
         <a:xfrm>
-          <a:off x="313549" y="4122245"/>
-          <a:ext cx="570090" cy="570090"/>
+          <a:off x="248044" y="4288263"/>
+          <a:ext cx="450990" cy="450990"/>
         </a:xfrm>
         <a:prstGeom prst="rect">
           <a:avLst/>
         </a:prstGeom>
         <a:blipFill>
-          <a:blip xmlns:r="http://schemas.openxmlformats.org/officeDocument/2006/relationships" r:embed="rId4">
+          <a:blip xmlns:r="http://schemas.openxmlformats.org/officeDocument/2006/relationships" r:embed="rId5">
             <a:extLst>
               <a:ext uri="{28A0092B-C50C-407E-A947-70E740481C1C}">
                 <a14:useLocalDpi xmlns:a14="http://schemas.microsoft.com/office/drawing/2010/main" val="0"/>
@@ -7924,7 +8345,7 @@
           </a:blip>
           <a:srcRect/>
           <a:stretch>
-            <a:fillRect/>
+            <a:fillRect l="-17000" r="-17000"/>
           </a:stretch>
         </a:blipFill>
         <a:ln>
@@ -7947,15 +8368,15 @@
         </a:fontRef>
       </dsp:style>
     </dsp:sp>
-    <dsp:sp modelId="{BDDB41DB-F175-9F40-BD50-5E5942AC24E0}">
+    <dsp:sp modelId="{AA703853-20AE-734C-BE28-5AF23190E2EC}">
       <dsp:nvSpPr>
         <dsp:cNvPr id="0" name=""/>
         <dsp:cNvSpPr/>
       </dsp:nvSpPr>
       <dsp:spPr>
         <a:xfrm>
-          <a:off x="1197190" y="3889026"/>
-          <a:ext cx="2749134" cy="1036528"/>
+          <a:off x="947080" y="4103766"/>
+          <a:ext cx="5162107" cy="819983"/>
         </a:xfrm>
         <a:prstGeom prst="rect">
           <a:avLst/>
@@ -7979,12 +8400,12 @@
         <a:fontRef idx="minor"/>
       </dsp:style>
       <dsp:txBody>
-        <a:bodyPr spcFirstLastPara="0" vert="horz" wrap="square" lIns="109699" tIns="109699" rIns="109699" bIns="109699" numCol="1" spcCol="1270" anchor="ctr" anchorCtr="0">
+        <a:bodyPr spcFirstLastPara="0" vert="horz" wrap="square" lIns="86782" tIns="86782" rIns="86782" bIns="86782" numCol="1" spcCol="1270" anchor="ctr" anchorCtr="0">
           <a:noAutofit/>
         </a:bodyPr>
         <a:lstStyle/>
         <a:p>
-          <a:pPr marL="0" lvl="0" indent="0" algn="l" defTabSz="977900">
+          <a:pPr marL="0" lvl="0" indent="0" algn="l" defTabSz="844550">
             <a:lnSpc>
               <a:spcPct val="100000"/>
             </a:lnSpc>
@@ -7997,71 +8418,14 @@
             <a:buNone/>
           </a:pPr>
           <a:r>
-            <a:rPr lang="en-US" sz="2200" kern="1200" dirty="0"/>
-            <a:t>How Senators voted </a:t>
+            <a:rPr lang="en-US" sz="1900" kern="1200" dirty="0"/>
+            <a:t>Custom Predictor</a:t>
           </a:r>
         </a:p>
       </dsp:txBody>
       <dsp:txXfrm>
-        <a:off x="1197190" y="3889026"/>
-        <a:ext cx="2749134" cy="1036528"/>
-      </dsp:txXfrm>
-    </dsp:sp>
-    <dsp:sp modelId="{FDD790AC-9FAC-774B-B2DA-7814AC7A506B}">
-      <dsp:nvSpPr>
-        <dsp:cNvPr id="0" name=""/>
-        <dsp:cNvSpPr/>
-      </dsp:nvSpPr>
-      <dsp:spPr>
-        <a:xfrm>
-          <a:off x="3946324" y="3889026"/>
-          <a:ext cx="2162863" cy="1036528"/>
-        </a:xfrm>
-        <a:prstGeom prst="rect">
-          <a:avLst/>
-        </a:prstGeom>
-        <a:noFill/>
-        <a:ln>
-          <a:noFill/>
-        </a:ln>
-        <a:effectLst/>
-      </dsp:spPr>
-      <dsp:style>
-        <a:lnRef idx="0">
-          <a:scrgbClr r="0" g="0" b="0"/>
-        </a:lnRef>
-        <a:fillRef idx="0">
-          <a:scrgbClr r="0" g="0" b="0"/>
-        </a:fillRef>
-        <a:effectRef idx="0">
-          <a:scrgbClr r="0" g="0" b="0"/>
-        </a:effectRef>
-        <a:fontRef idx="minor"/>
-      </dsp:style>
-      <dsp:txBody>
-        <a:bodyPr spcFirstLastPara="0" vert="horz" wrap="square" lIns="109699" tIns="109699" rIns="109699" bIns="109699" numCol="1" spcCol="1270" anchor="ctr" anchorCtr="0">
-          <a:noAutofit/>
-        </a:bodyPr>
-        <a:lstStyle/>
-        <a:p>
-          <a:pPr marL="0" lvl="0" indent="0" algn="l" defTabSz="800100">
-            <a:lnSpc>
-              <a:spcPct val="100000"/>
-            </a:lnSpc>
-            <a:spcBef>
-              <a:spcPct val="0"/>
-            </a:spcBef>
-            <a:spcAft>
-              <a:spcPct val="35000"/>
-            </a:spcAft>
-            <a:buNone/>
-          </a:pPr>
-          <a:endParaRPr lang="en-US" sz="1800" kern="1200" dirty="0"/>
-        </a:p>
-      </dsp:txBody>
-      <dsp:txXfrm>
-        <a:off x="3946324" y="3889026"/>
-        <a:ext cx="2162863" cy="1036528"/>
+        <a:off x="947080" y="4103766"/>
+        <a:ext cx="5162107" cy="819983"/>
       </dsp:txXfrm>
     </dsp:sp>
   </dsp:spTree>
@@ -15935,7 +16299,7 @@
           <a:p>
             <a:fld id="{9A3872D6-F9DE-D746-BA47-48E20125A7C5}" type="datetimeFigureOut">
               <a:rPr lang="en-US" smtClean="0"/>
-              <a:t>4/28/2019</a:t>
+              <a:t>4/28/19</a:t>
             </a:fld>
             <a:endParaRPr lang="en-US"/>
           </a:p>
@@ -16618,7 +16982,7 @@
             <a:fld id="{B61BEF0D-F0BB-DE4B-95CE-6DB70DBA9567}" type="datetimeFigureOut">
               <a:rPr lang="en-US" smtClean="0"/>
               <a:pPr/>
-              <a:t>4/28/2019</a:t>
+              <a:t>4/28/19</a:t>
             </a:fld>
             <a:endParaRPr lang="en-US" dirty="0"/>
           </a:p>
@@ -16790,7 +17154,7 @@
             <a:fld id="{B61BEF0D-F0BB-DE4B-95CE-6DB70DBA9567}" type="datetimeFigureOut">
               <a:rPr lang="en-US" smtClean="0"/>
               <a:pPr/>
-              <a:t>4/28/2019</a:t>
+              <a:t>4/28/19</a:t>
             </a:fld>
             <a:endParaRPr lang="en-US" dirty="0"/>
           </a:p>
@@ -16972,7 +17336,7 @@
             <a:fld id="{B61BEF0D-F0BB-DE4B-95CE-6DB70DBA9567}" type="datetimeFigureOut">
               <a:rPr lang="en-US" smtClean="0"/>
               <a:pPr/>
-              <a:t>4/28/2019</a:t>
+              <a:t>4/28/19</a:t>
             </a:fld>
             <a:endParaRPr lang="en-US" dirty="0"/>
           </a:p>
@@ -17144,7 +17508,7 @@
             <a:fld id="{B61BEF0D-F0BB-DE4B-95CE-6DB70DBA9567}" type="datetimeFigureOut">
               <a:rPr lang="en-US" smtClean="0"/>
               <a:pPr/>
-              <a:t>4/28/2019</a:t>
+              <a:t>4/28/19</a:t>
             </a:fld>
             <a:endParaRPr lang="en-US" dirty="0"/>
           </a:p>
@@ -17414,7 +17778,7 @@
             <a:fld id="{B61BEF0D-F0BB-DE4B-95CE-6DB70DBA9567}" type="datetimeFigureOut">
               <a:rPr lang="en-US" smtClean="0"/>
               <a:pPr/>
-              <a:t>4/28/2019</a:t>
+              <a:t>4/28/19</a:t>
             </a:fld>
             <a:endParaRPr lang="en-US" dirty="0"/>
           </a:p>
@@ -17648,7 +18012,7 @@
             <a:fld id="{B61BEF0D-F0BB-DE4B-95CE-6DB70DBA9567}" type="datetimeFigureOut">
               <a:rPr lang="en-US" smtClean="0"/>
               <a:pPr/>
-              <a:t>4/28/2019</a:t>
+              <a:t>4/28/19</a:t>
             </a:fld>
             <a:endParaRPr lang="en-US" dirty="0"/>
           </a:p>
@@ -18009,7 +18373,7 @@
             <a:fld id="{B61BEF0D-F0BB-DE4B-95CE-6DB70DBA9567}" type="datetimeFigureOut">
               <a:rPr lang="en-US" smtClean="0"/>
               <a:pPr/>
-              <a:t>4/28/2019</a:t>
+              <a:t>4/28/19</a:t>
             </a:fld>
             <a:endParaRPr lang="en-US" dirty="0"/>
           </a:p>
@@ -18152,7 +18516,7 @@
             <a:fld id="{B61BEF0D-F0BB-DE4B-95CE-6DB70DBA9567}" type="datetimeFigureOut">
               <a:rPr lang="en-US" smtClean="0"/>
               <a:pPr/>
-              <a:t>4/28/2019</a:t>
+              <a:t>4/28/19</a:t>
             </a:fld>
             <a:endParaRPr lang="en-US" dirty="0"/>
           </a:p>
@@ -18249,7 +18613,7 @@
             <a:fld id="{B61BEF0D-F0BB-DE4B-95CE-6DB70DBA9567}" type="datetimeFigureOut">
               <a:rPr lang="en-US" smtClean="0"/>
               <a:pPr/>
-              <a:t>4/28/2019</a:t>
+              <a:t>4/28/19</a:t>
             </a:fld>
             <a:endParaRPr lang="en-US" dirty="0"/>
           </a:p>
@@ -18608,7 +18972,7 @@
             <a:fld id="{B61BEF0D-F0BB-DE4B-95CE-6DB70DBA9567}" type="datetimeFigureOut">
               <a:rPr lang="en-US" smtClean="0"/>
               <a:pPr/>
-              <a:t>4/28/2019</a:t>
+              <a:t>4/28/19</a:t>
             </a:fld>
             <a:endParaRPr lang="en-US" dirty="0"/>
           </a:p>
@@ -18967,7 +19331,7 @@
             <a:fld id="{B61BEF0D-F0BB-DE4B-95CE-6DB70DBA9567}" type="datetimeFigureOut">
               <a:rPr lang="en-US" smtClean="0"/>
               <a:pPr/>
-              <a:t>4/28/2019</a:t>
+              <a:t>4/28/19</a:t>
             </a:fld>
             <a:endParaRPr lang="en-US" dirty="0"/>
           </a:p>
@@ -19211,7 +19575,7 @@
             <a:fld id="{B61BEF0D-F0BB-DE4B-95CE-6DB70DBA9567}" type="datetimeFigureOut">
               <a:rPr lang="en-US" smtClean="0"/>
               <a:pPr/>
-              <a:t>4/28/2019</a:t>
+              <a:t>4/28/19</a:t>
             </a:fld>
             <a:endParaRPr lang="en-US" dirty="0"/>
           </a:p>
@@ -22855,7 +23219,7 @@
             <p:ph idx="1"/>
             <p:extLst>
               <p:ext uri="{D42A27DB-BD31-4B8C-83A1-F6EECF244321}">
-                <p14:modId xmlns:p14="http://schemas.microsoft.com/office/powerpoint/2010/main" val="2420510326"/>
+                <p14:modId xmlns:p14="http://schemas.microsoft.com/office/powerpoint/2010/main" val="3421577090"/>
               </p:ext>
             </p:extLst>
           </p:nvPr>
@@ -22879,13 +23243,15 @@
               </a:ext>
             </a:extLst>
           </p:cNvPr>
-          <p:cNvCxnSpPr/>
+          <p:cNvCxnSpPr>
+            <a:cxnSpLocks/>
+          </p:cNvCxnSpPr>
           <p:nvPr/>
         </p:nvCxnSpPr>
         <p:spPr>
           <a:xfrm>
-            <a:off x="5368553" y="3579223"/>
-            <a:ext cx="6109188" cy="979714"/>
+            <a:off x="5368553" y="4061823"/>
+            <a:ext cx="6109188" cy="770046"/>
           </a:xfrm>
           <a:prstGeom prst="line">
             <a:avLst/>
@@ -22927,8 +23293,8 @@
         </p:nvCxnSpPr>
         <p:spPr>
           <a:xfrm flipV="1">
-            <a:off x="5368553" y="3579223"/>
-            <a:ext cx="6009196" cy="979714"/>
+            <a:off x="5368553" y="4061823"/>
+            <a:ext cx="6109188" cy="770046"/>
           </a:xfrm>
           <a:prstGeom prst="line">
             <a:avLst/>
@@ -23276,6 +23642,36 @@
           </a:p>
         </p:txBody>
       </p:sp>
+      <p:graphicFrame>
+        <p:nvGraphicFramePr>
+          <p:cNvPr id="13" name="Content Placeholder 2">
+            <a:extLst>
+              <a:ext uri="{FF2B5EF4-FFF2-40B4-BE49-F238E27FC236}">
+                <a16:creationId xmlns:a16="http://schemas.microsoft.com/office/drawing/2014/main" id="{C4959D38-FE3B-460D-B7E4-817B00E4F9B1}"/>
+              </a:ext>
+            </a:extLst>
+          </p:cNvPr>
+          <p:cNvGraphicFramePr>
+            <a:graphicFrameLocks/>
+          </p:cNvGraphicFramePr>
+          <p:nvPr>
+            <p:extLst>
+              <p:ext uri="{D42A27DB-BD31-4B8C-83A1-F6EECF244321}">
+                <p14:modId xmlns:p14="http://schemas.microsoft.com/office/powerpoint/2010/main" val="2043769226"/>
+              </p:ext>
+            </p:extLst>
+          </p:nvPr>
+        </p:nvGraphicFramePr>
+        <p:xfrm>
+          <a:off x="5368553" y="965200"/>
+          <a:ext cx="6109188" cy="4927600"/>
+        </p:xfrm>
+        <a:graphic>
+          <a:graphicData uri="http://schemas.openxmlformats.org/drawingml/2006/diagram">
+            <dgm:relIds xmlns:dgm="http://schemas.openxmlformats.org/drawingml/2006/diagram" xmlns:r="http://schemas.openxmlformats.org/officeDocument/2006/relationships" r:dm="rId3" r:lo="rId4" r:qs="rId5" r:cs="rId6"/>
+          </a:graphicData>
+        </a:graphic>
+      </p:graphicFrame>
       <p:pic>
         <p:nvPicPr>
           <p:cNvPr id="1026" name="Picture 2" descr="Image result for sklearn">
@@ -23291,7 +23687,7 @@
           <p:nvPr/>
         </p:nvPicPr>
         <p:blipFill>
-          <a:blip r:embed="rId3">
+          <a:blip r:embed="rId8">
             <a:extLst>
               <a:ext uri="{28A0092B-C50C-407E-A947-70E740481C1C}">
                 <a14:useLocalDpi xmlns:a14="http://schemas.microsoft.com/office/drawing/2010/main" val="0"/>
@@ -23305,85 +23701,8 @@
         </p:blipFill>
         <p:spPr bwMode="auto">
           <a:xfrm>
-            <a:off x="5577838" y="3683317"/>
-            <a:ext cx="783774" cy="771525"/>
-          </a:xfrm>
-          <a:prstGeom prst="rect">
-            <a:avLst/>
-          </a:prstGeom>
-          <a:noFill/>
-          <a:extLst>
-            <a:ext uri="{909E8E84-426E-40DD-AFC4-6F175D3DCCD1}">
-              <a14:hiddenFill xmlns:a14="http://schemas.microsoft.com/office/drawing/2010/main">
-                <a:solidFill>
-                  <a:srgbClr val="FFFFFF"/>
-                </a:solidFill>
-              </a14:hiddenFill>
-            </a:ext>
-          </a:extLst>
-        </p:spPr>
-      </p:pic>
-      <p:graphicFrame>
-        <p:nvGraphicFramePr>
-          <p:cNvPr id="13" name="Content Placeholder 2">
-            <a:extLst>
-              <a:ext uri="{FF2B5EF4-FFF2-40B4-BE49-F238E27FC236}">
-                <a16:creationId xmlns:a16="http://schemas.microsoft.com/office/drawing/2014/main" id="{C4959D38-FE3B-460D-B7E4-817B00E4F9B1}"/>
-              </a:ext>
-            </a:extLst>
-          </p:cNvPr>
-          <p:cNvGraphicFramePr>
-            <a:graphicFrameLocks/>
-          </p:cNvGraphicFramePr>
-          <p:nvPr>
-            <p:extLst>
-              <p:ext uri="{D42A27DB-BD31-4B8C-83A1-F6EECF244321}">
-                <p14:modId xmlns:p14="http://schemas.microsoft.com/office/powerpoint/2010/main" val="1769636326"/>
-              </p:ext>
-            </p:extLst>
-          </p:nvPr>
-        </p:nvGraphicFramePr>
-        <p:xfrm>
-          <a:off x="5364199" y="960846"/>
-          <a:ext cx="6109188" cy="4927600"/>
-        </p:xfrm>
-        <a:graphic>
-          <a:graphicData uri="http://schemas.openxmlformats.org/drawingml/2006/diagram">
-            <dgm:relIds xmlns:dgm="http://schemas.openxmlformats.org/drawingml/2006/diagram" xmlns:r="http://schemas.openxmlformats.org/officeDocument/2006/relationships" r:dm="rId4" r:lo="rId5" r:qs="rId6" r:cs="rId7"/>
-          </a:graphicData>
-        </a:graphic>
-      </p:graphicFrame>
-      <p:pic>
-        <p:nvPicPr>
-          <p:cNvPr id="2050" name="Picture 2" descr="Image result for sklearn">
-            <a:extLst>
-              <a:ext uri="{FF2B5EF4-FFF2-40B4-BE49-F238E27FC236}">
-                <a16:creationId xmlns:a16="http://schemas.microsoft.com/office/drawing/2014/main" id="{0A63A3DA-E4C5-45D2-BA16-0371A3ECE3E9}"/>
-              </a:ext>
-            </a:extLst>
-          </p:cNvPr>
-          <p:cNvPicPr>
-            <a:picLocks noChangeAspect="1" noChangeArrowheads="1"/>
-          </p:cNvPicPr>
-          <p:nvPr/>
-        </p:nvPicPr>
-        <p:blipFill>
-          <a:blip r:embed="rId3">
-            <a:extLst>
-              <a:ext uri="{28A0092B-C50C-407E-A947-70E740481C1C}">
-                <a14:useLocalDpi xmlns:a14="http://schemas.microsoft.com/office/drawing/2010/main" val="0"/>
-              </a:ext>
-            </a:extLst>
-          </a:blip>
-          <a:srcRect/>
-          <a:stretch>
-            <a:fillRect/>
-          </a:stretch>
-        </p:blipFill>
-        <p:spPr bwMode="auto">
-          <a:xfrm>
-            <a:off x="5577883" y="3746093"/>
-            <a:ext cx="783729" cy="620260"/>
+            <a:off x="5540495" y="4176897"/>
+            <a:ext cx="555504" cy="546822"/>
           </a:xfrm>
           <a:prstGeom prst="rect">
             <a:avLst/>

--- a/Final Presentation.pptx
+++ b/Final Presentation.pptx
@@ -6034,9 +6034,9 @@
     <dgm:cxn modelId="{FE84A40A-7A28-4ACB-9C07-5624D65C9676}" type="presOf" srcId="{228F2419-697A-4766-AE55-94323E76EED7}" destId="{53AF7352-401E-4E82-BDEC-7AE15D505FE8}" srcOrd="0" destOrd="0" presId="urn:microsoft.com/office/officeart/2005/8/layout/default"/>
     <dgm:cxn modelId="{6171FE1E-D575-4B0F-A993-0AFBFAC6CA99}" type="presOf" srcId="{AED9847A-521A-46D6-8887-91CD75022F28}" destId="{4D93E6F9-CA8D-495A-8DD5-CF1482899DED}" srcOrd="0" destOrd="0" presId="urn:microsoft.com/office/officeart/2005/8/layout/default"/>
     <dgm:cxn modelId="{B47CD42A-3B05-4FC8-8AC4-75ED45456A42}" type="presOf" srcId="{FB3FA585-8C00-43F4-9408-11F9A73FFCE1}" destId="{FA0F594B-F881-47D0-914A-ECE6D434C30B}" srcOrd="0" destOrd="0" presId="urn:microsoft.com/office/officeart/2005/8/layout/default"/>
+    <dgm:cxn modelId="{04741864-73DE-4F8D-B235-CA05231DB29E}" type="presOf" srcId="{D170A604-82B9-459F-9D9C-6BA2672535C7}" destId="{72AF3E06-A4E1-4A66-A5EF-EA929815A3CE}" srcOrd="0" destOrd="0" presId="urn:microsoft.com/office/officeart/2005/8/layout/default"/>
     <dgm:cxn modelId="{15D2194A-C002-4212-93F8-D5B885694FC9}" type="presOf" srcId="{D25082EC-F3B1-4BF4-A799-689D88C5B32A}" destId="{30D177A0-52BA-44C5-9A66-EAEED3B568A9}" srcOrd="0" destOrd="0" presId="urn:microsoft.com/office/officeart/2005/8/layout/default"/>
     <dgm:cxn modelId="{CBEAD44E-5E04-4C35-B010-07B60EAB1ED3}" srcId="{AED9847A-521A-46D6-8887-91CD75022F28}" destId="{FB3FA585-8C00-43F4-9408-11F9A73FFCE1}" srcOrd="3" destOrd="0" parTransId="{D6A57584-B47F-4215-A169-A73049E7DB9E}" sibTransId="{8EA7352D-D8DD-46F6-B44F-13459B97050D}"/>
-    <dgm:cxn modelId="{04741864-73DE-4F8D-B235-CA05231DB29E}" type="presOf" srcId="{D170A604-82B9-459F-9D9C-6BA2672535C7}" destId="{72AF3E06-A4E1-4A66-A5EF-EA929815A3CE}" srcOrd="0" destOrd="0" presId="urn:microsoft.com/office/officeart/2005/8/layout/default"/>
     <dgm:cxn modelId="{C933858C-5DB5-46F5-A971-5FF51504E2B6}" srcId="{AED9847A-521A-46D6-8887-91CD75022F28}" destId="{228F2419-697A-4766-AE55-94323E76EED7}" srcOrd="4" destOrd="0" parTransId="{02D3D6AB-6340-4227-97F6-57A9C936B843}" sibTransId="{9741F7C5-7C64-42B9-B6A4-4DE788CEA10C}"/>
     <dgm:cxn modelId="{8DAFF3BE-50B2-4357-81C9-B2F2E8A3BC34}" srcId="{AED9847A-521A-46D6-8887-91CD75022F28}" destId="{D25082EC-F3B1-4BF4-A799-689D88C5B32A}" srcOrd="0" destOrd="0" parTransId="{75F26006-795C-4DE9-BA89-C99044D54970}" sibTransId="{6D2C4F3D-A0D1-4B5F-AC5C-7F7A655D850D}"/>
     <dgm:cxn modelId="{02B153D4-0EED-49A0-83A4-AD35A86CD798}" srcId="{AED9847A-521A-46D6-8887-91CD75022F28}" destId="{D170A604-82B9-459F-9D9C-6BA2672535C7}" srcOrd="2" destOrd="0" parTransId="{E726BA00-BD98-476E-9370-5C068AC6CC35}" sibTransId="{1DB36124-A413-4163-9852-C4696D8F5755}"/>
@@ -6278,8 +6278,8 @@
   <dgm:cxnLst>
     <dgm:cxn modelId="{B8E4CA0B-02F1-4D5A-A938-BECEE610807D}" type="presOf" srcId="{6D4877F8-A6CC-4200-B826-883C37749CF9}" destId="{DA478B62-F768-4912-86F3-53B35D38689E}" srcOrd="0" destOrd="0" presId="urn:microsoft.com/office/officeart/2005/8/layout/matrix3"/>
     <dgm:cxn modelId="{4675D427-A0EC-414F-AE0F-39DE8A6F3604}" srcId="{2B3DFEE1-DD8A-4D36-B0FB-9A52AF24C735}" destId="{EF3FA99F-285E-44AF-8203-B4D38E21421D}" srcOrd="2" destOrd="0" parTransId="{19EDC157-41B2-4533-AE94-E89D62D44F10}" sibTransId="{7EE6D599-13C9-43EB-B768-7922D8718DCB}"/>
+    <dgm:cxn modelId="{DF4FA461-3BF5-4216-9B83-992ED695ED01}" srcId="{2B3DFEE1-DD8A-4D36-B0FB-9A52AF24C735}" destId="{2CF4D18A-73D1-4152-85CE-4A11F983F51D}" srcOrd="3" destOrd="0" parTransId="{B808D38F-41D3-468A-A639-AA7462F9445A}" sibTransId="{CA1C335B-A3EF-4EBF-B3D0-982CB7F2C385}"/>
     <dgm:cxn modelId="{8BCC3E49-BFD6-4627-A21B-EBED1891A345}" type="presOf" srcId="{C156F975-73E9-4F66-8E09-562438D093CD}" destId="{53E2FAE8-86AA-4669-BB9D-FB47F81CE854}" srcOrd="0" destOrd="0" presId="urn:microsoft.com/office/officeart/2005/8/layout/matrix3"/>
-    <dgm:cxn modelId="{DF4FA461-3BF5-4216-9B83-992ED695ED01}" srcId="{2B3DFEE1-DD8A-4D36-B0FB-9A52AF24C735}" destId="{2CF4D18A-73D1-4152-85CE-4A11F983F51D}" srcOrd="3" destOrd="0" parTransId="{B808D38F-41D3-468A-A639-AA7462F9445A}" sibTransId="{CA1C335B-A3EF-4EBF-B3D0-982CB7F2C385}"/>
     <dgm:cxn modelId="{9BA5A388-72B5-4EFC-A045-F5FAE75AB573}" srcId="{2B3DFEE1-DD8A-4D36-B0FB-9A52AF24C735}" destId="{6D4877F8-A6CC-4200-B826-883C37749CF9}" srcOrd="0" destOrd="0" parTransId="{6947BD22-DF9B-4C3C-BBB4-C2790248A654}" sibTransId="{845D4BD2-407C-4CD6-BCA1-C7F1E3072491}"/>
     <dgm:cxn modelId="{A4CC5EA0-FDF9-42CF-A63D-3830622CBFA8}" type="presOf" srcId="{EF3FA99F-285E-44AF-8203-B4D38E21421D}" destId="{2CB9CBF8-2E33-4179-94CB-5484A22B3334}" srcOrd="0" destOrd="0" presId="urn:microsoft.com/office/officeart/2005/8/layout/matrix3"/>
     <dgm:cxn modelId="{679941B7-1443-4F4C-A448-557B3F74F430}" srcId="{2B3DFEE1-DD8A-4D36-B0FB-9A52AF24C735}" destId="{C156F975-73E9-4F66-8E09-562438D093CD}" srcOrd="1" destOrd="0" parTransId="{D6CB0B0D-989E-48F3-8D3A-60A5DCE7813A}" sibTransId="{FBBAEB1A-B532-4405-AD36-D537282671A1}"/>
@@ -6420,8 +6420,12 @@
             </a:lnSpc>
           </a:pPr>
           <a:r>
+            <a:rPr lang="en-US" dirty="0" err="1"/>
+            <a:t>LaTex</a:t>
+          </a:r>
+          <a:r>
             <a:rPr lang="en-US" dirty="0"/>
-            <a:t>Latex and creating an academic paper</a:t>
+            <a:t> and creating an academic paper</a:t>
           </a:r>
         </a:p>
       </dgm:t>
@@ -9719,8 +9723,12 @@
             <a:buNone/>
           </a:pPr>
           <a:r>
+            <a:rPr lang="en-US" sz="2400" kern="1200" dirty="0" err="1"/>
+            <a:t>LaTex</a:t>
+          </a:r>
+          <a:r>
             <a:rPr lang="en-US" sz="2400" kern="1200" dirty="0"/>
-            <a:t>Latex and creating an academic paper</a:t>
+            <a:t> and creating an academic paper</a:t>
           </a:r>
         </a:p>
       </dsp:txBody>
@@ -16299,7 +16307,7 @@
           <a:p>
             <a:fld id="{9A3872D6-F9DE-D746-BA47-48E20125A7C5}" type="datetimeFigureOut">
               <a:rPr lang="en-US" smtClean="0"/>
-              <a:t>4/28/19</a:t>
+              <a:t>4/28/2019</a:t>
             </a:fld>
             <a:endParaRPr lang="en-US"/>
           </a:p>
@@ -16982,7 +16990,7 @@
             <a:fld id="{B61BEF0D-F0BB-DE4B-95CE-6DB70DBA9567}" type="datetimeFigureOut">
               <a:rPr lang="en-US" smtClean="0"/>
               <a:pPr/>
-              <a:t>4/28/19</a:t>
+              <a:t>4/28/2019</a:t>
             </a:fld>
             <a:endParaRPr lang="en-US" dirty="0"/>
           </a:p>
@@ -17154,7 +17162,7 @@
             <a:fld id="{B61BEF0D-F0BB-DE4B-95CE-6DB70DBA9567}" type="datetimeFigureOut">
               <a:rPr lang="en-US" smtClean="0"/>
               <a:pPr/>
-              <a:t>4/28/19</a:t>
+              <a:t>4/28/2019</a:t>
             </a:fld>
             <a:endParaRPr lang="en-US" dirty="0"/>
           </a:p>
@@ -17336,7 +17344,7 @@
             <a:fld id="{B61BEF0D-F0BB-DE4B-95CE-6DB70DBA9567}" type="datetimeFigureOut">
               <a:rPr lang="en-US" smtClean="0"/>
               <a:pPr/>
-              <a:t>4/28/19</a:t>
+              <a:t>4/28/2019</a:t>
             </a:fld>
             <a:endParaRPr lang="en-US" dirty="0"/>
           </a:p>
@@ -17508,7 +17516,7 @@
             <a:fld id="{B61BEF0D-F0BB-DE4B-95CE-6DB70DBA9567}" type="datetimeFigureOut">
               <a:rPr lang="en-US" smtClean="0"/>
               <a:pPr/>
-              <a:t>4/28/19</a:t>
+              <a:t>4/28/2019</a:t>
             </a:fld>
             <a:endParaRPr lang="en-US" dirty="0"/>
           </a:p>
@@ -17778,7 +17786,7 @@
             <a:fld id="{B61BEF0D-F0BB-DE4B-95CE-6DB70DBA9567}" type="datetimeFigureOut">
               <a:rPr lang="en-US" smtClean="0"/>
               <a:pPr/>
-              <a:t>4/28/19</a:t>
+              <a:t>4/28/2019</a:t>
             </a:fld>
             <a:endParaRPr lang="en-US" dirty="0"/>
           </a:p>
@@ -18012,7 +18020,7 @@
             <a:fld id="{B61BEF0D-F0BB-DE4B-95CE-6DB70DBA9567}" type="datetimeFigureOut">
               <a:rPr lang="en-US" smtClean="0"/>
               <a:pPr/>
-              <a:t>4/28/19</a:t>
+              <a:t>4/28/2019</a:t>
             </a:fld>
             <a:endParaRPr lang="en-US" dirty="0"/>
           </a:p>
@@ -18373,7 +18381,7 @@
             <a:fld id="{B61BEF0D-F0BB-DE4B-95CE-6DB70DBA9567}" type="datetimeFigureOut">
               <a:rPr lang="en-US" smtClean="0"/>
               <a:pPr/>
-              <a:t>4/28/19</a:t>
+              <a:t>4/28/2019</a:t>
             </a:fld>
             <a:endParaRPr lang="en-US" dirty="0"/>
           </a:p>
@@ -18516,7 +18524,7 @@
             <a:fld id="{B61BEF0D-F0BB-DE4B-95CE-6DB70DBA9567}" type="datetimeFigureOut">
               <a:rPr lang="en-US" smtClean="0"/>
               <a:pPr/>
-              <a:t>4/28/19</a:t>
+              <a:t>4/28/2019</a:t>
             </a:fld>
             <a:endParaRPr lang="en-US" dirty="0"/>
           </a:p>
@@ -18613,7 +18621,7 @@
             <a:fld id="{B61BEF0D-F0BB-DE4B-95CE-6DB70DBA9567}" type="datetimeFigureOut">
               <a:rPr lang="en-US" smtClean="0"/>
               <a:pPr/>
-              <a:t>4/28/19</a:t>
+              <a:t>4/28/2019</a:t>
             </a:fld>
             <a:endParaRPr lang="en-US" dirty="0"/>
           </a:p>
@@ -18972,7 +18980,7 @@
             <a:fld id="{B61BEF0D-F0BB-DE4B-95CE-6DB70DBA9567}" type="datetimeFigureOut">
               <a:rPr lang="en-US" smtClean="0"/>
               <a:pPr/>
-              <a:t>4/28/19</a:t>
+              <a:t>4/28/2019</a:t>
             </a:fld>
             <a:endParaRPr lang="en-US" dirty="0"/>
           </a:p>
@@ -19331,7 +19339,7 @@
             <a:fld id="{B61BEF0D-F0BB-DE4B-95CE-6DB70DBA9567}" type="datetimeFigureOut">
               <a:rPr lang="en-US" smtClean="0"/>
               <a:pPr/>
-              <a:t>4/28/19</a:t>
+              <a:t>4/28/2019</a:t>
             </a:fld>
             <a:endParaRPr lang="en-US" dirty="0"/>
           </a:p>
@@ -19575,7 +19583,7 @@
             <a:fld id="{B61BEF0D-F0BB-DE4B-95CE-6DB70DBA9567}" type="datetimeFigureOut">
               <a:rPr lang="en-US" smtClean="0"/>
               <a:pPr/>
-              <a:t>4/28/19</a:t>
+              <a:t>4/28/2019</a:t>
             </a:fld>
             <a:endParaRPr lang="en-US" dirty="0"/>
           </a:p>
@@ -20468,7 +20476,7 @@
         </p:blipFill>
         <p:spPr>
           <a:xfrm>
-            <a:off x="6096000" y="318033"/>
+            <a:off x="6483590" y="365643"/>
             <a:ext cx="5196840" cy="3650779"/>
           </a:xfrm>
           <a:prstGeom prst="rect">
@@ -20500,7 +20508,7 @@
         </p:blipFill>
         <p:spPr>
           <a:xfrm>
-            <a:off x="299485" y="534390"/>
+            <a:off x="505735" y="568246"/>
             <a:ext cx="5472120" cy="3132789"/>
           </a:xfrm>
           <a:prstGeom prst="rect">
@@ -21191,10 +21199,95 @@
       </p:grpSpPr>
       <p:sp>
         <p:nvSpPr>
-          <p:cNvPr id="10" name="Oval 9">
+          <p:cNvPr id="4" name="Title 3">
             <a:extLst>
               <a:ext uri="{FF2B5EF4-FFF2-40B4-BE49-F238E27FC236}">
-                <a16:creationId xmlns:a16="http://schemas.microsoft.com/office/drawing/2014/main" id="{BAC87F6E-526A-49B5-995D-42DB656594C9}"/>
+                <a16:creationId xmlns:a16="http://schemas.microsoft.com/office/drawing/2014/main" id="{45193367-46D4-45B4-BEAE-F705A6CDC89D}"/>
+              </a:ext>
+            </a:extLst>
+          </p:cNvPr>
+          <p:cNvSpPr>
+            <a:spLocks noGrp="1"/>
+          </p:cNvSpPr>
+          <p:nvPr>
+            <p:ph type="title"/>
+          </p:nvPr>
+        </p:nvSpPr>
+        <p:spPr>
+          <a:xfrm>
+            <a:off x="804672" y="964692"/>
+            <a:ext cx="4476806" cy="1188720"/>
+          </a:xfrm>
+          <a:prstGeom prst="ellipse">
+            <a:avLst/>
+          </a:prstGeom>
+        </p:spPr>
+        <p:txBody>
+          <a:bodyPr>
+            <a:normAutofit/>
+          </a:bodyPr>
+          <a:lstStyle/>
+          <a:p>
+            <a:r>
+              <a:rPr lang="en-US"/>
+              <a:t>Conclusion</a:t>
+            </a:r>
+          </a:p>
+        </p:txBody>
+      </p:sp>
+      <p:sp>
+        <p:nvSpPr>
+          <p:cNvPr id="9" name="Content Placeholder 4">
+            <a:extLst>
+              <a:ext uri="{FF2B5EF4-FFF2-40B4-BE49-F238E27FC236}">
+                <a16:creationId xmlns:a16="http://schemas.microsoft.com/office/drawing/2014/main" id="{0BF30CF9-990B-4CFF-A844-92B127E54F39}"/>
+              </a:ext>
+            </a:extLst>
+          </p:cNvPr>
+          <p:cNvSpPr>
+            <a:spLocks noGrp="1"/>
+          </p:cNvSpPr>
+          <p:nvPr>
+            <p:ph idx="1"/>
+          </p:nvPr>
+        </p:nvSpPr>
+        <p:spPr>
+          <a:xfrm>
+            <a:off x="803244" y="2638044"/>
+            <a:ext cx="4492932" cy="3263206"/>
+          </a:xfrm>
+        </p:spPr>
+        <p:txBody>
+          <a:bodyPr>
+            <a:normAutofit/>
+          </a:bodyPr>
+          <a:lstStyle/>
+          <a:p>
+            <a:r>
+              <a:rPr lang="en-US" dirty="0"/>
+              <a:t>Just the sentiment alone doesn’t give us better accuracy than guessing based on party</a:t>
+            </a:r>
+          </a:p>
+          <a:p>
+            <a:r>
+              <a:rPr lang="en-US" dirty="0"/>
+              <a:t>Leveraging the two gives greater insight into the vote</a:t>
+            </a:r>
+          </a:p>
+          <a:p>
+            <a:r>
+              <a:rPr lang="en-US" dirty="0"/>
+              <a:t>Just going off of tweets, Democrats are portrayed as not representing their people</a:t>
+            </a:r>
+          </a:p>
+        </p:txBody>
+      </p:sp>
+      <p:sp>
+        <p:nvSpPr>
+          <p:cNvPr id="19" name="Rectangle 18">
+            <a:extLst>
+              <a:ext uri="{FF2B5EF4-FFF2-40B4-BE49-F238E27FC236}">
+                <a16:creationId xmlns:a16="http://schemas.microsoft.com/office/drawing/2014/main" id="{56533F40-045E-4E3D-9243-864CD4E58669}"/>
               </a:ext>
               <a:ext uri="{C183D7F6-B498-43B3-948B-1728B52AA6E4}">
                 <adec:decorative xmlns:adec="http://schemas.microsoft.com/office/drawing/2017/decorative" val="1"/>
@@ -21214,121 +21307,8 @@
         </p:nvSpPr>
         <p:spPr>
           <a:xfrm>
-            <a:off x="977894" y="1443035"/>
-            <a:ext cx="3971932" cy="3971930"/>
-          </a:xfrm>
-          <a:prstGeom prst="ellipse">
-            <a:avLst/>
-          </a:prstGeom>
-          <a:solidFill>
-            <a:srgbClr val="FFFFFF"/>
-          </a:solidFill>
-          <a:ln w="31750">
-            <a:solidFill>
-              <a:schemeClr val="accent2"/>
-            </a:solidFill>
-          </a:ln>
-        </p:spPr>
-        <p:style>
-          <a:lnRef idx="2">
-            <a:schemeClr val="accent1">
-              <a:shade val="50000"/>
-            </a:schemeClr>
-          </a:lnRef>
-          <a:fillRef idx="1">
-            <a:schemeClr val="accent1"/>
-          </a:fillRef>
-          <a:effectRef idx="0">
-            <a:schemeClr val="accent1"/>
-          </a:effectRef>
-          <a:fontRef idx="minor">
-            <a:schemeClr val="lt1"/>
-          </a:fontRef>
-        </p:style>
-        <p:txBody>
-          <a:bodyPr rtlCol="0" anchor="ctr"/>
-          <a:lstStyle/>
-          <a:p>
-            <a:pPr algn="ctr"/>
-            <a:endParaRPr lang="en-US"/>
-          </a:p>
-        </p:txBody>
-      </p:sp>
-      <p:sp>
-        <p:nvSpPr>
-          <p:cNvPr id="4" name="Title 3">
-            <a:extLst>
-              <a:ext uri="{FF2B5EF4-FFF2-40B4-BE49-F238E27FC236}">
-                <a16:creationId xmlns:a16="http://schemas.microsoft.com/office/drawing/2014/main" id="{45193367-46D4-45B4-BEAE-F705A6CDC89D}"/>
-              </a:ext>
-            </a:extLst>
-          </p:cNvPr>
-          <p:cNvSpPr>
-            <a:spLocks noGrp="1"/>
-          </p:cNvSpPr>
-          <p:nvPr>
-            <p:ph type="title"/>
-          </p:nvPr>
-        </p:nvSpPr>
-        <p:spPr>
-          <a:xfrm>
-            <a:off x="1121344" y="1586484"/>
-            <a:ext cx="3685032" cy="3685032"/>
-          </a:xfrm>
-          <a:prstGeom prst="ellipse">
-            <a:avLst/>
-          </a:prstGeom>
-          <a:solidFill>
-            <a:schemeClr val="accent2"/>
-          </a:solidFill>
-          <a:ln>
-            <a:noFill/>
-          </a:ln>
-        </p:spPr>
-        <p:txBody>
-          <a:bodyPr>
-            <a:normAutofit/>
-          </a:bodyPr>
-          <a:lstStyle/>
-          <a:p>
-            <a:r>
-              <a:rPr lang="en-US" sz="2300">
-                <a:solidFill>
-                  <a:srgbClr val="FFFFFF"/>
-                </a:solidFill>
-              </a:rPr>
-              <a:t>Conclusion</a:t>
-            </a:r>
-          </a:p>
-        </p:txBody>
-      </p:sp>
-      <p:sp>
-        <p:nvSpPr>
-          <p:cNvPr id="12" name="Rectangle 11">
-            <a:extLst>
-              <a:ext uri="{FF2B5EF4-FFF2-40B4-BE49-F238E27FC236}">
-                <a16:creationId xmlns:a16="http://schemas.microsoft.com/office/drawing/2014/main" id="{5E5436DB-4E8B-43A5-AE55-1C527B62E203}"/>
-              </a:ext>
-              <a:ext uri="{C183D7F6-B498-43B3-948B-1728B52AA6E4}">
-                <adec:decorative xmlns:adec="http://schemas.microsoft.com/office/drawing/2017/decorative" val="1"/>
-              </a:ext>
-            </a:extLst>
-          </p:cNvPr>
-          <p:cNvSpPr>
-            <a:spLocks noGrp="1" noRot="1" noChangeAspect="1" noMove="1" noResize="1" noEditPoints="1" noAdjustHandles="1" noChangeArrowheads="1" noChangeShapeType="1" noTextEdit="1"/>
-          </p:cNvSpPr>
-          <p:nvPr>
-            <p:extLst>
-              <p:ext uri="{386F3935-93C4-4BCD-93E2-E3B085C9AB24}">
-                <p16:designElem xmlns:p16="http://schemas.microsoft.com/office/powerpoint/2015/main" val="1"/>
-              </p:ext>
-            </p:extLst>
-          </p:nvPr>
-        </p:nvSpPr>
-        <p:spPr>
-          <a:xfrm>
-            <a:off x="5618743" y="797433"/>
-            <a:ext cx="5934456" cy="5263134"/>
+            <a:off x="5943605" y="964692"/>
+            <a:ext cx="5440680" cy="4936558"/>
           </a:xfrm>
           <a:prstGeom prst="rect">
             <a:avLst/>
@@ -21368,10 +21348,10 @@
       </p:sp>
       <p:sp>
         <p:nvSpPr>
-          <p:cNvPr id="14" name="Rectangle 13">
+          <p:cNvPr id="21" name="Rectangle 20">
             <a:extLst>
               <a:ext uri="{FF2B5EF4-FFF2-40B4-BE49-F238E27FC236}">
-                <a16:creationId xmlns:a16="http://schemas.microsoft.com/office/drawing/2014/main" id="{0D65299F-028F-4AFC-B46A-8DB33E20FE4A}"/>
+                <a16:creationId xmlns:a16="http://schemas.microsoft.com/office/drawing/2014/main" id="{30402EC6-D845-41B3-BEBE-CB34D9BFEA60}"/>
               </a:ext>
               <a:ext uri="{C183D7F6-B498-43B3-948B-1728B52AA6E4}">
                 <adec:decorative xmlns:adec="http://schemas.microsoft.com/office/drawing/2017/decorative" val="1"/>
@@ -21391,8 +21371,8 @@
         </p:nvSpPr>
         <p:spPr>
           <a:xfrm>
-            <a:off x="5783335" y="960120"/>
-            <a:ext cx="5605272" cy="4937760"/>
+            <a:off x="6110699" y="1128683"/>
+            <a:ext cx="5106493" cy="4608576"/>
           </a:xfrm>
           <a:prstGeom prst="rect">
             <a:avLst/>
@@ -21429,82 +21409,137 @@
           </a:p>
         </p:txBody>
       </p:sp>
-      <p:sp>
-        <p:nvSpPr>
-          <p:cNvPr id="9" name="Content Placeholder 4">
+      <p:pic>
+        <p:nvPicPr>
+          <p:cNvPr id="7" name="Picture 6" descr="A picture containing object&#10;&#10;Description automatically generated">
             <a:extLst>
               <a:ext uri="{FF2B5EF4-FFF2-40B4-BE49-F238E27FC236}">
-                <a16:creationId xmlns:a16="http://schemas.microsoft.com/office/drawing/2014/main" id="{0BF30CF9-990B-4CFF-A844-92B127E54F39}"/>
+                <a16:creationId xmlns:a16="http://schemas.microsoft.com/office/drawing/2014/main" id="{E17B9C65-B78F-4EC8-B94F-FFE77748FE6D}"/>
               </a:ext>
             </a:extLst>
           </p:cNvPr>
-          <p:cNvSpPr>
-            <a:spLocks noGrp="1"/>
-          </p:cNvSpPr>
-          <p:nvPr>
-            <p:ph idx="1"/>
-          </p:nvPr>
+          <p:cNvPicPr>
+            <a:picLocks noChangeAspect="1"/>
+          </p:cNvPicPr>
+          <p:nvPr/>
+        </p:nvPicPr>
+        <p:blipFill>
+          <a:blip r:embed="rId2"/>
+          <a:stretch>
+            <a:fillRect/>
+          </a:stretch>
+        </p:blipFill>
+        <p:spPr>
+          <a:xfrm>
+            <a:off x="6272789" y="1334732"/>
+            <a:ext cx="4782312" cy="4196478"/>
+          </a:xfrm>
+          <a:prstGeom prst="rect">
+            <a:avLst/>
+          </a:prstGeom>
+        </p:spPr>
+      </p:pic>
+      <p:sp>
+        <p:nvSpPr>
+          <p:cNvPr id="11" name="Oval 10">
+            <a:extLst>
+              <a:ext uri="{FF2B5EF4-FFF2-40B4-BE49-F238E27FC236}">
+                <a16:creationId xmlns:a16="http://schemas.microsoft.com/office/drawing/2014/main" id="{591D761D-4659-4661-99B2-38215D08C825}"/>
+              </a:ext>
+            </a:extLst>
+          </p:cNvPr>
+          <p:cNvSpPr/>
+          <p:nvPr/>
         </p:nvSpPr>
         <p:spPr>
-          <a:xfrm>
-            <a:off x="6259551" y="1444752"/>
-            <a:ext cx="4652840" cy="3968496"/>
+          <a:xfrm rot="2713318" flipH="1">
+            <a:off x="7701796" y="3472005"/>
+            <a:ext cx="561392" cy="1056988"/>
           </a:xfrm>
+          <a:prstGeom prst="ellipse">
+            <a:avLst/>
+          </a:prstGeom>
+          <a:noFill/>
+          <a:ln w="19050">
+            <a:solidFill>
+              <a:srgbClr val="FF0000"/>
+            </a:solidFill>
+          </a:ln>
         </p:spPr>
+        <p:style>
+          <a:lnRef idx="2">
+            <a:schemeClr val="accent1">
+              <a:shade val="50000"/>
+            </a:schemeClr>
+          </a:lnRef>
+          <a:fillRef idx="1">
+            <a:schemeClr val="accent1"/>
+          </a:fillRef>
+          <a:effectRef idx="0">
+            <a:schemeClr val="accent1"/>
+          </a:effectRef>
+          <a:fontRef idx="minor">
+            <a:schemeClr val="lt1"/>
+          </a:fontRef>
+        </p:style>
         <p:txBody>
-          <a:bodyPr anchor="ctr">
-            <a:normAutofit/>
-          </a:bodyPr>
+          <a:bodyPr rtlCol="0" anchor="ctr"/>
           <a:lstStyle/>
           <a:p>
-            <a:r>
-              <a:rPr lang="en-US" dirty="0">
-                <a:solidFill>
-                  <a:srgbClr val="404040"/>
-                </a:solidFill>
-              </a:rPr>
-              <a:t>Weak correlated between tweets gathered and state population size</a:t>
-            </a:r>
+            <a:pPr algn="ctr"/>
+            <a:endParaRPr lang="en-US"/>
           </a:p>
+        </p:txBody>
+      </p:sp>
+      <p:sp>
+        <p:nvSpPr>
+          <p:cNvPr id="13" name="Oval 12">
+            <a:extLst>
+              <a:ext uri="{FF2B5EF4-FFF2-40B4-BE49-F238E27FC236}">
+                <a16:creationId xmlns:a16="http://schemas.microsoft.com/office/drawing/2014/main" id="{70D207A7-E4E2-40E9-A607-9CB1B357ECF8}"/>
+              </a:ext>
+            </a:extLst>
+          </p:cNvPr>
+          <p:cNvSpPr/>
+          <p:nvPr/>
+        </p:nvSpPr>
+        <p:spPr>
+          <a:xfrm rot="176249" flipH="1">
+            <a:off x="6976851" y="2505034"/>
+            <a:ext cx="561392" cy="1729779"/>
+          </a:xfrm>
+          <a:prstGeom prst="ellipse">
+            <a:avLst/>
+          </a:prstGeom>
+          <a:noFill/>
+          <a:ln w="19050">
+            <a:solidFill>
+              <a:srgbClr val="FF0000"/>
+            </a:solidFill>
+          </a:ln>
+        </p:spPr>
+        <p:style>
+          <a:lnRef idx="2">
+            <a:schemeClr val="accent1">
+              <a:shade val="50000"/>
+            </a:schemeClr>
+          </a:lnRef>
+          <a:fillRef idx="1">
+            <a:schemeClr val="accent1"/>
+          </a:fillRef>
+          <a:effectRef idx="0">
+            <a:schemeClr val="accent1"/>
+          </a:effectRef>
+          <a:fontRef idx="minor">
+            <a:schemeClr val="lt1"/>
+          </a:fontRef>
+        </p:style>
+        <p:txBody>
+          <a:bodyPr rtlCol="0" anchor="ctr"/>
+          <a:lstStyle/>
           <a:p>
-            <a:r>
-              <a:rPr lang="en-US" dirty="0">
-                <a:solidFill>
-                  <a:srgbClr val="404040"/>
-                </a:solidFill>
-              </a:rPr>
-              <a:t>Most of the tweets gathered were classified as Anti-Obamacare, especially towards Democrats</a:t>
-            </a:r>
-          </a:p>
-          <a:p>
-            <a:r>
-              <a:rPr lang="en-US" dirty="0">
-                <a:solidFill>
-                  <a:srgbClr val="404040"/>
-                </a:solidFill>
-              </a:rPr>
-              <a:t>People tend to voice their opinion when against something, rather than for something</a:t>
-            </a:r>
-          </a:p>
-          <a:p>
-            <a:r>
-              <a:rPr lang="en-US" dirty="0">
-                <a:solidFill>
-                  <a:srgbClr val="404040"/>
-                </a:solidFill>
-              </a:rPr>
-              <a:t>Senators voting against party line tended to get tweeted at more</a:t>
-            </a:r>
-          </a:p>
-          <a:p>
-            <a:r>
-              <a:rPr lang="en-US" dirty="0">
-                <a:solidFill>
-                  <a:srgbClr val="404040"/>
-                </a:solidFill>
-              </a:rPr>
-              <a:t>Able to predict voting with good accuracy</a:t>
-            </a:r>
+            <a:pPr algn="ctr"/>
+            <a:endParaRPr lang="en-US"/>
           </a:p>
         </p:txBody>
       </p:sp>
@@ -21518,6 +21553,84 @@
   <p:clrMapOvr>
     <a:masterClrMapping/>
   </p:clrMapOvr>
+  <p:timing>
+    <p:tnLst>
+      <p:par>
+        <p:cTn id="1" dur="indefinite" restart="never" nodeType="tmRoot">
+          <p:childTnLst>
+            <p:seq concurrent="1" nextAc="seek">
+              <p:cTn id="2" dur="indefinite" nodeType="mainSeq">
+                <p:childTnLst>
+                  <p:par>
+                    <p:cTn id="3" fill="hold">
+                      <p:stCondLst>
+                        <p:cond delay="indefinite"/>
+                      </p:stCondLst>
+                      <p:childTnLst>
+                        <p:par>
+                          <p:cTn id="4" fill="hold">
+                            <p:stCondLst>
+                              <p:cond delay="0"/>
+                            </p:stCondLst>
+                            <p:childTnLst>
+                              <p:par>
+                                <p:cTn id="5" presetID="1" presetClass="entr" presetSubtype="0" fill="hold" grpId="0" nodeType="clickEffect">
+                                  <p:stCondLst>
+                                    <p:cond delay="0"/>
+                                  </p:stCondLst>
+                                  <p:childTnLst>
+                                    <p:set>
+                                      <p:cBhvr>
+                                        <p:cTn id="6" dur="1" fill="hold">
+                                          <p:stCondLst>
+                                            <p:cond delay="0"/>
+                                          </p:stCondLst>
+                                        </p:cTn>
+                                        <p:tgtEl>
+                                          <p:spTgt spid="13"/>
+                                        </p:tgtEl>
+                                        <p:attrNameLst>
+                                          <p:attrName>style.visibility</p:attrName>
+                                        </p:attrNameLst>
+                                      </p:cBhvr>
+                                      <p:to>
+                                        <p:strVal val="visible"/>
+                                      </p:to>
+                                    </p:set>
+                                  </p:childTnLst>
+                                </p:cTn>
+                              </p:par>
+                            </p:childTnLst>
+                          </p:cTn>
+                        </p:par>
+                      </p:childTnLst>
+                    </p:cTn>
+                  </p:par>
+                </p:childTnLst>
+              </p:cTn>
+              <p:prevCondLst>
+                <p:cond evt="onPrev" delay="0">
+                  <p:tgtEl>
+                    <p:sldTgt/>
+                  </p:tgtEl>
+                </p:cond>
+              </p:prevCondLst>
+              <p:nextCondLst>
+                <p:cond evt="onNext" delay="0">
+                  <p:tgtEl>
+                    <p:sldTgt/>
+                  </p:tgtEl>
+                </p:cond>
+              </p:nextCondLst>
+            </p:seq>
+          </p:childTnLst>
+        </p:cTn>
+      </p:par>
+    </p:tnLst>
+    <p:bldLst>
+      <p:bldP spid="13" grpId="0" animBg="1"/>
+    </p:bldLst>
+  </p:timing>
 </p:sld>
 </file>
 
@@ -22026,7 +22139,7 @@
             <p:ph idx="1"/>
             <p:extLst>
               <p:ext uri="{D42A27DB-BD31-4B8C-83A1-F6EECF244321}">
-                <p14:modId xmlns:p14="http://schemas.microsoft.com/office/powerpoint/2010/main" val="644073642"/>
+                <p14:modId xmlns:p14="http://schemas.microsoft.com/office/powerpoint/2010/main" val="1452042432"/>
               </p:ext>
             </p:extLst>
           </p:nvPr>
